--- a/Technical Writing.pptx
+++ b/Technical Writing.pptx
@@ -5,10 +5,10 @@
     <p:sldMasterId id="2147483648" r:id="rId1"/>
   </p:sldMasterIdLst>
   <p:notesMasterIdLst>
-    <p:notesMasterId r:id="rId10"/>
+    <p:notesMasterId r:id="rId12"/>
   </p:notesMasterIdLst>
   <p:handoutMasterIdLst>
-    <p:handoutMasterId r:id="rId11"/>
+    <p:handoutMasterId r:id="rId13"/>
   </p:handoutMasterIdLst>
   <p:sldIdLst>
     <p:sldId id="256" r:id="rId2"/>
@@ -17,8 +17,10 @@
     <p:sldId id="259" r:id="rId5"/>
     <p:sldId id="260" r:id="rId6"/>
     <p:sldId id="261" r:id="rId7"/>
-    <p:sldId id="262" r:id="rId8"/>
-    <p:sldId id="263" r:id="rId9"/>
+    <p:sldId id="264" r:id="rId8"/>
+    <p:sldId id="265" r:id="rId9"/>
+    <p:sldId id="262" r:id="rId10"/>
+    <p:sldId id="263" r:id="rId11"/>
   </p:sldIdLst>
   <p:sldSz cx="12192000" cy="6858000"/>
   <p:notesSz cx="6858000" cy="9144000"/>
@@ -219,7 +221,7 @@
           <a:p>
             <a:fld id="{B5AD7D29-8A7B-483C-9B98-6BBE44865959}" type="datetimeFigureOut">
               <a:rPr lang="en-US" smtClean="0"/>
-              <a:t>10/23/2022</a:t>
+              <a:t>10/25/2022</a:t>
             </a:fld>
             <a:endParaRPr lang="en-US"/>
           </a:p>
@@ -397,7 +399,7 @@
           <a:p>
             <a:fld id="{672CF6B8-F790-4B13-BE9E-46D4868C8775}" type="datetimeFigureOut">
               <a:rPr lang="en-US" smtClean="0"/>
-              <a:t>10/23/2022</a:t>
+              <a:t>10/25/2022</a:t>
             </a:fld>
             <a:endParaRPr lang="en-US"/>
           </a:p>
@@ -815,7 +817,7 @@
           <a:p>
             <a:fld id="{2731F476-CD49-44C0-8845-704D45E3948B}" type="datetime1">
               <a:rPr lang="en-US" smtClean="0"/>
-              <a:t>10/23/2022</a:t>
+              <a:t>10/25/2022</a:t>
             </a:fld>
             <a:endParaRPr lang="en-US"/>
           </a:p>
@@ -1015,7 +1017,7 @@
           <a:p>
             <a:fld id="{73DB2FC6-5C5C-4C9F-9BB3-DD64828A1680}" type="datetime1">
               <a:rPr lang="en-US" smtClean="0"/>
-              <a:t>10/23/2022</a:t>
+              <a:t>10/25/2022</a:t>
             </a:fld>
             <a:endParaRPr lang="en-US"/>
           </a:p>
@@ -1225,7 +1227,7 @@
           <a:p>
             <a:fld id="{B8104205-A509-4672-A111-EB55EAD217C1}" type="datetime1">
               <a:rPr lang="en-US" smtClean="0"/>
-              <a:t>10/23/2022</a:t>
+              <a:t>10/25/2022</a:t>
             </a:fld>
             <a:endParaRPr lang="en-US"/>
           </a:p>
@@ -1425,7 +1427,7 @@
           <a:p>
             <a:fld id="{24036161-2E75-4769-92D8-591B907C90D2}" type="datetime1">
               <a:rPr lang="en-US" smtClean="0"/>
-              <a:t>10/23/2022</a:t>
+              <a:t>10/25/2022</a:t>
             </a:fld>
             <a:endParaRPr lang="en-US"/>
           </a:p>
@@ -1701,7 +1703,7 @@
           <a:p>
             <a:fld id="{CD6783BE-2C21-43CD-98C3-EF561F74AE60}" type="datetime1">
               <a:rPr lang="en-US" smtClean="0"/>
-              <a:t>10/23/2022</a:t>
+              <a:t>10/25/2022</a:t>
             </a:fld>
             <a:endParaRPr lang="en-US"/>
           </a:p>
@@ -1969,7 +1971,7 @@
           <a:p>
             <a:fld id="{3F3A51A6-C376-4395-845A-01DD5BF490ED}" type="datetime1">
               <a:rPr lang="en-US" smtClean="0"/>
-              <a:t>10/23/2022</a:t>
+              <a:t>10/25/2022</a:t>
             </a:fld>
             <a:endParaRPr lang="en-US"/>
           </a:p>
@@ -2384,7 +2386,7 @@
           <a:p>
             <a:fld id="{C9EF5DA3-AA9E-4248-B14F-470EDDD5F097}" type="datetime1">
               <a:rPr lang="en-US" smtClean="0"/>
-              <a:t>10/23/2022</a:t>
+              <a:t>10/25/2022</a:t>
             </a:fld>
             <a:endParaRPr lang="en-US"/>
           </a:p>
@@ -2526,7 +2528,7 @@
           <a:p>
             <a:fld id="{8635B365-F9F1-4DDE-8C02-311F43115B0B}" type="datetime1">
               <a:rPr lang="en-US" smtClean="0"/>
-              <a:t>10/23/2022</a:t>
+              <a:t>10/25/2022</a:t>
             </a:fld>
             <a:endParaRPr lang="en-US"/>
           </a:p>
@@ -2639,7 +2641,7 @@
           <a:p>
             <a:fld id="{D57A39D9-4CA7-4DAD-908A-5490A9115D25}" type="datetime1">
               <a:rPr lang="en-US" smtClean="0"/>
-              <a:t>10/23/2022</a:t>
+              <a:t>10/25/2022</a:t>
             </a:fld>
             <a:endParaRPr lang="en-US"/>
           </a:p>
@@ -2952,7 +2954,7 @@
           <a:p>
             <a:fld id="{0F2A8537-1E7C-488B-80BF-36D26752A4D3}" type="datetime1">
               <a:rPr lang="en-US" smtClean="0"/>
-              <a:t>10/23/2022</a:t>
+              <a:t>10/25/2022</a:t>
             </a:fld>
             <a:endParaRPr lang="en-US"/>
           </a:p>
@@ -3241,7 +3243,7 @@
           <a:p>
             <a:fld id="{56B2C35F-272C-4248-BFE8-63496E1956EC}" type="datetime1">
               <a:rPr lang="en-US" smtClean="0"/>
-              <a:t>10/23/2022</a:t>
+              <a:t>10/25/2022</a:t>
             </a:fld>
             <a:endParaRPr lang="en-US"/>
           </a:p>
@@ -3484,7 +3486,7 @@
           <a:p>
             <a:fld id="{54448C5D-8063-4E26-B05A-BBBC1BE38990}" type="datetime1">
               <a:rPr lang="en-US" smtClean="0"/>
-              <a:t>10/23/2022</a:t>
+              <a:t>10/25/2022</a:t>
             </a:fld>
             <a:endParaRPr lang="en-US"/>
           </a:p>
@@ -4278,6 +4280,180 @@
 </p:sld>
 </file>
 
+<file path=ppt/slides/slide10.xml><?xml version="1.0" encoding="utf-8"?>
+<p:sld xmlns:a="http://schemas.openxmlformats.org/drawingml/2006/main" xmlns:r="http://schemas.openxmlformats.org/officeDocument/2006/relationships" xmlns:p="http://schemas.openxmlformats.org/presentationml/2006/main">
+  <p:cSld>
+    <p:spTree>
+      <p:nvGrpSpPr>
+        <p:cNvPr id="1" name=""/>
+        <p:cNvGrpSpPr/>
+        <p:nvPr/>
+      </p:nvGrpSpPr>
+      <p:grpSpPr>
+        <a:xfrm>
+          <a:off x="0" y="0"/>
+          <a:ext cx="0" cy="0"/>
+          <a:chOff x="0" y="0"/>
+          <a:chExt cx="0" cy="0"/>
+        </a:xfrm>
+      </p:grpSpPr>
+      <p:sp>
+        <p:nvSpPr>
+          <p:cNvPr id="2" name="灯片编号占位符 1">
+            <a:extLst>
+              <a:ext uri="{FF2B5EF4-FFF2-40B4-BE49-F238E27FC236}">
+                <a16:creationId xmlns:a16="http://schemas.microsoft.com/office/drawing/2014/main" id="{BC81668E-20E5-79E8-DE3B-81399225B961}"/>
+              </a:ext>
+            </a:extLst>
+          </p:cNvPr>
+          <p:cNvSpPr>
+            <a:spLocks noGrp="1"/>
+          </p:cNvSpPr>
+          <p:nvPr>
+            <p:ph type="sldNum" sz="quarter" idx="12"/>
+          </p:nvPr>
+        </p:nvSpPr>
+        <p:spPr/>
+        <p:txBody>
+          <a:bodyPr/>
+          <a:lstStyle/>
+          <a:p>
+            <a:fld id="{91E15A72-4311-4D48-8139-6724A1CBFEF9}" type="slidenum">
+              <a:rPr lang="en-US" smtClean="0">
+                <a:solidFill>
+                  <a:schemeClr val="tx1"/>
+                </a:solidFill>
+              </a:rPr>
+              <a:t>10</a:t>
+            </a:fld>
+            <a:endParaRPr lang="en-US" dirty="0">
+              <a:solidFill>
+                <a:schemeClr val="tx1"/>
+              </a:solidFill>
+            </a:endParaRPr>
+          </a:p>
+        </p:txBody>
+      </p:sp>
+      <p:sp>
+        <p:nvSpPr>
+          <p:cNvPr id="3" name="矩形 2">
+            <a:extLst>
+              <a:ext uri="{FF2B5EF4-FFF2-40B4-BE49-F238E27FC236}">
+                <a16:creationId xmlns:a16="http://schemas.microsoft.com/office/drawing/2014/main" id="{EB18FF03-365A-DD4F-D70C-00598B219E8E}"/>
+              </a:ext>
+            </a:extLst>
+          </p:cNvPr>
+          <p:cNvSpPr/>
+          <p:nvPr/>
+        </p:nvSpPr>
+        <p:spPr>
+          <a:xfrm>
+            <a:off x="4626687" y="2690336"/>
+            <a:ext cx="2938625" cy="1477328"/>
+          </a:xfrm>
+          <a:prstGeom prst="rect">
+            <a:avLst/>
+          </a:prstGeom>
+          <a:noFill/>
+        </p:spPr>
+        <p:txBody>
+          <a:bodyPr wrap="none" lIns="91440" tIns="45720" rIns="91440" bIns="45720">
+            <a:spAutoFit/>
+          </a:bodyPr>
+          <a:lstStyle/>
+          <a:p>
+            <a:r>
+              <a:rPr lang="en-US" altLang="zh-CN" sz="9000" b="0" cap="none" spc="0" dirty="0">
+                <a:ln w="0"/>
+                <a:solidFill>
+                  <a:schemeClr val="tx1"/>
+                </a:solidFill>
+                <a:effectLst>
+                  <a:outerShdw blurRad="38100" dist="19050" dir="2700000" algn="tl" rotWithShape="0">
+                    <a:schemeClr val="dk1">
+                      <a:alpha val="40000"/>
+                    </a:schemeClr>
+                  </a:outerShdw>
+                </a:effectLst>
+              </a:rPr>
+              <a:t>Q &amp; A</a:t>
+            </a:r>
+            <a:endParaRPr lang="zh-CN" altLang="en-US" sz="9000" b="0" cap="none" spc="0" dirty="0">
+              <a:ln w="0"/>
+              <a:solidFill>
+                <a:schemeClr val="tx1"/>
+              </a:solidFill>
+              <a:effectLst>
+                <a:outerShdw blurRad="38100" dist="19050" dir="2700000" algn="tl" rotWithShape="0">
+                  <a:schemeClr val="dk1">
+                    <a:alpha val="40000"/>
+                  </a:schemeClr>
+                </a:outerShdw>
+              </a:effectLst>
+            </a:endParaRPr>
+          </a:p>
+        </p:txBody>
+      </p:sp>
+      <p:pic>
+        <p:nvPicPr>
+          <p:cNvPr id="2050" name="Picture 2" descr="🔥 Thank You Any Question Images HD Download free - Images SRkh">
+            <a:extLst>
+              <a:ext uri="{FF2B5EF4-FFF2-40B4-BE49-F238E27FC236}">
+                <a16:creationId xmlns:a16="http://schemas.microsoft.com/office/drawing/2014/main" id="{050E54E3-1C22-1484-58C7-820601438140}"/>
+              </a:ext>
+            </a:extLst>
+          </p:cNvPr>
+          <p:cNvPicPr>
+            <a:picLocks noChangeAspect="1" noChangeArrowheads="1"/>
+          </p:cNvPicPr>
+          <p:nvPr/>
+        </p:nvPicPr>
+        <p:blipFill>
+          <a:blip r:embed="rId2">
+            <a:extLst>
+              <a:ext uri="{28A0092B-C50C-407E-A947-70E740481C1C}">
+                <a14:useLocalDpi xmlns:a14="http://schemas.microsoft.com/office/drawing/2010/main" val="0"/>
+              </a:ext>
+            </a:extLst>
+          </a:blip>
+          <a:srcRect/>
+          <a:stretch>
+            <a:fillRect/>
+          </a:stretch>
+        </p:blipFill>
+        <p:spPr bwMode="auto">
+          <a:xfrm>
+            <a:off x="1656990" y="-1010010"/>
+            <a:ext cx="8878019" cy="8878019"/>
+          </a:xfrm>
+          <a:prstGeom prst="rect">
+            <a:avLst/>
+          </a:prstGeom>
+          <a:noFill/>
+          <a:extLst>
+            <a:ext uri="{909E8E84-426E-40DD-AFC4-6F175D3DCCD1}">
+              <a14:hiddenFill xmlns:a14="http://schemas.microsoft.com/office/drawing/2010/main">
+                <a:solidFill>
+                  <a:srgbClr val="FFFFFF"/>
+                </a:solidFill>
+              </a14:hiddenFill>
+            </a:ext>
+          </a:extLst>
+        </p:spPr>
+      </p:pic>
+    </p:spTree>
+    <p:extLst>
+      <p:ext uri="{BB962C8B-B14F-4D97-AF65-F5344CB8AC3E}">
+        <p14:creationId xmlns:p14="http://schemas.microsoft.com/office/powerpoint/2010/main" val="4078837619"/>
+      </p:ext>
+    </p:extLst>
+  </p:cSld>
+  <p:clrMapOvr>
+    <a:masterClrMapping/>
+  </p:clrMapOvr>
+</p:sld>
+</file>
+
 <file path=ppt/slides/slide2.xml><?xml version="1.0" encoding="utf-8"?>
 <p:sld xmlns:a="http://schemas.openxmlformats.org/drawingml/2006/main" xmlns:r="http://schemas.openxmlformats.org/officeDocument/2006/relationships" xmlns:p="http://schemas.openxmlformats.org/presentationml/2006/main">
   <p:cSld>
@@ -6163,57 +6339,20 @@
       </p:grpSpPr>
       <p:sp>
         <p:nvSpPr>
-          <p:cNvPr id="2" name="灯片编号占位符 1">
-            <a:extLst>
-              <a:ext uri="{FF2B5EF4-FFF2-40B4-BE49-F238E27FC236}">
-                <a16:creationId xmlns:a16="http://schemas.microsoft.com/office/drawing/2014/main" id="{F9D38560-D17B-1AF7-F0AE-61E35BA5CE9C}"/>
-              </a:ext>
-            </a:extLst>
-          </p:cNvPr>
-          <p:cNvSpPr>
-            <a:spLocks noGrp="1"/>
-          </p:cNvSpPr>
-          <p:nvPr>
-            <p:ph type="sldNum" sz="quarter" idx="12"/>
-          </p:nvPr>
-        </p:nvSpPr>
-        <p:spPr/>
-        <p:txBody>
-          <a:bodyPr/>
-          <a:lstStyle/>
-          <a:p>
-            <a:fld id="{91E15A72-4311-4D48-8139-6724A1CBFEF9}" type="slidenum">
-              <a:rPr lang="en-US" smtClean="0">
-                <a:solidFill>
-                  <a:schemeClr val="tx1"/>
-                </a:solidFill>
-              </a:rPr>
-              <a:t>7</a:t>
-            </a:fld>
-            <a:endParaRPr lang="en-US" dirty="0">
-              <a:solidFill>
-                <a:schemeClr val="tx1"/>
-              </a:solidFill>
-            </a:endParaRPr>
-          </a:p>
-        </p:txBody>
-      </p:sp>
-      <p:sp>
-        <p:nvSpPr>
-          <p:cNvPr id="3" name="矩形 2">
-            <a:extLst>
-              <a:ext uri="{FF2B5EF4-FFF2-40B4-BE49-F238E27FC236}">
-                <a16:creationId xmlns:a16="http://schemas.microsoft.com/office/drawing/2014/main" id="{3D7B5D06-13EF-0688-E998-76967349F968}"/>
-              </a:ext>
-            </a:extLst>
-          </p:cNvPr>
-          <p:cNvSpPr/>
+          <p:cNvPr id="4" name="文本框 3">
+            <a:extLst>
+              <a:ext uri="{FF2B5EF4-FFF2-40B4-BE49-F238E27FC236}">
+                <a16:creationId xmlns:a16="http://schemas.microsoft.com/office/drawing/2014/main" id="{55A49C74-0458-F9C3-7793-EBDEC5BE3869}"/>
+              </a:ext>
+            </a:extLst>
+          </p:cNvPr>
+          <p:cNvSpPr txBox="1"/>
           <p:nvPr/>
         </p:nvSpPr>
         <p:spPr>
           <a:xfrm>
-            <a:off x="619848" y="337005"/>
-            <a:ext cx="3257623" cy="923330"/>
+            <a:off x="58057" y="159657"/>
+            <a:ext cx="11695814" cy="1661993"/>
           </a:xfrm>
           <a:prstGeom prst="rect">
             <a:avLst/>
@@ -6221,47 +6360,144 @@
           <a:noFill/>
         </p:spPr>
         <p:txBody>
-          <a:bodyPr wrap="none" lIns="91440" tIns="45720" rIns="91440" bIns="45720">
+          <a:bodyPr wrap="square" rtlCol="0">
             <a:spAutoFit/>
           </a:bodyPr>
           <a:lstStyle/>
           <a:p>
             <a:r>
-              <a:rPr lang="en-US" altLang="zh-CN" sz="5400" b="0" cap="none" spc="0" dirty="0">
-                <a:ln w="0"/>
-                <a:solidFill>
-                  <a:schemeClr val="tx1"/>
-                </a:solidFill>
+              <a:rPr lang="en-US" altLang="zh-CN" sz="5400" dirty="0">
                 <a:effectLst>
-                  <a:outerShdw blurRad="38100" dist="19050" dir="2700000" algn="tl" rotWithShape="0">
-                    <a:schemeClr val="dk1">
-                      <a:alpha val="40000"/>
-                    </a:schemeClr>
+                  <a:outerShdw blurRad="38100" dist="38100" dir="2700000" algn="tl">
+                    <a:srgbClr val="000000">
+                      <a:alpha val="43137"/>
+                    </a:srgbClr>
                   </a:outerShdw>
                 </a:effectLst>
+                <a:cs typeface="Arial" panose="020B0604020202020204" pitchFamily="34" charset="0"/>
               </a:rPr>
-              <a:t>Conclusion</a:t>
-            </a:r>
-            <a:endParaRPr lang="zh-CN" altLang="en-US" sz="5400" b="0" cap="none" spc="0" dirty="0">
-              <a:ln w="0"/>
-              <a:solidFill>
-                <a:schemeClr val="tx1"/>
-              </a:solidFill>
-              <a:effectLst>
-                <a:outerShdw blurRad="38100" dist="19050" dir="2700000" algn="tl" rotWithShape="0">
-                  <a:schemeClr val="dk1">
-                    <a:alpha val="40000"/>
-                  </a:schemeClr>
-                </a:outerShdw>
-              </a:effectLst>
+              <a:t>Marketing(promotional activities)</a:t>
+            </a:r>
+          </a:p>
+          <a:p>
+            <a:endParaRPr lang="zh-CN" altLang="en-US" sz="4800" b="1" dirty="0">
+              <a:latin typeface="Arial" panose="020B0604020202020204" pitchFamily="34" charset="0"/>
+              <a:cs typeface="Arial" panose="020B0604020202020204" pitchFamily="34" charset="0"/>
             </a:endParaRPr>
           </a:p>
         </p:txBody>
       </p:sp>
+      <p:pic>
+        <p:nvPicPr>
+          <p:cNvPr id="7" name="图片 6">
+            <a:extLst>
+              <a:ext uri="{FF2B5EF4-FFF2-40B4-BE49-F238E27FC236}">
+                <a16:creationId xmlns:a16="http://schemas.microsoft.com/office/drawing/2014/main" id="{D181A986-CC04-467C-605A-D20FB6510B68}"/>
+              </a:ext>
+            </a:extLst>
+          </p:cNvPr>
+          <p:cNvPicPr>
+            <a:picLocks noChangeAspect="1"/>
+          </p:cNvPicPr>
+          <p:nvPr/>
+        </p:nvPicPr>
+        <p:blipFill>
+          <a:blip r:embed="rId2">
+            <a:extLst>
+              <a:ext uri="{28A0092B-C50C-407E-A947-70E740481C1C}">
+                <a14:useLocalDpi xmlns:a14="http://schemas.microsoft.com/office/drawing/2010/main" val="0"/>
+              </a:ext>
+            </a:extLst>
+          </a:blip>
+          <a:stretch>
+            <a:fillRect/>
+          </a:stretch>
+        </p:blipFill>
+        <p:spPr>
+          <a:xfrm>
+            <a:off x="7876785" y="1489770"/>
+            <a:ext cx="1890674" cy="1645587"/>
+          </a:xfrm>
+          <a:prstGeom prst="rect">
+            <a:avLst/>
+          </a:prstGeom>
+        </p:spPr>
+      </p:pic>
+      <p:pic>
+        <p:nvPicPr>
+          <p:cNvPr id="9" name="图片 8">
+            <a:extLst>
+              <a:ext uri="{FF2B5EF4-FFF2-40B4-BE49-F238E27FC236}">
+                <a16:creationId xmlns:a16="http://schemas.microsoft.com/office/drawing/2014/main" id="{DC61FDC8-6B84-B76A-05B4-1536F7A9BCFA}"/>
+              </a:ext>
+            </a:extLst>
+          </p:cNvPr>
+          <p:cNvPicPr>
+            <a:picLocks noChangeAspect="1"/>
+          </p:cNvPicPr>
+          <p:nvPr/>
+        </p:nvPicPr>
+        <p:blipFill rotWithShape="1">
+          <a:blip r:embed="rId3">
+            <a:extLst>
+              <a:ext uri="{28A0092B-C50C-407E-A947-70E740481C1C}">
+                <a14:useLocalDpi xmlns:a14="http://schemas.microsoft.com/office/drawing/2010/main" val="0"/>
+              </a:ext>
+            </a:extLst>
+          </a:blip>
+          <a:srcRect l="1738" t="255" r="5206"/>
+          <a:stretch/>
+        </p:blipFill>
+        <p:spPr>
+          <a:xfrm>
+            <a:off x="5031332" y="3265064"/>
+            <a:ext cx="7088097" cy="3175698"/>
+          </a:xfrm>
+          <a:prstGeom prst="rect">
+            <a:avLst/>
+          </a:prstGeom>
+        </p:spPr>
+      </p:pic>
+      <p:pic>
+        <p:nvPicPr>
+          <p:cNvPr id="11" name="图片 10">
+            <a:extLst>
+              <a:ext uri="{FF2B5EF4-FFF2-40B4-BE49-F238E27FC236}">
+                <a16:creationId xmlns:a16="http://schemas.microsoft.com/office/drawing/2014/main" id="{316743B3-A336-E6A8-0B51-D9D87C652D44}"/>
+              </a:ext>
+            </a:extLst>
+          </p:cNvPr>
+          <p:cNvPicPr>
+            <a:picLocks noChangeAspect="1"/>
+          </p:cNvPicPr>
+          <p:nvPr/>
+        </p:nvPicPr>
+        <p:blipFill>
+          <a:blip r:embed="rId4">
+            <a:extLst>
+              <a:ext uri="{28A0092B-C50C-407E-A947-70E740481C1C}">
+                <a14:useLocalDpi xmlns:a14="http://schemas.microsoft.com/office/drawing/2010/main" val="0"/>
+              </a:ext>
+            </a:extLst>
+          </a:blip>
+          <a:stretch>
+            <a:fillRect/>
+          </a:stretch>
+        </p:blipFill>
+        <p:spPr>
+          <a:xfrm>
+            <a:off x="242887" y="2396371"/>
+            <a:ext cx="4363307" cy="2456542"/>
+          </a:xfrm>
+          <a:prstGeom prst="rect">
+            <a:avLst/>
+          </a:prstGeom>
+        </p:spPr>
+      </p:pic>
     </p:spTree>
     <p:extLst>
       <p:ext uri="{BB962C8B-B14F-4D97-AF65-F5344CB8AC3E}">
-        <p14:creationId xmlns:p14="http://schemas.microsoft.com/office/powerpoint/2010/main" val="2070633935"/>
+        <p14:creationId xmlns:p14="http://schemas.microsoft.com/office/powerpoint/2010/main" val="3901272935"/>
       </p:ext>
     </p:extLst>
   </p:cSld>
@@ -6290,10 +6526,249 @@
       </p:grpSpPr>
       <p:sp>
         <p:nvSpPr>
+          <p:cNvPr id="4" name="文本框 3">
+            <a:extLst>
+              <a:ext uri="{FF2B5EF4-FFF2-40B4-BE49-F238E27FC236}">
+                <a16:creationId xmlns:a16="http://schemas.microsoft.com/office/drawing/2014/main" id="{8B3D6854-FC8A-F26D-A4AC-C8EA934DCD5F}"/>
+              </a:ext>
+            </a:extLst>
+          </p:cNvPr>
+          <p:cNvSpPr txBox="1"/>
+          <p:nvPr/>
+        </p:nvSpPr>
+        <p:spPr>
+          <a:xfrm>
+            <a:off x="58057" y="159657"/>
+            <a:ext cx="11695814" cy="1661993"/>
+          </a:xfrm>
+          <a:prstGeom prst="rect">
+            <a:avLst/>
+          </a:prstGeom>
+          <a:noFill/>
+        </p:spPr>
+        <p:txBody>
+          <a:bodyPr wrap="square" rtlCol="0">
+            <a:spAutoFit/>
+          </a:bodyPr>
+          <a:lstStyle/>
+          <a:p>
+            <a:r>
+              <a:rPr lang="en-US" altLang="zh-CN" sz="5400" dirty="0">
+                <a:effectLst>
+                  <a:outerShdw blurRad="38100" dist="38100" dir="2700000" algn="tl">
+                    <a:srgbClr val="000000">
+                      <a:alpha val="43137"/>
+                    </a:srgbClr>
+                  </a:outerShdw>
+                </a:effectLst>
+                <a:cs typeface="Arial" panose="020B0604020202020204" pitchFamily="34" charset="0"/>
+              </a:rPr>
+              <a:t>Marketing(coupons)</a:t>
+            </a:r>
+          </a:p>
+          <a:p>
+            <a:endParaRPr lang="zh-CN" altLang="en-US" sz="4800" b="1" dirty="0">
+              <a:latin typeface="Arial" panose="020B0604020202020204" pitchFamily="34" charset="0"/>
+              <a:cs typeface="Arial" panose="020B0604020202020204" pitchFamily="34" charset="0"/>
+            </a:endParaRPr>
+          </a:p>
+        </p:txBody>
+      </p:sp>
+      <p:pic>
+        <p:nvPicPr>
+          <p:cNvPr id="6" name="图片 5">
+            <a:extLst>
+              <a:ext uri="{FF2B5EF4-FFF2-40B4-BE49-F238E27FC236}">
+                <a16:creationId xmlns:a16="http://schemas.microsoft.com/office/drawing/2014/main" id="{BCB2F6D0-2F0C-502E-0917-A8DB30F28A94}"/>
+              </a:ext>
+            </a:extLst>
+          </p:cNvPr>
+          <p:cNvPicPr>
+            <a:picLocks noChangeAspect="1"/>
+          </p:cNvPicPr>
+          <p:nvPr/>
+        </p:nvPicPr>
+        <p:blipFill>
+          <a:blip r:embed="rId2">
+            <a:extLst>
+              <a:ext uri="{28A0092B-C50C-407E-A947-70E740481C1C}">
+                <a14:useLocalDpi xmlns:a14="http://schemas.microsoft.com/office/drawing/2010/main" val="0"/>
+              </a:ext>
+            </a:extLst>
+          </a:blip>
+          <a:stretch>
+            <a:fillRect/>
+          </a:stretch>
+        </p:blipFill>
+        <p:spPr>
+          <a:xfrm>
+            <a:off x="8581033" y="2049338"/>
+            <a:ext cx="3346622" cy="825542"/>
+          </a:xfrm>
+          <a:prstGeom prst="rect">
+            <a:avLst/>
+          </a:prstGeom>
+        </p:spPr>
+      </p:pic>
+      <p:pic>
+        <p:nvPicPr>
+          <p:cNvPr id="10" name="图片 9">
+            <a:extLst>
+              <a:ext uri="{FF2B5EF4-FFF2-40B4-BE49-F238E27FC236}">
+                <a16:creationId xmlns:a16="http://schemas.microsoft.com/office/drawing/2014/main" id="{EF69ABDC-1239-9A1B-54CF-8C42520DF89F}"/>
+              </a:ext>
+            </a:extLst>
+          </p:cNvPr>
+          <p:cNvPicPr>
+            <a:picLocks noChangeAspect="1"/>
+          </p:cNvPicPr>
+          <p:nvPr/>
+        </p:nvPicPr>
+        <p:blipFill rotWithShape="1">
+          <a:blip r:embed="rId3">
+            <a:extLst>
+              <a:ext uri="{28A0092B-C50C-407E-A947-70E740481C1C}">
+                <a14:useLocalDpi xmlns:a14="http://schemas.microsoft.com/office/drawing/2010/main" val="0"/>
+              </a:ext>
+            </a:extLst>
+          </a:blip>
+          <a:srcRect l="5728" t="12878" r="32797"/>
+          <a:stretch/>
+        </p:blipFill>
+        <p:spPr>
+          <a:xfrm>
+            <a:off x="5322320" y="2946745"/>
+            <a:ext cx="6688374" cy="2893484"/>
+          </a:xfrm>
+          <a:prstGeom prst="rect">
+            <a:avLst/>
+          </a:prstGeom>
+        </p:spPr>
+      </p:pic>
+      <p:pic>
+        <p:nvPicPr>
+          <p:cNvPr id="12" name="图片 11">
+            <a:extLst>
+              <a:ext uri="{FF2B5EF4-FFF2-40B4-BE49-F238E27FC236}">
+                <a16:creationId xmlns:a16="http://schemas.microsoft.com/office/drawing/2014/main" id="{B829170C-A8F6-3792-E05B-CA250EB895A4}"/>
+              </a:ext>
+            </a:extLst>
+          </p:cNvPr>
+          <p:cNvPicPr>
+            <a:picLocks noChangeAspect="1"/>
+          </p:cNvPicPr>
+          <p:nvPr/>
+        </p:nvPicPr>
+        <p:blipFill>
+          <a:blip r:embed="rId4">
+            <a:extLst>
+              <a:ext uri="{28A0092B-C50C-407E-A947-70E740481C1C}">
+                <a14:useLocalDpi xmlns:a14="http://schemas.microsoft.com/office/drawing/2010/main" val="0"/>
+              </a:ext>
+            </a:extLst>
+          </a:blip>
+          <a:stretch>
+            <a:fillRect/>
+          </a:stretch>
+        </p:blipFill>
+        <p:spPr>
+          <a:xfrm>
+            <a:off x="58057" y="2081282"/>
+            <a:ext cx="5047728" cy="3758947"/>
+          </a:xfrm>
+          <a:prstGeom prst="rect">
+            <a:avLst/>
+          </a:prstGeom>
+        </p:spPr>
+      </p:pic>
+      <p:sp>
+        <p:nvSpPr>
+          <p:cNvPr id="13" name="椭圆 12">
+            <a:extLst>
+              <a:ext uri="{FF2B5EF4-FFF2-40B4-BE49-F238E27FC236}">
+                <a16:creationId xmlns:a16="http://schemas.microsoft.com/office/drawing/2014/main" id="{21EE277E-8BFD-BA1E-BF7D-AB65A6DF823E}"/>
+              </a:ext>
+            </a:extLst>
+          </p:cNvPr>
+          <p:cNvSpPr/>
+          <p:nvPr/>
+        </p:nvSpPr>
+        <p:spPr>
+          <a:xfrm>
+            <a:off x="0" y="4586514"/>
+            <a:ext cx="2409372" cy="747486"/>
+          </a:xfrm>
+          <a:prstGeom prst="ellipse">
+            <a:avLst/>
+          </a:prstGeom>
+          <a:noFill/>
+          <a:ln w="28575">
+            <a:solidFill>
+              <a:srgbClr val="C00000"/>
+            </a:solidFill>
+          </a:ln>
+        </p:spPr>
+        <p:style>
+          <a:lnRef idx="2">
+            <a:schemeClr val="accent1">
+              <a:shade val="50000"/>
+            </a:schemeClr>
+          </a:lnRef>
+          <a:fillRef idx="1">
+            <a:schemeClr val="accent1"/>
+          </a:fillRef>
+          <a:effectRef idx="0">
+            <a:schemeClr val="accent1"/>
+          </a:effectRef>
+          <a:fontRef idx="minor">
+            <a:schemeClr val="lt1"/>
+          </a:fontRef>
+        </p:style>
+        <p:txBody>
+          <a:bodyPr rtlCol="0" anchor="ctr"/>
+          <a:lstStyle/>
+          <a:p>
+            <a:pPr algn="ctr"/>
+            <a:endParaRPr lang="zh-CN" altLang="en-US" dirty="0"/>
+          </a:p>
+        </p:txBody>
+      </p:sp>
+    </p:spTree>
+    <p:extLst>
+      <p:ext uri="{BB962C8B-B14F-4D97-AF65-F5344CB8AC3E}">
+        <p14:creationId xmlns:p14="http://schemas.microsoft.com/office/powerpoint/2010/main" val="2883087226"/>
+      </p:ext>
+    </p:extLst>
+  </p:cSld>
+  <p:clrMapOvr>
+    <a:masterClrMapping/>
+  </p:clrMapOvr>
+</p:sld>
+</file>
+
+<file path=ppt/slides/slide9.xml><?xml version="1.0" encoding="utf-8"?>
+<p:sld xmlns:a="http://schemas.openxmlformats.org/drawingml/2006/main" xmlns:r="http://schemas.openxmlformats.org/officeDocument/2006/relationships" xmlns:p="http://schemas.openxmlformats.org/presentationml/2006/main">
+  <p:cSld>
+    <p:spTree>
+      <p:nvGrpSpPr>
+        <p:cNvPr id="1" name=""/>
+        <p:cNvGrpSpPr/>
+        <p:nvPr/>
+      </p:nvGrpSpPr>
+      <p:grpSpPr>
+        <a:xfrm>
+          <a:off x="0" y="0"/>
+          <a:ext cx="0" cy="0"/>
+          <a:chOff x="0" y="0"/>
+          <a:chExt cx="0" cy="0"/>
+        </a:xfrm>
+      </p:grpSpPr>
+      <p:sp>
+        <p:nvSpPr>
           <p:cNvPr id="2" name="灯片编号占位符 1">
             <a:extLst>
               <a:ext uri="{FF2B5EF4-FFF2-40B4-BE49-F238E27FC236}">
-                <a16:creationId xmlns:a16="http://schemas.microsoft.com/office/drawing/2014/main" id="{BC81668E-20E5-79E8-DE3B-81399225B961}"/>
+                <a16:creationId xmlns:a16="http://schemas.microsoft.com/office/drawing/2014/main" id="{F9D38560-D17B-1AF7-F0AE-61E35BA5CE9C}"/>
               </a:ext>
             </a:extLst>
           </p:cNvPr>
@@ -6315,7 +6790,7 @@
                   <a:schemeClr val="tx1"/>
                 </a:solidFill>
               </a:rPr>
-              <a:t>8</a:t>
+              <a:t>9</a:t>
             </a:fld>
             <a:endParaRPr lang="en-US" dirty="0">
               <a:solidFill>
@@ -6330,7 +6805,7 @@
           <p:cNvPr id="3" name="矩形 2">
             <a:extLst>
               <a:ext uri="{FF2B5EF4-FFF2-40B4-BE49-F238E27FC236}">
-                <a16:creationId xmlns:a16="http://schemas.microsoft.com/office/drawing/2014/main" id="{EB18FF03-365A-DD4F-D70C-00598B219E8E}"/>
+                <a16:creationId xmlns:a16="http://schemas.microsoft.com/office/drawing/2014/main" id="{3D7B5D06-13EF-0688-E998-76967349F968}"/>
               </a:ext>
             </a:extLst>
           </p:cNvPr>
@@ -6339,8 +6814,8 @@
         </p:nvSpPr>
         <p:spPr>
           <a:xfrm>
-            <a:off x="4626687" y="2690336"/>
-            <a:ext cx="2938625" cy="1477328"/>
+            <a:off x="619848" y="337005"/>
+            <a:ext cx="3257623" cy="923330"/>
           </a:xfrm>
           <a:prstGeom prst="rect">
             <a:avLst/>
@@ -6354,7 +6829,7 @@
           <a:lstStyle/>
           <a:p>
             <a:r>
-              <a:rPr lang="en-US" altLang="zh-CN" sz="9000" b="0" cap="none" spc="0" dirty="0">
+              <a:rPr lang="en-US" altLang="zh-CN" sz="5400" b="0" cap="none" spc="0" dirty="0">
                 <a:ln w="0"/>
                 <a:solidFill>
                   <a:schemeClr val="tx1"/>
@@ -6367,9 +6842,9 @@
                   </a:outerShdw>
                 </a:effectLst>
               </a:rPr>
-              <a:t>Q &amp; A</a:t>
-            </a:r>
-            <a:endParaRPr lang="zh-CN" altLang="en-US" sz="9000" b="0" cap="none" spc="0" dirty="0">
+              <a:t>Conclusion</a:t>
+            </a:r>
+            <a:endParaRPr lang="zh-CN" altLang="en-US" sz="5400" b="0" cap="none" spc="0" dirty="0">
               <a:ln w="0"/>
               <a:solidFill>
                 <a:schemeClr val="tx1"/>
@@ -6385,57 +6860,10 @@
           </a:p>
         </p:txBody>
       </p:sp>
-      <p:pic>
-        <p:nvPicPr>
-          <p:cNvPr id="2050" name="Picture 2" descr="🔥 Thank You Any Question Images HD Download free - Images SRkh">
-            <a:extLst>
-              <a:ext uri="{FF2B5EF4-FFF2-40B4-BE49-F238E27FC236}">
-                <a16:creationId xmlns:a16="http://schemas.microsoft.com/office/drawing/2014/main" id="{050E54E3-1C22-1484-58C7-820601438140}"/>
-              </a:ext>
-            </a:extLst>
-          </p:cNvPr>
-          <p:cNvPicPr>
-            <a:picLocks noChangeAspect="1" noChangeArrowheads="1"/>
-          </p:cNvPicPr>
-          <p:nvPr/>
-        </p:nvPicPr>
-        <p:blipFill>
-          <a:blip r:embed="rId2">
-            <a:extLst>
-              <a:ext uri="{28A0092B-C50C-407E-A947-70E740481C1C}">
-                <a14:useLocalDpi xmlns:a14="http://schemas.microsoft.com/office/drawing/2010/main" val="0"/>
-              </a:ext>
-            </a:extLst>
-          </a:blip>
-          <a:srcRect/>
-          <a:stretch>
-            <a:fillRect/>
-          </a:stretch>
-        </p:blipFill>
-        <p:spPr bwMode="auto">
-          <a:xfrm>
-            <a:off x="1656990" y="-1010010"/>
-            <a:ext cx="8878019" cy="8878019"/>
-          </a:xfrm>
-          <a:prstGeom prst="rect">
-            <a:avLst/>
-          </a:prstGeom>
-          <a:noFill/>
-          <a:extLst>
-            <a:ext uri="{909E8E84-426E-40DD-AFC4-6F175D3DCCD1}">
-              <a14:hiddenFill xmlns:a14="http://schemas.microsoft.com/office/drawing/2010/main">
-                <a:solidFill>
-                  <a:srgbClr val="FFFFFF"/>
-                </a:solidFill>
-              </a14:hiddenFill>
-            </a:ext>
-          </a:extLst>
-        </p:spPr>
-      </p:pic>
     </p:spTree>
     <p:extLst>
       <p:ext uri="{BB962C8B-B14F-4D97-AF65-F5344CB8AC3E}">
-        <p14:creationId xmlns:p14="http://schemas.microsoft.com/office/powerpoint/2010/main" val="4078837619"/>
+        <p14:creationId xmlns:p14="http://schemas.microsoft.com/office/powerpoint/2010/main" val="2070633935"/>
       </p:ext>
     </p:extLst>
   </p:cSld>

--- a/Technical Writing.pptx
+++ b/Technical Writing.pptx
@@ -5,22 +5,26 @@
     <p:sldMasterId id="2147483648" r:id="rId1"/>
   </p:sldMasterIdLst>
   <p:notesMasterIdLst>
-    <p:notesMasterId r:id="rId12"/>
+    <p:notesMasterId r:id="rId16"/>
   </p:notesMasterIdLst>
   <p:handoutMasterIdLst>
-    <p:handoutMasterId r:id="rId13"/>
+    <p:handoutMasterId r:id="rId17"/>
   </p:handoutMasterIdLst>
   <p:sldIdLst>
-    <p:sldId id="256" r:id="rId2"/>
-    <p:sldId id="257" r:id="rId3"/>
-    <p:sldId id="258" r:id="rId4"/>
-    <p:sldId id="259" r:id="rId5"/>
-    <p:sldId id="260" r:id="rId6"/>
-    <p:sldId id="261" r:id="rId7"/>
-    <p:sldId id="264" r:id="rId8"/>
-    <p:sldId id="265" r:id="rId9"/>
-    <p:sldId id="262" r:id="rId10"/>
-    <p:sldId id="263" r:id="rId11"/>
+    <p:sldId id="271" r:id="rId2"/>
+    <p:sldId id="268" r:id="rId3"/>
+    <p:sldId id="270" r:id="rId4"/>
+    <p:sldId id="269" r:id="rId5"/>
+    <p:sldId id="256" r:id="rId6"/>
+    <p:sldId id="257" r:id="rId7"/>
+    <p:sldId id="258" r:id="rId8"/>
+    <p:sldId id="259" r:id="rId9"/>
+    <p:sldId id="260" r:id="rId10"/>
+    <p:sldId id="261" r:id="rId11"/>
+    <p:sldId id="264" r:id="rId12"/>
+    <p:sldId id="265" r:id="rId13"/>
+    <p:sldId id="262" r:id="rId14"/>
+    <p:sldId id="263" r:id="rId15"/>
   </p:sldIdLst>
   <p:sldSz cx="12192000" cy="6858000"/>
   <p:notesSz cx="6858000" cy="9144000"/>
@@ -815,8 +819,8 @@
           <a:bodyPr/>
           <a:lstStyle/>
           <a:p>
-            <a:fld id="{2731F476-CD49-44C0-8845-704D45E3948B}" type="datetime1">
-              <a:rPr lang="en-US" smtClean="0"/>
+            <a:fld id="{E0AB2B33-38AC-4C80-A256-4262B7E3F619}" type="datetime1">
+              <a:rPr lang="en-US" altLang="zh-CN" smtClean="0"/>
               <a:t>10/25/2022</a:t>
             </a:fld>
             <a:endParaRPr lang="en-US"/>
@@ -1015,8 +1019,8 @@
           <a:bodyPr/>
           <a:lstStyle/>
           <a:p>
-            <a:fld id="{73DB2FC6-5C5C-4C9F-9BB3-DD64828A1680}" type="datetime1">
-              <a:rPr lang="en-US" smtClean="0"/>
+            <a:fld id="{AF79D6E1-15DF-4C43-9999-36622E4C8A8A}" type="datetime1">
+              <a:rPr lang="en-US" altLang="zh-CN" smtClean="0"/>
               <a:t>10/25/2022</a:t>
             </a:fld>
             <a:endParaRPr lang="en-US"/>
@@ -1225,8 +1229,8 @@
           <a:bodyPr/>
           <a:lstStyle/>
           <a:p>
-            <a:fld id="{B8104205-A509-4672-A111-EB55EAD217C1}" type="datetime1">
-              <a:rPr lang="en-US" smtClean="0"/>
+            <a:fld id="{D01FDD86-7C8A-4CB4-B5B0-217C85C76AB5}" type="datetime1">
+              <a:rPr lang="en-US" altLang="zh-CN" smtClean="0"/>
               <a:t>10/25/2022</a:t>
             </a:fld>
             <a:endParaRPr lang="en-US"/>
@@ -1425,8 +1429,8 @@
           <a:bodyPr/>
           <a:lstStyle/>
           <a:p>
-            <a:fld id="{24036161-2E75-4769-92D8-591B907C90D2}" type="datetime1">
-              <a:rPr lang="en-US" smtClean="0"/>
+            <a:fld id="{6B6F37DE-661A-4673-92EA-3E7F024A5535}" type="datetime1">
+              <a:rPr lang="en-US" altLang="zh-CN" smtClean="0"/>
               <a:t>10/25/2022</a:t>
             </a:fld>
             <a:endParaRPr lang="en-US"/>
@@ -1701,8 +1705,8 @@
           <a:bodyPr/>
           <a:lstStyle/>
           <a:p>
-            <a:fld id="{CD6783BE-2C21-43CD-98C3-EF561F74AE60}" type="datetime1">
-              <a:rPr lang="en-US" smtClean="0"/>
+            <a:fld id="{7972D217-CBE5-4350-984D-0E41C8FD1380}" type="datetime1">
+              <a:rPr lang="en-US" altLang="zh-CN" smtClean="0"/>
               <a:t>10/25/2022</a:t>
             </a:fld>
             <a:endParaRPr lang="en-US"/>
@@ -1969,8 +1973,8 @@
           <a:bodyPr/>
           <a:lstStyle/>
           <a:p>
-            <a:fld id="{3F3A51A6-C376-4395-845A-01DD5BF490ED}" type="datetime1">
-              <a:rPr lang="en-US" smtClean="0"/>
+            <a:fld id="{82ED8135-AFF4-4F5D-9F90-2E3956A8689B}" type="datetime1">
+              <a:rPr lang="en-US" altLang="zh-CN" smtClean="0"/>
               <a:t>10/25/2022</a:t>
             </a:fld>
             <a:endParaRPr lang="en-US"/>
@@ -2384,8 +2388,8 @@
           <a:bodyPr/>
           <a:lstStyle/>
           <a:p>
-            <a:fld id="{C9EF5DA3-AA9E-4248-B14F-470EDDD5F097}" type="datetime1">
-              <a:rPr lang="en-US" smtClean="0"/>
+            <a:fld id="{BA9EE39E-C436-493B-B858-F2973290EF20}" type="datetime1">
+              <a:rPr lang="en-US" altLang="zh-CN" smtClean="0"/>
               <a:t>10/25/2022</a:t>
             </a:fld>
             <a:endParaRPr lang="en-US"/>
@@ -2526,8 +2530,8 @@
           <a:bodyPr/>
           <a:lstStyle/>
           <a:p>
-            <a:fld id="{8635B365-F9F1-4DDE-8C02-311F43115B0B}" type="datetime1">
-              <a:rPr lang="en-US" smtClean="0"/>
+            <a:fld id="{E6A2C1DB-9D94-40F1-B5CD-9C102A995963}" type="datetime1">
+              <a:rPr lang="en-US" altLang="zh-CN" smtClean="0"/>
               <a:t>10/25/2022</a:t>
             </a:fld>
             <a:endParaRPr lang="en-US"/>
@@ -2639,8 +2643,8 @@
           <a:bodyPr/>
           <a:lstStyle/>
           <a:p>
-            <a:fld id="{D57A39D9-4CA7-4DAD-908A-5490A9115D25}" type="datetime1">
-              <a:rPr lang="en-US" smtClean="0"/>
+            <a:fld id="{2583B903-C9F4-42A7-9BA2-D1017DBDDFF7}" type="datetime1">
+              <a:rPr lang="en-US" altLang="zh-CN" smtClean="0"/>
               <a:t>10/25/2022</a:t>
             </a:fld>
             <a:endParaRPr lang="en-US"/>
@@ -2952,8 +2956,8 @@
           <a:bodyPr/>
           <a:lstStyle/>
           <a:p>
-            <a:fld id="{0F2A8537-1E7C-488B-80BF-36D26752A4D3}" type="datetime1">
-              <a:rPr lang="en-US" smtClean="0"/>
+            <a:fld id="{F1BF3AA4-FB86-45B5-8A2F-B712F4B6BB99}" type="datetime1">
+              <a:rPr lang="en-US" altLang="zh-CN" smtClean="0"/>
               <a:t>10/25/2022</a:t>
             </a:fld>
             <a:endParaRPr lang="en-US"/>
@@ -3241,8 +3245,8 @@
           <a:bodyPr/>
           <a:lstStyle/>
           <a:p>
-            <a:fld id="{56B2C35F-272C-4248-BFE8-63496E1956EC}" type="datetime1">
-              <a:rPr lang="en-US" smtClean="0"/>
+            <a:fld id="{2E918281-7A2D-4EC0-BCF2-9CE9C784082C}" type="datetime1">
+              <a:rPr lang="en-US" altLang="zh-CN" smtClean="0"/>
               <a:t>10/25/2022</a:t>
             </a:fld>
             <a:endParaRPr lang="en-US"/>
@@ -3484,8 +3488,8 @@
             </a:lvl1pPr>
           </a:lstStyle>
           <a:p>
-            <a:fld id="{54448C5D-8063-4E26-B05A-BBBC1BE38990}" type="datetime1">
-              <a:rPr lang="en-US" smtClean="0"/>
+            <a:fld id="{9BC97CED-9528-4D41-A8DD-DF7A02B8FC64}" type="datetime1">
+              <a:rPr lang="en-US" altLang="zh-CN" smtClean="0"/>
               <a:t>10/25/2022</a:t>
             </a:fld>
             <a:endParaRPr lang="en-US"/>
@@ -3906,10 +3910,171 @@
       </p:grpSpPr>
       <p:sp>
         <p:nvSpPr>
-          <p:cNvPr id="4" name="灯片编号占位符 3">
-            <a:extLst>
-              <a:ext uri="{FF2B5EF4-FFF2-40B4-BE49-F238E27FC236}">
-                <a16:creationId xmlns:a16="http://schemas.microsoft.com/office/drawing/2014/main" id="{D6ECEEFF-B7DE-7423-791D-F08F171B0216}"/>
+          <p:cNvPr id="2" name="Title 1">
+            <a:extLst>
+              <a:ext uri="{FF2B5EF4-FFF2-40B4-BE49-F238E27FC236}">
+                <a16:creationId xmlns:a16="http://schemas.microsoft.com/office/drawing/2014/main" id="{4570C1DC-4E40-EE7D-AE62-79C6FED184A7}"/>
+              </a:ext>
+            </a:extLst>
+          </p:cNvPr>
+          <p:cNvSpPr>
+            <a:spLocks noGrp="1"/>
+          </p:cNvSpPr>
+          <p:nvPr>
+            <p:ph type="title"/>
+          </p:nvPr>
+        </p:nvSpPr>
+        <p:spPr>
+          <a:xfrm>
+            <a:off x="757517" y="2039377"/>
+            <a:ext cx="10515600" cy="1325563"/>
+          </a:xfrm>
+        </p:spPr>
+        <p:txBody>
+          <a:bodyPr/>
+          <a:lstStyle/>
+          <a:p>
+            <a:pPr algn="ctr"/>
+            <a:r>
+              <a:rPr lang="en-US" altLang="zh-CN" b="1" dirty="0">
+                <a:latin typeface="Arial" panose="020B0604020202020204" pitchFamily="34" charset="0"/>
+                <a:cs typeface="Arial" panose="020B0604020202020204" pitchFamily="34" charset="0"/>
+              </a:rPr>
+              <a:t>Online Shopping Mall</a:t>
+            </a:r>
+            <a:endParaRPr lang="zh-CN" altLang="en-US" b="1" dirty="0">
+              <a:latin typeface="Arial" panose="020B0604020202020204" pitchFamily="34" charset="0"/>
+              <a:cs typeface="Arial" panose="020B0604020202020204" pitchFamily="34" charset="0"/>
+            </a:endParaRPr>
+          </a:p>
+        </p:txBody>
+      </p:sp>
+      <p:sp>
+        <p:nvSpPr>
+          <p:cNvPr id="3" name="Content Placeholder 2">
+            <a:extLst>
+              <a:ext uri="{FF2B5EF4-FFF2-40B4-BE49-F238E27FC236}">
+                <a16:creationId xmlns:a16="http://schemas.microsoft.com/office/drawing/2014/main" id="{614C7564-363A-3EF3-F066-DDC190A44ECF}"/>
+              </a:ext>
+            </a:extLst>
+          </p:cNvPr>
+          <p:cNvSpPr>
+            <a:spLocks noGrp="1"/>
+          </p:cNvSpPr>
+          <p:nvPr>
+            <p:ph idx="1"/>
+          </p:nvPr>
+        </p:nvSpPr>
+        <p:spPr>
+          <a:xfrm>
+            <a:off x="3190314" y="3493060"/>
+            <a:ext cx="5811371" cy="1325563"/>
+          </a:xfrm>
+        </p:spPr>
+        <p:txBody>
+          <a:bodyPr/>
+          <a:lstStyle/>
+          <a:p>
+            <a:pPr indent="0" algn="ctr">
+              <a:buNone/>
+            </a:pPr>
+            <a:r>
+              <a:rPr lang="en-US" altLang="zh-CN" sz="1800" kern="100" dirty="0">
+                <a:effectLst/>
+                <a:latin typeface="Times New Roman" panose="02020603050405020304" pitchFamily="18" charset="0"/>
+                <a:ea typeface="等线" panose="02010600030101010101" pitchFamily="2" charset="-122"/>
+                <a:cs typeface="Times New Roman" panose="02020603050405020304" pitchFamily="18" charset="0"/>
+              </a:rPr>
+              <a:t>P2010411	Grant Jing</a:t>
+            </a:r>
+            <a:endParaRPr lang="zh-CN" altLang="zh-CN" sz="1800" kern="100" dirty="0">
+              <a:effectLst/>
+              <a:latin typeface="等线" panose="02010600030101010101" pitchFamily="2" charset="-122"/>
+              <a:ea typeface="等线" panose="02010600030101010101" pitchFamily="2" charset="-122"/>
+              <a:cs typeface="Times New Roman" panose="02020603050405020304" pitchFamily="18" charset="0"/>
+            </a:endParaRPr>
+          </a:p>
+          <a:p>
+            <a:pPr indent="0" algn="ctr">
+              <a:buNone/>
+            </a:pPr>
+            <a:r>
+              <a:rPr lang="en-US" altLang="zh-CN" sz="1800" kern="100" dirty="0">
+                <a:effectLst/>
+                <a:latin typeface="Times New Roman" panose="02020603050405020304" pitchFamily="18" charset="0"/>
+                <a:ea typeface="等线" panose="02010600030101010101" pitchFamily="2" charset="-122"/>
+                <a:cs typeface="Times New Roman" panose="02020603050405020304" pitchFamily="18" charset="0"/>
+              </a:rPr>
+              <a:t>P2010556	Polo Liu</a:t>
+            </a:r>
+            <a:endParaRPr lang="zh-CN" altLang="zh-CN" sz="1800" kern="100" dirty="0">
+              <a:effectLst/>
+              <a:latin typeface="等线" panose="02010600030101010101" pitchFamily="2" charset="-122"/>
+              <a:ea typeface="等线" panose="02010600030101010101" pitchFamily="2" charset="-122"/>
+              <a:cs typeface="Times New Roman" panose="02020603050405020304" pitchFamily="18" charset="0"/>
+            </a:endParaRPr>
+          </a:p>
+          <a:p>
+            <a:pPr indent="0" algn="ctr">
+              <a:buNone/>
+            </a:pPr>
+            <a:r>
+              <a:rPr lang="en-US" altLang="zh-CN" sz="1800" kern="100" dirty="0">
+                <a:effectLst/>
+                <a:latin typeface="Times New Roman" panose="02020603050405020304" pitchFamily="18" charset="0"/>
+                <a:ea typeface="等线" panose="02010600030101010101" pitchFamily="2" charset="-122"/>
+                <a:cs typeface="Times New Roman" panose="02020603050405020304" pitchFamily="18" charset="0"/>
+              </a:rPr>
+              <a:t>P2010562	Veronica Chen</a:t>
+            </a:r>
+            <a:endParaRPr lang="zh-CN" altLang="zh-CN" sz="1800" kern="100" dirty="0">
+              <a:effectLst/>
+              <a:latin typeface="等线" panose="02010600030101010101" pitchFamily="2" charset="-122"/>
+              <a:ea typeface="等线" panose="02010600030101010101" pitchFamily="2" charset="-122"/>
+              <a:cs typeface="Times New Roman" panose="02020603050405020304" pitchFamily="18" charset="0"/>
+            </a:endParaRPr>
+          </a:p>
+          <a:p>
+            <a:endParaRPr lang="zh-CN" altLang="en-US" dirty="0"/>
+          </a:p>
+        </p:txBody>
+      </p:sp>
+    </p:spTree>
+    <p:extLst>
+      <p:ext uri="{BB962C8B-B14F-4D97-AF65-F5344CB8AC3E}">
+        <p14:creationId xmlns:p14="http://schemas.microsoft.com/office/powerpoint/2010/main" val="3488277115"/>
+      </p:ext>
+    </p:extLst>
+  </p:cSld>
+  <p:clrMapOvr>
+    <a:masterClrMapping/>
+  </p:clrMapOvr>
+</p:sld>
+</file>
+
+<file path=ppt/slides/slide10.xml><?xml version="1.0" encoding="utf-8"?>
+<p:sld xmlns:a="http://schemas.openxmlformats.org/drawingml/2006/main" xmlns:r="http://schemas.openxmlformats.org/officeDocument/2006/relationships" xmlns:p="http://schemas.openxmlformats.org/presentationml/2006/main">
+  <p:cSld>
+    <p:spTree>
+      <p:nvGrpSpPr>
+        <p:cNvPr id="1" name=""/>
+        <p:cNvGrpSpPr/>
+        <p:nvPr/>
+      </p:nvGrpSpPr>
+      <p:grpSpPr>
+        <a:xfrm>
+          <a:off x="0" y="0"/>
+          <a:ext cx="0" cy="0"/>
+          <a:chOff x="0" y="0"/>
+          <a:chExt cx="0" cy="0"/>
+        </a:xfrm>
+      </p:grpSpPr>
+      <p:sp>
+        <p:nvSpPr>
+          <p:cNvPr id="2" name="灯片编号占位符 1">
+            <a:extLst>
+              <a:ext uri="{FF2B5EF4-FFF2-40B4-BE49-F238E27FC236}">
+                <a16:creationId xmlns:a16="http://schemas.microsoft.com/office/drawing/2014/main" id="{5A51627F-97C7-BAB6-5023-8953473D521C}"/>
               </a:ext>
             </a:extLst>
           </p:cNvPr>
@@ -3931,7 +4096,2542 @@
                   <a:schemeClr val="tx1"/>
                 </a:solidFill>
               </a:rPr>
-              <a:t>1</a:t>
+              <a:t>10</a:t>
+            </a:fld>
+            <a:endParaRPr lang="en-US" dirty="0">
+              <a:solidFill>
+                <a:schemeClr val="tx1"/>
+              </a:solidFill>
+            </a:endParaRPr>
+          </a:p>
+        </p:txBody>
+      </p:sp>
+      <p:sp>
+        <p:nvSpPr>
+          <p:cNvPr id="3" name="矩形 2">
+            <a:extLst>
+              <a:ext uri="{FF2B5EF4-FFF2-40B4-BE49-F238E27FC236}">
+                <a16:creationId xmlns:a16="http://schemas.microsoft.com/office/drawing/2014/main" id="{3A921469-C760-156F-BBFF-8A17349AEF2A}"/>
+              </a:ext>
+            </a:extLst>
+          </p:cNvPr>
+          <p:cNvSpPr/>
+          <p:nvPr/>
+        </p:nvSpPr>
+        <p:spPr>
+          <a:xfrm>
+            <a:off x="619848" y="337005"/>
+            <a:ext cx="6418745" cy="923330"/>
+          </a:xfrm>
+          <a:prstGeom prst="rect">
+            <a:avLst/>
+          </a:prstGeom>
+          <a:noFill/>
+        </p:spPr>
+        <p:txBody>
+          <a:bodyPr wrap="none" lIns="91440" tIns="45720" rIns="91440" bIns="45720">
+            <a:spAutoFit/>
+          </a:bodyPr>
+          <a:lstStyle/>
+          <a:p>
+            <a:r>
+              <a:rPr lang="en-US" altLang="zh-CN" sz="5400" b="0" cap="none" spc="0" dirty="0">
+                <a:ln w="0"/>
+                <a:solidFill>
+                  <a:schemeClr val="tx1"/>
+                </a:solidFill>
+                <a:effectLst>
+                  <a:outerShdw blurRad="38100" dist="19050" dir="2700000" algn="tl" rotWithShape="0">
+                    <a:schemeClr val="dk1">
+                      <a:alpha val="40000"/>
+                    </a:schemeClr>
+                  </a:outerShdw>
+                </a:effectLst>
+              </a:rPr>
+              <a:t>Sidebar Shopping </a:t>
+            </a:r>
+            <a:r>
+              <a:rPr lang="en-US" altLang="zh-CN" sz="5400" dirty="0">
+                <a:ln w="0"/>
+                <a:effectLst>
+                  <a:outerShdw blurRad="38100" dist="19050" dir="2700000" algn="tl" rotWithShape="0">
+                    <a:schemeClr val="dk1">
+                      <a:alpha val="40000"/>
+                    </a:schemeClr>
+                  </a:outerShdw>
+                </a:effectLst>
+              </a:rPr>
+              <a:t>Cart</a:t>
+            </a:r>
+            <a:endParaRPr lang="zh-CN" altLang="en-US" sz="5400" b="0" cap="none" spc="0" dirty="0">
+              <a:ln w="0"/>
+              <a:solidFill>
+                <a:schemeClr val="tx1"/>
+              </a:solidFill>
+              <a:effectLst>
+                <a:outerShdw blurRad="38100" dist="19050" dir="2700000" algn="tl" rotWithShape="0">
+                  <a:schemeClr val="dk1">
+                    <a:alpha val="40000"/>
+                  </a:schemeClr>
+                </a:outerShdw>
+              </a:effectLst>
+            </a:endParaRPr>
+          </a:p>
+        </p:txBody>
+      </p:sp>
+      <p:pic>
+        <p:nvPicPr>
+          <p:cNvPr id="5" name="图片 4">
+            <a:extLst>
+              <a:ext uri="{FF2B5EF4-FFF2-40B4-BE49-F238E27FC236}">
+                <a16:creationId xmlns:a16="http://schemas.microsoft.com/office/drawing/2014/main" id="{F3CD8F61-4986-DAB5-3363-3219EDA2A661}"/>
+              </a:ext>
+            </a:extLst>
+          </p:cNvPr>
+          <p:cNvPicPr>
+            <a:picLocks noChangeAspect="1"/>
+          </p:cNvPicPr>
+          <p:nvPr/>
+        </p:nvPicPr>
+        <p:blipFill>
+          <a:blip r:embed="rId2"/>
+          <a:stretch>
+            <a:fillRect/>
+          </a:stretch>
+        </p:blipFill>
+        <p:spPr>
+          <a:xfrm>
+            <a:off x="619848" y="1660291"/>
+            <a:ext cx="7547608" cy="4401112"/>
+          </a:xfrm>
+          <a:prstGeom prst="rect">
+            <a:avLst/>
+          </a:prstGeom>
+        </p:spPr>
+      </p:pic>
+      <p:sp>
+        <p:nvSpPr>
+          <p:cNvPr id="6" name="矩形: 圆角 5">
+            <a:extLst>
+              <a:ext uri="{FF2B5EF4-FFF2-40B4-BE49-F238E27FC236}">
+                <a16:creationId xmlns:a16="http://schemas.microsoft.com/office/drawing/2014/main" id="{2472AC18-079C-8F24-94C1-B6DD85C2135E}"/>
+              </a:ext>
+            </a:extLst>
+          </p:cNvPr>
+          <p:cNvSpPr/>
+          <p:nvPr/>
+        </p:nvSpPr>
+        <p:spPr>
+          <a:xfrm>
+            <a:off x="7327996" y="1583176"/>
+            <a:ext cx="905240" cy="4602494"/>
+          </a:xfrm>
+          <a:prstGeom prst="roundRect">
+            <a:avLst/>
+          </a:prstGeom>
+          <a:noFill/>
+          <a:ln w="19050">
+            <a:solidFill>
+              <a:srgbClr val="FF0000"/>
+            </a:solidFill>
+          </a:ln>
+        </p:spPr>
+        <p:style>
+          <a:lnRef idx="2">
+            <a:schemeClr val="accent1">
+              <a:shade val="50000"/>
+            </a:schemeClr>
+          </a:lnRef>
+          <a:fillRef idx="1">
+            <a:schemeClr val="accent1"/>
+          </a:fillRef>
+          <a:effectRef idx="0">
+            <a:schemeClr val="accent1"/>
+          </a:effectRef>
+          <a:fontRef idx="minor">
+            <a:schemeClr val="lt1"/>
+          </a:fontRef>
+        </p:style>
+        <p:txBody>
+          <a:bodyPr rtlCol="0" anchor="ctr"/>
+          <a:lstStyle/>
+          <a:p>
+            <a:pPr algn="ctr"/>
+            <a:endParaRPr lang="en-US"/>
+          </a:p>
+        </p:txBody>
+      </p:sp>
+      <p:sp>
+        <p:nvSpPr>
+          <p:cNvPr id="7" name="矩形 6">
+            <a:extLst>
+              <a:ext uri="{FF2B5EF4-FFF2-40B4-BE49-F238E27FC236}">
+                <a16:creationId xmlns:a16="http://schemas.microsoft.com/office/drawing/2014/main" id="{0E094D3B-57AD-DA2F-4DA4-58139433600D}"/>
+              </a:ext>
+            </a:extLst>
+          </p:cNvPr>
+          <p:cNvSpPr/>
+          <p:nvPr/>
+        </p:nvSpPr>
+        <p:spPr>
+          <a:xfrm>
+            <a:off x="8520297" y="3115715"/>
+            <a:ext cx="3907764" cy="1246495"/>
+          </a:xfrm>
+          <a:prstGeom prst="rect">
+            <a:avLst/>
+          </a:prstGeom>
+          <a:noFill/>
+        </p:spPr>
+        <p:txBody>
+          <a:bodyPr wrap="square" lIns="91440" tIns="45720" rIns="91440" bIns="45720">
+            <a:spAutoFit/>
+          </a:bodyPr>
+          <a:lstStyle/>
+          <a:p>
+            <a:r>
+              <a:rPr lang="en-US" altLang="zh-CN" sz="2500" b="0" cap="none" spc="0" dirty="0">
+                <a:ln w="0"/>
+                <a:solidFill>
+                  <a:schemeClr val="tx1"/>
+                </a:solidFill>
+                <a:effectLst>
+                  <a:outerShdw blurRad="38100" dist="19050" dir="2700000" algn="tl" rotWithShape="0">
+                    <a:schemeClr val="dk1">
+                      <a:alpha val="40000"/>
+                    </a:schemeClr>
+                  </a:outerShdw>
+                </a:effectLst>
+              </a:rPr>
+              <a:t>This drug website doesn't have the sidebar shopping cart.</a:t>
+            </a:r>
+            <a:endParaRPr lang="zh-CN" altLang="en-US" sz="2500" b="0" cap="none" spc="0" dirty="0">
+              <a:ln w="0"/>
+              <a:solidFill>
+                <a:schemeClr val="tx1"/>
+              </a:solidFill>
+              <a:effectLst>
+                <a:outerShdw blurRad="38100" dist="19050" dir="2700000" algn="tl" rotWithShape="0">
+                  <a:schemeClr val="dk1">
+                    <a:alpha val="40000"/>
+                  </a:schemeClr>
+                </a:outerShdw>
+              </a:effectLst>
+            </a:endParaRPr>
+          </a:p>
+        </p:txBody>
+      </p:sp>
+    </p:spTree>
+    <p:extLst>
+      <p:ext uri="{BB962C8B-B14F-4D97-AF65-F5344CB8AC3E}">
+        <p14:creationId xmlns:p14="http://schemas.microsoft.com/office/powerpoint/2010/main" val="2117346599"/>
+      </p:ext>
+    </p:extLst>
+  </p:cSld>
+  <p:clrMapOvr>
+    <a:masterClrMapping/>
+  </p:clrMapOvr>
+</p:sld>
+</file>
+
+<file path=ppt/slides/slide11.xml><?xml version="1.0" encoding="utf-8"?>
+<p:sld xmlns:a="http://schemas.openxmlformats.org/drawingml/2006/main" xmlns:r="http://schemas.openxmlformats.org/officeDocument/2006/relationships" xmlns:p="http://schemas.openxmlformats.org/presentationml/2006/main">
+  <p:cSld>
+    <p:spTree>
+      <p:nvGrpSpPr>
+        <p:cNvPr id="1" name=""/>
+        <p:cNvGrpSpPr/>
+        <p:nvPr/>
+      </p:nvGrpSpPr>
+      <p:grpSpPr>
+        <a:xfrm>
+          <a:off x="0" y="0"/>
+          <a:ext cx="0" cy="0"/>
+          <a:chOff x="0" y="0"/>
+          <a:chExt cx="0" cy="0"/>
+        </a:xfrm>
+      </p:grpSpPr>
+      <p:sp>
+        <p:nvSpPr>
+          <p:cNvPr id="4" name="文本框 3">
+            <a:extLst>
+              <a:ext uri="{FF2B5EF4-FFF2-40B4-BE49-F238E27FC236}">
+                <a16:creationId xmlns:a16="http://schemas.microsoft.com/office/drawing/2014/main" id="{55A49C74-0458-F9C3-7793-EBDEC5BE3869}"/>
+              </a:ext>
+            </a:extLst>
+          </p:cNvPr>
+          <p:cNvSpPr txBox="1"/>
+          <p:nvPr/>
+        </p:nvSpPr>
+        <p:spPr>
+          <a:xfrm>
+            <a:off x="58057" y="159657"/>
+            <a:ext cx="11695814" cy="1661993"/>
+          </a:xfrm>
+          <a:prstGeom prst="rect">
+            <a:avLst/>
+          </a:prstGeom>
+          <a:noFill/>
+        </p:spPr>
+        <p:txBody>
+          <a:bodyPr wrap="square" rtlCol="0">
+            <a:spAutoFit/>
+          </a:bodyPr>
+          <a:lstStyle/>
+          <a:p>
+            <a:r>
+              <a:rPr lang="en-US" altLang="zh-CN" sz="5400" dirty="0">
+                <a:effectLst>
+                  <a:outerShdw blurRad="38100" dist="38100" dir="2700000" algn="tl">
+                    <a:srgbClr val="000000">
+                      <a:alpha val="43137"/>
+                    </a:srgbClr>
+                  </a:outerShdw>
+                </a:effectLst>
+                <a:cs typeface="Arial" panose="020B0604020202020204" pitchFamily="34" charset="0"/>
+              </a:rPr>
+              <a:t>Marketing(promotional activities)</a:t>
+            </a:r>
+          </a:p>
+          <a:p>
+            <a:endParaRPr lang="zh-CN" altLang="en-US" sz="4800" b="1" dirty="0">
+              <a:latin typeface="Arial" panose="020B0604020202020204" pitchFamily="34" charset="0"/>
+              <a:cs typeface="Arial" panose="020B0604020202020204" pitchFamily="34" charset="0"/>
+            </a:endParaRPr>
+          </a:p>
+        </p:txBody>
+      </p:sp>
+      <p:pic>
+        <p:nvPicPr>
+          <p:cNvPr id="7" name="图片 6">
+            <a:extLst>
+              <a:ext uri="{FF2B5EF4-FFF2-40B4-BE49-F238E27FC236}">
+                <a16:creationId xmlns:a16="http://schemas.microsoft.com/office/drawing/2014/main" id="{D181A986-CC04-467C-605A-D20FB6510B68}"/>
+              </a:ext>
+            </a:extLst>
+          </p:cNvPr>
+          <p:cNvPicPr>
+            <a:picLocks noChangeAspect="1"/>
+          </p:cNvPicPr>
+          <p:nvPr/>
+        </p:nvPicPr>
+        <p:blipFill>
+          <a:blip r:embed="rId2">
+            <a:extLst>
+              <a:ext uri="{28A0092B-C50C-407E-A947-70E740481C1C}">
+                <a14:useLocalDpi xmlns:a14="http://schemas.microsoft.com/office/drawing/2010/main" val="0"/>
+              </a:ext>
+            </a:extLst>
+          </a:blip>
+          <a:stretch>
+            <a:fillRect/>
+          </a:stretch>
+        </p:blipFill>
+        <p:spPr>
+          <a:xfrm>
+            <a:off x="7876785" y="1489770"/>
+            <a:ext cx="1890674" cy="1645587"/>
+          </a:xfrm>
+          <a:prstGeom prst="rect">
+            <a:avLst/>
+          </a:prstGeom>
+        </p:spPr>
+      </p:pic>
+      <p:pic>
+        <p:nvPicPr>
+          <p:cNvPr id="9" name="图片 8">
+            <a:extLst>
+              <a:ext uri="{FF2B5EF4-FFF2-40B4-BE49-F238E27FC236}">
+                <a16:creationId xmlns:a16="http://schemas.microsoft.com/office/drawing/2014/main" id="{DC61FDC8-6B84-B76A-05B4-1536F7A9BCFA}"/>
+              </a:ext>
+            </a:extLst>
+          </p:cNvPr>
+          <p:cNvPicPr>
+            <a:picLocks noChangeAspect="1"/>
+          </p:cNvPicPr>
+          <p:nvPr/>
+        </p:nvPicPr>
+        <p:blipFill rotWithShape="1">
+          <a:blip r:embed="rId3">
+            <a:extLst>
+              <a:ext uri="{28A0092B-C50C-407E-A947-70E740481C1C}">
+                <a14:useLocalDpi xmlns:a14="http://schemas.microsoft.com/office/drawing/2010/main" val="0"/>
+              </a:ext>
+            </a:extLst>
+          </a:blip>
+          <a:srcRect l="1738" t="255" r="5206"/>
+          <a:stretch/>
+        </p:blipFill>
+        <p:spPr>
+          <a:xfrm>
+            <a:off x="5031332" y="3265064"/>
+            <a:ext cx="7088097" cy="3175698"/>
+          </a:xfrm>
+          <a:prstGeom prst="rect">
+            <a:avLst/>
+          </a:prstGeom>
+        </p:spPr>
+      </p:pic>
+      <p:pic>
+        <p:nvPicPr>
+          <p:cNvPr id="11" name="图片 10">
+            <a:extLst>
+              <a:ext uri="{FF2B5EF4-FFF2-40B4-BE49-F238E27FC236}">
+                <a16:creationId xmlns:a16="http://schemas.microsoft.com/office/drawing/2014/main" id="{316743B3-A336-E6A8-0B51-D9D87C652D44}"/>
+              </a:ext>
+            </a:extLst>
+          </p:cNvPr>
+          <p:cNvPicPr>
+            <a:picLocks noChangeAspect="1"/>
+          </p:cNvPicPr>
+          <p:nvPr/>
+        </p:nvPicPr>
+        <p:blipFill>
+          <a:blip r:embed="rId4">
+            <a:extLst>
+              <a:ext uri="{28A0092B-C50C-407E-A947-70E740481C1C}">
+                <a14:useLocalDpi xmlns:a14="http://schemas.microsoft.com/office/drawing/2010/main" val="0"/>
+              </a:ext>
+            </a:extLst>
+          </a:blip>
+          <a:stretch>
+            <a:fillRect/>
+          </a:stretch>
+        </p:blipFill>
+        <p:spPr>
+          <a:xfrm>
+            <a:off x="242887" y="2396371"/>
+            <a:ext cx="4363307" cy="2456542"/>
+          </a:xfrm>
+          <a:prstGeom prst="rect">
+            <a:avLst/>
+          </a:prstGeom>
+        </p:spPr>
+      </p:pic>
+      <p:sp>
+        <p:nvSpPr>
+          <p:cNvPr id="2" name="Slide Number Placeholder 1">
+            <a:extLst>
+              <a:ext uri="{FF2B5EF4-FFF2-40B4-BE49-F238E27FC236}">
+                <a16:creationId xmlns:a16="http://schemas.microsoft.com/office/drawing/2014/main" id="{B6F727CA-230B-1207-A382-2307778A64B5}"/>
+              </a:ext>
+            </a:extLst>
+          </p:cNvPr>
+          <p:cNvSpPr>
+            <a:spLocks noGrp="1"/>
+          </p:cNvSpPr>
+          <p:nvPr>
+            <p:ph type="sldNum" sz="quarter" idx="12"/>
+          </p:nvPr>
+        </p:nvSpPr>
+        <p:spPr/>
+        <p:txBody>
+          <a:bodyPr/>
+          <a:lstStyle/>
+          <a:p>
+            <a:fld id="{91E15A72-4311-4D48-8139-6724A1CBFEF9}" type="slidenum">
+              <a:rPr lang="en-US" smtClean="0"/>
+              <a:t>11</a:t>
+            </a:fld>
+            <a:endParaRPr lang="en-US"/>
+          </a:p>
+        </p:txBody>
+      </p:sp>
+    </p:spTree>
+    <p:extLst>
+      <p:ext uri="{BB962C8B-B14F-4D97-AF65-F5344CB8AC3E}">
+        <p14:creationId xmlns:p14="http://schemas.microsoft.com/office/powerpoint/2010/main" val="3901272935"/>
+      </p:ext>
+    </p:extLst>
+  </p:cSld>
+  <p:clrMapOvr>
+    <a:masterClrMapping/>
+  </p:clrMapOvr>
+</p:sld>
+</file>
+
+<file path=ppt/slides/slide12.xml><?xml version="1.0" encoding="utf-8"?>
+<p:sld xmlns:a="http://schemas.openxmlformats.org/drawingml/2006/main" xmlns:r="http://schemas.openxmlformats.org/officeDocument/2006/relationships" xmlns:p="http://schemas.openxmlformats.org/presentationml/2006/main">
+  <p:cSld>
+    <p:spTree>
+      <p:nvGrpSpPr>
+        <p:cNvPr id="1" name=""/>
+        <p:cNvGrpSpPr/>
+        <p:nvPr/>
+      </p:nvGrpSpPr>
+      <p:grpSpPr>
+        <a:xfrm>
+          <a:off x="0" y="0"/>
+          <a:ext cx="0" cy="0"/>
+          <a:chOff x="0" y="0"/>
+          <a:chExt cx="0" cy="0"/>
+        </a:xfrm>
+      </p:grpSpPr>
+      <p:sp>
+        <p:nvSpPr>
+          <p:cNvPr id="4" name="文本框 3">
+            <a:extLst>
+              <a:ext uri="{FF2B5EF4-FFF2-40B4-BE49-F238E27FC236}">
+                <a16:creationId xmlns:a16="http://schemas.microsoft.com/office/drawing/2014/main" id="{8B3D6854-FC8A-F26D-A4AC-C8EA934DCD5F}"/>
+              </a:ext>
+            </a:extLst>
+          </p:cNvPr>
+          <p:cNvSpPr txBox="1"/>
+          <p:nvPr/>
+        </p:nvSpPr>
+        <p:spPr>
+          <a:xfrm>
+            <a:off x="58057" y="159657"/>
+            <a:ext cx="11695814" cy="1661993"/>
+          </a:xfrm>
+          <a:prstGeom prst="rect">
+            <a:avLst/>
+          </a:prstGeom>
+          <a:noFill/>
+        </p:spPr>
+        <p:txBody>
+          <a:bodyPr wrap="square" rtlCol="0">
+            <a:spAutoFit/>
+          </a:bodyPr>
+          <a:lstStyle/>
+          <a:p>
+            <a:r>
+              <a:rPr lang="en-US" altLang="zh-CN" sz="5400" dirty="0">
+                <a:effectLst>
+                  <a:outerShdw blurRad="38100" dist="38100" dir="2700000" algn="tl">
+                    <a:srgbClr val="000000">
+                      <a:alpha val="43137"/>
+                    </a:srgbClr>
+                  </a:outerShdw>
+                </a:effectLst>
+                <a:cs typeface="Arial" panose="020B0604020202020204" pitchFamily="34" charset="0"/>
+              </a:rPr>
+              <a:t>Marketing(coupons)</a:t>
+            </a:r>
+          </a:p>
+          <a:p>
+            <a:endParaRPr lang="zh-CN" altLang="en-US" sz="4800" b="1" dirty="0">
+              <a:latin typeface="Arial" panose="020B0604020202020204" pitchFamily="34" charset="0"/>
+              <a:cs typeface="Arial" panose="020B0604020202020204" pitchFamily="34" charset="0"/>
+            </a:endParaRPr>
+          </a:p>
+        </p:txBody>
+      </p:sp>
+      <p:pic>
+        <p:nvPicPr>
+          <p:cNvPr id="6" name="图片 5">
+            <a:extLst>
+              <a:ext uri="{FF2B5EF4-FFF2-40B4-BE49-F238E27FC236}">
+                <a16:creationId xmlns:a16="http://schemas.microsoft.com/office/drawing/2014/main" id="{BCB2F6D0-2F0C-502E-0917-A8DB30F28A94}"/>
+              </a:ext>
+            </a:extLst>
+          </p:cNvPr>
+          <p:cNvPicPr>
+            <a:picLocks noChangeAspect="1"/>
+          </p:cNvPicPr>
+          <p:nvPr/>
+        </p:nvPicPr>
+        <p:blipFill>
+          <a:blip r:embed="rId2">
+            <a:extLst>
+              <a:ext uri="{28A0092B-C50C-407E-A947-70E740481C1C}">
+                <a14:useLocalDpi xmlns:a14="http://schemas.microsoft.com/office/drawing/2010/main" val="0"/>
+              </a:ext>
+            </a:extLst>
+          </a:blip>
+          <a:stretch>
+            <a:fillRect/>
+          </a:stretch>
+        </p:blipFill>
+        <p:spPr>
+          <a:xfrm>
+            <a:off x="8581033" y="2049338"/>
+            <a:ext cx="3346622" cy="825542"/>
+          </a:xfrm>
+          <a:prstGeom prst="rect">
+            <a:avLst/>
+          </a:prstGeom>
+        </p:spPr>
+      </p:pic>
+      <p:pic>
+        <p:nvPicPr>
+          <p:cNvPr id="10" name="图片 9">
+            <a:extLst>
+              <a:ext uri="{FF2B5EF4-FFF2-40B4-BE49-F238E27FC236}">
+                <a16:creationId xmlns:a16="http://schemas.microsoft.com/office/drawing/2014/main" id="{EF69ABDC-1239-9A1B-54CF-8C42520DF89F}"/>
+              </a:ext>
+            </a:extLst>
+          </p:cNvPr>
+          <p:cNvPicPr>
+            <a:picLocks noChangeAspect="1"/>
+          </p:cNvPicPr>
+          <p:nvPr/>
+        </p:nvPicPr>
+        <p:blipFill rotWithShape="1">
+          <a:blip r:embed="rId3">
+            <a:extLst>
+              <a:ext uri="{28A0092B-C50C-407E-A947-70E740481C1C}">
+                <a14:useLocalDpi xmlns:a14="http://schemas.microsoft.com/office/drawing/2010/main" val="0"/>
+              </a:ext>
+            </a:extLst>
+          </a:blip>
+          <a:srcRect l="5728" t="12878" r="32797"/>
+          <a:stretch/>
+        </p:blipFill>
+        <p:spPr>
+          <a:xfrm>
+            <a:off x="5322320" y="2946745"/>
+            <a:ext cx="6688374" cy="2893484"/>
+          </a:xfrm>
+          <a:prstGeom prst="rect">
+            <a:avLst/>
+          </a:prstGeom>
+        </p:spPr>
+      </p:pic>
+      <p:pic>
+        <p:nvPicPr>
+          <p:cNvPr id="12" name="图片 11">
+            <a:extLst>
+              <a:ext uri="{FF2B5EF4-FFF2-40B4-BE49-F238E27FC236}">
+                <a16:creationId xmlns:a16="http://schemas.microsoft.com/office/drawing/2014/main" id="{B829170C-A8F6-3792-E05B-CA250EB895A4}"/>
+              </a:ext>
+            </a:extLst>
+          </p:cNvPr>
+          <p:cNvPicPr>
+            <a:picLocks noChangeAspect="1"/>
+          </p:cNvPicPr>
+          <p:nvPr/>
+        </p:nvPicPr>
+        <p:blipFill>
+          <a:blip r:embed="rId4">
+            <a:extLst>
+              <a:ext uri="{28A0092B-C50C-407E-A947-70E740481C1C}">
+                <a14:useLocalDpi xmlns:a14="http://schemas.microsoft.com/office/drawing/2010/main" val="0"/>
+              </a:ext>
+            </a:extLst>
+          </a:blip>
+          <a:stretch>
+            <a:fillRect/>
+          </a:stretch>
+        </p:blipFill>
+        <p:spPr>
+          <a:xfrm>
+            <a:off x="58057" y="2081282"/>
+            <a:ext cx="5047728" cy="3758947"/>
+          </a:xfrm>
+          <a:prstGeom prst="rect">
+            <a:avLst/>
+          </a:prstGeom>
+        </p:spPr>
+      </p:pic>
+      <p:sp>
+        <p:nvSpPr>
+          <p:cNvPr id="13" name="椭圆 12">
+            <a:extLst>
+              <a:ext uri="{FF2B5EF4-FFF2-40B4-BE49-F238E27FC236}">
+                <a16:creationId xmlns:a16="http://schemas.microsoft.com/office/drawing/2014/main" id="{21EE277E-8BFD-BA1E-BF7D-AB65A6DF823E}"/>
+              </a:ext>
+            </a:extLst>
+          </p:cNvPr>
+          <p:cNvSpPr/>
+          <p:nvPr/>
+        </p:nvSpPr>
+        <p:spPr>
+          <a:xfrm>
+            <a:off x="0" y="4586514"/>
+            <a:ext cx="2409372" cy="747486"/>
+          </a:xfrm>
+          <a:prstGeom prst="ellipse">
+            <a:avLst/>
+          </a:prstGeom>
+          <a:noFill/>
+          <a:ln w="28575">
+            <a:solidFill>
+              <a:srgbClr val="C00000"/>
+            </a:solidFill>
+          </a:ln>
+        </p:spPr>
+        <p:style>
+          <a:lnRef idx="2">
+            <a:schemeClr val="accent1">
+              <a:shade val="50000"/>
+            </a:schemeClr>
+          </a:lnRef>
+          <a:fillRef idx="1">
+            <a:schemeClr val="accent1"/>
+          </a:fillRef>
+          <a:effectRef idx="0">
+            <a:schemeClr val="accent1"/>
+          </a:effectRef>
+          <a:fontRef idx="minor">
+            <a:schemeClr val="lt1"/>
+          </a:fontRef>
+        </p:style>
+        <p:txBody>
+          <a:bodyPr rtlCol="0" anchor="ctr"/>
+          <a:lstStyle/>
+          <a:p>
+            <a:pPr algn="ctr"/>
+            <a:endParaRPr lang="zh-CN" altLang="en-US" dirty="0"/>
+          </a:p>
+        </p:txBody>
+      </p:sp>
+      <p:sp>
+        <p:nvSpPr>
+          <p:cNvPr id="2" name="Slide Number Placeholder 1">
+            <a:extLst>
+              <a:ext uri="{FF2B5EF4-FFF2-40B4-BE49-F238E27FC236}">
+                <a16:creationId xmlns:a16="http://schemas.microsoft.com/office/drawing/2014/main" id="{8593C803-26EB-716A-9929-8D7ED3C1438D}"/>
+              </a:ext>
+            </a:extLst>
+          </p:cNvPr>
+          <p:cNvSpPr>
+            <a:spLocks noGrp="1"/>
+          </p:cNvSpPr>
+          <p:nvPr>
+            <p:ph type="sldNum" sz="quarter" idx="12"/>
+          </p:nvPr>
+        </p:nvSpPr>
+        <p:spPr/>
+        <p:txBody>
+          <a:bodyPr/>
+          <a:lstStyle/>
+          <a:p>
+            <a:fld id="{91E15A72-4311-4D48-8139-6724A1CBFEF9}" type="slidenum">
+              <a:rPr lang="en-US" smtClean="0"/>
+              <a:t>12</a:t>
+            </a:fld>
+            <a:endParaRPr lang="en-US"/>
+          </a:p>
+        </p:txBody>
+      </p:sp>
+    </p:spTree>
+    <p:extLst>
+      <p:ext uri="{BB962C8B-B14F-4D97-AF65-F5344CB8AC3E}">
+        <p14:creationId xmlns:p14="http://schemas.microsoft.com/office/powerpoint/2010/main" val="2883087226"/>
+      </p:ext>
+    </p:extLst>
+  </p:cSld>
+  <p:clrMapOvr>
+    <a:masterClrMapping/>
+  </p:clrMapOvr>
+</p:sld>
+</file>
+
+<file path=ppt/slides/slide13.xml><?xml version="1.0" encoding="utf-8"?>
+<p:sld xmlns:a="http://schemas.openxmlformats.org/drawingml/2006/main" xmlns:r="http://schemas.openxmlformats.org/officeDocument/2006/relationships" xmlns:p="http://schemas.openxmlformats.org/presentationml/2006/main">
+  <p:cSld>
+    <p:spTree>
+      <p:nvGrpSpPr>
+        <p:cNvPr id="1" name=""/>
+        <p:cNvGrpSpPr/>
+        <p:nvPr/>
+      </p:nvGrpSpPr>
+      <p:grpSpPr>
+        <a:xfrm>
+          <a:off x="0" y="0"/>
+          <a:ext cx="0" cy="0"/>
+          <a:chOff x="0" y="0"/>
+          <a:chExt cx="0" cy="0"/>
+        </a:xfrm>
+      </p:grpSpPr>
+      <p:sp>
+        <p:nvSpPr>
+          <p:cNvPr id="2" name="灯片编号占位符 1">
+            <a:extLst>
+              <a:ext uri="{FF2B5EF4-FFF2-40B4-BE49-F238E27FC236}">
+                <a16:creationId xmlns:a16="http://schemas.microsoft.com/office/drawing/2014/main" id="{F9D38560-D17B-1AF7-F0AE-61E35BA5CE9C}"/>
+              </a:ext>
+            </a:extLst>
+          </p:cNvPr>
+          <p:cNvSpPr>
+            <a:spLocks noGrp="1"/>
+          </p:cNvSpPr>
+          <p:nvPr>
+            <p:ph type="sldNum" sz="quarter" idx="12"/>
+          </p:nvPr>
+        </p:nvSpPr>
+        <p:spPr/>
+        <p:txBody>
+          <a:bodyPr/>
+          <a:lstStyle/>
+          <a:p>
+            <a:fld id="{91E15A72-4311-4D48-8139-6724A1CBFEF9}" type="slidenum">
+              <a:rPr lang="en-US" smtClean="0">
+                <a:solidFill>
+                  <a:schemeClr val="tx1"/>
+                </a:solidFill>
+              </a:rPr>
+              <a:t>13</a:t>
+            </a:fld>
+            <a:endParaRPr lang="en-US" dirty="0">
+              <a:solidFill>
+                <a:schemeClr val="tx1"/>
+              </a:solidFill>
+            </a:endParaRPr>
+          </a:p>
+        </p:txBody>
+      </p:sp>
+      <p:sp>
+        <p:nvSpPr>
+          <p:cNvPr id="3" name="矩形 2">
+            <a:extLst>
+              <a:ext uri="{FF2B5EF4-FFF2-40B4-BE49-F238E27FC236}">
+                <a16:creationId xmlns:a16="http://schemas.microsoft.com/office/drawing/2014/main" id="{3D7B5D06-13EF-0688-E998-76967349F968}"/>
+              </a:ext>
+            </a:extLst>
+          </p:cNvPr>
+          <p:cNvSpPr/>
+          <p:nvPr/>
+        </p:nvSpPr>
+        <p:spPr>
+          <a:xfrm>
+            <a:off x="619848" y="337005"/>
+            <a:ext cx="3257623" cy="923330"/>
+          </a:xfrm>
+          <a:prstGeom prst="rect">
+            <a:avLst/>
+          </a:prstGeom>
+          <a:noFill/>
+        </p:spPr>
+        <p:txBody>
+          <a:bodyPr wrap="none" lIns="91440" tIns="45720" rIns="91440" bIns="45720">
+            <a:spAutoFit/>
+          </a:bodyPr>
+          <a:lstStyle/>
+          <a:p>
+            <a:r>
+              <a:rPr lang="en-US" altLang="zh-CN" sz="5400" b="0" cap="none" spc="0" dirty="0">
+                <a:ln w="0"/>
+                <a:solidFill>
+                  <a:schemeClr val="tx1"/>
+                </a:solidFill>
+                <a:effectLst>
+                  <a:outerShdw blurRad="38100" dist="19050" dir="2700000" algn="tl" rotWithShape="0">
+                    <a:schemeClr val="dk1">
+                      <a:alpha val="40000"/>
+                    </a:schemeClr>
+                  </a:outerShdw>
+                </a:effectLst>
+              </a:rPr>
+              <a:t>Conclusion</a:t>
+            </a:r>
+            <a:endParaRPr lang="zh-CN" altLang="en-US" sz="5400" b="0" cap="none" spc="0" dirty="0">
+              <a:ln w="0"/>
+              <a:solidFill>
+                <a:schemeClr val="tx1"/>
+              </a:solidFill>
+              <a:effectLst>
+                <a:outerShdw blurRad="38100" dist="19050" dir="2700000" algn="tl" rotWithShape="0">
+                  <a:schemeClr val="dk1">
+                    <a:alpha val="40000"/>
+                  </a:schemeClr>
+                </a:outerShdw>
+              </a:effectLst>
+            </a:endParaRPr>
+          </a:p>
+        </p:txBody>
+      </p:sp>
+    </p:spTree>
+    <p:extLst>
+      <p:ext uri="{BB962C8B-B14F-4D97-AF65-F5344CB8AC3E}">
+        <p14:creationId xmlns:p14="http://schemas.microsoft.com/office/powerpoint/2010/main" val="2070633935"/>
+      </p:ext>
+    </p:extLst>
+  </p:cSld>
+  <p:clrMapOvr>
+    <a:masterClrMapping/>
+  </p:clrMapOvr>
+</p:sld>
+</file>
+
+<file path=ppt/slides/slide14.xml><?xml version="1.0" encoding="utf-8"?>
+<p:sld xmlns:a="http://schemas.openxmlformats.org/drawingml/2006/main" xmlns:r="http://schemas.openxmlformats.org/officeDocument/2006/relationships" xmlns:p="http://schemas.openxmlformats.org/presentationml/2006/main">
+  <p:cSld>
+    <p:spTree>
+      <p:nvGrpSpPr>
+        <p:cNvPr id="1" name=""/>
+        <p:cNvGrpSpPr/>
+        <p:nvPr/>
+      </p:nvGrpSpPr>
+      <p:grpSpPr>
+        <a:xfrm>
+          <a:off x="0" y="0"/>
+          <a:ext cx="0" cy="0"/>
+          <a:chOff x="0" y="0"/>
+          <a:chExt cx="0" cy="0"/>
+        </a:xfrm>
+      </p:grpSpPr>
+      <p:sp>
+        <p:nvSpPr>
+          <p:cNvPr id="2" name="灯片编号占位符 1">
+            <a:extLst>
+              <a:ext uri="{FF2B5EF4-FFF2-40B4-BE49-F238E27FC236}">
+                <a16:creationId xmlns:a16="http://schemas.microsoft.com/office/drawing/2014/main" id="{BC81668E-20E5-79E8-DE3B-81399225B961}"/>
+              </a:ext>
+            </a:extLst>
+          </p:cNvPr>
+          <p:cNvSpPr>
+            <a:spLocks noGrp="1"/>
+          </p:cNvSpPr>
+          <p:nvPr>
+            <p:ph type="sldNum" sz="quarter" idx="12"/>
+          </p:nvPr>
+        </p:nvSpPr>
+        <p:spPr/>
+        <p:txBody>
+          <a:bodyPr/>
+          <a:lstStyle/>
+          <a:p>
+            <a:fld id="{91E15A72-4311-4D48-8139-6724A1CBFEF9}" type="slidenum">
+              <a:rPr lang="en-US" smtClean="0">
+                <a:solidFill>
+                  <a:schemeClr val="tx1"/>
+                </a:solidFill>
+              </a:rPr>
+              <a:t>14</a:t>
+            </a:fld>
+            <a:endParaRPr lang="en-US" dirty="0">
+              <a:solidFill>
+                <a:schemeClr val="tx1"/>
+              </a:solidFill>
+            </a:endParaRPr>
+          </a:p>
+        </p:txBody>
+      </p:sp>
+      <p:sp>
+        <p:nvSpPr>
+          <p:cNvPr id="3" name="矩形 2">
+            <a:extLst>
+              <a:ext uri="{FF2B5EF4-FFF2-40B4-BE49-F238E27FC236}">
+                <a16:creationId xmlns:a16="http://schemas.microsoft.com/office/drawing/2014/main" id="{EB18FF03-365A-DD4F-D70C-00598B219E8E}"/>
+              </a:ext>
+            </a:extLst>
+          </p:cNvPr>
+          <p:cNvSpPr/>
+          <p:nvPr/>
+        </p:nvSpPr>
+        <p:spPr>
+          <a:xfrm>
+            <a:off x="4626687" y="2690336"/>
+            <a:ext cx="2938625" cy="1477328"/>
+          </a:xfrm>
+          <a:prstGeom prst="rect">
+            <a:avLst/>
+          </a:prstGeom>
+          <a:noFill/>
+        </p:spPr>
+        <p:txBody>
+          <a:bodyPr wrap="none" lIns="91440" tIns="45720" rIns="91440" bIns="45720">
+            <a:spAutoFit/>
+          </a:bodyPr>
+          <a:lstStyle/>
+          <a:p>
+            <a:r>
+              <a:rPr lang="en-US" altLang="zh-CN" sz="9000" b="0" cap="none" spc="0" dirty="0">
+                <a:ln w="0"/>
+                <a:solidFill>
+                  <a:schemeClr val="tx1"/>
+                </a:solidFill>
+                <a:effectLst>
+                  <a:outerShdw blurRad="38100" dist="19050" dir="2700000" algn="tl" rotWithShape="0">
+                    <a:schemeClr val="dk1">
+                      <a:alpha val="40000"/>
+                    </a:schemeClr>
+                  </a:outerShdw>
+                </a:effectLst>
+              </a:rPr>
+              <a:t>Q &amp; A</a:t>
+            </a:r>
+            <a:endParaRPr lang="zh-CN" altLang="en-US" sz="9000" b="0" cap="none" spc="0" dirty="0">
+              <a:ln w="0"/>
+              <a:solidFill>
+                <a:schemeClr val="tx1"/>
+              </a:solidFill>
+              <a:effectLst>
+                <a:outerShdw blurRad="38100" dist="19050" dir="2700000" algn="tl" rotWithShape="0">
+                  <a:schemeClr val="dk1">
+                    <a:alpha val="40000"/>
+                  </a:schemeClr>
+                </a:outerShdw>
+              </a:effectLst>
+            </a:endParaRPr>
+          </a:p>
+        </p:txBody>
+      </p:sp>
+      <p:pic>
+        <p:nvPicPr>
+          <p:cNvPr id="2050" name="Picture 2" descr="🔥 Thank You Any Question Images HD Download free - Images SRkh">
+            <a:extLst>
+              <a:ext uri="{FF2B5EF4-FFF2-40B4-BE49-F238E27FC236}">
+                <a16:creationId xmlns:a16="http://schemas.microsoft.com/office/drawing/2014/main" id="{050E54E3-1C22-1484-58C7-820601438140}"/>
+              </a:ext>
+            </a:extLst>
+          </p:cNvPr>
+          <p:cNvPicPr>
+            <a:picLocks noChangeAspect="1" noChangeArrowheads="1"/>
+          </p:cNvPicPr>
+          <p:nvPr/>
+        </p:nvPicPr>
+        <p:blipFill>
+          <a:blip r:embed="rId2">
+            <a:extLst>
+              <a:ext uri="{28A0092B-C50C-407E-A947-70E740481C1C}">
+                <a14:useLocalDpi xmlns:a14="http://schemas.microsoft.com/office/drawing/2010/main" val="0"/>
+              </a:ext>
+            </a:extLst>
+          </a:blip>
+          <a:srcRect/>
+          <a:stretch>
+            <a:fillRect/>
+          </a:stretch>
+        </p:blipFill>
+        <p:spPr bwMode="auto">
+          <a:xfrm>
+            <a:off x="1656990" y="-1010010"/>
+            <a:ext cx="8878019" cy="8878019"/>
+          </a:xfrm>
+          <a:prstGeom prst="rect">
+            <a:avLst/>
+          </a:prstGeom>
+          <a:noFill/>
+          <a:extLst>
+            <a:ext uri="{909E8E84-426E-40DD-AFC4-6F175D3DCCD1}">
+              <a14:hiddenFill xmlns:a14="http://schemas.microsoft.com/office/drawing/2010/main">
+                <a:solidFill>
+                  <a:srgbClr val="FFFFFF"/>
+                </a:solidFill>
+              </a14:hiddenFill>
+            </a:ext>
+          </a:extLst>
+        </p:spPr>
+      </p:pic>
+    </p:spTree>
+    <p:extLst>
+      <p:ext uri="{BB962C8B-B14F-4D97-AF65-F5344CB8AC3E}">
+        <p14:creationId xmlns:p14="http://schemas.microsoft.com/office/powerpoint/2010/main" val="4078837619"/>
+      </p:ext>
+    </p:extLst>
+  </p:cSld>
+  <p:clrMapOvr>
+    <a:masterClrMapping/>
+  </p:clrMapOvr>
+</p:sld>
+</file>
+
+<file path=ppt/slides/slide2.xml><?xml version="1.0" encoding="utf-8"?>
+<p:sld xmlns:a="http://schemas.openxmlformats.org/drawingml/2006/main" xmlns:r="http://schemas.openxmlformats.org/officeDocument/2006/relationships" xmlns:p="http://schemas.openxmlformats.org/presentationml/2006/main">
+  <p:cSld>
+    <p:spTree>
+      <p:nvGrpSpPr>
+        <p:cNvPr id="1" name=""/>
+        <p:cNvGrpSpPr/>
+        <p:nvPr/>
+      </p:nvGrpSpPr>
+      <p:grpSpPr>
+        <a:xfrm>
+          <a:off x="0" y="0"/>
+          <a:ext cx="0" cy="0"/>
+          <a:chOff x="0" y="0"/>
+          <a:chExt cx="0" cy="0"/>
+        </a:xfrm>
+      </p:grpSpPr>
+      <p:sp>
+        <p:nvSpPr>
+          <p:cNvPr id="2" name="Title 1">
+            <a:extLst>
+              <a:ext uri="{FF2B5EF4-FFF2-40B4-BE49-F238E27FC236}">
+                <a16:creationId xmlns:a16="http://schemas.microsoft.com/office/drawing/2014/main" id="{F45BAF2C-CED9-9EBB-057B-F1744698A108}"/>
+              </a:ext>
+            </a:extLst>
+          </p:cNvPr>
+          <p:cNvSpPr>
+            <a:spLocks noGrp="1"/>
+          </p:cNvSpPr>
+          <p:nvPr>
+            <p:ph type="title"/>
+          </p:nvPr>
+        </p:nvSpPr>
+        <p:spPr/>
+        <p:txBody>
+          <a:bodyPr/>
+          <a:lstStyle/>
+          <a:p>
+            <a:r>
+              <a:rPr lang="en-US" altLang="zh-CN" b="1" dirty="0">
+                <a:latin typeface="Arial" panose="020B0604020202020204" pitchFamily="34" charset="0"/>
+                <a:cs typeface="Arial" panose="020B0604020202020204" pitchFamily="34" charset="0"/>
+              </a:rPr>
+              <a:t>Outline</a:t>
+            </a:r>
+            <a:endParaRPr lang="zh-CN" altLang="en-US" b="1" dirty="0">
+              <a:latin typeface="Arial" panose="020B0604020202020204" pitchFamily="34" charset="0"/>
+              <a:cs typeface="Arial" panose="020B0604020202020204" pitchFamily="34" charset="0"/>
+            </a:endParaRPr>
+          </a:p>
+        </p:txBody>
+      </p:sp>
+      <p:sp>
+        <p:nvSpPr>
+          <p:cNvPr id="3" name="Content Placeholder 2">
+            <a:extLst>
+              <a:ext uri="{FF2B5EF4-FFF2-40B4-BE49-F238E27FC236}">
+                <a16:creationId xmlns:a16="http://schemas.microsoft.com/office/drawing/2014/main" id="{984CC9A8-8930-4BC5-FEC9-04289F4C08AC}"/>
+              </a:ext>
+            </a:extLst>
+          </p:cNvPr>
+          <p:cNvSpPr>
+            <a:spLocks noGrp="1"/>
+          </p:cNvSpPr>
+          <p:nvPr>
+            <p:ph idx="1"/>
+          </p:nvPr>
+        </p:nvSpPr>
+        <p:spPr/>
+        <p:txBody>
+          <a:bodyPr/>
+          <a:lstStyle/>
+          <a:p>
+            <a:pPr marL="0" indent="0">
+              <a:buNone/>
+            </a:pPr>
+            <a:r>
+              <a:rPr lang="en-US" altLang="zh-CN" dirty="0">
+                <a:latin typeface="Arial" panose="020B0604020202020204" pitchFamily="34" charset="0"/>
+                <a:cs typeface="Arial" panose="020B0604020202020204" pitchFamily="34" charset="0"/>
+              </a:rPr>
+              <a:t>Seller Center</a:t>
+            </a:r>
+          </a:p>
+          <a:p>
+            <a:pPr marL="0" indent="0">
+              <a:buNone/>
+            </a:pPr>
+            <a:r>
+              <a:rPr lang="en-US" altLang="zh-CN" dirty="0">
+                <a:latin typeface="Arial" panose="020B0604020202020204" pitchFamily="34" charset="0"/>
+                <a:cs typeface="Arial" panose="020B0604020202020204" pitchFamily="34" charset="0"/>
+              </a:rPr>
+              <a:t>Customer Q&amp;A</a:t>
+            </a:r>
+          </a:p>
+          <a:p>
+            <a:pPr marL="0" indent="0">
+              <a:buNone/>
+            </a:pPr>
+            <a:r>
+              <a:rPr lang="en-US" altLang="zh-CN" dirty="0">
+                <a:latin typeface="Arial" panose="020B0604020202020204" pitchFamily="34" charset="0"/>
+                <a:cs typeface="Arial" panose="020B0604020202020204" pitchFamily="34" charset="0"/>
+              </a:rPr>
+              <a:t>Sidebar Shopping Cart</a:t>
+            </a:r>
+          </a:p>
+          <a:p>
+            <a:pPr marL="0" indent="0">
+              <a:buNone/>
+            </a:pPr>
+            <a:r>
+              <a:rPr lang="en-US" altLang="zh-CN" dirty="0">
+                <a:latin typeface="Arial" panose="020B0604020202020204" pitchFamily="34" charset="0"/>
+                <a:cs typeface="Arial" panose="020B0604020202020204" pitchFamily="34" charset="0"/>
+              </a:rPr>
+              <a:t>Coupons</a:t>
+            </a:r>
+          </a:p>
+          <a:p>
+            <a:pPr marL="0" indent="0">
+              <a:buNone/>
+            </a:pPr>
+            <a:r>
+              <a:rPr lang="en-US" altLang="zh-CN" dirty="0">
+                <a:latin typeface="Arial" panose="020B0604020202020204" pitchFamily="34" charset="0"/>
+                <a:cs typeface="Arial" panose="020B0604020202020204" pitchFamily="34" charset="0"/>
+              </a:rPr>
+              <a:t>Shopping Festival</a:t>
+            </a:r>
+            <a:endParaRPr lang="zh-CN" altLang="en-US" dirty="0">
+              <a:latin typeface="Arial" panose="020B0604020202020204" pitchFamily="34" charset="0"/>
+              <a:cs typeface="Arial" panose="020B0604020202020204" pitchFamily="34" charset="0"/>
+            </a:endParaRPr>
+          </a:p>
+        </p:txBody>
+      </p:sp>
+      <p:sp>
+        <p:nvSpPr>
+          <p:cNvPr id="4" name="Slide Number Placeholder 3">
+            <a:extLst>
+              <a:ext uri="{FF2B5EF4-FFF2-40B4-BE49-F238E27FC236}">
+                <a16:creationId xmlns:a16="http://schemas.microsoft.com/office/drawing/2014/main" id="{9E0F48F5-48DC-E64A-B092-8699627E0915}"/>
+              </a:ext>
+            </a:extLst>
+          </p:cNvPr>
+          <p:cNvSpPr>
+            <a:spLocks noGrp="1"/>
+          </p:cNvSpPr>
+          <p:nvPr>
+            <p:ph type="sldNum" sz="quarter" idx="12"/>
+          </p:nvPr>
+        </p:nvSpPr>
+        <p:spPr/>
+        <p:txBody>
+          <a:bodyPr/>
+          <a:lstStyle/>
+          <a:p>
+            <a:fld id="{91E15A72-4311-4D48-8139-6724A1CBFEF9}" type="slidenum">
+              <a:rPr lang="en-US" smtClean="0"/>
+              <a:t>2</a:t>
+            </a:fld>
+            <a:endParaRPr lang="en-US"/>
+          </a:p>
+        </p:txBody>
+      </p:sp>
+      <p:sp>
+        <p:nvSpPr>
+          <p:cNvPr id="5" name="TextBox 4">
+            <a:extLst>
+              <a:ext uri="{FF2B5EF4-FFF2-40B4-BE49-F238E27FC236}">
+                <a16:creationId xmlns:a16="http://schemas.microsoft.com/office/drawing/2014/main" id="{B59F4EBD-69DF-8ABB-233E-31A21233D8CC}"/>
+              </a:ext>
+            </a:extLst>
+          </p:cNvPr>
+          <p:cNvSpPr txBox="1"/>
+          <p:nvPr/>
+        </p:nvSpPr>
+        <p:spPr>
+          <a:xfrm>
+            <a:off x="4915422" y="1775521"/>
+            <a:ext cx="3113762" cy="523220"/>
+          </a:xfrm>
+          <a:prstGeom prst="rect">
+            <a:avLst/>
+          </a:prstGeom>
+          <a:noFill/>
+        </p:spPr>
+        <p:txBody>
+          <a:bodyPr wrap="square" rtlCol="0">
+            <a:spAutoFit/>
+          </a:bodyPr>
+          <a:lstStyle/>
+          <a:p>
+            <a:r>
+              <a:rPr lang="en-US" altLang="zh-CN" sz="2800" b="1" dirty="0">
+                <a:latin typeface="Arial" panose="020B0604020202020204" pitchFamily="34" charset="0"/>
+                <a:cs typeface="Arial" panose="020B0604020202020204" pitchFamily="34" charset="0"/>
+              </a:rPr>
+              <a:t>}</a:t>
+            </a:r>
+            <a:r>
+              <a:rPr lang="en-US" altLang="zh-CN" sz="2800" dirty="0"/>
+              <a:t>   </a:t>
+            </a:r>
+            <a:r>
+              <a:rPr lang="en-US" altLang="zh-CN" sz="2800" dirty="0">
+                <a:latin typeface="Arial" panose="020B0604020202020204" pitchFamily="34" charset="0"/>
+                <a:cs typeface="Arial" panose="020B0604020202020204" pitchFamily="34" charset="0"/>
+              </a:rPr>
+              <a:t>Business</a:t>
+            </a:r>
+            <a:r>
+              <a:rPr lang="en-US" altLang="zh-CN" sz="2800" dirty="0"/>
+              <a:t> Model</a:t>
+            </a:r>
+            <a:endParaRPr lang="zh-CN" altLang="en-US" sz="2800" dirty="0"/>
+          </a:p>
+        </p:txBody>
+      </p:sp>
+      <p:sp>
+        <p:nvSpPr>
+          <p:cNvPr id="6" name="TextBox 5">
+            <a:extLst>
+              <a:ext uri="{FF2B5EF4-FFF2-40B4-BE49-F238E27FC236}">
+                <a16:creationId xmlns:a16="http://schemas.microsoft.com/office/drawing/2014/main" id="{BE46FF9E-8DBD-87DD-6F7A-A2302223D59C}"/>
+              </a:ext>
+            </a:extLst>
+          </p:cNvPr>
+          <p:cNvSpPr txBox="1"/>
+          <p:nvPr/>
+        </p:nvSpPr>
+        <p:spPr>
+          <a:xfrm>
+            <a:off x="4859055" y="2116641"/>
+            <a:ext cx="570978" cy="1200329"/>
+          </a:xfrm>
+          <a:prstGeom prst="rect">
+            <a:avLst/>
+          </a:prstGeom>
+          <a:noFill/>
+        </p:spPr>
+        <p:txBody>
+          <a:bodyPr wrap="square" rtlCol="0">
+            <a:spAutoFit/>
+          </a:bodyPr>
+          <a:lstStyle/>
+          <a:p>
+            <a:r>
+              <a:rPr lang="en-US" altLang="zh-CN" sz="7200" dirty="0">
+                <a:latin typeface="Arial" panose="020B0604020202020204" pitchFamily="34" charset="0"/>
+                <a:cs typeface="Arial" panose="020B0604020202020204" pitchFamily="34" charset="0"/>
+              </a:rPr>
+              <a:t>}</a:t>
+            </a:r>
+            <a:endParaRPr lang="zh-CN" altLang="en-US" sz="7200" dirty="0">
+              <a:latin typeface="Arial" panose="020B0604020202020204" pitchFamily="34" charset="0"/>
+              <a:cs typeface="Arial" panose="020B0604020202020204" pitchFamily="34" charset="0"/>
+            </a:endParaRPr>
+          </a:p>
+        </p:txBody>
+      </p:sp>
+      <p:sp>
+        <p:nvSpPr>
+          <p:cNvPr id="7" name="TextBox 6">
+            <a:extLst>
+              <a:ext uri="{FF2B5EF4-FFF2-40B4-BE49-F238E27FC236}">
+                <a16:creationId xmlns:a16="http://schemas.microsoft.com/office/drawing/2014/main" id="{555A592F-97D6-23FB-EC87-5C0FD9FF5DF1}"/>
+              </a:ext>
+            </a:extLst>
+          </p:cNvPr>
+          <p:cNvSpPr txBox="1"/>
+          <p:nvPr/>
+        </p:nvSpPr>
+        <p:spPr>
+          <a:xfrm>
+            <a:off x="4859055" y="3149192"/>
+            <a:ext cx="570978" cy="1200329"/>
+          </a:xfrm>
+          <a:prstGeom prst="rect">
+            <a:avLst/>
+          </a:prstGeom>
+          <a:noFill/>
+        </p:spPr>
+        <p:txBody>
+          <a:bodyPr wrap="square" rtlCol="0">
+            <a:spAutoFit/>
+          </a:bodyPr>
+          <a:lstStyle/>
+          <a:p>
+            <a:r>
+              <a:rPr lang="en-US" altLang="zh-CN" sz="7200" dirty="0">
+                <a:latin typeface="Arial" panose="020B0604020202020204" pitchFamily="34" charset="0"/>
+                <a:cs typeface="Arial" panose="020B0604020202020204" pitchFamily="34" charset="0"/>
+              </a:rPr>
+              <a:t>}</a:t>
+            </a:r>
+            <a:endParaRPr lang="zh-CN" altLang="en-US" sz="7200" dirty="0">
+              <a:latin typeface="Arial" panose="020B0604020202020204" pitchFamily="34" charset="0"/>
+              <a:cs typeface="Arial" panose="020B0604020202020204" pitchFamily="34" charset="0"/>
+            </a:endParaRPr>
+          </a:p>
+        </p:txBody>
+      </p:sp>
+      <p:sp>
+        <p:nvSpPr>
+          <p:cNvPr id="8" name="TextBox 7">
+            <a:extLst>
+              <a:ext uri="{FF2B5EF4-FFF2-40B4-BE49-F238E27FC236}">
+                <a16:creationId xmlns:a16="http://schemas.microsoft.com/office/drawing/2014/main" id="{5E84EAF2-0DB9-9F35-1048-264AE5673A2A}"/>
+              </a:ext>
+            </a:extLst>
+          </p:cNvPr>
+          <p:cNvSpPr txBox="1"/>
+          <p:nvPr/>
+        </p:nvSpPr>
+        <p:spPr>
+          <a:xfrm>
+            <a:off x="5205087" y="2541139"/>
+            <a:ext cx="3613235" cy="523220"/>
+          </a:xfrm>
+          <a:prstGeom prst="rect">
+            <a:avLst/>
+          </a:prstGeom>
+          <a:noFill/>
+        </p:spPr>
+        <p:txBody>
+          <a:bodyPr wrap="square" rtlCol="0">
+            <a:spAutoFit/>
+          </a:bodyPr>
+          <a:lstStyle/>
+          <a:p>
+            <a:r>
+              <a:rPr lang="en-US" altLang="zh-CN" sz="2800" dirty="0">
+                <a:latin typeface="Arial" panose="020B0604020202020204" pitchFamily="34" charset="0"/>
+                <a:cs typeface="Arial" panose="020B0604020202020204" pitchFamily="34" charset="0"/>
+              </a:rPr>
+              <a:t> User-friendly Design</a:t>
+            </a:r>
+            <a:endParaRPr lang="zh-CN" altLang="en-US" sz="2800" dirty="0">
+              <a:latin typeface="Arial" panose="020B0604020202020204" pitchFamily="34" charset="0"/>
+              <a:cs typeface="Arial" panose="020B0604020202020204" pitchFamily="34" charset="0"/>
+            </a:endParaRPr>
+          </a:p>
+        </p:txBody>
+      </p:sp>
+      <p:sp>
+        <p:nvSpPr>
+          <p:cNvPr id="9" name="TextBox 8">
+            <a:extLst>
+              <a:ext uri="{FF2B5EF4-FFF2-40B4-BE49-F238E27FC236}">
+                <a16:creationId xmlns:a16="http://schemas.microsoft.com/office/drawing/2014/main" id="{5BB49AF7-CA11-ACD1-8557-2D926E98C924}"/>
+              </a:ext>
+            </a:extLst>
+          </p:cNvPr>
+          <p:cNvSpPr txBox="1"/>
+          <p:nvPr/>
+        </p:nvSpPr>
+        <p:spPr>
+          <a:xfrm>
+            <a:off x="5205087" y="3496357"/>
+            <a:ext cx="3613235" cy="523220"/>
+          </a:xfrm>
+          <a:prstGeom prst="rect">
+            <a:avLst/>
+          </a:prstGeom>
+          <a:noFill/>
+        </p:spPr>
+        <p:txBody>
+          <a:bodyPr wrap="square" rtlCol="0">
+            <a:spAutoFit/>
+          </a:bodyPr>
+          <a:lstStyle/>
+          <a:p>
+            <a:r>
+              <a:rPr lang="en-US" altLang="zh-CN" sz="2800" dirty="0">
+                <a:latin typeface="Arial" panose="020B0604020202020204" pitchFamily="34" charset="0"/>
+                <a:cs typeface="Arial" panose="020B0604020202020204" pitchFamily="34" charset="0"/>
+              </a:rPr>
+              <a:t> Marketing</a:t>
+            </a:r>
+            <a:endParaRPr lang="zh-CN" altLang="en-US" sz="2800" dirty="0">
+              <a:latin typeface="Arial" panose="020B0604020202020204" pitchFamily="34" charset="0"/>
+              <a:cs typeface="Arial" panose="020B0604020202020204" pitchFamily="34" charset="0"/>
+            </a:endParaRPr>
+          </a:p>
+        </p:txBody>
+      </p:sp>
+    </p:spTree>
+    <p:extLst>
+      <p:ext uri="{BB962C8B-B14F-4D97-AF65-F5344CB8AC3E}">
+        <p14:creationId xmlns:p14="http://schemas.microsoft.com/office/powerpoint/2010/main" val="1905247004"/>
+      </p:ext>
+    </p:extLst>
+  </p:cSld>
+  <p:clrMapOvr>
+    <a:masterClrMapping/>
+  </p:clrMapOvr>
+</p:sld>
+</file>
+
+<file path=ppt/slides/slide3.xml><?xml version="1.0" encoding="utf-8"?>
+<p:sld xmlns:a="http://schemas.openxmlformats.org/drawingml/2006/main" xmlns:r="http://schemas.openxmlformats.org/officeDocument/2006/relationships" xmlns:p="http://schemas.openxmlformats.org/presentationml/2006/main">
+  <p:cSld>
+    <p:spTree>
+      <p:nvGrpSpPr>
+        <p:cNvPr id="1" name=""/>
+        <p:cNvGrpSpPr/>
+        <p:nvPr/>
+      </p:nvGrpSpPr>
+      <p:grpSpPr>
+        <a:xfrm>
+          <a:off x="0" y="0"/>
+          <a:ext cx="0" cy="0"/>
+          <a:chOff x="0" y="0"/>
+          <a:chExt cx="0" cy="0"/>
+        </a:xfrm>
+      </p:grpSpPr>
+      <p:pic>
+        <p:nvPicPr>
+          <p:cNvPr id="6" name="Content Placeholder 5">
+            <a:extLst>
+              <a:ext uri="{FF2B5EF4-FFF2-40B4-BE49-F238E27FC236}">
+                <a16:creationId xmlns:a16="http://schemas.microsoft.com/office/drawing/2014/main" id="{85CC4645-8EB4-D5E0-0D98-662BB31AE007}"/>
+              </a:ext>
+            </a:extLst>
+          </p:cNvPr>
+          <p:cNvPicPr>
+            <a:picLocks noGrp="1" noChangeAspect="1"/>
+          </p:cNvPicPr>
+          <p:nvPr>
+            <p:ph idx="1"/>
+          </p:nvPr>
+        </p:nvPicPr>
+        <p:blipFill>
+          <a:blip r:embed="rId2">
+            <a:extLst>
+              <a:ext uri="{28A0092B-C50C-407E-A947-70E740481C1C}">
+                <a14:useLocalDpi xmlns:a14="http://schemas.microsoft.com/office/drawing/2010/main" val="0"/>
+              </a:ext>
+            </a:extLst>
+          </a:blip>
+          <a:stretch>
+            <a:fillRect/>
+          </a:stretch>
+        </p:blipFill>
+        <p:spPr>
+          <a:xfrm>
+            <a:off x="527996" y="1403162"/>
+            <a:ext cx="6987619" cy="5240714"/>
+          </a:xfrm>
+        </p:spPr>
+      </p:pic>
+      <p:sp>
+        <p:nvSpPr>
+          <p:cNvPr id="2" name="Title 1">
+            <a:extLst>
+              <a:ext uri="{FF2B5EF4-FFF2-40B4-BE49-F238E27FC236}">
+                <a16:creationId xmlns:a16="http://schemas.microsoft.com/office/drawing/2014/main" id="{F45BAF2C-CED9-9EBB-057B-F1744698A108}"/>
+              </a:ext>
+            </a:extLst>
+          </p:cNvPr>
+          <p:cNvSpPr>
+            <a:spLocks noGrp="1"/>
+          </p:cNvSpPr>
+          <p:nvPr>
+            <p:ph type="title"/>
+          </p:nvPr>
+        </p:nvSpPr>
+        <p:spPr/>
+        <p:txBody>
+          <a:bodyPr/>
+          <a:lstStyle/>
+          <a:p>
+            <a:r>
+              <a:rPr lang="en-US" altLang="zh-CN" dirty="0"/>
+              <a:t>Business Model</a:t>
+            </a:r>
+            <a:endParaRPr lang="zh-CN" altLang="en-US" dirty="0"/>
+          </a:p>
+        </p:txBody>
+      </p:sp>
+      <p:sp>
+        <p:nvSpPr>
+          <p:cNvPr id="4" name="Slide Number Placeholder 3">
+            <a:extLst>
+              <a:ext uri="{FF2B5EF4-FFF2-40B4-BE49-F238E27FC236}">
+                <a16:creationId xmlns:a16="http://schemas.microsoft.com/office/drawing/2014/main" id="{9E0F48F5-48DC-E64A-B092-8699627E0915}"/>
+              </a:ext>
+            </a:extLst>
+          </p:cNvPr>
+          <p:cNvSpPr>
+            <a:spLocks noGrp="1"/>
+          </p:cNvSpPr>
+          <p:nvPr>
+            <p:ph type="sldNum" sz="quarter" idx="12"/>
+          </p:nvPr>
+        </p:nvSpPr>
+        <p:spPr/>
+        <p:txBody>
+          <a:bodyPr/>
+          <a:lstStyle/>
+          <a:p>
+            <a:fld id="{91E15A72-4311-4D48-8139-6724A1CBFEF9}" type="slidenum">
+              <a:rPr lang="en-US" smtClean="0"/>
+              <a:t>3</a:t>
+            </a:fld>
+            <a:endParaRPr lang="en-US"/>
+          </a:p>
+        </p:txBody>
+      </p:sp>
+      <p:sp>
+        <p:nvSpPr>
+          <p:cNvPr id="9" name="TextBox 8">
+            <a:extLst>
+              <a:ext uri="{FF2B5EF4-FFF2-40B4-BE49-F238E27FC236}">
+                <a16:creationId xmlns:a16="http://schemas.microsoft.com/office/drawing/2014/main" id="{37D86FCD-270B-DEC9-1932-2C1E3E9E124C}"/>
+              </a:ext>
+            </a:extLst>
+          </p:cNvPr>
+          <p:cNvSpPr txBox="1"/>
+          <p:nvPr/>
+        </p:nvSpPr>
+        <p:spPr>
+          <a:xfrm>
+            <a:off x="8346073" y="2282845"/>
+            <a:ext cx="2763257" cy="369332"/>
+          </a:xfrm>
+          <a:prstGeom prst="rect">
+            <a:avLst/>
+          </a:prstGeom>
+          <a:noFill/>
+        </p:spPr>
+        <p:txBody>
+          <a:bodyPr wrap="none" rtlCol="0">
+            <a:spAutoFit/>
+          </a:bodyPr>
+          <a:lstStyle/>
+          <a:p>
+            <a:r>
+              <a:rPr lang="en-US" altLang="zh-CN" dirty="0"/>
+              <a:t>B2B (Business to Customer)</a:t>
+            </a:r>
+            <a:endParaRPr lang="zh-CN" altLang="en-US" dirty="0"/>
+          </a:p>
+        </p:txBody>
+      </p:sp>
+      <p:sp>
+        <p:nvSpPr>
+          <p:cNvPr id="10" name="TextBox 9">
+            <a:extLst>
+              <a:ext uri="{FF2B5EF4-FFF2-40B4-BE49-F238E27FC236}">
+                <a16:creationId xmlns:a16="http://schemas.microsoft.com/office/drawing/2014/main" id="{AA6A8211-58F6-55FB-F947-06ACEC43CFF7}"/>
+              </a:ext>
+            </a:extLst>
+          </p:cNvPr>
+          <p:cNvSpPr txBox="1"/>
+          <p:nvPr/>
+        </p:nvSpPr>
+        <p:spPr>
+          <a:xfrm>
+            <a:off x="8346073" y="3244334"/>
+            <a:ext cx="2862643" cy="369332"/>
+          </a:xfrm>
+          <a:prstGeom prst="rect">
+            <a:avLst/>
+          </a:prstGeom>
+          <a:noFill/>
+        </p:spPr>
+        <p:txBody>
+          <a:bodyPr wrap="none" rtlCol="0">
+            <a:spAutoFit/>
+          </a:bodyPr>
+          <a:lstStyle/>
+          <a:p>
+            <a:r>
+              <a:rPr lang="en-US" altLang="zh-CN" dirty="0"/>
+              <a:t>C2C (Customer to Customer)</a:t>
+            </a:r>
+            <a:endParaRPr lang="zh-CN" altLang="en-US" dirty="0"/>
+          </a:p>
+        </p:txBody>
+      </p:sp>
+      <p:cxnSp>
+        <p:nvCxnSpPr>
+          <p:cNvPr id="12" name="Straight Connector 11">
+            <a:extLst>
+              <a:ext uri="{FF2B5EF4-FFF2-40B4-BE49-F238E27FC236}">
+                <a16:creationId xmlns:a16="http://schemas.microsoft.com/office/drawing/2014/main" id="{D972309E-FD40-E7DE-873C-F96523D235B5}"/>
+              </a:ext>
+            </a:extLst>
+          </p:cNvPr>
+          <p:cNvCxnSpPr>
+            <a:cxnSpLocks/>
+          </p:cNvCxnSpPr>
+          <p:nvPr/>
+        </p:nvCxnSpPr>
+        <p:spPr>
+          <a:xfrm flipV="1">
+            <a:off x="5047989" y="2467511"/>
+            <a:ext cx="3170114" cy="432264"/>
+          </a:xfrm>
+          <a:prstGeom prst="line">
+            <a:avLst/>
+          </a:prstGeom>
+          <a:ln w="19050">
+            <a:solidFill>
+              <a:schemeClr val="tx1"/>
+            </a:solidFill>
+          </a:ln>
+        </p:spPr>
+        <p:style>
+          <a:lnRef idx="1">
+            <a:schemeClr val="accent1"/>
+          </a:lnRef>
+          <a:fillRef idx="0">
+            <a:schemeClr val="accent1"/>
+          </a:fillRef>
+          <a:effectRef idx="0">
+            <a:schemeClr val="accent1"/>
+          </a:effectRef>
+          <a:fontRef idx="minor">
+            <a:schemeClr val="tx1"/>
+          </a:fontRef>
+        </p:style>
+      </p:cxnSp>
+      <p:cxnSp>
+        <p:nvCxnSpPr>
+          <p:cNvPr id="13" name="Straight Connector 12">
+            <a:extLst>
+              <a:ext uri="{FF2B5EF4-FFF2-40B4-BE49-F238E27FC236}">
+                <a16:creationId xmlns:a16="http://schemas.microsoft.com/office/drawing/2014/main" id="{8E75C6AA-1B8C-CFA4-6FED-D98CE0143B48}"/>
+              </a:ext>
+            </a:extLst>
+          </p:cNvPr>
+          <p:cNvCxnSpPr>
+            <a:cxnSpLocks/>
+          </p:cNvCxnSpPr>
+          <p:nvPr/>
+        </p:nvCxnSpPr>
+        <p:spPr>
+          <a:xfrm flipV="1">
+            <a:off x="6024192" y="3449961"/>
+            <a:ext cx="2242986" cy="41971"/>
+          </a:xfrm>
+          <a:prstGeom prst="line">
+            <a:avLst/>
+          </a:prstGeom>
+          <a:ln w="19050">
+            <a:solidFill>
+              <a:schemeClr val="tx1"/>
+            </a:solidFill>
+          </a:ln>
+        </p:spPr>
+        <p:style>
+          <a:lnRef idx="1">
+            <a:schemeClr val="accent1"/>
+          </a:lnRef>
+          <a:fillRef idx="0">
+            <a:schemeClr val="accent1"/>
+          </a:fillRef>
+          <a:effectRef idx="0">
+            <a:schemeClr val="accent1"/>
+          </a:effectRef>
+          <a:fontRef idx="minor">
+            <a:schemeClr val="tx1"/>
+          </a:fontRef>
+        </p:style>
+      </p:cxnSp>
+      <p:grpSp>
+        <p:nvGrpSpPr>
+          <p:cNvPr id="18" name="Group 17">
+            <a:extLst>
+              <a:ext uri="{FF2B5EF4-FFF2-40B4-BE49-F238E27FC236}">
+                <a16:creationId xmlns:a16="http://schemas.microsoft.com/office/drawing/2014/main" id="{1E946805-9389-D8FA-88C6-2C7E64A1329E}"/>
+              </a:ext>
+            </a:extLst>
+          </p:cNvPr>
+          <p:cNvGrpSpPr/>
+          <p:nvPr/>
+        </p:nvGrpSpPr>
+        <p:grpSpPr>
+          <a:xfrm>
+            <a:off x="527995" y="1968345"/>
+            <a:ext cx="6987619" cy="3936390"/>
+            <a:chOff x="527996" y="1975068"/>
+            <a:chExt cx="6987619" cy="3936390"/>
+          </a:xfrm>
+        </p:grpSpPr>
+        <p:pic>
+          <p:nvPicPr>
+            <p:cNvPr id="8" name="Picture 7">
+              <a:extLst>
+                <a:ext uri="{FF2B5EF4-FFF2-40B4-BE49-F238E27FC236}">
+                  <a16:creationId xmlns:a16="http://schemas.microsoft.com/office/drawing/2014/main" id="{54B6A391-B89F-8E65-23A6-7AE278312817}"/>
+                </a:ext>
+              </a:extLst>
+            </p:cNvPr>
+            <p:cNvPicPr>
+              <a:picLocks noChangeAspect="1"/>
+            </p:cNvPicPr>
+            <p:nvPr/>
+          </p:nvPicPr>
+          <p:blipFill>
+            <a:blip r:embed="rId3">
+              <a:extLst>
+                <a:ext uri="{28A0092B-C50C-407E-A947-70E740481C1C}">
+                  <a14:useLocalDpi xmlns:a14="http://schemas.microsoft.com/office/drawing/2010/main" val="0"/>
+                </a:ext>
+              </a:extLst>
+            </a:blip>
+            <a:stretch>
+              <a:fillRect/>
+            </a:stretch>
+          </p:blipFill>
+          <p:spPr>
+            <a:xfrm>
+              <a:off x="527996" y="2004994"/>
+              <a:ext cx="6987619" cy="3906464"/>
+            </a:xfrm>
+            <a:prstGeom prst="rect">
+              <a:avLst/>
+            </a:prstGeom>
+          </p:spPr>
+        </p:pic>
+        <p:sp>
+          <p:nvSpPr>
+            <p:cNvPr id="17" name="TextBox 16">
+              <a:extLst>
+                <a:ext uri="{FF2B5EF4-FFF2-40B4-BE49-F238E27FC236}">
+                  <a16:creationId xmlns:a16="http://schemas.microsoft.com/office/drawing/2014/main" id="{CC900E5A-68CE-5660-8AE6-DC7BF4FA6143}"/>
+                </a:ext>
+              </a:extLst>
+            </p:cNvPr>
+            <p:cNvSpPr txBox="1"/>
+            <p:nvPr/>
+          </p:nvSpPr>
+          <p:spPr>
+            <a:xfrm>
+              <a:off x="595231" y="1975068"/>
+              <a:ext cx="2295886" cy="307777"/>
+            </a:xfrm>
+            <a:prstGeom prst="rect">
+              <a:avLst/>
+            </a:prstGeom>
+            <a:noFill/>
+          </p:spPr>
+          <p:txBody>
+            <a:bodyPr wrap="square" rtlCol="0">
+              <a:spAutoFit/>
+            </a:bodyPr>
+            <a:lstStyle/>
+            <a:p>
+              <a:r>
+                <a:rPr lang="en-US" altLang="zh-CN" sz="1400" b="1" dirty="0">
+                  <a:solidFill>
+                    <a:srgbClr val="52A8D7"/>
+                  </a:solidFill>
+                  <a:latin typeface="Arial" panose="020B0604020202020204" pitchFamily="34" charset="0"/>
+                  <a:cs typeface="Arial" panose="020B0604020202020204" pitchFamily="34" charset="0"/>
+                </a:rPr>
+                <a:t>Alibaba Business Model</a:t>
+              </a:r>
+              <a:endParaRPr lang="zh-CN" altLang="en-US" sz="1400" b="1" dirty="0">
+                <a:solidFill>
+                  <a:srgbClr val="52A8D7"/>
+                </a:solidFill>
+                <a:latin typeface="Arial" panose="020B0604020202020204" pitchFamily="34" charset="0"/>
+                <a:cs typeface="Arial" panose="020B0604020202020204" pitchFamily="34" charset="0"/>
+              </a:endParaRPr>
+            </a:p>
+          </p:txBody>
+        </p:sp>
+      </p:grpSp>
+      <p:cxnSp>
+        <p:nvCxnSpPr>
+          <p:cNvPr id="19" name="Straight Connector 18">
+            <a:extLst>
+              <a:ext uri="{FF2B5EF4-FFF2-40B4-BE49-F238E27FC236}">
+                <a16:creationId xmlns:a16="http://schemas.microsoft.com/office/drawing/2014/main" id="{CFC0DE73-A5E1-E152-4C84-24E8E94B18BF}"/>
+              </a:ext>
+            </a:extLst>
+          </p:cNvPr>
+          <p:cNvCxnSpPr>
+            <a:cxnSpLocks/>
+          </p:cNvCxnSpPr>
+          <p:nvPr/>
+        </p:nvCxnSpPr>
+        <p:spPr>
+          <a:xfrm>
+            <a:off x="4052278" y="3069971"/>
+            <a:ext cx="4214900" cy="379990"/>
+          </a:xfrm>
+          <a:prstGeom prst="line">
+            <a:avLst/>
+          </a:prstGeom>
+          <a:ln w="19050">
+            <a:solidFill>
+              <a:schemeClr val="tx1"/>
+            </a:solidFill>
+          </a:ln>
+        </p:spPr>
+        <p:style>
+          <a:lnRef idx="1">
+            <a:schemeClr val="accent1"/>
+          </a:lnRef>
+          <a:fillRef idx="0">
+            <a:schemeClr val="accent1"/>
+          </a:fillRef>
+          <a:effectRef idx="0">
+            <a:schemeClr val="accent1"/>
+          </a:effectRef>
+          <a:fontRef idx="minor">
+            <a:schemeClr val="tx1"/>
+          </a:fontRef>
+        </p:style>
+      </p:cxnSp>
+      <p:cxnSp>
+        <p:nvCxnSpPr>
+          <p:cNvPr id="22" name="Straight Connector 21">
+            <a:extLst>
+              <a:ext uri="{FF2B5EF4-FFF2-40B4-BE49-F238E27FC236}">
+                <a16:creationId xmlns:a16="http://schemas.microsoft.com/office/drawing/2014/main" id="{88B0E01E-EBA3-9880-6BD5-F11D0BB77ACD}"/>
+              </a:ext>
+            </a:extLst>
+          </p:cNvPr>
+          <p:cNvCxnSpPr>
+            <a:cxnSpLocks/>
+          </p:cNvCxnSpPr>
+          <p:nvPr/>
+        </p:nvCxnSpPr>
+        <p:spPr>
+          <a:xfrm flipV="1">
+            <a:off x="4101353" y="2473727"/>
+            <a:ext cx="4116750" cy="1549792"/>
+          </a:xfrm>
+          <a:prstGeom prst="line">
+            <a:avLst/>
+          </a:prstGeom>
+          <a:ln w="19050">
+            <a:solidFill>
+              <a:schemeClr val="tx1"/>
+            </a:solidFill>
+          </a:ln>
+        </p:spPr>
+        <p:style>
+          <a:lnRef idx="1">
+            <a:schemeClr val="accent1"/>
+          </a:lnRef>
+          <a:fillRef idx="0">
+            <a:schemeClr val="accent1"/>
+          </a:fillRef>
+          <a:effectRef idx="0">
+            <a:schemeClr val="accent1"/>
+          </a:effectRef>
+          <a:fontRef idx="minor">
+            <a:schemeClr val="tx1"/>
+          </a:fontRef>
+        </p:style>
+      </p:cxnSp>
+      <p:sp>
+        <p:nvSpPr>
+          <p:cNvPr id="29" name="TextBox 28">
+            <a:extLst>
+              <a:ext uri="{FF2B5EF4-FFF2-40B4-BE49-F238E27FC236}">
+                <a16:creationId xmlns:a16="http://schemas.microsoft.com/office/drawing/2014/main" id="{FAFB3D55-A333-AA59-CED6-F403A7E2589D}"/>
+              </a:ext>
+            </a:extLst>
+          </p:cNvPr>
+          <p:cNvSpPr txBox="1"/>
+          <p:nvPr/>
+        </p:nvSpPr>
+        <p:spPr>
+          <a:xfrm>
+            <a:off x="9455831" y="2532757"/>
+            <a:ext cx="543739" cy="830997"/>
+          </a:xfrm>
+          <a:prstGeom prst="rect">
+            <a:avLst/>
+          </a:prstGeom>
+          <a:noFill/>
+        </p:spPr>
+        <p:txBody>
+          <a:bodyPr wrap="none" rtlCol="0">
+            <a:spAutoFit/>
+          </a:bodyPr>
+          <a:lstStyle/>
+          <a:p>
+            <a:r>
+              <a:rPr lang="en-US" altLang="zh-CN" sz="4800" b="1" dirty="0">
+                <a:latin typeface="Arial" panose="020B0604020202020204" pitchFamily="34" charset="0"/>
+                <a:cs typeface="Arial" panose="020B0604020202020204" pitchFamily="34" charset="0"/>
+              </a:rPr>
+              <a:t>+</a:t>
+            </a:r>
+            <a:endParaRPr lang="zh-CN" altLang="en-US" sz="4800" b="1" dirty="0">
+              <a:latin typeface="Arial" panose="020B0604020202020204" pitchFamily="34" charset="0"/>
+              <a:cs typeface="Arial" panose="020B0604020202020204" pitchFamily="34" charset="0"/>
+            </a:endParaRPr>
+          </a:p>
+        </p:txBody>
+      </p:sp>
+      <p:sp>
+        <p:nvSpPr>
+          <p:cNvPr id="31" name="TextBox 30">
+            <a:extLst>
+              <a:ext uri="{FF2B5EF4-FFF2-40B4-BE49-F238E27FC236}">
+                <a16:creationId xmlns:a16="http://schemas.microsoft.com/office/drawing/2014/main" id="{27E7A57D-9DC7-894F-059B-3C2F5F434F5D}"/>
+              </a:ext>
+            </a:extLst>
+          </p:cNvPr>
+          <p:cNvSpPr txBox="1"/>
+          <p:nvPr/>
+        </p:nvSpPr>
+        <p:spPr>
+          <a:xfrm>
+            <a:off x="8621680" y="3776877"/>
+            <a:ext cx="2212040" cy="1569660"/>
+          </a:xfrm>
+          <a:prstGeom prst="rect">
+            <a:avLst/>
+          </a:prstGeom>
+          <a:noFill/>
+        </p:spPr>
+        <p:txBody>
+          <a:bodyPr wrap="square" rtlCol="0">
+            <a:spAutoFit/>
+          </a:bodyPr>
+          <a:lstStyle/>
+          <a:p>
+            <a:r>
+              <a:rPr lang="zh-CN" altLang="en-US" sz="4800" b="1" dirty="0">
+                <a:latin typeface="Arial" panose="020B0604020202020204" pitchFamily="34" charset="0"/>
+                <a:cs typeface="Arial" panose="020B0604020202020204" pitchFamily="34" charset="0"/>
+              </a:rPr>
+              <a:t>     ↓</a:t>
+            </a:r>
+            <a:endParaRPr lang="en-US" altLang="zh-CN" sz="4800" b="1" dirty="0">
+              <a:latin typeface="Arial" panose="020B0604020202020204" pitchFamily="34" charset="0"/>
+              <a:cs typeface="Arial" panose="020B0604020202020204" pitchFamily="34" charset="0"/>
+            </a:endParaRPr>
+          </a:p>
+          <a:p>
+            <a:r>
+              <a:rPr lang="en-US" altLang="zh-CN" sz="4800" b="1" dirty="0">
+                <a:latin typeface="Arial" panose="020B0604020202020204" pitchFamily="34" charset="0"/>
+                <a:cs typeface="Arial" panose="020B0604020202020204" pitchFamily="34" charset="0"/>
+              </a:rPr>
+              <a:t>Hybrid</a:t>
+            </a:r>
+            <a:endParaRPr lang="zh-CN" altLang="en-US" sz="4800" b="1" dirty="0">
+              <a:latin typeface="Arial" panose="020B0604020202020204" pitchFamily="34" charset="0"/>
+              <a:cs typeface="Arial" panose="020B0604020202020204" pitchFamily="34" charset="0"/>
+            </a:endParaRPr>
+          </a:p>
+        </p:txBody>
+      </p:sp>
+    </p:spTree>
+    <p:extLst>
+      <p:ext uri="{BB962C8B-B14F-4D97-AF65-F5344CB8AC3E}">
+        <p14:creationId xmlns:p14="http://schemas.microsoft.com/office/powerpoint/2010/main" val="4291934742"/>
+      </p:ext>
+    </p:extLst>
+  </p:cSld>
+  <p:clrMapOvr>
+    <a:masterClrMapping/>
+  </p:clrMapOvr>
+  <p:timing>
+    <p:tnLst>
+      <p:par>
+        <p:cTn id="1" dur="indefinite" restart="never" nodeType="tmRoot">
+          <p:childTnLst>
+            <p:seq concurrent="1" nextAc="seek">
+              <p:cTn id="2" dur="indefinite" nodeType="mainSeq">
+                <p:childTnLst>
+                  <p:par>
+                    <p:cTn id="3" fill="hold">
+                      <p:stCondLst>
+                        <p:cond delay="indefinite"/>
+                      </p:stCondLst>
+                      <p:childTnLst>
+                        <p:par>
+                          <p:cTn id="4" fill="hold">
+                            <p:stCondLst>
+                              <p:cond delay="0"/>
+                            </p:stCondLst>
+                            <p:childTnLst>
+                              <p:par>
+                                <p:cTn id="5" presetID="1" presetClass="exit" presetSubtype="0" fill="hold" nodeType="clickEffect">
+                                  <p:stCondLst>
+                                    <p:cond delay="0"/>
+                                  </p:stCondLst>
+                                  <p:childTnLst>
+                                    <p:set>
+                                      <p:cBhvr>
+                                        <p:cTn id="6" dur="1" fill="hold">
+                                          <p:stCondLst>
+                                            <p:cond delay="0"/>
+                                          </p:stCondLst>
+                                        </p:cTn>
+                                        <p:tgtEl>
+                                          <p:spTgt spid="6"/>
+                                        </p:tgtEl>
+                                        <p:attrNameLst>
+                                          <p:attrName>style.visibility</p:attrName>
+                                        </p:attrNameLst>
+                                      </p:cBhvr>
+                                      <p:to>
+                                        <p:strVal val="hidden"/>
+                                      </p:to>
+                                    </p:set>
+                                  </p:childTnLst>
+                                </p:cTn>
+                              </p:par>
+                              <p:par>
+                                <p:cTn id="7" presetID="1" presetClass="entr" presetSubtype="0" fill="hold" nodeType="withEffect">
+                                  <p:stCondLst>
+                                    <p:cond delay="0"/>
+                                  </p:stCondLst>
+                                  <p:childTnLst>
+                                    <p:set>
+                                      <p:cBhvr>
+                                        <p:cTn id="8" dur="1" fill="hold">
+                                          <p:stCondLst>
+                                            <p:cond delay="0"/>
+                                          </p:stCondLst>
+                                        </p:cTn>
+                                        <p:tgtEl>
+                                          <p:spTgt spid="18"/>
+                                        </p:tgtEl>
+                                        <p:attrNameLst>
+                                          <p:attrName>style.visibility</p:attrName>
+                                        </p:attrNameLst>
+                                      </p:cBhvr>
+                                      <p:to>
+                                        <p:strVal val="visible"/>
+                                      </p:to>
+                                    </p:set>
+                                  </p:childTnLst>
+                                </p:cTn>
+                              </p:par>
+                              <p:par>
+                                <p:cTn id="9" presetID="1" presetClass="exit" presetSubtype="0" fill="hold" nodeType="withEffect">
+                                  <p:stCondLst>
+                                    <p:cond delay="0"/>
+                                  </p:stCondLst>
+                                  <p:childTnLst>
+                                    <p:set>
+                                      <p:cBhvr>
+                                        <p:cTn id="10" dur="1" fill="hold">
+                                          <p:stCondLst>
+                                            <p:cond delay="0"/>
+                                          </p:stCondLst>
+                                        </p:cTn>
+                                        <p:tgtEl>
+                                          <p:spTgt spid="12"/>
+                                        </p:tgtEl>
+                                        <p:attrNameLst>
+                                          <p:attrName>style.visibility</p:attrName>
+                                        </p:attrNameLst>
+                                      </p:cBhvr>
+                                      <p:to>
+                                        <p:strVal val="hidden"/>
+                                      </p:to>
+                                    </p:set>
+                                  </p:childTnLst>
+                                </p:cTn>
+                              </p:par>
+                              <p:par>
+                                <p:cTn id="11" presetID="1" presetClass="exit" presetSubtype="0" fill="hold" nodeType="withEffect">
+                                  <p:stCondLst>
+                                    <p:cond delay="0"/>
+                                  </p:stCondLst>
+                                  <p:childTnLst>
+                                    <p:set>
+                                      <p:cBhvr>
+                                        <p:cTn id="12" dur="1" fill="hold">
+                                          <p:stCondLst>
+                                            <p:cond delay="0"/>
+                                          </p:stCondLst>
+                                        </p:cTn>
+                                        <p:tgtEl>
+                                          <p:spTgt spid="13"/>
+                                        </p:tgtEl>
+                                        <p:attrNameLst>
+                                          <p:attrName>style.visibility</p:attrName>
+                                        </p:attrNameLst>
+                                      </p:cBhvr>
+                                      <p:to>
+                                        <p:strVal val="hidden"/>
+                                      </p:to>
+                                    </p:set>
+                                  </p:childTnLst>
+                                </p:cTn>
+                              </p:par>
+                              <p:par>
+                                <p:cTn id="13" presetID="1" presetClass="entr" presetSubtype="0" fill="hold" nodeType="withEffect">
+                                  <p:stCondLst>
+                                    <p:cond delay="0"/>
+                                  </p:stCondLst>
+                                  <p:childTnLst>
+                                    <p:set>
+                                      <p:cBhvr>
+                                        <p:cTn id="14" dur="1" fill="hold">
+                                          <p:stCondLst>
+                                            <p:cond delay="0"/>
+                                          </p:stCondLst>
+                                        </p:cTn>
+                                        <p:tgtEl>
+                                          <p:spTgt spid="19"/>
+                                        </p:tgtEl>
+                                        <p:attrNameLst>
+                                          <p:attrName>style.visibility</p:attrName>
+                                        </p:attrNameLst>
+                                      </p:cBhvr>
+                                      <p:to>
+                                        <p:strVal val="visible"/>
+                                      </p:to>
+                                    </p:set>
+                                  </p:childTnLst>
+                                </p:cTn>
+                              </p:par>
+                              <p:par>
+                                <p:cTn id="15" presetID="1" presetClass="entr" presetSubtype="0" fill="hold" nodeType="withEffect">
+                                  <p:stCondLst>
+                                    <p:cond delay="0"/>
+                                  </p:stCondLst>
+                                  <p:childTnLst>
+                                    <p:set>
+                                      <p:cBhvr>
+                                        <p:cTn id="16" dur="1" fill="hold">
+                                          <p:stCondLst>
+                                            <p:cond delay="0"/>
+                                          </p:stCondLst>
+                                        </p:cTn>
+                                        <p:tgtEl>
+                                          <p:spTgt spid="22"/>
+                                        </p:tgtEl>
+                                        <p:attrNameLst>
+                                          <p:attrName>style.visibility</p:attrName>
+                                        </p:attrNameLst>
+                                      </p:cBhvr>
+                                      <p:to>
+                                        <p:strVal val="visible"/>
+                                      </p:to>
+                                    </p:set>
+                                  </p:childTnLst>
+                                </p:cTn>
+                              </p:par>
+                            </p:childTnLst>
+                          </p:cTn>
+                        </p:par>
+                      </p:childTnLst>
+                    </p:cTn>
+                  </p:par>
+                  <p:par>
+                    <p:cTn id="17" fill="hold">
+                      <p:stCondLst>
+                        <p:cond delay="indefinite"/>
+                      </p:stCondLst>
+                      <p:childTnLst>
+                        <p:par>
+                          <p:cTn id="18" fill="hold">
+                            <p:stCondLst>
+                              <p:cond delay="0"/>
+                            </p:stCondLst>
+                            <p:childTnLst>
+                              <p:par>
+                                <p:cTn id="19" presetID="1" presetClass="entr" presetSubtype="0" fill="hold" grpId="0" nodeType="clickEffect">
+                                  <p:stCondLst>
+                                    <p:cond delay="0"/>
+                                  </p:stCondLst>
+                                  <p:childTnLst>
+                                    <p:set>
+                                      <p:cBhvr>
+                                        <p:cTn id="20" dur="1" fill="hold">
+                                          <p:stCondLst>
+                                            <p:cond delay="0"/>
+                                          </p:stCondLst>
+                                        </p:cTn>
+                                        <p:tgtEl>
+                                          <p:spTgt spid="29"/>
+                                        </p:tgtEl>
+                                        <p:attrNameLst>
+                                          <p:attrName>style.visibility</p:attrName>
+                                        </p:attrNameLst>
+                                      </p:cBhvr>
+                                      <p:to>
+                                        <p:strVal val="visible"/>
+                                      </p:to>
+                                    </p:set>
+                                  </p:childTnLst>
+                                </p:cTn>
+                              </p:par>
+                              <p:par>
+                                <p:cTn id="21" presetID="1" presetClass="entr" presetSubtype="0" fill="hold" grpId="0" nodeType="withEffect">
+                                  <p:stCondLst>
+                                    <p:cond delay="0"/>
+                                  </p:stCondLst>
+                                  <p:childTnLst>
+                                    <p:set>
+                                      <p:cBhvr>
+                                        <p:cTn id="22" dur="1" fill="hold">
+                                          <p:stCondLst>
+                                            <p:cond delay="0"/>
+                                          </p:stCondLst>
+                                        </p:cTn>
+                                        <p:tgtEl>
+                                          <p:spTgt spid="31"/>
+                                        </p:tgtEl>
+                                        <p:attrNameLst>
+                                          <p:attrName>style.visibility</p:attrName>
+                                        </p:attrNameLst>
+                                      </p:cBhvr>
+                                      <p:to>
+                                        <p:strVal val="visible"/>
+                                      </p:to>
+                                    </p:set>
+                                  </p:childTnLst>
+                                </p:cTn>
+                              </p:par>
+                            </p:childTnLst>
+                          </p:cTn>
+                        </p:par>
+                      </p:childTnLst>
+                    </p:cTn>
+                  </p:par>
+                </p:childTnLst>
+              </p:cTn>
+              <p:prevCondLst>
+                <p:cond evt="onPrev" delay="0">
+                  <p:tgtEl>
+                    <p:sldTgt/>
+                  </p:tgtEl>
+                </p:cond>
+              </p:prevCondLst>
+              <p:nextCondLst>
+                <p:cond evt="onNext" delay="0">
+                  <p:tgtEl>
+                    <p:sldTgt/>
+                  </p:tgtEl>
+                </p:cond>
+              </p:nextCondLst>
+            </p:seq>
+          </p:childTnLst>
+        </p:cTn>
+      </p:par>
+    </p:tnLst>
+    <p:bldLst>
+      <p:bldP spid="29" grpId="0"/>
+      <p:bldP spid="31" grpId="0"/>
+    </p:bldLst>
+  </p:timing>
+</p:sld>
+</file>
+
+<file path=ppt/slides/slide4.xml><?xml version="1.0" encoding="utf-8"?>
+<p:sld xmlns:a="http://schemas.openxmlformats.org/drawingml/2006/main" xmlns:r="http://schemas.openxmlformats.org/officeDocument/2006/relationships" xmlns:p="http://schemas.openxmlformats.org/presentationml/2006/main">
+  <p:cSld>
+    <p:spTree>
+      <p:nvGrpSpPr>
+        <p:cNvPr id="1" name=""/>
+        <p:cNvGrpSpPr/>
+        <p:nvPr/>
+      </p:nvGrpSpPr>
+      <p:grpSpPr>
+        <a:xfrm>
+          <a:off x="0" y="0"/>
+          <a:ext cx="0" cy="0"/>
+          <a:chOff x="0" y="0"/>
+          <a:chExt cx="0" cy="0"/>
+        </a:xfrm>
+      </p:grpSpPr>
+      <p:sp>
+        <p:nvSpPr>
+          <p:cNvPr id="2" name="Title 1">
+            <a:extLst>
+              <a:ext uri="{FF2B5EF4-FFF2-40B4-BE49-F238E27FC236}">
+                <a16:creationId xmlns:a16="http://schemas.microsoft.com/office/drawing/2014/main" id="{F45BAF2C-CED9-9EBB-057B-F1744698A108}"/>
+              </a:ext>
+            </a:extLst>
+          </p:cNvPr>
+          <p:cNvSpPr>
+            <a:spLocks noGrp="1"/>
+          </p:cNvSpPr>
+          <p:nvPr>
+            <p:ph type="title"/>
+          </p:nvPr>
+        </p:nvSpPr>
+        <p:spPr/>
+        <p:txBody>
+          <a:bodyPr/>
+          <a:lstStyle/>
+          <a:p>
+            <a:r>
+              <a:rPr lang="en-US" altLang="zh-CN" b="1" dirty="0"/>
+              <a:t>Seller Center</a:t>
+            </a:r>
+            <a:endParaRPr lang="zh-CN" altLang="en-US" b="1" dirty="0"/>
+          </a:p>
+        </p:txBody>
+      </p:sp>
+      <p:pic>
+        <p:nvPicPr>
+          <p:cNvPr id="6" name="Content Placeholder 5">
+            <a:extLst>
+              <a:ext uri="{FF2B5EF4-FFF2-40B4-BE49-F238E27FC236}">
+                <a16:creationId xmlns:a16="http://schemas.microsoft.com/office/drawing/2014/main" id="{2E261497-8AC2-2F06-D8E7-693DBE724BCF}"/>
+              </a:ext>
+            </a:extLst>
+          </p:cNvPr>
+          <p:cNvPicPr>
+            <a:picLocks noGrp="1" noChangeAspect="1"/>
+          </p:cNvPicPr>
+          <p:nvPr>
+            <p:ph idx="1"/>
+          </p:nvPr>
+        </p:nvPicPr>
+        <p:blipFill>
+          <a:blip r:embed="rId2">
+            <a:extLst>
+              <a:ext uri="{28A0092B-C50C-407E-A947-70E740481C1C}">
+                <a14:useLocalDpi xmlns:a14="http://schemas.microsoft.com/office/drawing/2010/main" val="0"/>
+              </a:ext>
+            </a:extLst>
+          </a:blip>
+          <a:stretch>
+            <a:fillRect/>
+          </a:stretch>
+        </p:blipFill>
+        <p:spPr>
+          <a:xfrm>
+            <a:off x="656572" y="1762995"/>
+            <a:ext cx="7735712" cy="4351338"/>
+          </a:xfrm>
+        </p:spPr>
+      </p:pic>
+      <p:sp>
+        <p:nvSpPr>
+          <p:cNvPr id="4" name="Slide Number Placeholder 3">
+            <a:extLst>
+              <a:ext uri="{FF2B5EF4-FFF2-40B4-BE49-F238E27FC236}">
+                <a16:creationId xmlns:a16="http://schemas.microsoft.com/office/drawing/2014/main" id="{9E0F48F5-48DC-E64A-B092-8699627E0915}"/>
+              </a:ext>
+            </a:extLst>
+          </p:cNvPr>
+          <p:cNvSpPr>
+            <a:spLocks noGrp="1"/>
+          </p:cNvSpPr>
+          <p:nvPr>
+            <p:ph type="sldNum" sz="quarter" idx="12"/>
+          </p:nvPr>
+        </p:nvSpPr>
+        <p:spPr/>
+        <p:txBody>
+          <a:bodyPr/>
+          <a:lstStyle/>
+          <a:p>
+            <a:fld id="{91E15A72-4311-4D48-8139-6724A1CBFEF9}" type="slidenum">
+              <a:rPr lang="en-US" smtClean="0"/>
+              <a:t>4</a:t>
+            </a:fld>
+            <a:endParaRPr lang="en-US"/>
+          </a:p>
+        </p:txBody>
+      </p:sp>
+      <p:sp>
+        <p:nvSpPr>
+          <p:cNvPr id="7" name="TextBox 6">
+            <a:extLst>
+              <a:ext uri="{FF2B5EF4-FFF2-40B4-BE49-F238E27FC236}">
+                <a16:creationId xmlns:a16="http://schemas.microsoft.com/office/drawing/2014/main" id="{CD349CB7-9037-FA02-A863-60E3A23AEAF5}"/>
+              </a:ext>
+            </a:extLst>
+          </p:cNvPr>
+          <p:cNvSpPr txBox="1"/>
+          <p:nvPr/>
+        </p:nvSpPr>
+        <p:spPr>
+          <a:xfrm>
+            <a:off x="8546920" y="2179529"/>
+            <a:ext cx="3258859" cy="923330"/>
+          </a:xfrm>
+          <a:prstGeom prst="rect">
+            <a:avLst/>
+          </a:prstGeom>
+          <a:noFill/>
+        </p:spPr>
+        <p:txBody>
+          <a:bodyPr wrap="square" rtlCol="0">
+            <a:spAutoFit/>
+          </a:bodyPr>
+          <a:lstStyle/>
+          <a:p>
+            <a:pPr algn="just"/>
+            <a:r>
+              <a:rPr lang="en-US" altLang="zh-CN" dirty="0"/>
+              <a:t>Provide a </a:t>
+            </a:r>
+            <a:r>
+              <a:rPr lang="en-US" altLang="zh-CN" b="1" dirty="0"/>
+              <a:t>user-friendly</a:t>
+            </a:r>
+            <a:r>
+              <a:rPr lang="en-US" altLang="zh-CN" dirty="0"/>
+              <a:t> interface especially for sellers in C2C business model</a:t>
+            </a:r>
+            <a:endParaRPr lang="zh-CN" altLang="en-US" dirty="0"/>
+          </a:p>
+        </p:txBody>
+      </p:sp>
+      <p:sp>
+        <p:nvSpPr>
+          <p:cNvPr id="8" name="TextBox 7">
+            <a:extLst>
+              <a:ext uri="{FF2B5EF4-FFF2-40B4-BE49-F238E27FC236}">
+                <a16:creationId xmlns:a16="http://schemas.microsoft.com/office/drawing/2014/main" id="{D3E1EA7A-3DC0-3B60-0DA7-0642C7816290}"/>
+              </a:ext>
+            </a:extLst>
+          </p:cNvPr>
+          <p:cNvSpPr txBox="1"/>
+          <p:nvPr/>
+        </p:nvSpPr>
+        <p:spPr>
+          <a:xfrm>
+            <a:off x="3287174" y="6185098"/>
+            <a:ext cx="2474507" cy="307777"/>
+          </a:xfrm>
+          <a:prstGeom prst="rect">
+            <a:avLst/>
+          </a:prstGeom>
+          <a:noFill/>
+        </p:spPr>
+        <p:txBody>
+          <a:bodyPr wrap="square" rtlCol="0">
+            <a:spAutoFit/>
+          </a:bodyPr>
+          <a:lstStyle/>
+          <a:p>
+            <a:pPr algn="just"/>
+            <a:r>
+              <a:rPr lang="en-US" altLang="zh-CN" sz="1400" i="1" dirty="0">
+                <a:latin typeface="Arial" panose="020B0604020202020204" pitchFamily="34" charset="0"/>
+                <a:cs typeface="Arial" panose="020B0604020202020204" pitchFamily="34" charset="0"/>
+              </a:rPr>
+              <a:t>The Seller Center of Amazon</a:t>
+            </a:r>
+            <a:endParaRPr lang="zh-CN" altLang="en-US" sz="1400" i="1" dirty="0">
+              <a:latin typeface="Arial" panose="020B0604020202020204" pitchFamily="34" charset="0"/>
+              <a:cs typeface="Arial" panose="020B0604020202020204" pitchFamily="34" charset="0"/>
+            </a:endParaRPr>
+          </a:p>
+        </p:txBody>
+      </p:sp>
+    </p:spTree>
+    <p:extLst>
+      <p:ext uri="{BB962C8B-B14F-4D97-AF65-F5344CB8AC3E}">
+        <p14:creationId xmlns:p14="http://schemas.microsoft.com/office/powerpoint/2010/main" val="264519756"/>
+      </p:ext>
+    </p:extLst>
+  </p:cSld>
+  <p:clrMapOvr>
+    <a:masterClrMapping/>
+  </p:clrMapOvr>
+</p:sld>
+</file>
+
+<file path=ppt/slides/slide5.xml><?xml version="1.0" encoding="utf-8"?>
+<p:sld xmlns:a="http://schemas.openxmlformats.org/drawingml/2006/main" xmlns:r="http://schemas.openxmlformats.org/officeDocument/2006/relationships" xmlns:p="http://schemas.openxmlformats.org/presentationml/2006/main">
+  <p:cSld>
+    <p:spTree>
+      <p:nvGrpSpPr>
+        <p:cNvPr id="1" name=""/>
+        <p:cNvGrpSpPr/>
+        <p:nvPr/>
+      </p:nvGrpSpPr>
+      <p:grpSpPr>
+        <a:xfrm>
+          <a:off x="0" y="0"/>
+          <a:ext cx="0" cy="0"/>
+          <a:chOff x="0" y="0"/>
+          <a:chExt cx="0" cy="0"/>
+        </a:xfrm>
+      </p:grpSpPr>
+      <p:sp>
+        <p:nvSpPr>
+          <p:cNvPr id="4" name="灯片编号占位符 3">
+            <a:extLst>
+              <a:ext uri="{FF2B5EF4-FFF2-40B4-BE49-F238E27FC236}">
+                <a16:creationId xmlns:a16="http://schemas.microsoft.com/office/drawing/2014/main" id="{D6ECEEFF-B7DE-7423-791D-F08F171B0216}"/>
+              </a:ext>
+            </a:extLst>
+          </p:cNvPr>
+          <p:cNvSpPr>
+            <a:spLocks noGrp="1"/>
+          </p:cNvSpPr>
+          <p:nvPr>
+            <p:ph type="sldNum" sz="quarter" idx="12"/>
+          </p:nvPr>
+        </p:nvSpPr>
+        <p:spPr/>
+        <p:txBody>
+          <a:bodyPr/>
+          <a:lstStyle/>
+          <a:p>
+            <a:fld id="{91E15A72-4311-4D48-8139-6724A1CBFEF9}" type="slidenum">
+              <a:rPr lang="en-US" smtClean="0">
+                <a:solidFill>
+                  <a:schemeClr val="tx1"/>
+                </a:solidFill>
+              </a:rPr>
+              <a:t>5</a:t>
             </a:fld>
             <a:endParaRPr lang="en-US" dirty="0">
               <a:solidFill>
@@ -4280,7 +6980,7 @@
 </p:sld>
 </file>
 
-<file path=ppt/slides/slide10.xml><?xml version="1.0" encoding="utf-8"?>
+<file path=ppt/slides/slide6.xml><?xml version="1.0" encoding="utf-8"?>
 <p:sld xmlns:a="http://schemas.openxmlformats.org/drawingml/2006/main" xmlns:r="http://schemas.openxmlformats.org/officeDocument/2006/relationships" xmlns:p="http://schemas.openxmlformats.org/presentationml/2006/main">
   <p:cSld>
     <p:spTree>
@@ -4302,7 +7002,7 @@
           <p:cNvPr id="2" name="灯片编号占位符 1">
             <a:extLst>
               <a:ext uri="{FF2B5EF4-FFF2-40B4-BE49-F238E27FC236}">
-                <a16:creationId xmlns:a16="http://schemas.microsoft.com/office/drawing/2014/main" id="{BC81668E-20E5-79E8-DE3B-81399225B961}"/>
+                <a16:creationId xmlns:a16="http://schemas.microsoft.com/office/drawing/2014/main" id="{D955D8A6-0329-C847-B9EA-91F90389563E}"/>
               </a:ext>
             </a:extLst>
           </p:cNvPr>
@@ -4324,7 +7024,7 @@
                   <a:schemeClr val="tx1"/>
                 </a:solidFill>
               </a:rPr>
-              <a:t>10</a:t>
+              <a:t>6</a:t>
             </a:fld>
             <a:endParaRPr lang="en-US" dirty="0">
               <a:solidFill>
@@ -4336,10 +7036,10 @@
       </p:sp>
       <p:sp>
         <p:nvSpPr>
-          <p:cNvPr id="3" name="矩形 2">
-            <a:extLst>
-              <a:ext uri="{FF2B5EF4-FFF2-40B4-BE49-F238E27FC236}">
-                <a16:creationId xmlns:a16="http://schemas.microsoft.com/office/drawing/2014/main" id="{EB18FF03-365A-DD4F-D70C-00598B219E8E}"/>
+          <p:cNvPr id="6" name="矩形 5">
+            <a:extLst>
+              <a:ext uri="{FF2B5EF4-FFF2-40B4-BE49-F238E27FC236}">
+                <a16:creationId xmlns:a16="http://schemas.microsoft.com/office/drawing/2014/main" id="{7497DA5D-3695-6754-D3DB-B8098BF28B6E}"/>
               </a:ext>
             </a:extLst>
           </p:cNvPr>
@@ -4348,8 +7048,8 @@
         </p:nvSpPr>
         <p:spPr>
           <a:xfrm>
-            <a:off x="4626687" y="2690336"/>
-            <a:ext cx="2938625" cy="1477328"/>
+            <a:off x="619848" y="337005"/>
+            <a:ext cx="6716839" cy="923330"/>
           </a:xfrm>
           <a:prstGeom prst="rect">
             <a:avLst/>
@@ -4362,8 +7062,9 @@
           </a:bodyPr>
           <a:lstStyle/>
           <a:p>
-            <a:r>
-              <a:rPr lang="en-US" altLang="zh-CN" sz="9000" b="0" cap="none" spc="0" dirty="0">
+            <a:pPr algn="ctr"/>
+            <a:r>
+              <a:rPr lang="en-US" altLang="zh-CN" sz="5400" b="0" cap="none" spc="0" dirty="0">
                 <a:ln w="0"/>
                 <a:solidFill>
                   <a:schemeClr val="tx1"/>
@@ -4376,9 +7077,48 @@
                   </a:outerShdw>
                 </a:effectLst>
               </a:rPr>
-              <a:t>Q &amp; A</a:t>
-            </a:r>
-            <a:endParaRPr lang="zh-CN" altLang="en-US" sz="9000" b="0" cap="none" spc="0" dirty="0">
+              <a:t>Customer Q</a:t>
+            </a:r>
+            <a:r>
+              <a:rPr lang="en-US" altLang="zh-CN" sz="5400" dirty="0">
+                <a:ln w="0"/>
+                <a:effectLst>
+                  <a:outerShdw blurRad="38100" dist="19050" dir="2700000" algn="tl" rotWithShape="0">
+                    <a:schemeClr val="dk1">
+                      <a:alpha val="40000"/>
+                    </a:schemeClr>
+                  </a:outerShdw>
+                </a:effectLst>
+              </a:rPr>
+              <a:t>&amp;A</a:t>
+            </a:r>
+            <a:r>
+              <a:rPr lang="zh-CN" altLang="en-US" sz="5400" dirty="0">
+                <a:ln w="0"/>
+                <a:effectLst>
+                  <a:outerShdw blurRad="38100" dist="19050" dir="2700000" algn="tl" rotWithShape="0">
+                    <a:schemeClr val="dk1">
+                      <a:alpha val="40000"/>
+                    </a:schemeClr>
+                  </a:outerShdw>
+                </a:effectLst>
+              </a:rPr>
+              <a:t> </a:t>
+            </a:r>
+            <a:r>
+              <a:rPr lang="en-US" altLang="zh-CN" sz="5400" dirty="0">
+                <a:ln w="0"/>
+                <a:effectLst>
+                  <a:outerShdw blurRad="38100" dist="19050" dir="2700000" algn="tl" rotWithShape="0">
+                    <a:schemeClr val="dk1">
+                      <a:alpha val="40000"/>
+                    </a:schemeClr>
+                  </a:outerShdw>
+                </a:effectLst>
+              </a:rPr>
+              <a:t>Feature</a:t>
+            </a:r>
+            <a:endParaRPr lang="zh-CN" altLang="en-US" sz="5400" b="0" cap="none" spc="0" dirty="0">
               <a:ln w="0"/>
               <a:solidFill>
                 <a:schemeClr val="tx1"/>
@@ -4396,15 +7136,15 @@
       </p:sp>
       <p:pic>
         <p:nvPicPr>
-          <p:cNvPr id="2050" name="Picture 2" descr="🔥 Thank You Any Question Images HD Download free - Images SRkh">
-            <a:extLst>
-              <a:ext uri="{FF2B5EF4-FFF2-40B4-BE49-F238E27FC236}">
-                <a16:creationId xmlns:a16="http://schemas.microsoft.com/office/drawing/2014/main" id="{050E54E3-1C22-1484-58C7-820601438140}"/>
+          <p:cNvPr id="7" name="图片 6">
+            <a:extLst>
+              <a:ext uri="{FF2B5EF4-FFF2-40B4-BE49-F238E27FC236}">
+                <a16:creationId xmlns:a16="http://schemas.microsoft.com/office/drawing/2014/main" id="{09206B80-1457-8396-B40F-B494D1EBBBBD}"/>
               </a:ext>
             </a:extLst>
           </p:cNvPr>
           <p:cNvPicPr>
-            <a:picLocks noChangeAspect="1" noChangeArrowheads="1"/>
+            <a:picLocks noChangeAspect="1"/>
           </p:cNvPicPr>
           <p:nvPr/>
         </p:nvPicPr>
@@ -4416,35 +7156,213 @@
               </a:ext>
             </a:extLst>
           </a:blip>
-          <a:srcRect/>
           <a:stretch>
             <a:fillRect/>
           </a:stretch>
         </p:blipFill>
-        <p:spPr bwMode="auto">
+        <p:spPr>
           <a:xfrm>
-            <a:off x="1656990" y="-1010010"/>
-            <a:ext cx="8878019" cy="8878019"/>
+            <a:off x="7336687" y="3347825"/>
+            <a:ext cx="4077269" cy="2219635"/>
+          </a:xfrm>
+          <a:prstGeom prst="rect">
+            <a:avLst/>
+          </a:prstGeom>
+        </p:spPr>
+      </p:pic>
+      <p:pic>
+        <p:nvPicPr>
+          <p:cNvPr id="9" name="图片 8">
+            <a:extLst>
+              <a:ext uri="{FF2B5EF4-FFF2-40B4-BE49-F238E27FC236}">
+                <a16:creationId xmlns:a16="http://schemas.microsoft.com/office/drawing/2014/main" id="{14346436-5B47-C121-987F-DA546B6F980A}"/>
+              </a:ext>
+            </a:extLst>
+          </p:cNvPr>
+          <p:cNvPicPr>
+            <a:picLocks noChangeAspect="1"/>
+          </p:cNvPicPr>
+          <p:nvPr/>
+        </p:nvPicPr>
+        <p:blipFill>
+          <a:blip r:embed="rId3"/>
+          <a:stretch>
+            <a:fillRect/>
+          </a:stretch>
+        </p:blipFill>
+        <p:spPr>
+          <a:xfrm>
+            <a:off x="619848" y="2376374"/>
+            <a:ext cx="5833416" cy="4162538"/>
+          </a:xfrm>
+          <a:prstGeom prst="rect">
+            <a:avLst/>
+          </a:prstGeom>
+        </p:spPr>
+      </p:pic>
+      <p:cxnSp>
+        <p:nvCxnSpPr>
+          <p:cNvPr id="13" name="直接箭头连接符 12">
+            <a:extLst>
+              <a:ext uri="{FF2B5EF4-FFF2-40B4-BE49-F238E27FC236}">
+                <a16:creationId xmlns:a16="http://schemas.microsoft.com/office/drawing/2014/main" id="{3A962C80-95FF-0933-9B24-3F824065F2A7}"/>
+              </a:ext>
+            </a:extLst>
+          </p:cNvPr>
+          <p:cNvCxnSpPr>
+            <a:cxnSpLocks/>
+            <a:stCxn id="14" idx="5"/>
+          </p:cNvCxnSpPr>
+          <p:nvPr/>
+        </p:nvCxnSpPr>
+        <p:spPr>
+          <a:xfrm>
+            <a:off x="4939432" y="2976879"/>
+            <a:ext cx="2332636" cy="1008525"/>
+          </a:xfrm>
+          <a:prstGeom prst="straightConnector1">
+            <a:avLst/>
+          </a:prstGeom>
+          <a:ln w="19050">
+            <a:solidFill>
+              <a:srgbClr val="FF0000"/>
+            </a:solidFill>
+            <a:headEnd type="none" w="med" len="med"/>
+            <a:tailEnd type="arrow" w="med" len="med"/>
+          </a:ln>
+        </p:spPr>
+        <p:style>
+          <a:lnRef idx="1">
+            <a:schemeClr val="accent2"/>
+          </a:lnRef>
+          <a:fillRef idx="0">
+            <a:schemeClr val="accent2"/>
+          </a:fillRef>
+          <a:effectRef idx="0">
+            <a:schemeClr val="accent2"/>
+          </a:effectRef>
+          <a:fontRef idx="minor">
+            <a:schemeClr val="tx1"/>
+          </a:fontRef>
+        </p:style>
+      </p:cxnSp>
+      <p:sp>
+        <p:nvSpPr>
+          <p:cNvPr id="14" name="椭圆 13">
+            <a:extLst>
+              <a:ext uri="{FF2B5EF4-FFF2-40B4-BE49-F238E27FC236}">
+                <a16:creationId xmlns:a16="http://schemas.microsoft.com/office/drawing/2014/main" id="{2845E0E4-67D9-3DF1-3A6F-C2D87F8EF752}"/>
+              </a:ext>
+            </a:extLst>
+          </p:cNvPr>
+          <p:cNvSpPr/>
+          <p:nvPr/>
+        </p:nvSpPr>
+        <p:spPr>
+          <a:xfrm>
+            <a:off x="4284116" y="2667628"/>
+            <a:ext cx="767751" cy="362310"/>
+          </a:xfrm>
+          <a:prstGeom prst="ellipse">
+            <a:avLst/>
+          </a:prstGeom>
+          <a:noFill/>
+          <a:ln w="19050">
+            <a:solidFill>
+              <a:srgbClr val="FF0000"/>
+            </a:solidFill>
+          </a:ln>
+        </p:spPr>
+        <p:style>
+          <a:lnRef idx="2">
+            <a:schemeClr val="accent1">
+              <a:shade val="50000"/>
+            </a:schemeClr>
+          </a:lnRef>
+          <a:fillRef idx="1">
+            <a:schemeClr val="accent1"/>
+          </a:fillRef>
+          <a:effectRef idx="0">
+            <a:schemeClr val="accent1"/>
+          </a:effectRef>
+          <a:fontRef idx="minor">
+            <a:schemeClr val="lt1"/>
+          </a:fontRef>
+        </p:style>
+        <p:txBody>
+          <a:bodyPr rtlCol="0" anchor="ctr"/>
+          <a:lstStyle/>
+          <a:p>
+            <a:pPr algn="ctr"/>
+            <a:endParaRPr lang="en-US"/>
+          </a:p>
+        </p:txBody>
+      </p:sp>
+      <p:sp>
+        <p:nvSpPr>
+          <p:cNvPr id="22" name="矩形 21">
+            <a:extLst>
+              <a:ext uri="{FF2B5EF4-FFF2-40B4-BE49-F238E27FC236}">
+                <a16:creationId xmlns:a16="http://schemas.microsoft.com/office/drawing/2014/main" id="{A167FC5D-5E7E-1FA2-B022-8AF2A909882E}"/>
+              </a:ext>
+            </a:extLst>
+          </p:cNvPr>
+          <p:cNvSpPr/>
+          <p:nvPr/>
+        </p:nvSpPr>
+        <p:spPr>
+          <a:xfrm>
+            <a:off x="619848" y="1578234"/>
+            <a:ext cx="5218416" cy="477054"/>
           </a:xfrm>
           <a:prstGeom prst="rect">
             <a:avLst/>
           </a:prstGeom>
           <a:noFill/>
-          <a:extLst>
-            <a:ext uri="{909E8E84-426E-40DD-AFC4-6F175D3DCCD1}">
-              <a14:hiddenFill xmlns:a14="http://schemas.microsoft.com/office/drawing/2010/main">
+        </p:spPr>
+        <p:txBody>
+          <a:bodyPr wrap="none" lIns="91440" tIns="45720" rIns="91440" bIns="45720">
+            <a:spAutoFit/>
+          </a:bodyPr>
+          <a:lstStyle/>
+          <a:p>
+            <a:pPr algn="ctr"/>
+            <a:r>
+              <a:rPr lang="en-US" altLang="zh-CN" sz="2500" b="0" cap="none" spc="0" dirty="0">
+                <a:ln w="0"/>
                 <a:solidFill>
-                  <a:srgbClr val="FFFFFF"/>
+                  <a:schemeClr val="tx1"/>
                 </a:solidFill>
-              </a14:hiddenFill>
-            </a:ext>
-          </a:extLst>
-        </p:spPr>
-      </p:pic>
+                <a:effectLst>
+                  <a:outerShdw blurRad="38100" dist="19050" dir="2700000" algn="tl" rotWithShape="0">
+                    <a:schemeClr val="dk1">
+                      <a:alpha val="40000"/>
+                    </a:schemeClr>
+                  </a:outerShdw>
+                </a:effectLst>
+              </a:rPr>
+              <a:t>This is the Customer Q&amp;A from JD.com</a:t>
+            </a:r>
+            <a:endParaRPr lang="zh-CN" altLang="en-US" sz="2500" b="0" cap="none" spc="0" dirty="0">
+              <a:ln w="0"/>
+              <a:solidFill>
+                <a:schemeClr val="tx1"/>
+              </a:solidFill>
+              <a:effectLst>
+                <a:outerShdw blurRad="38100" dist="19050" dir="2700000" algn="tl" rotWithShape="0">
+                  <a:schemeClr val="dk1">
+                    <a:alpha val="40000"/>
+                  </a:schemeClr>
+                </a:outerShdw>
+              </a:effectLst>
+            </a:endParaRPr>
+          </a:p>
+        </p:txBody>
+      </p:sp>
     </p:spTree>
     <p:extLst>
       <p:ext uri="{BB962C8B-B14F-4D97-AF65-F5344CB8AC3E}">
-        <p14:creationId xmlns:p14="http://schemas.microsoft.com/office/powerpoint/2010/main" val="4078837619"/>
+        <p14:creationId xmlns:p14="http://schemas.microsoft.com/office/powerpoint/2010/main" val="650463874"/>
       </p:ext>
     </p:extLst>
   </p:cSld>
@@ -4454,7 +7372,7 @@
 </p:sld>
 </file>
 
-<file path=ppt/slides/slide2.xml><?xml version="1.0" encoding="utf-8"?>
+<file path=ppt/slides/slide7.xml><?xml version="1.0" encoding="utf-8"?>
 <p:sld xmlns:a="http://schemas.openxmlformats.org/drawingml/2006/main" xmlns:r="http://schemas.openxmlformats.org/officeDocument/2006/relationships" xmlns:p="http://schemas.openxmlformats.org/presentationml/2006/main">
   <p:cSld>
     <p:spTree>
@@ -4476,7 +7394,7 @@
           <p:cNvPr id="2" name="灯片编号占位符 1">
             <a:extLst>
               <a:ext uri="{FF2B5EF4-FFF2-40B4-BE49-F238E27FC236}">
-                <a16:creationId xmlns:a16="http://schemas.microsoft.com/office/drawing/2014/main" id="{D955D8A6-0329-C847-B9EA-91F90389563E}"/>
+                <a16:creationId xmlns:a16="http://schemas.microsoft.com/office/drawing/2014/main" id="{0E82E71E-A346-D1F2-8B55-B58F938997EC}"/>
               </a:ext>
             </a:extLst>
           </p:cNvPr>
@@ -4498,399 +7416,7 @@
                   <a:schemeClr val="tx1"/>
                 </a:solidFill>
               </a:rPr>
-              <a:t>2</a:t>
-            </a:fld>
-            <a:endParaRPr lang="en-US" dirty="0">
-              <a:solidFill>
-                <a:schemeClr val="tx1"/>
-              </a:solidFill>
-            </a:endParaRPr>
-          </a:p>
-        </p:txBody>
-      </p:sp>
-      <p:sp>
-        <p:nvSpPr>
-          <p:cNvPr id="6" name="矩形 5">
-            <a:extLst>
-              <a:ext uri="{FF2B5EF4-FFF2-40B4-BE49-F238E27FC236}">
-                <a16:creationId xmlns:a16="http://schemas.microsoft.com/office/drawing/2014/main" id="{7497DA5D-3695-6754-D3DB-B8098BF28B6E}"/>
-              </a:ext>
-            </a:extLst>
-          </p:cNvPr>
-          <p:cNvSpPr/>
-          <p:nvPr/>
-        </p:nvSpPr>
-        <p:spPr>
-          <a:xfrm>
-            <a:off x="619848" y="337005"/>
-            <a:ext cx="6716839" cy="923330"/>
-          </a:xfrm>
-          <a:prstGeom prst="rect">
-            <a:avLst/>
-          </a:prstGeom>
-          <a:noFill/>
-        </p:spPr>
-        <p:txBody>
-          <a:bodyPr wrap="none" lIns="91440" tIns="45720" rIns="91440" bIns="45720">
-            <a:spAutoFit/>
-          </a:bodyPr>
-          <a:lstStyle/>
-          <a:p>
-            <a:pPr algn="ctr"/>
-            <a:r>
-              <a:rPr lang="en-US" altLang="zh-CN" sz="5400" b="0" cap="none" spc="0" dirty="0">
-                <a:ln w="0"/>
-                <a:solidFill>
-                  <a:schemeClr val="tx1"/>
-                </a:solidFill>
-                <a:effectLst>
-                  <a:outerShdw blurRad="38100" dist="19050" dir="2700000" algn="tl" rotWithShape="0">
-                    <a:schemeClr val="dk1">
-                      <a:alpha val="40000"/>
-                    </a:schemeClr>
-                  </a:outerShdw>
-                </a:effectLst>
-              </a:rPr>
-              <a:t>Customer Q</a:t>
-            </a:r>
-            <a:r>
-              <a:rPr lang="en-US" altLang="zh-CN" sz="5400" dirty="0">
-                <a:ln w="0"/>
-                <a:effectLst>
-                  <a:outerShdw blurRad="38100" dist="19050" dir="2700000" algn="tl" rotWithShape="0">
-                    <a:schemeClr val="dk1">
-                      <a:alpha val="40000"/>
-                    </a:schemeClr>
-                  </a:outerShdw>
-                </a:effectLst>
-              </a:rPr>
-              <a:t>&amp;A</a:t>
-            </a:r>
-            <a:r>
-              <a:rPr lang="zh-CN" altLang="en-US" sz="5400" dirty="0">
-                <a:ln w="0"/>
-                <a:effectLst>
-                  <a:outerShdw blurRad="38100" dist="19050" dir="2700000" algn="tl" rotWithShape="0">
-                    <a:schemeClr val="dk1">
-                      <a:alpha val="40000"/>
-                    </a:schemeClr>
-                  </a:outerShdw>
-                </a:effectLst>
-              </a:rPr>
-              <a:t> </a:t>
-            </a:r>
-            <a:r>
-              <a:rPr lang="en-US" altLang="zh-CN" sz="5400" dirty="0">
-                <a:ln w="0"/>
-                <a:effectLst>
-                  <a:outerShdw blurRad="38100" dist="19050" dir="2700000" algn="tl" rotWithShape="0">
-                    <a:schemeClr val="dk1">
-                      <a:alpha val="40000"/>
-                    </a:schemeClr>
-                  </a:outerShdw>
-                </a:effectLst>
-              </a:rPr>
-              <a:t>Feature</a:t>
-            </a:r>
-            <a:endParaRPr lang="zh-CN" altLang="en-US" sz="5400" b="0" cap="none" spc="0" dirty="0">
-              <a:ln w="0"/>
-              <a:solidFill>
-                <a:schemeClr val="tx1"/>
-              </a:solidFill>
-              <a:effectLst>
-                <a:outerShdw blurRad="38100" dist="19050" dir="2700000" algn="tl" rotWithShape="0">
-                  <a:schemeClr val="dk1">
-                    <a:alpha val="40000"/>
-                  </a:schemeClr>
-                </a:outerShdw>
-              </a:effectLst>
-            </a:endParaRPr>
-          </a:p>
-        </p:txBody>
-      </p:sp>
-      <p:pic>
-        <p:nvPicPr>
-          <p:cNvPr id="7" name="图片 6">
-            <a:extLst>
-              <a:ext uri="{FF2B5EF4-FFF2-40B4-BE49-F238E27FC236}">
-                <a16:creationId xmlns:a16="http://schemas.microsoft.com/office/drawing/2014/main" id="{09206B80-1457-8396-B40F-B494D1EBBBBD}"/>
-              </a:ext>
-            </a:extLst>
-          </p:cNvPr>
-          <p:cNvPicPr>
-            <a:picLocks noChangeAspect="1"/>
-          </p:cNvPicPr>
-          <p:nvPr/>
-        </p:nvPicPr>
-        <p:blipFill>
-          <a:blip r:embed="rId2">
-            <a:extLst>
-              <a:ext uri="{28A0092B-C50C-407E-A947-70E740481C1C}">
-                <a14:useLocalDpi xmlns:a14="http://schemas.microsoft.com/office/drawing/2010/main" val="0"/>
-              </a:ext>
-            </a:extLst>
-          </a:blip>
-          <a:stretch>
-            <a:fillRect/>
-          </a:stretch>
-        </p:blipFill>
-        <p:spPr>
-          <a:xfrm>
-            <a:off x="7336687" y="3347825"/>
-            <a:ext cx="4077269" cy="2219635"/>
-          </a:xfrm>
-          <a:prstGeom prst="rect">
-            <a:avLst/>
-          </a:prstGeom>
-        </p:spPr>
-      </p:pic>
-      <p:pic>
-        <p:nvPicPr>
-          <p:cNvPr id="9" name="图片 8">
-            <a:extLst>
-              <a:ext uri="{FF2B5EF4-FFF2-40B4-BE49-F238E27FC236}">
-                <a16:creationId xmlns:a16="http://schemas.microsoft.com/office/drawing/2014/main" id="{14346436-5B47-C121-987F-DA546B6F980A}"/>
-              </a:ext>
-            </a:extLst>
-          </p:cNvPr>
-          <p:cNvPicPr>
-            <a:picLocks noChangeAspect="1"/>
-          </p:cNvPicPr>
-          <p:nvPr/>
-        </p:nvPicPr>
-        <p:blipFill>
-          <a:blip r:embed="rId3"/>
-          <a:stretch>
-            <a:fillRect/>
-          </a:stretch>
-        </p:blipFill>
-        <p:spPr>
-          <a:xfrm>
-            <a:off x="619848" y="2376374"/>
-            <a:ext cx="5833416" cy="4162538"/>
-          </a:xfrm>
-          <a:prstGeom prst="rect">
-            <a:avLst/>
-          </a:prstGeom>
-        </p:spPr>
-      </p:pic>
-      <p:cxnSp>
-        <p:nvCxnSpPr>
-          <p:cNvPr id="13" name="直接箭头连接符 12">
-            <a:extLst>
-              <a:ext uri="{FF2B5EF4-FFF2-40B4-BE49-F238E27FC236}">
-                <a16:creationId xmlns:a16="http://schemas.microsoft.com/office/drawing/2014/main" id="{3A962C80-95FF-0933-9B24-3F824065F2A7}"/>
-              </a:ext>
-            </a:extLst>
-          </p:cNvPr>
-          <p:cNvCxnSpPr>
-            <a:cxnSpLocks/>
-            <a:stCxn id="14" idx="5"/>
-          </p:cNvCxnSpPr>
-          <p:nvPr/>
-        </p:nvCxnSpPr>
-        <p:spPr>
-          <a:xfrm>
-            <a:off x="4939432" y="2976879"/>
-            <a:ext cx="2332636" cy="1008525"/>
-          </a:xfrm>
-          <a:prstGeom prst="straightConnector1">
-            <a:avLst/>
-          </a:prstGeom>
-          <a:ln w="19050">
-            <a:solidFill>
-              <a:srgbClr val="FF0000"/>
-            </a:solidFill>
-            <a:headEnd type="none" w="med" len="med"/>
-            <a:tailEnd type="arrow" w="med" len="med"/>
-          </a:ln>
-        </p:spPr>
-        <p:style>
-          <a:lnRef idx="1">
-            <a:schemeClr val="accent2"/>
-          </a:lnRef>
-          <a:fillRef idx="0">
-            <a:schemeClr val="accent2"/>
-          </a:fillRef>
-          <a:effectRef idx="0">
-            <a:schemeClr val="accent2"/>
-          </a:effectRef>
-          <a:fontRef idx="minor">
-            <a:schemeClr val="tx1"/>
-          </a:fontRef>
-        </p:style>
-      </p:cxnSp>
-      <p:sp>
-        <p:nvSpPr>
-          <p:cNvPr id="14" name="椭圆 13">
-            <a:extLst>
-              <a:ext uri="{FF2B5EF4-FFF2-40B4-BE49-F238E27FC236}">
-                <a16:creationId xmlns:a16="http://schemas.microsoft.com/office/drawing/2014/main" id="{2845E0E4-67D9-3DF1-3A6F-C2D87F8EF752}"/>
-              </a:ext>
-            </a:extLst>
-          </p:cNvPr>
-          <p:cNvSpPr/>
-          <p:nvPr/>
-        </p:nvSpPr>
-        <p:spPr>
-          <a:xfrm>
-            <a:off x="4284116" y="2667628"/>
-            <a:ext cx="767751" cy="362310"/>
-          </a:xfrm>
-          <a:prstGeom prst="ellipse">
-            <a:avLst/>
-          </a:prstGeom>
-          <a:noFill/>
-          <a:ln w="19050">
-            <a:solidFill>
-              <a:srgbClr val="FF0000"/>
-            </a:solidFill>
-          </a:ln>
-        </p:spPr>
-        <p:style>
-          <a:lnRef idx="2">
-            <a:schemeClr val="accent1">
-              <a:shade val="50000"/>
-            </a:schemeClr>
-          </a:lnRef>
-          <a:fillRef idx="1">
-            <a:schemeClr val="accent1"/>
-          </a:fillRef>
-          <a:effectRef idx="0">
-            <a:schemeClr val="accent1"/>
-          </a:effectRef>
-          <a:fontRef idx="minor">
-            <a:schemeClr val="lt1"/>
-          </a:fontRef>
-        </p:style>
-        <p:txBody>
-          <a:bodyPr rtlCol="0" anchor="ctr"/>
-          <a:lstStyle/>
-          <a:p>
-            <a:pPr algn="ctr"/>
-            <a:endParaRPr lang="en-US"/>
-          </a:p>
-        </p:txBody>
-      </p:sp>
-      <p:sp>
-        <p:nvSpPr>
-          <p:cNvPr id="22" name="矩形 21">
-            <a:extLst>
-              <a:ext uri="{FF2B5EF4-FFF2-40B4-BE49-F238E27FC236}">
-                <a16:creationId xmlns:a16="http://schemas.microsoft.com/office/drawing/2014/main" id="{A167FC5D-5E7E-1FA2-B022-8AF2A909882E}"/>
-              </a:ext>
-            </a:extLst>
-          </p:cNvPr>
-          <p:cNvSpPr/>
-          <p:nvPr/>
-        </p:nvSpPr>
-        <p:spPr>
-          <a:xfrm>
-            <a:off x="619848" y="1578234"/>
-            <a:ext cx="5218416" cy="477054"/>
-          </a:xfrm>
-          <a:prstGeom prst="rect">
-            <a:avLst/>
-          </a:prstGeom>
-          <a:noFill/>
-        </p:spPr>
-        <p:txBody>
-          <a:bodyPr wrap="none" lIns="91440" tIns="45720" rIns="91440" bIns="45720">
-            <a:spAutoFit/>
-          </a:bodyPr>
-          <a:lstStyle/>
-          <a:p>
-            <a:pPr algn="ctr"/>
-            <a:r>
-              <a:rPr lang="en-US" altLang="zh-CN" sz="2500" b="0" cap="none" spc="0" dirty="0">
-                <a:ln w="0"/>
-                <a:solidFill>
-                  <a:schemeClr val="tx1"/>
-                </a:solidFill>
-                <a:effectLst>
-                  <a:outerShdw blurRad="38100" dist="19050" dir="2700000" algn="tl" rotWithShape="0">
-                    <a:schemeClr val="dk1">
-                      <a:alpha val="40000"/>
-                    </a:schemeClr>
-                  </a:outerShdw>
-                </a:effectLst>
-              </a:rPr>
-              <a:t>This is the Customer Q&amp;A from JD.com</a:t>
-            </a:r>
-            <a:endParaRPr lang="zh-CN" altLang="en-US" sz="2500" b="0" cap="none" spc="0" dirty="0">
-              <a:ln w="0"/>
-              <a:solidFill>
-                <a:schemeClr val="tx1"/>
-              </a:solidFill>
-              <a:effectLst>
-                <a:outerShdw blurRad="38100" dist="19050" dir="2700000" algn="tl" rotWithShape="0">
-                  <a:schemeClr val="dk1">
-                    <a:alpha val="40000"/>
-                  </a:schemeClr>
-                </a:outerShdw>
-              </a:effectLst>
-            </a:endParaRPr>
-          </a:p>
-        </p:txBody>
-      </p:sp>
-    </p:spTree>
-    <p:extLst>
-      <p:ext uri="{BB962C8B-B14F-4D97-AF65-F5344CB8AC3E}">
-        <p14:creationId xmlns:p14="http://schemas.microsoft.com/office/powerpoint/2010/main" val="650463874"/>
-      </p:ext>
-    </p:extLst>
-  </p:cSld>
-  <p:clrMapOvr>
-    <a:masterClrMapping/>
-  </p:clrMapOvr>
-</p:sld>
-</file>
-
-<file path=ppt/slides/slide3.xml><?xml version="1.0" encoding="utf-8"?>
-<p:sld xmlns:a="http://schemas.openxmlformats.org/drawingml/2006/main" xmlns:r="http://schemas.openxmlformats.org/officeDocument/2006/relationships" xmlns:p="http://schemas.openxmlformats.org/presentationml/2006/main">
-  <p:cSld>
-    <p:spTree>
-      <p:nvGrpSpPr>
-        <p:cNvPr id="1" name=""/>
-        <p:cNvGrpSpPr/>
-        <p:nvPr/>
-      </p:nvGrpSpPr>
-      <p:grpSpPr>
-        <a:xfrm>
-          <a:off x="0" y="0"/>
-          <a:ext cx="0" cy="0"/>
-          <a:chOff x="0" y="0"/>
-          <a:chExt cx="0" cy="0"/>
-        </a:xfrm>
-      </p:grpSpPr>
-      <p:sp>
-        <p:nvSpPr>
-          <p:cNvPr id="2" name="灯片编号占位符 1">
-            <a:extLst>
-              <a:ext uri="{FF2B5EF4-FFF2-40B4-BE49-F238E27FC236}">
-                <a16:creationId xmlns:a16="http://schemas.microsoft.com/office/drawing/2014/main" id="{0E82E71E-A346-D1F2-8B55-B58F938997EC}"/>
-              </a:ext>
-            </a:extLst>
-          </p:cNvPr>
-          <p:cNvSpPr>
-            <a:spLocks noGrp="1"/>
-          </p:cNvSpPr>
-          <p:nvPr>
-            <p:ph type="sldNum" sz="quarter" idx="12"/>
-          </p:nvPr>
-        </p:nvSpPr>
-        <p:spPr/>
-        <p:txBody>
-          <a:bodyPr/>
-          <a:lstStyle/>
-          <a:p>
-            <a:fld id="{91E15A72-4311-4D48-8139-6724A1CBFEF9}" type="slidenum">
-              <a:rPr lang="en-US" smtClean="0">
-                <a:solidFill>
-                  <a:schemeClr val="tx1"/>
-                </a:solidFill>
-              </a:rPr>
-              <a:t>3</a:t>
+              <a:t>7</a:t>
             </a:fld>
             <a:endParaRPr lang="en-US" dirty="0">
               <a:solidFill>
@@ -5238,7 +7764,7 @@
 </p:sld>
 </file>
 
-<file path=ppt/slides/slide4.xml><?xml version="1.0" encoding="utf-8"?>
+<file path=ppt/slides/slide8.xml><?xml version="1.0" encoding="utf-8"?>
 <p:sld xmlns:a="http://schemas.openxmlformats.org/drawingml/2006/main" xmlns:r="http://schemas.openxmlformats.org/officeDocument/2006/relationships" xmlns:p="http://schemas.openxmlformats.org/presentationml/2006/main">
   <p:cSld>
     <p:spTree>
@@ -5282,7 +7808,7 @@
                   <a:schemeClr val="tx1"/>
                 </a:solidFill>
               </a:rPr>
-              <a:t>4</a:t>
+              <a:t>8</a:t>
             </a:fld>
             <a:endParaRPr lang="en-US" dirty="0">
               <a:solidFill>
@@ -5673,1079 +8199,6 @@
 </p:sld>
 </file>
 
-<file path=ppt/slides/slide5.xml><?xml version="1.0" encoding="utf-8"?>
-<p:sld xmlns:a="http://schemas.openxmlformats.org/drawingml/2006/main" xmlns:r="http://schemas.openxmlformats.org/officeDocument/2006/relationships" xmlns:p="http://schemas.openxmlformats.org/presentationml/2006/main">
-  <p:cSld>
-    <p:spTree>
-      <p:nvGrpSpPr>
-        <p:cNvPr id="1" name=""/>
-        <p:cNvGrpSpPr/>
-        <p:nvPr/>
-      </p:nvGrpSpPr>
-      <p:grpSpPr>
-        <a:xfrm>
-          <a:off x="0" y="0"/>
-          <a:ext cx="0" cy="0"/>
-          <a:chOff x="0" y="0"/>
-          <a:chExt cx="0" cy="0"/>
-        </a:xfrm>
-      </p:grpSpPr>
-      <p:sp>
-        <p:nvSpPr>
-          <p:cNvPr id="2" name="灯片编号占位符 1">
-            <a:extLst>
-              <a:ext uri="{FF2B5EF4-FFF2-40B4-BE49-F238E27FC236}">
-                <a16:creationId xmlns:a16="http://schemas.microsoft.com/office/drawing/2014/main" id="{0D89E29F-25AB-5C94-0555-535F8FD8D260}"/>
-              </a:ext>
-            </a:extLst>
-          </p:cNvPr>
-          <p:cNvSpPr>
-            <a:spLocks noGrp="1"/>
-          </p:cNvSpPr>
-          <p:nvPr>
-            <p:ph type="sldNum" sz="quarter" idx="12"/>
-          </p:nvPr>
-        </p:nvSpPr>
-        <p:spPr/>
-        <p:txBody>
-          <a:bodyPr/>
-          <a:lstStyle/>
-          <a:p>
-            <a:fld id="{91E15A72-4311-4D48-8139-6724A1CBFEF9}" type="slidenum">
-              <a:rPr lang="en-US" smtClean="0">
-                <a:solidFill>
-                  <a:schemeClr val="tx1"/>
-                </a:solidFill>
-              </a:rPr>
-              <a:t>5</a:t>
-            </a:fld>
-            <a:endParaRPr lang="en-US" dirty="0">
-              <a:solidFill>
-                <a:schemeClr val="tx1"/>
-              </a:solidFill>
-            </a:endParaRPr>
-          </a:p>
-        </p:txBody>
-      </p:sp>
-      <p:pic>
-        <p:nvPicPr>
-          <p:cNvPr id="7" name="图片 6">
-            <a:extLst>
-              <a:ext uri="{FF2B5EF4-FFF2-40B4-BE49-F238E27FC236}">
-                <a16:creationId xmlns:a16="http://schemas.microsoft.com/office/drawing/2014/main" id="{40784FD7-90DC-700E-1A76-609960B6557F}"/>
-              </a:ext>
-            </a:extLst>
-          </p:cNvPr>
-          <p:cNvPicPr>
-            <a:picLocks noChangeAspect="1"/>
-          </p:cNvPicPr>
-          <p:nvPr/>
-        </p:nvPicPr>
-        <p:blipFill>
-          <a:blip r:embed="rId2"/>
-          <a:stretch>
-            <a:fillRect/>
-          </a:stretch>
-        </p:blipFill>
-        <p:spPr>
-          <a:xfrm>
-            <a:off x="6042091" y="2674187"/>
-            <a:ext cx="5522472" cy="3441520"/>
-          </a:xfrm>
-          <a:prstGeom prst="rect">
-            <a:avLst/>
-          </a:prstGeom>
-        </p:spPr>
-      </p:pic>
-      <p:pic>
-        <p:nvPicPr>
-          <p:cNvPr id="9" name="图片 8">
-            <a:extLst>
-              <a:ext uri="{FF2B5EF4-FFF2-40B4-BE49-F238E27FC236}">
-                <a16:creationId xmlns:a16="http://schemas.microsoft.com/office/drawing/2014/main" id="{E77A622E-ED8C-0E3B-FAC9-3E7F4787FEFD}"/>
-              </a:ext>
-            </a:extLst>
-          </p:cNvPr>
-          <p:cNvPicPr>
-            <a:picLocks noChangeAspect="1"/>
-          </p:cNvPicPr>
-          <p:nvPr/>
-        </p:nvPicPr>
-        <p:blipFill>
-          <a:blip r:embed="rId3"/>
-          <a:stretch>
-            <a:fillRect/>
-          </a:stretch>
-        </p:blipFill>
-        <p:spPr>
-          <a:xfrm>
-            <a:off x="619848" y="2674187"/>
-            <a:ext cx="4927542" cy="3441520"/>
-          </a:xfrm>
-          <a:prstGeom prst="rect">
-            <a:avLst/>
-          </a:prstGeom>
-        </p:spPr>
-      </p:pic>
-      <p:sp>
-        <p:nvSpPr>
-          <p:cNvPr id="11" name="矩形: 圆角 10">
-            <a:extLst>
-              <a:ext uri="{FF2B5EF4-FFF2-40B4-BE49-F238E27FC236}">
-                <a16:creationId xmlns:a16="http://schemas.microsoft.com/office/drawing/2014/main" id="{6F3ED674-EB6C-D128-96E8-01C7850581D1}"/>
-              </a:ext>
-            </a:extLst>
-          </p:cNvPr>
-          <p:cNvSpPr/>
-          <p:nvPr/>
-        </p:nvSpPr>
-        <p:spPr>
-          <a:xfrm>
-            <a:off x="4365001" y="2605071"/>
-            <a:ext cx="1276141" cy="3579751"/>
-          </a:xfrm>
-          <a:prstGeom prst="roundRect">
-            <a:avLst/>
-          </a:prstGeom>
-          <a:noFill/>
-          <a:ln w="19050">
-            <a:solidFill>
-              <a:srgbClr val="FF0000"/>
-            </a:solidFill>
-          </a:ln>
-        </p:spPr>
-        <p:style>
-          <a:lnRef idx="2">
-            <a:schemeClr val="accent1">
-              <a:shade val="50000"/>
-            </a:schemeClr>
-          </a:lnRef>
-          <a:fillRef idx="1">
-            <a:schemeClr val="accent1"/>
-          </a:fillRef>
-          <a:effectRef idx="0">
-            <a:schemeClr val="accent1"/>
-          </a:effectRef>
-          <a:fontRef idx="minor">
-            <a:schemeClr val="lt1"/>
-          </a:fontRef>
-        </p:style>
-        <p:txBody>
-          <a:bodyPr rtlCol="0" anchor="ctr"/>
-          <a:lstStyle/>
-          <a:p>
-            <a:pPr algn="ctr"/>
-            <a:endParaRPr lang="en-US"/>
-          </a:p>
-        </p:txBody>
-      </p:sp>
-      <p:sp>
-        <p:nvSpPr>
-          <p:cNvPr id="12" name="矩形: 圆角 11">
-            <a:extLst>
-              <a:ext uri="{FF2B5EF4-FFF2-40B4-BE49-F238E27FC236}">
-                <a16:creationId xmlns:a16="http://schemas.microsoft.com/office/drawing/2014/main" id="{55F62042-A7B5-3160-05D4-503434DA7638}"/>
-              </a:ext>
-            </a:extLst>
-          </p:cNvPr>
-          <p:cNvSpPr/>
-          <p:nvPr/>
-        </p:nvSpPr>
-        <p:spPr>
-          <a:xfrm>
-            <a:off x="10545528" y="2605071"/>
-            <a:ext cx="1105299" cy="3579751"/>
-          </a:xfrm>
-          <a:prstGeom prst="roundRect">
-            <a:avLst/>
-          </a:prstGeom>
-          <a:noFill/>
-          <a:ln w="19050">
-            <a:solidFill>
-              <a:srgbClr val="FF0000"/>
-            </a:solidFill>
-          </a:ln>
-        </p:spPr>
-        <p:style>
-          <a:lnRef idx="2">
-            <a:schemeClr val="accent1">
-              <a:shade val="50000"/>
-            </a:schemeClr>
-          </a:lnRef>
-          <a:fillRef idx="1">
-            <a:schemeClr val="accent1"/>
-          </a:fillRef>
-          <a:effectRef idx="0">
-            <a:schemeClr val="accent1"/>
-          </a:effectRef>
-          <a:fontRef idx="minor">
-            <a:schemeClr val="lt1"/>
-          </a:fontRef>
-        </p:style>
-        <p:txBody>
-          <a:bodyPr rtlCol="0" anchor="ctr"/>
-          <a:lstStyle/>
-          <a:p>
-            <a:pPr algn="ctr"/>
-            <a:endParaRPr lang="en-US"/>
-          </a:p>
-        </p:txBody>
-      </p:sp>
-      <p:sp>
-        <p:nvSpPr>
-          <p:cNvPr id="13" name="矩形 12">
-            <a:extLst>
-              <a:ext uri="{FF2B5EF4-FFF2-40B4-BE49-F238E27FC236}">
-                <a16:creationId xmlns:a16="http://schemas.microsoft.com/office/drawing/2014/main" id="{441F39FC-3989-B43D-5E6C-E9DBBA02C6BA}"/>
-              </a:ext>
-            </a:extLst>
-          </p:cNvPr>
-          <p:cNvSpPr/>
-          <p:nvPr/>
-        </p:nvSpPr>
-        <p:spPr>
-          <a:xfrm>
-            <a:off x="619848" y="337005"/>
-            <a:ext cx="6418745" cy="923330"/>
-          </a:xfrm>
-          <a:prstGeom prst="rect">
-            <a:avLst/>
-          </a:prstGeom>
-          <a:noFill/>
-        </p:spPr>
-        <p:txBody>
-          <a:bodyPr wrap="none" lIns="91440" tIns="45720" rIns="91440" bIns="45720">
-            <a:spAutoFit/>
-          </a:bodyPr>
-          <a:lstStyle/>
-          <a:p>
-            <a:r>
-              <a:rPr lang="en-US" altLang="zh-CN" sz="5400" b="0" cap="none" spc="0" dirty="0">
-                <a:ln w="0"/>
-                <a:solidFill>
-                  <a:schemeClr val="tx1"/>
-                </a:solidFill>
-                <a:effectLst>
-                  <a:outerShdw blurRad="38100" dist="19050" dir="2700000" algn="tl" rotWithShape="0">
-                    <a:schemeClr val="dk1">
-                      <a:alpha val="40000"/>
-                    </a:schemeClr>
-                  </a:outerShdw>
-                </a:effectLst>
-              </a:rPr>
-              <a:t>Sidebar Shopping </a:t>
-            </a:r>
-            <a:r>
-              <a:rPr lang="en-US" altLang="zh-CN" sz="5400" dirty="0">
-                <a:ln w="0"/>
-                <a:effectLst>
-                  <a:outerShdw blurRad="38100" dist="19050" dir="2700000" algn="tl" rotWithShape="0">
-                    <a:schemeClr val="dk1">
-                      <a:alpha val="40000"/>
-                    </a:schemeClr>
-                  </a:outerShdw>
-                </a:effectLst>
-              </a:rPr>
-              <a:t>Cart</a:t>
-            </a:r>
-            <a:endParaRPr lang="zh-CN" altLang="en-US" sz="5400" b="0" cap="none" spc="0" dirty="0">
-              <a:ln w="0"/>
-              <a:solidFill>
-                <a:schemeClr val="tx1"/>
-              </a:solidFill>
-              <a:effectLst>
-                <a:outerShdw blurRad="38100" dist="19050" dir="2700000" algn="tl" rotWithShape="0">
-                  <a:schemeClr val="dk1">
-                    <a:alpha val="40000"/>
-                  </a:schemeClr>
-                </a:outerShdw>
-              </a:effectLst>
-            </a:endParaRPr>
-          </a:p>
-        </p:txBody>
-      </p:sp>
-      <p:sp>
-        <p:nvSpPr>
-          <p:cNvPr id="14" name="矩形 13">
-            <a:extLst>
-              <a:ext uri="{FF2B5EF4-FFF2-40B4-BE49-F238E27FC236}">
-                <a16:creationId xmlns:a16="http://schemas.microsoft.com/office/drawing/2014/main" id="{90D15ABD-F0D7-D541-0414-C6CF6FD5CA31}"/>
-              </a:ext>
-            </a:extLst>
-          </p:cNvPr>
-          <p:cNvSpPr/>
-          <p:nvPr/>
-        </p:nvSpPr>
-        <p:spPr>
-          <a:xfrm>
-            <a:off x="619848" y="1728734"/>
-            <a:ext cx="6573531" cy="477054"/>
-          </a:xfrm>
-          <a:prstGeom prst="rect">
-            <a:avLst/>
-          </a:prstGeom>
-          <a:noFill/>
-        </p:spPr>
-        <p:txBody>
-          <a:bodyPr wrap="none" lIns="91440" tIns="45720" rIns="91440" bIns="45720">
-            <a:spAutoFit/>
-          </a:bodyPr>
-          <a:lstStyle/>
-          <a:p>
-            <a:pPr algn="ctr"/>
-            <a:r>
-              <a:rPr lang="en-US" altLang="zh-CN" sz="2500" b="0" cap="none" spc="0" dirty="0">
-                <a:ln w="0"/>
-                <a:solidFill>
-                  <a:schemeClr val="tx1"/>
-                </a:solidFill>
-                <a:effectLst>
-                  <a:outerShdw blurRad="38100" dist="19050" dir="2700000" algn="tl" rotWithShape="0">
-                    <a:schemeClr val="dk1">
-                      <a:alpha val="40000"/>
-                    </a:schemeClr>
-                  </a:outerShdw>
-                </a:effectLst>
-              </a:rPr>
-              <a:t>The sidebar shopping cart of JD.com and Amazon</a:t>
-            </a:r>
-            <a:endParaRPr lang="en-US" sz="2500" b="0" cap="none" spc="0" dirty="0">
-              <a:ln w="0"/>
-              <a:solidFill>
-                <a:schemeClr val="tx1"/>
-              </a:solidFill>
-              <a:effectLst>
-                <a:outerShdw blurRad="38100" dist="19050" dir="2700000" algn="tl" rotWithShape="0">
-                  <a:schemeClr val="dk1">
-                    <a:alpha val="40000"/>
-                  </a:schemeClr>
-                </a:outerShdw>
-              </a:effectLst>
-            </a:endParaRPr>
-          </a:p>
-        </p:txBody>
-      </p:sp>
-    </p:spTree>
-    <p:extLst>
-      <p:ext uri="{BB962C8B-B14F-4D97-AF65-F5344CB8AC3E}">
-        <p14:creationId xmlns:p14="http://schemas.microsoft.com/office/powerpoint/2010/main" val="4204979546"/>
-      </p:ext>
-    </p:extLst>
-  </p:cSld>
-  <p:clrMapOvr>
-    <a:masterClrMapping/>
-  </p:clrMapOvr>
-</p:sld>
-</file>
-
-<file path=ppt/slides/slide6.xml><?xml version="1.0" encoding="utf-8"?>
-<p:sld xmlns:a="http://schemas.openxmlformats.org/drawingml/2006/main" xmlns:r="http://schemas.openxmlformats.org/officeDocument/2006/relationships" xmlns:p="http://schemas.openxmlformats.org/presentationml/2006/main">
-  <p:cSld>
-    <p:spTree>
-      <p:nvGrpSpPr>
-        <p:cNvPr id="1" name=""/>
-        <p:cNvGrpSpPr/>
-        <p:nvPr/>
-      </p:nvGrpSpPr>
-      <p:grpSpPr>
-        <a:xfrm>
-          <a:off x="0" y="0"/>
-          <a:ext cx="0" cy="0"/>
-          <a:chOff x="0" y="0"/>
-          <a:chExt cx="0" cy="0"/>
-        </a:xfrm>
-      </p:grpSpPr>
-      <p:sp>
-        <p:nvSpPr>
-          <p:cNvPr id="2" name="灯片编号占位符 1">
-            <a:extLst>
-              <a:ext uri="{FF2B5EF4-FFF2-40B4-BE49-F238E27FC236}">
-                <a16:creationId xmlns:a16="http://schemas.microsoft.com/office/drawing/2014/main" id="{5A51627F-97C7-BAB6-5023-8953473D521C}"/>
-              </a:ext>
-            </a:extLst>
-          </p:cNvPr>
-          <p:cNvSpPr>
-            <a:spLocks noGrp="1"/>
-          </p:cNvSpPr>
-          <p:nvPr>
-            <p:ph type="sldNum" sz="quarter" idx="12"/>
-          </p:nvPr>
-        </p:nvSpPr>
-        <p:spPr/>
-        <p:txBody>
-          <a:bodyPr/>
-          <a:lstStyle/>
-          <a:p>
-            <a:fld id="{91E15A72-4311-4D48-8139-6724A1CBFEF9}" type="slidenum">
-              <a:rPr lang="en-US" smtClean="0">
-                <a:solidFill>
-                  <a:schemeClr val="tx1"/>
-                </a:solidFill>
-              </a:rPr>
-              <a:t>6</a:t>
-            </a:fld>
-            <a:endParaRPr lang="en-US" dirty="0">
-              <a:solidFill>
-                <a:schemeClr val="tx1"/>
-              </a:solidFill>
-            </a:endParaRPr>
-          </a:p>
-        </p:txBody>
-      </p:sp>
-      <p:sp>
-        <p:nvSpPr>
-          <p:cNvPr id="3" name="矩形 2">
-            <a:extLst>
-              <a:ext uri="{FF2B5EF4-FFF2-40B4-BE49-F238E27FC236}">
-                <a16:creationId xmlns:a16="http://schemas.microsoft.com/office/drawing/2014/main" id="{3A921469-C760-156F-BBFF-8A17349AEF2A}"/>
-              </a:ext>
-            </a:extLst>
-          </p:cNvPr>
-          <p:cNvSpPr/>
-          <p:nvPr/>
-        </p:nvSpPr>
-        <p:spPr>
-          <a:xfrm>
-            <a:off x="619848" y="337005"/>
-            <a:ext cx="6418745" cy="923330"/>
-          </a:xfrm>
-          <a:prstGeom prst="rect">
-            <a:avLst/>
-          </a:prstGeom>
-          <a:noFill/>
-        </p:spPr>
-        <p:txBody>
-          <a:bodyPr wrap="none" lIns="91440" tIns="45720" rIns="91440" bIns="45720">
-            <a:spAutoFit/>
-          </a:bodyPr>
-          <a:lstStyle/>
-          <a:p>
-            <a:r>
-              <a:rPr lang="en-US" altLang="zh-CN" sz="5400" b="0" cap="none" spc="0" dirty="0">
-                <a:ln w="0"/>
-                <a:solidFill>
-                  <a:schemeClr val="tx1"/>
-                </a:solidFill>
-                <a:effectLst>
-                  <a:outerShdw blurRad="38100" dist="19050" dir="2700000" algn="tl" rotWithShape="0">
-                    <a:schemeClr val="dk1">
-                      <a:alpha val="40000"/>
-                    </a:schemeClr>
-                  </a:outerShdw>
-                </a:effectLst>
-              </a:rPr>
-              <a:t>Sidebar Shopping </a:t>
-            </a:r>
-            <a:r>
-              <a:rPr lang="en-US" altLang="zh-CN" sz="5400" dirty="0">
-                <a:ln w="0"/>
-                <a:effectLst>
-                  <a:outerShdw blurRad="38100" dist="19050" dir="2700000" algn="tl" rotWithShape="0">
-                    <a:schemeClr val="dk1">
-                      <a:alpha val="40000"/>
-                    </a:schemeClr>
-                  </a:outerShdw>
-                </a:effectLst>
-              </a:rPr>
-              <a:t>Cart</a:t>
-            </a:r>
-            <a:endParaRPr lang="zh-CN" altLang="en-US" sz="5400" b="0" cap="none" spc="0" dirty="0">
-              <a:ln w="0"/>
-              <a:solidFill>
-                <a:schemeClr val="tx1"/>
-              </a:solidFill>
-              <a:effectLst>
-                <a:outerShdw blurRad="38100" dist="19050" dir="2700000" algn="tl" rotWithShape="0">
-                  <a:schemeClr val="dk1">
-                    <a:alpha val="40000"/>
-                  </a:schemeClr>
-                </a:outerShdw>
-              </a:effectLst>
-            </a:endParaRPr>
-          </a:p>
-        </p:txBody>
-      </p:sp>
-      <p:pic>
-        <p:nvPicPr>
-          <p:cNvPr id="5" name="图片 4">
-            <a:extLst>
-              <a:ext uri="{FF2B5EF4-FFF2-40B4-BE49-F238E27FC236}">
-                <a16:creationId xmlns:a16="http://schemas.microsoft.com/office/drawing/2014/main" id="{F3CD8F61-4986-DAB5-3363-3219EDA2A661}"/>
-              </a:ext>
-            </a:extLst>
-          </p:cNvPr>
-          <p:cNvPicPr>
-            <a:picLocks noChangeAspect="1"/>
-          </p:cNvPicPr>
-          <p:nvPr/>
-        </p:nvPicPr>
-        <p:blipFill>
-          <a:blip r:embed="rId2"/>
-          <a:stretch>
-            <a:fillRect/>
-          </a:stretch>
-        </p:blipFill>
-        <p:spPr>
-          <a:xfrm>
-            <a:off x="619848" y="1660291"/>
-            <a:ext cx="7547608" cy="4401112"/>
-          </a:xfrm>
-          <a:prstGeom prst="rect">
-            <a:avLst/>
-          </a:prstGeom>
-        </p:spPr>
-      </p:pic>
-      <p:sp>
-        <p:nvSpPr>
-          <p:cNvPr id="6" name="矩形: 圆角 5">
-            <a:extLst>
-              <a:ext uri="{FF2B5EF4-FFF2-40B4-BE49-F238E27FC236}">
-                <a16:creationId xmlns:a16="http://schemas.microsoft.com/office/drawing/2014/main" id="{2472AC18-079C-8F24-94C1-B6DD85C2135E}"/>
-              </a:ext>
-            </a:extLst>
-          </p:cNvPr>
-          <p:cNvSpPr/>
-          <p:nvPr/>
-        </p:nvSpPr>
-        <p:spPr>
-          <a:xfrm>
-            <a:off x="7327996" y="1583176"/>
-            <a:ext cx="905240" cy="4602494"/>
-          </a:xfrm>
-          <a:prstGeom prst="roundRect">
-            <a:avLst/>
-          </a:prstGeom>
-          <a:noFill/>
-          <a:ln w="19050">
-            <a:solidFill>
-              <a:srgbClr val="FF0000"/>
-            </a:solidFill>
-          </a:ln>
-        </p:spPr>
-        <p:style>
-          <a:lnRef idx="2">
-            <a:schemeClr val="accent1">
-              <a:shade val="50000"/>
-            </a:schemeClr>
-          </a:lnRef>
-          <a:fillRef idx="1">
-            <a:schemeClr val="accent1"/>
-          </a:fillRef>
-          <a:effectRef idx="0">
-            <a:schemeClr val="accent1"/>
-          </a:effectRef>
-          <a:fontRef idx="minor">
-            <a:schemeClr val="lt1"/>
-          </a:fontRef>
-        </p:style>
-        <p:txBody>
-          <a:bodyPr rtlCol="0" anchor="ctr"/>
-          <a:lstStyle/>
-          <a:p>
-            <a:pPr algn="ctr"/>
-            <a:endParaRPr lang="en-US"/>
-          </a:p>
-        </p:txBody>
-      </p:sp>
-      <p:sp>
-        <p:nvSpPr>
-          <p:cNvPr id="7" name="矩形 6">
-            <a:extLst>
-              <a:ext uri="{FF2B5EF4-FFF2-40B4-BE49-F238E27FC236}">
-                <a16:creationId xmlns:a16="http://schemas.microsoft.com/office/drawing/2014/main" id="{0E094D3B-57AD-DA2F-4DA4-58139433600D}"/>
-              </a:ext>
-            </a:extLst>
-          </p:cNvPr>
-          <p:cNvSpPr/>
-          <p:nvPr/>
-        </p:nvSpPr>
-        <p:spPr>
-          <a:xfrm>
-            <a:off x="8520297" y="3115715"/>
-            <a:ext cx="3907764" cy="1246495"/>
-          </a:xfrm>
-          <a:prstGeom prst="rect">
-            <a:avLst/>
-          </a:prstGeom>
-          <a:noFill/>
-        </p:spPr>
-        <p:txBody>
-          <a:bodyPr wrap="square" lIns="91440" tIns="45720" rIns="91440" bIns="45720">
-            <a:spAutoFit/>
-          </a:bodyPr>
-          <a:lstStyle/>
-          <a:p>
-            <a:r>
-              <a:rPr lang="en-US" altLang="zh-CN" sz="2500" b="0" cap="none" spc="0" dirty="0">
-                <a:ln w="0"/>
-                <a:solidFill>
-                  <a:schemeClr val="tx1"/>
-                </a:solidFill>
-                <a:effectLst>
-                  <a:outerShdw blurRad="38100" dist="19050" dir="2700000" algn="tl" rotWithShape="0">
-                    <a:schemeClr val="dk1">
-                      <a:alpha val="40000"/>
-                    </a:schemeClr>
-                  </a:outerShdw>
-                </a:effectLst>
-              </a:rPr>
-              <a:t>This drug website doesn't have the sidebar shopping cart.</a:t>
-            </a:r>
-            <a:endParaRPr lang="zh-CN" altLang="en-US" sz="2500" b="0" cap="none" spc="0" dirty="0">
-              <a:ln w="0"/>
-              <a:solidFill>
-                <a:schemeClr val="tx1"/>
-              </a:solidFill>
-              <a:effectLst>
-                <a:outerShdw blurRad="38100" dist="19050" dir="2700000" algn="tl" rotWithShape="0">
-                  <a:schemeClr val="dk1">
-                    <a:alpha val="40000"/>
-                  </a:schemeClr>
-                </a:outerShdw>
-              </a:effectLst>
-            </a:endParaRPr>
-          </a:p>
-        </p:txBody>
-      </p:sp>
-    </p:spTree>
-    <p:extLst>
-      <p:ext uri="{BB962C8B-B14F-4D97-AF65-F5344CB8AC3E}">
-        <p14:creationId xmlns:p14="http://schemas.microsoft.com/office/powerpoint/2010/main" val="2117346599"/>
-      </p:ext>
-    </p:extLst>
-  </p:cSld>
-  <p:clrMapOvr>
-    <a:masterClrMapping/>
-  </p:clrMapOvr>
-</p:sld>
-</file>
-
-<file path=ppt/slides/slide7.xml><?xml version="1.0" encoding="utf-8"?>
-<p:sld xmlns:a="http://schemas.openxmlformats.org/drawingml/2006/main" xmlns:r="http://schemas.openxmlformats.org/officeDocument/2006/relationships" xmlns:p="http://schemas.openxmlformats.org/presentationml/2006/main">
-  <p:cSld>
-    <p:spTree>
-      <p:nvGrpSpPr>
-        <p:cNvPr id="1" name=""/>
-        <p:cNvGrpSpPr/>
-        <p:nvPr/>
-      </p:nvGrpSpPr>
-      <p:grpSpPr>
-        <a:xfrm>
-          <a:off x="0" y="0"/>
-          <a:ext cx="0" cy="0"/>
-          <a:chOff x="0" y="0"/>
-          <a:chExt cx="0" cy="0"/>
-        </a:xfrm>
-      </p:grpSpPr>
-      <p:sp>
-        <p:nvSpPr>
-          <p:cNvPr id="4" name="文本框 3">
-            <a:extLst>
-              <a:ext uri="{FF2B5EF4-FFF2-40B4-BE49-F238E27FC236}">
-                <a16:creationId xmlns:a16="http://schemas.microsoft.com/office/drawing/2014/main" id="{55A49C74-0458-F9C3-7793-EBDEC5BE3869}"/>
-              </a:ext>
-            </a:extLst>
-          </p:cNvPr>
-          <p:cNvSpPr txBox="1"/>
-          <p:nvPr/>
-        </p:nvSpPr>
-        <p:spPr>
-          <a:xfrm>
-            <a:off x="58057" y="159657"/>
-            <a:ext cx="11695814" cy="1661993"/>
-          </a:xfrm>
-          <a:prstGeom prst="rect">
-            <a:avLst/>
-          </a:prstGeom>
-          <a:noFill/>
-        </p:spPr>
-        <p:txBody>
-          <a:bodyPr wrap="square" rtlCol="0">
-            <a:spAutoFit/>
-          </a:bodyPr>
-          <a:lstStyle/>
-          <a:p>
-            <a:r>
-              <a:rPr lang="en-US" altLang="zh-CN" sz="5400" dirty="0">
-                <a:effectLst>
-                  <a:outerShdw blurRad="38100" dist="38100" dir="2700000" algn="tl">
-                    <a:srgbClr val="000000">
-                      <a:alpha val="43137"/>
-                    </a:srgbClr>
-                  </a:outerShdw>
-                </a:effectLst>
-                <a:cs typeface="Arial" panose="020B0604020202020204" pitchFamily="34" charset="0"/>
-              </a:rPr>
-              <a:t>Marketing(promotional activities)</a:t>
-            </a:r>
-          </a:p>
-          <a:p>
-            <a:endParaRPr lang="zh-CN" altLang="en-US" sz="4800" b="1" dirty="0">
-              <a:latin typeface="Arial" panose="020B0604020202020204" pitchFamily="34" charset="0"/>
-              <a:cs typeface="Arial" panose="020B0604020202020204" pitchFamily="34" charset="0"/>
-            </a:endParaRPr>
-          </a:p>
-        </p:txBody>
-      </p:sp>
-      <p:pic>
-        <p:nvPicPr>
-          <p:cNvPr id="7" name="图片 6">
-            <a:extLst>
-              <a:ext uri="{FF2B5EF4-FFF2-40B4-BE49-F238E27FC236}">
-                <a16:creationId xmlns:a16="http://schemas.microsoft.com/office/drawing/2014/main" id="{D181A986-CC04-467C-605A-D20FB6510B68}"/>
-              </a:ext>
-            </a:extLst>
-          </p:cNvPr>
-          <p:cNvPicPr>
-            <a:picLocks noChangeAspect="1"/>
-          </p:cNvPicPr>
-          <p:nvPr/>
-        </p:nvPicPr>
-        <p:blipFill>
-          <a:blip r:embed="rId2">
-            <a:extLst>
-              <a:ext uri="{28A0092B-C50C-407E-A947-70E740481C1C}">
-                <a14:useLocalDpi xmlns:a14="http://schemas.microsoft.com/office/drawing/2010/main" val="0"/>
-              </a:ext>
-            </a:extLst>
-          </a:blip>
-          <a:stretch>
-            <a:fillRect/>
-          </a:stretch>
-        </p:blipFill>
-        <p:spPr>
-          <a:xfrm>
-            <a:off x="7876785" y="1489770"/>
-            <a:ext cx="1890674" cy="1645587"/>
-          </a:xfrm>
-          <a:prstGeom prst="rect">
-            <a:avLst/>
-          </a:prstGeom>
-        </p:spPr>
-      </p:pic>
-      <p:pic>
-        <p:nvPicPr>
-          <p:cNvPr id="9" name="图片 8">
-            <a:extLst>
-              <a:ext uri="{FF2B5EF4-FFF2-40B4-BE49-F238E27FC236}">
-                <a16:creationId xmlns:a16="http://schemas.microsoft.com/office/drawing/2014/main" id="{DC61FDC8-6B84-B76A-05B4-1536F7A9BCFA}"/>
-              </a:ext>
-            </a:extLst>
-          </p:cNvPr>
-          <p:cNvPicPr>
-            <a:picLocks noChangeAspect="1"/>
-          </p:cNvPicPr>
-          <p:nvPr/>
-        </p:nvPicPr>
-        <p:blipFill rotWithShape="1">
-          <a:blip r:embed="rId3">
-            <a:extLst>
-              <a:ext uri="{28A0092B-C50C-407E-A947-70E740481C1C}">
-                <a14:useLocalDpi xmlns:a14="http://schemas.microsoft.com/office/drawing/2010/main" val="0"/>
-              </a:ext>
-            </a:extLst>
-          </a:blip>
-          <a:srcRect l="1738" t="255" r="5206"/>
-          <a:stretch/>
-        </p:blipFill>
-        <p:spPr>
-          <a:xfrm>
-            <a:off x="5031332" y="3265064"/>
-            <a:ext cx="7088097" cy="3175698"/>
-          </a:xfrm>
-          <a:prstGeom prst="rect">
-            <a:avLst/>
-          </a:prstGeom>
-        </p:spPr>
-      </p:pic>
-      <p:pic>
-        <p:nvPicPr>
-          <p:cNvPr id="11" name="图片 10">
-            <a:extLst>
-              <a:ext uri="{FF2B5EF4-FFF2-40B4-BE49-F238E27FC236}">
-                <a16:creationId xmlns:a16="http://schemas.microsoft.com/office/drawing/2014/main" id="{316743B3-A336-E6A8-0B51-D9D87C652D44}"/>
-              </a:ext>
-            </a:extLst>
-          </p:cNvPr>
-          <p:cNvPicPr>
-            <a:picLocks noChangeAspect="1"/>
-          </p:cNvPicPr>
-          <p:nvPr/>
-        </p:nvPicPr>
-        <p:blipFill>
-          <a:blip r:embed="rId4">
-            <a:extLst>
-              <a:ext uri="{28A0092B-C50C-407E-A947-70E740481C1C}">
-                <a14:useLocalDpi xmlns:a14="http://schemas.microsoft.com/office/drawing/2010/main" val="0"/>
-              </a:ext>
-            </a:extLst>
-          </a:blip>
-          <a:stretch>
-            <a:fillRect/>
-          </a:stretch>
-        </p:blipFill>
-        <p:spPr>
-          <a:xfrm>
-            <a:off x="242887" y="2396371"/>
-            <a:ext cx="4363307" cy="2456542"/>
-          </a:xfrm>
-          <a:prstGeom prst="rect">
-            <a:avLst/>
-          </a:prstGeom>
-        </p:spPr>
-      </p:pic>
-    </p:spTree>
-    <p:extLst>
-      <p:ext uri="{BB962C8B-B14F-4D97-AF65-F5344CB8AC3E}">
-        <p14:creationId xmlns:p14="http://schemas.microsoft.com/office/powerpoint/2010/main" val="3901272935"/>
-      </p:ext>
-    </p:extLst>
-  </p:cSld>
-  <p:clrMapOvr>
-    <a:masterClrMapping/>
-  </p:clrMapOvr>
-</p:sld>
-</file>
-
-<file path=ppt/slides/slide8.xml><?xml version="1.0" encoding="utf-8"?>
-<p:sld xmlns:a="http://schemas.openxmlformats.org/drawingml/2006/main" xmlns:r="http://schemas.openxmlformats.org/officeDocument/2006/relationships" xmlns:p="http://schemas.openxmlformats.org/presentationml/2006/main">
-  <p:cSld>
-    <p:spTree>
-      <p:nvGrpSpPr>
-        <p:cNvPr id="1" name=""/>
-        <p:cNvGrpSpPr/>
-        <p:nvPr/>
-      </p:nvGrpSpPr>
-      <p:grpSpPr>
-        <a:xfrm>
-          <a:off x="0" y="0"/>
-          <a:ext cx="0" cy="0"/>
-          <a:chOff x="0" y="0"/>
-          <a:chExt cx="0" cy="0"/>
-        </a:xfrm>
-      </p:grpSpPr>
-      <p:sp>
-        <p:nvSpPr>
-          <p:cNvPr id="4" name="文本框 3">
-            <a:extLst>
-              <a:ext uri="{FF2B5EF4-FFF2-40B4-BE49-F238E27FC236}">
-                <a16:creationId xmlns:a16="http://schemas.microsoft.com/office/drawing/2014/main" id="{8B3D6854-FC8A-F26D-A4AC-C8EA934DCD5F}"/>
-              </a:ext>
-            </a:extLst>
-          </p:cNvPr>
-          <p:cNvSpPr txBox="1"/>
-          <p:nvPr/>
-        </p:nvSpPr>
-        <p:spPr>
-          <a:xfrm>
-            <a:off x="58057" y="159657"/>
-            <a:ext cx="11695814" cy="1661993"/>
-          </a:xfrm>
-          <a:prstGeom prst="rect">
-            <a:avLst/>
-          </a:prstGeom>
-          <a:noFill/>
-        </p:spPr>
-        <p:txBody>
-          <a:bodyPr wrap="square" rtlCol="0">
-            <a:spAutoFit/>
-          </a:bodyPr>
-          <a:lstStyle/>
-          <a:p>
-            <a:r>
-              <a:rPr lang="en-US" altLang="zh-CN" sz="5400" dirty="0">
-                <a:effectLst>
-                  <a:outerShdw blurRad="38100" dist="38100" dir="2700000" algn="tl">
-                    <a:srgbClr val="000000">
-                      <a:alpha val="43137"/>
-                    </a:srgbClr>
-                  </a:outerShdw>
-                </a:effectLst>
-                <a:cs typeface="Arial" panose="020B0604020202020204" pitchFamily="34" charset="0"/>
-              </a:rPr>
-              <a:t>Marketing(coupons)</a:t>
-            </a:r>
-          </a:p>
-          <a:p>
-            <a:endParaRPr lang="zh-CN" altLang="en-US" sz="4800" b="1" dirty="0">
-              <a:latin typeface="Arial" panose="020B0604020202020204" pitchFamily="34" charset="0"/>
-              <a:cs typeface="Arial" panose="020B0604020202020204" pitchFamily="34" charset="0"/>
-            </a:endParaRPr>
-          </a:p>
-        </p:txBody>
-      </p:sp>
-      <p:pic>
-        <p:nvPicPr>
-          <p:cNvPr id="6" name="图片 5">
-            <a:extLst>
-              <a:ext uri="{FF2B5EF4-FFF2-40B4-BE49-F238E27FC236}">
-                <a16:creationId xmlns:a16="http://schemas.microsoft.com/office/drawing/2014/main" id="{BCB2F6D0-2F0C-502E-0917-A8DB30F28A94}"/>
-              </a:ext>
-            </a:extLst>
-          </p:cNvPr>
-          <p:cNvPicPr>
-            <a:picLocks noChangeAspect="1"/>
-          </p:cNvPicPr>
-          <p:nvPr/>
-        </p:nvPicPr>
-        <p:blipFill>
-          <a:blip r:embed="rId2">
-            <a:extLst>
-              <a:ext uri="{28A0092B-C50C-407E-A947-70E740481C1C}">
-                <a14:useLocalDpi xmlns:a14="http://schemas.microsoft.com/office/drawing/2010/main" val="0"/>
-              </a:ext>
-            </a:extLst>
-          </a:blip>
-          <a:stretch>
-            <a:fillRect/>
-          </a:stretch>
-        </p:blipFill>
-        <p:spPr>
-          <a:xfrm>
-            <a:off x="8581033" y="2049338"/>
-            <a:ext cx="3346622" cy="825542"/>
-          </a:xfrm>
-          <a:prstGeom prst="rect">
-            <a:avLst/>
-          </a:prstGeom>
-        </p:spPr>
-      </p:pic>
-      <p:pic>
-        <p:nvPicPr>
-          <p:cNvPr id="10" name="图片 9">
-            <a:extLst>
-              <a:ext uri="{FF2B5EF4-FFF2-40B4-BE49-F238E27FC236}">
-                <a16:creationId xmlns:a16="http://schemas.microsoft.com/office/drawing/2014/main" id="{EF69ABDC-1239-9A1B-54CF-8C42520DF89F}"/>
-              </a:ext>
-            </a:extLst>
-          </p:cNvPr>
-          <p:cNvPicPr>
-            <a:picLocks noChangeAspect="1"/>
-          </p:cNvPicPr>
-          <p:nvPr/>
-        </p:nvPicPr>
-        <p:blipFill rotWithShape="1">
-          <a:blip r:embed="rId3">
-            <a:extLst>
-              <a:ext uri="{28A0092B-C50C-407E-A947-70E740481C1C}">
-                <a14:useLocalDpi xmlns:a14="http://schemas.microsoft.com/office/drawing/2010/main" val="0"/>
-              </a:ext>
-            </a:extLst>
-          </a:blip>
-          <a:srcRect l="5728" t="12878" r="32797"/>
-          <a:stretch/>
-        </p:blipFill>
-        <p:spPr>
-          <a:xfrm>
-            <a:off x="5322320" y="2946745"/>
-            <a:ext cx="6688374" cy="2893484"/>
-          </a:xfrm>
-          <a:prstGeom prst="rect">
-            <a:avLst/>
-          </a:prstGeom>
-        </p:spPr>
-      </p:pic>
-      <p:pic>
-        <p:nvPicPr>
-          <p:cNvPr id="12" name="图片 11">
-            <a:extLst>
-              <a:ext uri="{FF2B5EF4-FFF2-40B4-BE49-F238E27FC236}">
-                <a16:creationId xmlns:a16="http://schemas.microsoft.com/office/drawing/2014/main" id="{B829170C-A8F6-3792-E05B-CA250EB895A4}"/>
-              </a:ext>
-            </a:extLst>
-          </p:cNvPr>
-          <p:cNvPicPr>
-            <a:picLocks noChangeAspect="1"/>
-          </p:cNvPicPr>
-          <p:nvPr/>
-        </p:nvPicPr>
-        <p:blipFill>
-          <a:blip r:embed="rId4">
-            <a:extLst>
-              <a:ext uri="{28A0092B-C50C-407E-A947-70E740481C1C}">
-                <a14:useLocalDpi xmlns:a14="http://schemas.microsoft.com/office/drawing/2010/main" val="0"/>
-              </a:ext>
-            </a:extLst>
-          </a:blip>
-          <a:stretch>
-            <a:fillRect/>
-          </a:stretch>
-        </p:blipFill>
-        <p:spPr>
-          <a:xfrm>
-            <a:off x="58057" y="2081282"/>
-            <a:ext cx="5047728" cy="3758947"/>
-          </a:xfrm>
-          <a:prstGeom prst="rect">
-            <a:avLst/>
-          </a:prstGeom>
-        </p:spPr>
-      </p:pic>
-      <p:sp>
-        <p:nvSpPr>
-          <p:cNvPr id="13" name="椭圆 12">
-            <a:extLst>
-              <a:ext uri="{FF2B5EF4-FFF2-40B4-BE49-F238E27FC236}">
-                <a16:creationId xmlns:a16="http://schemas.microsoft.com/office/drawing/2014/main" id="{21EE277E-8BFD-BA1E-BF7D-AB65A6DF823E}"/>
-              </a:ext>
-            </a:extLst>
-          </p:cNvPr>
-          <p:cNvSpPr/>
-          <p:nvPr/>
-        </p:nvSpPr>
-        <p:spPr>
-          <a:xfrm>
-            <a:off x="0" y="4586514"/>
-            <a:ext cx="2409372" cy="747486"/>
-          </a:xfrm>
-          <a:prstGeom prst="ellipse">
-            <a:avLst/>
-          </a:prstGeom>
-          <a:noFill/>
-          <a:ln w="28575">
-            <a:solidFill>
-              <a:srgbClr val="C00000"/>
-            </a:solidFill>
-          </a:ln>
-        </p:spPr>
-        <p:style>
-          <a:lnRef idx="2">
-            <a:schemeClr val="accent1">
-              <a:shade val="50000"/>
-            </a:schemeClr>
-          </a:lnRef>
-          <a:fillRef idx="1">
-            <a:schemeClr val="accent1"/>
-          </a:fillRef>
-          <a:effectRef idx="0">
-            <a:schemeClr val="accent1"/>
-          </a:effectRef>
-          <a:fontRef idx="minor">
-            <a:schemeClr val="lt1"/>
-          </a:fontRef>
-        </p:style>
-        <p:txBody>
-          <a:bodyPr rtlCol="0" anchor="ctr"/>
-          <a:lstStyle/>
-          <a:p>
-            <a:pPr algn="ctr"/>
-            <a:endParaRPr lang="zh-CN" altLang="en-US" dirty="0"/>
-          </a:p>
-        </p:txBody>
-      </p:sp>
-    </p:spTree>
-    <p:extLst>
-      <p:ext uri="{BB962C8B-B14F-4D97-AF65-F5344CB8AC3E}">
-        <p14:creationId xmlns:p14="http://schemas.microsoft.com/office/powerpoint/2010/main" val="2883087226"/>
-      </p:ext>
-    </p:extLst>
-  </p:cSld>
-  <p:clrMapOvr>
-    <a:masterClrMapping/>
-  </p:clrMapOvr>
-</p:sld>
-</file>
-
 <file path=ppt/slides/slide9.xml><?xml version="1.0" encoding="utf-8"?>
 <p:sld xmlns:a="http://schemas.openxmlformats.org/drawingml/2006/main" xmlns:r="http://schemas.openxmlformats.org/officeDocument/2006/relationships" xmlns:p="http://schemas.openxmlformats.org/presentationml/2006/main">
   <p:cSld>
@@ -6768,7 +8221,7 @@
           <p:cNvPr id="2" name="灯片编号占位符 1">
             <a:extLst>
               <a:ext uri="{FF2B5EF4-FFF2-40B4-BE49-F238E27FC236}">
-                <a16:creationId xmlns:a16="http://schemas.microsoft.com/office/drawing/2014/main" id="{F9D38560-D17B-1AF7-F0AE-61E35BA5CE9C}"/>
+                <a16:creationId xmlns:a16="http://schemas.microsoft.com/office/drawing/2014/main" id="{0D89E29F-25AB-5C94-0555-535F8FD8D260}"/>
               </a:ext>
             </a:extLst>
           </p:cNvPr>
@@ -6800,12 +8253,176 @@
           </a:p>
         </p:txBody>
       </p:sp>
-      <p:sp>
-        <p:nvSpPr>
-          <p:cNvPr id="3" name="矩形 2">
-            <a:extLst>
-              <a:ext uri="{FF2B5EF4-FFF2-40B4-BE49-F238E27FC236}">
-                <a16:creationId xmlns:a16="http://schemas.microsoft.com/office/drawing/2014/main" id="{3D7B5D06-13EF-0688-E998-76967349F968}"/>
+      <p:pic>
+        <p:nvPicPr>
+          <p:cNvPr id="7" name="图片 6">
+            <a:extLst>
+              <a:ext uri="{FF2B5EF4-FFF2-40B4-BE49-F238E27FC236}">
+                <a16:creationId xmlns:a16="http://schemas.microsoft.com/office/drawing/2014/main" id="{40784FD7-90DC-700E-1A76-609960B6557F}"/>
+              </a:ext>
+            </a:extLst>
+          </p:cNvPr>
+          <p:cNvPicPr>
+            <a:picLocks noChangeAspect="1"/>
+          </p:cNvPicPr>
+          <p:nvPr/>
+        </p:nvPicPr>
+        <p:blipFill>
+          <a:blip r:embed="rId2"/>
+          <a:stretch>
+            <a:fillRect/>
+          </a:stretch>
+        </p:blipFill>
+        <p:spPr>
+          <a:xfrm>
+            <a:off x="6042091" y="2674187"/>
+            <a:ext cx="5522472" cy="3441520"/>
+          </a:xfrm>
+          <a:prstGeom prst="rect">
+            <a:avLst/>
+          </a:prstGeom>
+        </p:spPr>
+      </p:pic>
+      <p:pic>
+        <p:nvPicPr>
+          <p:cNvPr id="9" name="图片 8">
+            <a:extLst>
+              <a:ext uri="{FF2B5EF4-FFF2-40B4-BE49-F238E27FC236}">
+                <a16:creationId xmlns:a16="http://schemas.microsoft.com/office/drawing/2014/main" id="{E77A622E-ED8C-0E3B-FAC9-3E7F4787FEFD}"/>
+              </a:ext>
+            </a:extLst>
+          </p:cNvPr>
+          <p:cNvPicPr>
+            <a:picLocks noChangeAspect="1"/>
+          </p:cNvPicPr>
+          <p:nvPr/>
+        </p:nvPicPr>
+        <p:blipFill>
+          <a:blip r:embed="rId3"/>
+          <a:stretch>
+            <a:fillRect/>
+          </a:stretch>
+        </p:blipFill>
+        <p:spPr>
+          <a:xfrm>
+            <a:off x="619848" y="2674187"/>
+            <a:ext cx="4927542" cy="3441520"/>
+          </a:xfrm>
+          <a:prstGeom prst="rect">
+            <a:avLst/>
+          </a:prstGeom>
+        </p:spPr>
+      </p:pic>
+      <p:sp>
+        <p:nvSpPr>
+          <p:cNvPr id="11" name="矩形: 圆角 10">
+            <a:extLst>
+              <a:ext uri="{FF2B5EF4-FFF2-40B4-BE49-F238E27FC236}">
+                <a16:creationId xmlns:a16="http://schemas.microsoft.com/office/drawing/2014/main" id="{6F3ED674-EB6C-D128-96E8-01C7850581D1}"/>
+              </a:ext>
+            </a:extLst>
+          </p:cNvPr>
+          <p:cNvSpPr/>
+          <p:nvPr/>
+        </p:nvSpPr>
+        <p:spPr>
+          <a:xfrm>
+            <a:off x="4365001" y="2605071"/>
+            <a:ext cx="1276141" cy="3579751"/>
+          </a:xfrm>
+          <a:prstGeom prst="roundRect">
+            <a:avLst/>
+          </a:prstGeom>
+          <a:noFill/>
+          <a:ln w="19050">
+            <a:solidFill>
+              <a:srgbClr val="FF0000"/>
+            </a:solidFill>
+          </a:ln>
+        </p:spPr>
+        <p:style>
+          <a:lnRef idx="2">
+            <a:schemeClr val="accent1">
+              <a:shade val="50000"/>
+            </a:schemeClr>
+          </a:lnRef>
+          <a:fillRef idx="1">
+            <a:schemeClr val="accent1"/>
+          </a:fillRef>
+          <a:effectRef idx="0">
+            <a:schemeClr val="accent1"/>
+          </a:effectRef>
+          <a:fontRef idx="minor">
+            <a:schemeClr val="lt1"/>
+          </a:fontRef>
+        </p:style>
+        <p:txBody>
+          <a:bodyPr rtlCol="0" anchor="ctr"/>
+          <a:lstStyle/>
+          <a:p>
+            <a:pPr algn="ctr"/>
+            <a:endParaRPr lang="en-US"/>
+          </a:p>
+        </p:txBody>
+      </p:sp>
+      <p:sp>
+        <p:nvSpPr>
+          <p:cNvPr id="12" name="矩形: 圆角 11">
+            <a:extLst>
+              <a:ext uri="{FF2B5EF4-FFF2-40B4-BE49-F238E27FC236}">
+                <a16:creationId xmlns:a16="http://schemas.microsoft.com/office/drawing/2014/main" id="{55F62042-A7B5-3160-05D4-503434DA7638}"/>
+              </a:ext>
+            </a:extLst>
+          </p:cNvPr>
+          <p:cNvSpPr/>
+          <p:nvPr/>
+        </p:nvSpPr>
+        <p:spPr>
+          <a:xfrm>
+            <a:off x="10545528" y="2605071"/>
+            <a:ext cx="1105299" cy="3579751"/>
+          </a:xfrm>
+          <a:prstGeom prst="roundRect">
+            <a:avLst/>
+          </a:prstGeom>
+          <a:noFill/>
+          <a:ln w="19050">
+            <a:solidFill>
+              <a:srgbClr val="FF0000"/>
+            </a:solidFill>
+          </a:ln>
+        </p:spPr>
+        <p:style>
+          <a:lnRef idx="2">
+            <a:schemeClr val="accent1">
+              <a:shade val="50000"/>
+            </a:schemeClr>
+          </a:lnRef>
+          <a:fillRef idx="1">
+            <a:schemeClr val="accent1"/>
+          </a:fillRef>
+          <a:effectRef idx="0">
+            <a:schemeClr val="accent1"/>
+          </a:effectRef>
+          <a:fontRef idx="minor">
+            <a:schemeClr val="lt1"/>
+          </a:fontRef>
+        </p:style>
+        <p:txBody>
+          <a:bodyPr rtlCol="0" anchor="ctr"/>
+          <a:lstStyle/>
+          <a:p>
+            <a:pPr algn="ctr"/>
+            <a:endParaRPr lang="en-US"/>
+          </a:p>
+        </p:txBody>
+      </p:sp>
+      <p:sp>
+        <p:nvSpPr>
+          <p:cNvPr id="13" name="矩形 12">
+            <a:extLst>
+              <a:ext uri="{FF2B5EF4-FFF2-40B4-BE49-F238E27FC236}">
+                <a16:creationId xmlns:a16="http://schemas.microsoft.com/office/drawing/2014/main" id="{441F39FC-3989-B43D-5E6C-E9DBBA02C6BA}"/>
               </a:ext>
             </a:extLst>
           </p:cNvPr>
@@ -6815,7 +8432,7 @@
         <p:spPr>
           <a:xfrm>
             <a:off x="619848" y="337005"/>
-            <a:ext cx="3257623" cy="923330"/>
+            <a:ext cx="6418745" cy="923330"/>
           </a:xfrm>
           <a:prstGeom prst="rect">
             <a:avLst/>
@@ -6842,7 +8459,20 @@
                   </a:outerShdw>
                 </a:effectLst>
               </a:rPr>
-              <a:t>Conclusion</a:t>
+              <a:t>Sidebar Shopping </a:t>
+            </a:r>
+            <a:r>
+              <a:rPr lang="en-US" altLang="zh-CN" sz="5400" dirty="0">
+                <a:ln w="0"/>
+                <a:effectLst>
+                  <a:outerShdw blurRad="38100" dist="19050" dir="2700000" algn="tl" rotWithShape="0">
+                    <a:schemeClr val="dk1">
+                      <a:alpha val="40000"/>
+                    </a:schemeClr>
+                  </a:outerShdw>
+                </a:effectLst>
+              </a:rPr>
+              <a:t>Cart</a:t>
             </a:r>
             <a:endParaRPr lang="zh-CN" altLang="en-US" sz="5400" b="0" cap="none" spc="0" dirty="0">
               <a:ln w="0"/>
@@ -6860,10 +8490,71 @@
           </a:p>
         </p:txBody>
       </p:sp>
+      <p:sp>
+        <p:nvSpPr>
+          <p:cNvPr id="14" name="矩形 13">
+            <a:extLst>
+              <a:ext uri="{FF2B5EF4-FFF2-40B4-BE49-F238E27FC236}">
+                <a16:creationId xmlns:a16="http://schemas.microsoft.com/office/drawing/2014/main" id="{90D15ABD-F0D7-D541-0414-C6CF6FD5CA31}"/>
+              </a:ext>
+            </a:extLst>
+          </p:cNvPr>
+          <p:cNvSpPr/>
+          <p:nvPr/>
+        </p:nvSpPr>
+        <p:spPr>
+          <a:xfrm>
+            <a:off x="619848" y="1728734"/>
+            <a:ext cx="6573531" cy="477054"/>
+          </a:xfrm>
+          <a:prstGeom prst="rect">
+            <a:avLst/>
+          </a:prstGeom>
+          <a:noFill/>
+        </p:spPr>
+        <p:txBody>
+          <a:bodyPr wrap="none" lIns="91440" tIns="45720" rIns="91440" bIns="45720">
+            <a:spAutoFit/>
+          </a:bodyPr>
+          <a:lstStyle/>
+          <a:p>
+            <a:pPr algn="ctr"/>
+            <a:r>
+              <a:rPr lang="en-US" altLang="zh-CN" sz="2500" b="0" cap="none" spc="0" dirty="0">
+                <a:ln w="0"/>
+                <a:solidFill>
+                  <a:schemeClr val="tx1"/>
+                </a:solidFill>
+                <a:effectLst>
+                  <a:outerShdw blurRad="38100" dist="19050" dir="2700000" algn="tl" rotWithShape="0">
+                    <a:schemeClr val="dk1">
+                      <a:alpha val="40000"/>
+                    </a:schemeClr>
+                  </a:outerShdw>
+                </a:effectLst>
+              </a:rPr>
+              <a:t>The sidebar shopping cart of JD.com and Amazon</a:t>
+            </a:r>
+            <a:endParaRPr lang="en-US" sz="2500" b="0" cap="none" spc="0" dirty="0">
+              <a:ln w="0"/>
+              <a:solidFill>
+                <a:schemeClr val="tx1"/>
+              </a:solidFill>
+              <a:effectLst>
+                <a:outerShdw blurRad="38100" dist="19050" dir="2700000" algn="tl" rotWithShape="0">
+                  <a:schemeClr val="dk1">
+                    <a:alpha val="40000"/>
+                  </a:schemeClr>
+                </a:outerShdw>
+              </a:effectLst>
+            </a:endParaRPr>
+          </a:p>
+        </p:txBody>
+      </p:sp>
     </p:spTree>
     <p:extLst>
       <p:ext uri="{BB962C8B-B14F-4D97-AF65-F5344CB8AC3E}">
-        <p14:creationId xmlns:p14="http://schemas.microsoft.com/office/powerpoint/2010/main" val="2070633935"/>
+        <p14:creationId xmlns:p14="http://schemas.microsoft.com/office/powerpoint/2010/main" val="4204979546"/>
       </p:ext>
     </p:extLst>
   </p:cSld>

--- a/Technical Writing.pptx
+++ b/Technical Writing.pptx
@@ -225,7 +225,7 @@
           <a:p>
             <a:fld id="{B5AD7D29-8A7B-483C-9B98-6BBE44865959}" type="datetimeFigureOut">
               <a:rPr lang="en-US" smtClean="0"/>
-              <a:t>10/25/2022</a:t>
+              <a:t>10/26/2022</a:t>
             </a:fld>
             <a:endParaRPr lang="en-US"/>
           </a:p>
@@ -403,7 +403,7 @@
           <a:p>
             <a:fld id="{672CF6B8-F790-4B13-BE9E-46D4868C8775}" type="datetimeFigureOut">
               <a:rPr lang="en-US" smtClean="0"/>
-              <a:t>10/25/2022</a:t>
+              <a:t>10/26/2022</a:t>
             </a:fld>
             <a:endParaRPr lang="en-US"/>
           </a:p>
@@ -821,7 +821,7 @@
           <a:p>
             <a:fld id="{E0AB2B33-38AC-4C80-A256-4262B7E3F619}" type="datetime1">
               <a:rPr lang="en-US" altLang="zh-CN" smtClean="0"/>
-              <a:t>10/25/2022</a:t>
+              <a:t>10/26/2022</a:t>
             </a:fld>
             <a:endParaRPr lang="en-US"/>
           </a:p>
@@ -1021,7 +1021,7 @@
           <a:p>
             <a:fld id="{AF79D6E1-15DF-4C43-9999-36622E4C8A8A}" type="datetime1">
               <a:rPr lang="en-US" altLang="zh-CN" smtClean="0"/>
-              <a:t>10/25/2022</a:t>
+              <a:t>10/26/2022</a:t>
             </a:fld>
             <a:endParaRPr lang="en-US"/>
           </a:p>
@@ -1231,7 +1231,7 @@
           <a:p>
             <a:fld id="{D01FDD86-7C8A-4CB4-B5B0-217C85C76AB5}" type="datetime1">
               <a:rPr lang="en-US" altLang="zh-CN" smtClean="0"/>
-              <a:t>10/25/2022</a:t>
+              <a:t>10/26/2022</a:t>
             </a:fld>
             <a:endParaRPr lang="en-US"/>
           </a:p>
@@ -1431,7 +1431,7 @@
           <a:p>
             <a:fld id="{6B6F37DE-661A-4673-92EA-3E7F024A5535}" type="datetime1">
               <a:rPr lang="en-US" altLang="zh-CN" smtClean="0"/>
-              <a:t>10/25/2022</a:t>
+              <a:t>10/26/2022</a:t>
             </a:fld>
             <a:endParaRPr lang="en-US"/>
           </a:p>
@@ -1707,7 +1707,7 @@
           <a:p>
             <a:fld id="{7972D217-CBE5-4350-984D-0E41C8FD1380}" type="datetime1">
               <a:rPr lang="en-US" altLang="zh-CN" smtClean="0"/>
-              <a:t>10/25/2022</a:t>
+              <a:t>10/26/2022</a:t>
             </a:fld>
             <a:endParaRPr lang="en-US"/>
           </a:p>
@@ -1975,7 +1975,7 @@
           <a:p>
             <a:fld id="{82ED8135-AFF4-4F5D-9F90-2E3956A8689B}" type="datetime1">
               <a:rPr lang="en-US" altLang="zh-CN" smtClean="0"/>
-              <a:t>10/25/2022</a:t>
+              <a:t>10/26/2022</a:t>
             </a:fld>
             <a:endParaRPr lang="en-US"/>
           </a:p>
@@ -2390,7 +2390,7 @@
           <a:p>
             <a:fld id="{BA9EE39E-C436-493B-B858-F2973290EF20}" type="datetime1">
               <a:rPr lang="en-US" altLang="zh-CN" smtClean="0"/>
-              <a:t>10/25/2022</a:t>
+              <a:t>10/26/2022</a:t>
             </a:fld>
             <a:endParaRPr lang="en-US"/>
           </a:p>
@@ -2532,7 +2532,7 @@
           <a:p>
             <a:fld id="{E6A2C1DB-9D94-40F1-B5CD-9C102A995963}" type="datetime1">
               <a:rPr lang="en-US" altLang="zh-CN" smtClean="0"/>
-              <a:t>10/25/2022</a:t>
+              <a:t>10/26/2022</a:t>
             </a:fld>
             <a:endParaRPr lang="en-US"/>
           </a:p>
@@ -2645,7 +2645,7 @@
           <a:p>
             <a:fld id="{2583B903-C9F4-42A7-9BA2-D1017DBDDFF7}" type="datetime1">
               <a:rPr lang="en-US" altLang="zh-CN" smtClean="0"/>
-              <a:t>10/25/2022</a:t>
+              <a:t>10/26/2022</a:t>
             </a:fld>
             <a:endParaRPr lang="en-US"/>
           </a:p>
@@ -2958,7 +2958,7 @@
           <a:p>
             <a:fld id="{F1BF3AA4-FB86-45B5-8A2F-B712F4B6BB99}" type="datetime1">
               <a:rPr lang="en-US" altLang="zh-CN" smtClean="0"/>
-              <a:t>10/25/2022</a:t>
+              <a:t>10/26/2022</a:t>
             </a:fld>
             <a:endParaRPr lang="en-US"/>
           </a:p>
@@ -3247,7 +3247,7 @@
           <a:p>
             <a:fld id="{2E918281-7A2D-4EC0-BCF2-9CE9C784082C}" type="datetime1">
               <a:rPr lang="en-US" altLang="zh-CN" smtClean="0"/>
-              <a:t>10/25/2022</a:t>
+              <a:t>10/26/2022</a:t>
             </a:fld>
             <a:endParaRPr lang="en-US"/>
           </a:p>
@@ -3490,7 +3490,7 @@
           <a:p>
             <a:fld id="{9BC97CED-9528-4D41-A8DD-DF7A02B8FC64}" type="datetime1">
               <a:rPr lang="en-US" altLang="zh-CN" smtClean="0"/>
-              <a:t>10/25/2022</a:t>
+              <a:t>10/26/2022</a:t>
             </a:fld>
             <a:endParaRPr lang="en-US"/>
           </a:p>
@@ -4390,7 +4390,7 @@
                 </a:effectLst>
                 <a:cs typeface="Arial" panose="020B0604020202020204" pitchFamily="34" charset="0"/>
               </a:rPr>
-              <a:t>Marketing(promotional activities)</a:t>
+              <a:t>Marketing (Shopping Festivals)</a:t>
             </a:r>
           </a:p>
           <a:p>
@@ -4606,7 +4606,7 @@
                 </a:effectLst>
                 <a:cs typeface="Arial" panose="020B0604020202020204" pitchFamily="34" charset="0"/>
               </a:rPr>
-              <a:t>Marketing(coupons)</a:t>
+              <a:t>Marketing (Coupons)</a:t>
             </a:r>
           </a:p>
           <a:p>
@@ -5236,7 +5236,7 @@
                 <a:latin typeface="Arial" panose="020B0604020202020204" pitchFamily="34" charset="0"/>
                 <a:cs typeface="Arial" panose="020B0604020202020204" pitchFamily="34" charset="0"/>
               </a:rPr>
-              <a:t>Coupons</a:t>
+              <a:t>Shopping Festival</a:t>
             </a:r>
           </a:p>
           <a:p>
@@ -5248,12 +5248,8 @@
                 <a:latin typeface="Arial" panose="020B0604020202020204" pitchFamily="34" charset="0"/>
                 <a:cs typeface="Arial" panose="020B0604020202020204" pitchFamily="34" charset="0"/>
               </a:rPr>
-              <a:t>Shopping Festival</a:t>
-            </a:r>
-            <a:endParaRPr lang="zh-CN" altLang="en-US" dirty="0">
-              <a:latin typeface="Arial" panose="020B0604020202020204" pitchFamily="34" charset="0"/>
-              <a:cs typeface="Arial" panose="020B0604020202020204" pitchFamily="34" charset="0"/>
-            </a:endParaRPr>
+              <a:t>Coupons</a:t>
+            </a:r>
           </a:p>
         </p:txBody>
       </p:sp>
@@ -5595,10 +5591,27 @@
           <a:lstStyle/>
           <a:p>
             <a:r>
-              <a:rPr lang="en-US" altLang="zh-CN" dirty="0"/>
-              <a:t>Business Model</a:t>
-            </a:r>
-            <a:endParaRPr lang="zh-CN" altLang="en-US" dirty="0"/>
+              <a:rPr lang="en-US" altLang="zh-CN" b="1" dirty="0">
+                <a:latin typeface="Arial" panose="020B0604020202020204" pitchFamily="34" charset="0"/>
+                <a:cs typeface="Arial" panose="020B0604020202020204" pitchFamily="34" charset="0"/>
+              </a:rPr>
+              <a:t>Business</a:t>
+            </a:r>
+            <a:r>
+              <a:rPr lang="en-US" altLang="zh-CN" b="1" dirty="0"/>
+              <a:t> </a:t>
+            </a:r>
+            <a:r>
+              <a:rPr lang="en-US" altLang="zh-CN" b="1" dirty="0">
+                <a:latin typeface="Arial" panose="020B0604020202020204" pitchFamily="34" charset="0"/>
+                <a:cs typeface="Arial" panose="020B0604020202020204" pitchFamily="34" charset="0"/>
+              </a:rPr>
+              <a:t>Model</a:t>
+            </a:r>
+            <a:endParaRPr lang="zh-CN" altLang="en-US" b="1" dirty="0">
+              <a:latin typeface="Arial" panose="020B0604020202020204" pitchFamily="34" charset="0"/>
+              <a:cs typeface="Arial" panose="020B0604020202020204" pitchFamily="34" charset="0"/>
+            </a:endParaRPr>
           </a:p>
         </p:txBody>
       </p:sp>
@@ -6415,10 +6428,16 @@
           <a:lstStyle/>
           <a:p>
             <a:r>
-              <a:rPr lang="en-US" altLang="zh-CN" b="1" dirty="0"/>
+              <a:rPr lang="en-US" altLang="zh-CN" b="1" dirty="0">
+                <a:latin typeface="Arial" panose="020B0604020202020204" pitchFamily="34" charset="0"/>
+                <a:cs typeface="Arial" panose="020B0604020202020204" pitchFamily="34" charset="0"/>
+              </a:rPr>
               <a:t>Seller Center</a:t>
             </a:r>
-            <a:endParaRPr lang="zh-CN" altLang="en-US" b="1" dirty="0"/>
+            <a:endParaRPr lang="zh-CN" altLang="en-US" b="1" dirty="0">
+              <a:latin typeface="Arial" panose="020B0604020202020204" pitchFamily="34" charset="0"/>
+              <a:cs typeface="Arial" panose="020B0604020202020204" pitchFamily="34" charset="0"/>
+            </a:endParaRPr>
           </a:p>
         </p:txBody>
       </p:sp>
@@ -6500,8 +6519,8 @@
         </p:nvSpPr>
         <p:spPr>
           <a:xfrm>
-            <a:off x="8546920" y="2179529"/>
-            <a:ext cx="3258859" cy="923330"/>
+            <a:off x="8392284" y="2133347"/>
+            <a:ext cx="3460353" cy="923330"/>
           </a:xfrm>
           <a:prstGeom prst="rect">
             <a:avLst/>
@@ -6514,20 +6533,17 @@
           </a:bodyPr>
           <a:lstStyle/>
           <a:p>
-            <a:pPr algn="just"/>
-            <a:r>
-              <a:rPr lang="en-US" altLang="zh-CN" dirty="0"/>
-              <a:t>Provide a </a:t>
-            </a:r>
-            <a:r>
-              <a:rPr lang="en-US" altLang="zh-CN" b="1" dirty="0"/>
-              <a:t>user-friendly</a:t>
-            </a:r>
-            <a:r>
-              <a:rPr lang="en-US" altLang="zh-CN" dirty="0"/>
-              <a:t> interface especially for sellers in C2C business model</a:t>
-            </a:r>
-            <a:endParaRPr lang="zh-CN" altLang="en-US" dirty="0"/>
+            <a:r>
+              <a:rPr lang="en-US" altLang="zh-CN" b="1" dirty="0">
+                <a:latin typeface="Arial" panose="020B0604020202020204" pitchFamily="34" charset="0"/>
+                <a:cs typeface="Arial" panose="020B0604020202020204" pitchFamily="34" charset="0"/>
+              </a:rPr>
+              <a:t>Provide a user-friendly interface especially for sellers in C2C business model</a:t>
+            </a:r>
+            <a:endParaRPr lang="zh-CN" altLang="en-US" b="1" dirty="0">
+              <a:latin typeface="Arial" panose="020B0604020202020204" pitchFamily="34" charset="0"/>
+              <a:cs typeface="Arial" panose="020B0604020202020204" pitchFamily="34" charset="0"/>
+            </a:endParaRPr>
           </a:p>
         </p:txBody>
       </p:sp>
@@ -6655,8 +6671,8 @@
         </p:nvSpPr>
         <p:spPr>
           <a:xfrm>
-            <a:off x="619848" y="337005"/>
-            <a:ext cx="6716839" cy="923330"/>
+            <a:off x="70820" y="337005"/>
+            <a:ext cx="7814896" cy="923330"/>
           </a:xfrm>
           <a:prstGeom prst="rect">
             <a:avLst/>
@@ -6671,72 +6687,47 @@
           <a:p>
             <a:pPr algn="ctr"/>
             <a:r>
-              <a:rPr lang="en-US" altLang="zh-CN" sz="5400" b="0" cap="none" spc="0" dirty="0">
+              <a:rPr lang="en-US" altLang="zh-CN" sz="5400" b="1" cap="none" spc="0" dirty="0">
                 <a:ln w="0"/>
                 <a:solidFill>
                   <a:schemeClr val="tx1"/>
                 </a:solidFill>
-                <a:effectLst>
-                  <a:outerShdw blurRad="38100" dist="19050" dir="2700000" algn="tl" rotWithShape="0">
-                    <a:schemeClr val="dk1">
-                      <a:alpha val="40000"/>
-                    </a:schemeClr>
-                  </a:outerShdw>
-                </a:effectLst>
+                <a:latin typeface="Arial" panose="020B0604020202020204" pitchFamily="34" charset="0"/>
+                <a:cs typeface="Arial" panose="020B0604020202020204" pitchFamily="34" charset="0"/>
               </a:rPr>
               <a:t>Customer Q</a:t>
             </a:r>
             <a:r>
-              <a:rPr lang="en-US" altLang="zh-CN" sz="5400" dirty="0">
+              <a:rPr lang="en-US" altLang="zh-CN" sz="5400" b="1" dirty="0">
                 <a:ln w="0"/>
-                <a:effectLst>
-                  <a:outerShdw blurRad="38100" dist="19050" dir="2700000" algn="tl" rotWithShape="0">
-                    <a:schemeClr val="dk1">
-                      <a:alpha val="40000"/>
-                    </a:schemeClr>
-                  </a:outerShdw>
-                </a:effectLst>
+                <a:latin typeface="Arial" panose="020B0604020202020204" pitchFamily="34" charset="0"/>
+                <a:cs typeface="Arial" panose="020B0604020202020204" pitchFamily="34" charset="0"/>
               </a:rPr>
               <a:t>&amp;A</a:t>
             </a:r>
             <a:r>
-              <a:rPr lang="zh-CN" altLang="en-US" sz="5400" dirty="0">
+              <a:rPr lang="zh-CN" altLang="en-US" sz="5400" b="1" dirty="0">
                 <a:ln w="0"/>
-                <a:effectLst>
-                  <a:outerShdw blurRad="38100" dist="19050" dir="2700000" algn="tl" rotWithShape="0">
-                    <a:schemeClr val="dk1">
-                      <a:alpha val="40000"/>
-                    </a:schemeClr>
-                  </a:outerShdw>
-                </a:effectLst>
+                <a:latin typeface="Arial" panose="020B0604020202020204" pitchFamily="34" charset="0"/>
+                <a:cs typeface="Arial" panose="020B0604020202020204" pitchFamily="34" charset="0"/>
               </a:rPr>
               <a:t> </a:t>
             </a:r>
             <a:r>
-              <a:rPr lang="en-US" altLang="zh-CN" sz="5400" dirty="0">
+              <a:rPr lang="en-US" altLang="zh-CN" sz="5400" b="1" dirty="0">
                 <a:ln w="0"/>
-                <a:effectLst>
-                  <a:outerShdw blurRad="38100" dist="19050" dir="2700000" algn="tl" rotWithShape="0">
-                    <a:schemeClr val="dk1">
-                      <a:alpha val="40000"/>
-                    </a:schemeClr>
-                  </a:outerShdw>
-                </a:effectLst>
+                <a:latin typeface="Arial" panose="020B0604020202020204" pitchFamily="34" charset="0"/>
+                <a:cs typeface="Arial" panose="020B0604020202020204" pitchFamily="34" charset="0"/>
               </a:rPr>
               <a:t>Feature</a:t>
             </a:r>
-            <a:endParaRPr lang="zh-CN" altLang="en-US" sz="5400" b="0" cap="none" spc="0" dirty="0">
+            <a:endParaRPr lang="zh-CN" altLang="en-US" sz="5400" b="1" cap="none" spc="0" dirty="0">
               <a:ln w="0"/>
               <a:solidFill>
                 <a:schemeClr val="tx1"/>
               </a:solidFill>
-              <a:effectLst>
-                <a:outerShdw blurRad="38100" dist="19050" dir="2700000" algn="tl" rotWithShape="0">
-                  <a:schemeClr val="dk1">
-                    <a:alpha val="40000"/>
-                  </a:schemeClr>
-                </a:outerShdw>
-              </a:effectLst>
+              <a:latin typeface="Arial" panose="020B0604020202020204" pitchFamily="34" charset="0"/>
+              <a:cs typeface="Arial" panose="020B0604020202020204" pitchFamily="34" charset="0"/>
             </a:endParaRPr>
           </a:p>
         </p:txBody>
@@ -7048,8 +7039,8 @@
         </p:nvSpPr>
         <p:spPr>
           <a:xfrm>
-            <a:off x="619848" y="337005"/>
-            <a:ext cx="6716839" cy="923330"/>
+            <a:off x="70820" y="337005"/>
+            <a:ext cx="7814896" cy="923330"/>
           </a:xfrm>
           <a:prstGeom prst="rect">
             <a:avLst/>
@@ -7064,72 +7055,47 @@
           <a:p>
             <a:pPr algn="ctr"/>
             <a:r>
-              <a:rPr lang="en-US" altLang="zh-CN" sz="5400" b="0" cap="none" spc="0" dirty="0">
+              <a:rPr lang="en-US" altLang="zh-CN" sz="5400" b="1" cap="none" spc="0" dirty="0">
                 <a:ln w="0"/>
                 <a:solidFill>
                   <a:schemeClr val="tx1"/>
                 </a:solidFill>
-                <a:effectLst>
-                  <a:outerShdw blurRad="38100" dist="19050" dir="2700000" algn="tl" rotWithShape="0">
-                    <a:schemeClr val="dk1">
-                      <a:alpha val="40000"/>
-                    </a:schemeClr>
-                  </a:outerShdw>
-                </a:effectLst>
+                <a:latin typeface="Arial" panose="020B0604020202020204" pitchFamily="34" charset="0"/>
+                <a:cs typeface="Arial" panose="020B0604020202020204" pitchFamily="34" charset="0"/>
               </a:rPr>
               <a:t>Customer Q</a:t>
             </a:r>
             <a:r>
-              <a:rPr lang="en-US" altLang="zh-CN" sz="5400" dirty="0">
+              <a:rPr lang="en-US" altLang="zh-CN" sz="5400" b="1" dirty="0">
                 <a:ln w="0"/>
-                <a:effectLst>
-                  <a:outerShdw blurRad="38100" dist="19050" dir="2700000" algn="tl" rotWithShape="0">
-                    <a:schemeClr val="dk1">
-                      <a:alpha val="40000"/>
-                    </a:schemeClr>
-                  </a:outerShdw>
-                </a:effectLst>
+                <a:latin typeface="Arial" panose="020B0604020202020204" pitchFamily="34" charset="0"/>
+                <a:cs typeface="Arial" panose="020B0604020202020204" pitchFamily="34" charset="0"/>
               </a:rPr>
               <a:t>&amp;A</a:t>
             </a:r>
             <a:r>
-              <a:rPr lang="zh-CN" altLang="en-US" sz="5400" dirty="0">
+              <a:rPr lang="zh-CN" altLang="en-US" sz="5400" b="1" dirty="0">
                 <a:ln w="0"/>
-                <a:effectLst>
-                  <a:outerShdw blurRad="38100" dist="19050" dir="2700000" algn="tl" rotWithShape="0">
-                    <a:schemeClr val="dk1">
-                      <a:alpha val="40000"/>
-                    </a:schemeClr>
-                  </a:outerShdw>
-                </a:effectLst>
+                <a:latin typeface="Arial" panose="020B0604020202020204" pitchFamily="34" charset="0"/>
+                <a:cs typeface="Arial" panose="020B0604020202020204" pitchFamily="34" charset="0"/>
               </a:rPr>
               <a:t> </a:t>
             </a:r>
             <a:r>
-              <a:rPr lang="en-US" altLang="zh-CN" sz="5400" dirty="0">
+              <a:rPr lang="en-US" altLang="zh-CN" sz="5400" b="1" dirty="0">
                 <a:ln w="0"/>
-                <a:effectLst>
-                  <a:outerShdw blurRad="38100" dist="19050" dir="2700000" algn="tl" rotWithShape="0">
-                    <a:schemeClr val="dk1">
-                      <a:alpha val="40000"/>
-                    </a:schemeClr>
-                  </a:outerShdw>
-                </a:effectLst>
+                <a:latin typeface="Arial" panose="020B0604020202020204" pitchFamily="34" charset="0"/>
+                <a:cs typeface="Arial" panose="020B0604020202020204" pitchFamily="34" charset="0"/>
               </a:rPr>
               <a:t>Feature</a:t>
             </a:r>
-            <a:endParaRPr lang="zh-CN" altLang="en-US" sz="5400" b="0" cap="none" spc="0" dirty="0">
+            <a:endParaRPr lang="zh-CN" altLang="en-US" sz="5400" b="1" cap="none" spc="0" dirty="0">
               <a:ln w="0"/>
               <a:solidFill>
                 <a:schemeClr val="tx1"/>
               </a:solidFill>
-              <a:effectLst>
-                <a:outerShdw blurRad="38100" dist="19050" dir="2700000" algn="tl" rotWithShape="0">
-                  <a:schemeClr val="dk1">
-                    <a:alpha val="40000"/>
-                  </a:schemeClr>
-                </a:outerShdw>
-              </a:effectLst>
+              <a:latin typeface="Arial" panose="020B0604020202020204" pitchFamily="34" charset="0"/>
+              <a:cs typeface="Arial" panose="020B0604020202020204" pitchFamily="34" charset="0"/>
             </a:endParaRPr>
           </a:p>
         </p:txBody>
@@ -7312,8 +7278,8 @@
         </p:nvSpPr>
         <p:spPr>
           <a:xfrm>
-            <a:off x="619848" y="1578234"/>
-            <a:ext cx="5218416" cy="477054"/>
+            <a:off x="337912" y="1578234"/>
+            <a:ext cx="5782289" cy="477054"/>
           </a:xfrm>
           <a:prstGeom prst="rect">
             <a:avLst/>
@@ -7333,13 +7299,8 @@
                 <a:solidFill>
                   <a:schemeClr val="tx1"/>
                 </a:solidFill>
-                <a:effectLst>
-                  <a:outerShdw blurRad="38100" dist="19050" dir="2700000" algn="tl" rotWithShape="0">
-                    <a:schemeClr val="dk1">
-                      <a:alpha val="40000"/>
-                    </a:schemeClr>
-                  </a:outerShdw>
-                </a:effectLst>
+                <a:latin typeface="Arial" panose="020B0604020202020204" pitchFamily="34" charset="0"/>
+                <a:cs typeface="Arial" panose="020B0604020202020204" pitchFamily="34" charset="0"/>
               </a:rPr>
               <a:t>This is the Customer Q&amp;A from JD.com</a:t>
             </a:r>
@@ -7348,13 +7309,8 @@
               <a:solidFill>
                 <a:schemeClr val="tx1"/>
               </a:solidFill>
-              <a:effectLst>
-                <a:outerShdw blurRad="38100" dist="19050" dir="2700000" algn="tl" rotWithShape="0">
-                  <a:schemeClr val="dk1">
-                    <a:alpha val="40000"/>
-                  </a:schemeClr>
-                </a:outerShdw>
-              </a:effectLst>
+              <a:latin typeface="Arial" panose="020B0604020202020204" pitchFamily="34" charset="0"/>
+              <a:cs typeface="Arial" panose="020B0604020202020204" pitchFamily="34" charset="0"/>
             </a:endParaRPr>
           </a:p>
         </p:txBody>

--- a/Technical Writing.pptx
+++ b/Technical Writing.pptx
@@ -4106,79 +4106,6 @@
           </a:p>
         </p:txBody>
       </p:sp>
-      <p:sp>
-        <p:nvSpPr>
-          <p:cNvPr id="3" name="矩形 2">
-            <a:extLst>
-              <a:ext uri="{FF2B5EF4-FFF2-40B4-BE49-F238E27FC236}">
-                <a16:creationId xmlns:a16="http://schemas.microsoft.com/office/drawing/2014/main" id="{3A921469-C760-156F-BBFF-8A17349AEF2A}"/>
-              </a:ext>
-            </a:extLst>
-          </p:cNvPr>
-          <p:cNvSpPr/>
-          <p:nvPr/>
-        </p:nvSpPr>
-        <p:spPr>
-          <a:xfrm>
-            <a:off x="619848" y="337005"/>
-            <a:ext cx="6418745" cy="923330"/>
-          </a:xfrm>
-          <a:prstGeom prst="rect">
-            <a:avLst/>
-          </a:prstGeom>
-          <a:noFill/>
-        </p:spPr>
-        <p:txBody>
-          <a:bodyPr wrap="none" lIns="91440" tIns="45720" rIns="91440" bIns="45720">
-            <a:spAutoFit/>
-          </a:bodyPr>
-          <a:lstStyle/>
-          <a:p>
-            <a:r>
-              <a:rPr lang="en-US" altLang="zh-CN" sz="5400" b="0" cap="none" spc="0" dirty="0">
-                <a:ln w="0"/>
-                <a:solidFill>
-                  <a:schemeClr val="tx1"/>
-                </a:solidFill>
-                <a:effectLst>
-                  <a:outerShdw blurRad="38100" dist="19050" dir="2700000" algn="tl" rotWithShape="0">
-                    <a:schemeClr val="dk1">
-                      <a:alpha val="40000"/>
-                    </a:schemeClr>
-                  </a:outerShdw>
-                </a:effectLst>
-              </a:rPr>
-              <a:t>Sidebar Shopping </a:t>
-            </a:r>
-            <a:r>
-              <a:rPr lang="en-US" altLang="zh-CN" sz="5400" dirty="0">
-                <a:ln w="0"/>
-                <a:effectLst>
-                  <a:outerShdw blurRad="38100" dist="19050" dir="2700000" algn="tl" rotWithShape="0">
-                    <a:schemeClr val="dk1">
-                      <a:alpha val="40000"/>
-                    </a:schemeClr>
-                  </a:outerShdw>
-                </a:effectLst>
-              </a:rPr>
-              <a:t>Cart</a:t>
-            </a:r>
-            <a:endParaRPr lang="zh-CN" altLang="en-US" sz="5400" b="0" cap="none" spc="0" dirty="0">
-              <a:ln w="0"/>
-              <a:solidFill>
-                <a:schemeClr val="tx1"/>
-              </a:solidFill>
-              <a:effectLst>
-                <a:outerShdw blurRad="38100" dist="19050" dir="2700000" algn="tl" rotWithShape="0">
-                  <a:schemeClr val="dk1">
-                    <a:alpha val="40000"/>
-                  </a:schemeClr>
-                </a:outerShdw>
-              </a:effectLst>
-            </a:endParaRPr>
-          </a:p>
-        </p:txBody>
-      </p:sp>
       <p:pic>
         <p:nvPicPr>
           <p:cNvPr id="5" name="图片 4">
@@ -4303,7 +4230,39 @@
                   </a:outerShdw>
                 </a:effectLst>
               </a:rPr>
-              <a:t>This drug website doesn't have the sidebar shopping cart.</a:t>
+              <a:t>This drug website doesn't have the </a:t>
+            </a:r>
+            <a:r>
+              <a:rPr lang="en-US" altLang="zh-CN" sz="2500" b="1" cap="none" spc="0" dirty="0">
+                <a:ln w="0"/>
+                <a:solidFill>
+                  <a:schemeClr val="tx1"/>
+                </a:solidFill>
+                <a:effectLst>
+                  <a:outerShdw blurRad="38100" dist="19050" dir="2700000" algn="tl" rotWithShape="0">
+                    <a:schemeClr val="dk1">
+                      <a:alpha val="40000"/>
+                    </a:schemeClr>
+                  </a:outerShdw>
+                </a:effectLst>
+              </a:rPr>
+              <a:t>sidebar shopping cart</a:t>
+            </a:r>
+            <a:r>
+              <a:rPr lang="en-US" altLang="zh-CN" sz="2500" b="0" cap="none" spc="0" dirty="0">
+                <a:ln w="0"/>
+                <a:solidFill>
+                  <a:schemeClr val="tx1"/>
+                </a:solidFill>
+                <a:effectLst>
+                  <a:outerShdw blurRad="38100" dist="19050" dir="2700000" algn="tl" rotWithShape="0">
+                    <a:schemeClr val="dk1">
+                      <a:alpha val="40000"/>
+                    </a:schemeClr>
+                  </a:outerShdw>
+                </a:effectLst>
+              </a:rPr>
+              <a:t>.</a:t>
             </a:r>
             <a:endParaRPr lang="zh-CN" altLang="en-US" sz="2500" b="0" cap="none" spc="0" dirty="0">
               <a:ln w="0"/>
@@ -4317,6 +4276,78 @@
                   </a:schemeClr>
                 </a:outerShdw>
               </a:effectLst>
+            </a:endParaRPr>
+          </a:p>
+        </p:txBody>
+      </p:sp>
+      <p:sp>
+        <p:nvSpPr>
+          <p:cNvPr id="4" name="矩形 3">
+            <a:extLst>
+              <a:ext uri="{FF2B5EF4-FFF2-40B4-BE49-F238E27FC236}">
+                <a16:creationId xmlns:a16="http://schemas.microsoft.com/office/drawing/2014/main" id="{6199E1A3-B86C-FAEE-6244-BC72CA6D145A}"/>
+              </a:ext>
+            </a:extLst>
+          </p:cNvPr>
+          <p:cNvSpPr/>
+          <p:nvPr/>
+        </p:nvSpPr>
+        <p:spPr>
+          <a:xfrm>
+            <a:off x="337912" y="291947"/>
+            <a:ext cx="10289996" cy="769441"/>
+          </a:xfrm>
+          <a:prstGeom prst="rect">
+            <a:avLst/>
+          </a:prstGeom>
+          <a:noFill/>
+        </p:spPr>
+        <p:txBody>
+          <a:bodyPr wrap="none" lIns="91440" tIns="45720" rIns="91440" bIns="45720">
+            <a:spAutoFit/>
+          </a:bodyPr>
+          <a:lstStyle/>
+          <a:p>
+            <a:r>
+              <a:rPr lang="en-US" altLang="zh-CN" sz="4400" b="1" dirty="0">
+                <a:latin typeface="Arial" panose="020B0604020202020204" pitchFamily="34" charset="0"/>
+                <a:cs typeface="Arial" panose="020B0604020202020204" pitchFamily="34" charset="0"/>
+              </a:rPr>
+              <a:t>User-friendly Design </a:t>
+            </a:r>
+            <a:r>
+              <a:rPr lang="en-US" altLang="zh-CN" sz="3000" b="1" dirty="0">
+                <a:latin typeface="Arial" panose="020B0604020202020204" pitchFamily="34" charset="0"/>
+                <a:cs typeface="Arial" panose="020B0604020202020204" pitchFamily="34" charset="0"/>
+              </a:rPr>
+              <a:t>(</a:t>
+            </a:r>
+            <a:r>
+              <a:rPr lang="en-US" altLang="zh-CN" sz="3000" b="1" cap="none" spc="0" dirty="0">
+                <a:ln w="0"/>
+                <a:solidFill>
+                  <a:schemeClr val="tx1"/>
+                </a:solidFill>
+                <a:latin typeface="Arial" panose="020B0604020202020204" pitchFamily="34" charset="0"/>
+                <a:cs typeface="Arial" panose="020B0604020202020204" pitchFamily="34" charset="0"/>
+              </a:rPr>
+              <a:t>Sidebar Shopping Cart</a:t>
+            </a:r>
+            <a:r>
+              <a:rPr lang="en-US" altLang="zh-CN" sz="3000" b="1" dirty="0">
+                <a:ln w="0"/>
+                <a:latin typeface="Arial" panose="020B0604020202020204" pitchFamily="34" charset="0"/>
+                <a:cs typeface="Arial" panose="020B0604020202020204" pitchFamily="34" charset="0"/>
+              </a:rPr>
+              <a:t>)</a:t>
+            </a:r>
+            <a:endParaRPr lang="zh-CN" altLang="en-US" sz="3000" b="1" cap="none" spc="0" dirty="0">
+              <a:ln w="0"/>
+              <a:solidFill>
+                <a:schemeClr val="tx1"/>
+              </a:solidFill>
+              <a:latin typeface="Arial" panose="020B0604020202020204" pitchFamily="34" charset="0"/>
+              <a:cs typeface="Arial" panose="020B0604020202020204" pitchFamily="34" charset="0"/>
             </a:endParaRPr>
           </a:p>
         </p:txBody>
@@ -4351,56 +4382,6 @@
           <a:chExt cx="0" cy="0"/>
         </a:xfrm>
       </p:grpSpPr>
-      <p:sp>
-        <p:nvSpPr>
-          <p:cNvPr id="4" name="文本框 3">
-            <a:extLst>
-              <a:ext uri="{FF2B5EF4-FFF2-40B4-BE49-F238E27FC236}">
-                <a16:creationId xmlns:a16="http://schemas.microsoft.com/office/drawing/2014/main" id="{55A49C74-0458-F9C3-7793-EBDEC5BE3869}"/>
-              </a:ext>
-            </a:extLst>
-          </p:cNvPr>
-          <p:cNvSpPr txBox="1"/>
-          <p:nvPr/>
-        </p:nvSpPr>
-        <p:spPr>
-          <a:xfrm>
-            <a:off x="58057" y="159657"/>
-            <a:ext cx="11695814" cy="1661993"/>
-          </a:xfrm>
-          <a:prstGeom prst="rect">
-            <a:avLst/>
-          </a:prstGeom>
-          <a:noFill/>
-        </p:spPr>
-        <p:txBody>
-          <a:bodyPr wrap="square" rtlCol="0">
-            <a:spAutoFit/>
-          </a:bodyPr>
-          <a:lstStyle/>
-          <a:p>
-            <a:r>
-              <a:rPr lang="en-US" altLang="zh-CN" sz="5400" dirty="0">
-                <a:effectLst>
-                  <a:outerShdw blurRad="38100" dist="38100" dir="2700000" algn="tl">
-                    <a:srgbClr val="000000">
-                      <a:alpha val="43137"/>
-                    </a:srgbClr>
-                  </a:outerShdw>
-                </a:effectLst>
-                <a:cs typeface="Arial" panose="020B0604020202020204" pitchFamily="34" charset="0"/>
-              </a:rPr>
-              <a:t>Marketing (Shopping Festivals)</a:t>
-            </a:r>
-          </a:p>
-          <a:p>
-            <a:endParaRPr lang="zh-CN" altLang="en-US" sz="4800" b="1" dirty="0">
-              <a:latin typeface="Arial" panose="020B0604020202020204" pitchFamily="34" charset="0"/>
-              <a:cs typeface="Arial" panose="020B0604020202020204" pitchFamily="34" charset="0"/>
-            </a:endParaRPr>
-          </a:p>
-        </p:txBody>
-      </p:sp>
       <p:pic>
         <p:nvPicPr>
           <p:cNvPr id="7" name="图片 6">
@@ -4530,10 +4511,63 @@
           <a:lstStyle/>
           <a:p>
             <a:fld id="{91E15A72-4311-4D48-8139-6724A1CBFEF9}" type="slidenum">
-              <a:rPr lang="en-US" smtClean="0"/>
+              <a:rPr lang="en-US" smtClean="0">
+                <a:solidFill>
+                  <a:schemeClr val="tx1"/>
+                </a:solidFill>
+              </a:rPr>
               <a:t>11</a:t>
             </a:fld>
-            <a:endParaRPr lang="en-US"/>
+            <a:endParaRPr lang="en-US" dirty="0">
+              <a:solidFill>
+                <a:schemeClr val="tx1"/>
+              </a:solidFill>
+            </a:endParaRPr>
+          </a:p>
+        </p:txBody>
+      </p:sp>
+      <p:sp>
+        <p:nvSpPr>
+          <p:cNvPr id="3" name="矩形 2">
+            <a:extLst>
+              <a:ext uri="{FF2B5EF4-FFF2-40B4-BE49-F238E27FC236}">
+                <a16:creationId xmlns:a16="http://schemas.microsoft.com/office/drawing/2014/main" id="{D23A56A8-6D72-A462-2E21-8102DE16E047}"/>
+              </a:ext>
+            </a:extLst>
+          </p:cNvPr>
+          <p:cNvSpPr/>
+          <p:nvPr/>
+        </p:nvSpPr>
+        <p:spPr>
+          <a:xfrm>
+            <a:off x="337912" y="291947"/>
+            <a:ext cx="6793848" cy="769441"/>
+          </a:xfrm>
+          <a:prstGeom prst="rect">
+            <a:avLst/>
+          </a:prstGeom>
+          <a:noFill/>
+        </p:spPr>
+        <p:txBody>
+          <a:bodyPr wrap="none" lIns="91440" tIns="45720" rIns="91440" bIns="45720">
+            <a:spAutoFit/>
+          </a:bodyPr>
+          <a:lstStyle/>
+          <a:p>
+            <a:r>
+              <a:rPr lang="en-US" altLang="zh-CN" sz="4400" b="1" dirty="0">
+                <a:latin typeface="Arial" panose="020B0604020202020204" pitchFamily="34" charset="0"/>
+                <a:cs typeface="Arial" panose="020B0604020202020204" pitchFamily="34" charset="0"/>
+              </a:rPr>
+              <a:t>Marketing </a:t>
+            </a:r>
+            <a:r>
+              <a:rPr lang="en-US" altLang="zh-CN" sz="3000" b="1" dirty="0">
+                <a:latin typeface="Arial" panose="020B0604020202020204" pitchFamily="34" charset="0"/>
+                <a:cs typeface="Arial" panose="020B0604020202020204" pitchFamily="34" charset="0"/>
+              </a:rPr>
+              <a:t>(Shopping Festivals)</a:t>
+            </a:r>
           </a:p>
         </p:txBody>
       </p:sp>
@@ -4567,56 +4601,6 @@
           <a:chExt cx="0" cy="0"/>
         </a:xfrm>
       </p:grpSpPr>
-      <p:sp>
-        <p:nvSpPr>
-          <p:cNvPr id="4" name="文本框 3">
-            <a:extLst>
-              <a:ext uri="{FF2B5EF4-FFF2-40B4-BE49-F238E27FC236}">
-                <a16:creationId xmlns:a16="http://schemas.microsoft.com/office/drawing/2014/main" id="{8B3D6854-FC8A-F26D-A4AC-C8EA934DCD5F}"/>
-              </a:ext>
-            </a:extLst>
-          </p:cNvPr>
-          <p:cNvSpPr txBox="1"/>
-          <p:nvPr/>
-        </p:nvSpPr>
-        <p:spPr>
-          <a:xfrm>
-            <a:off x="58057" y="159657"/>
-            <a:ext cx="11695814" cy="1661993"/>
-          </a:xfrm>
-          <a:prstGeom prst="rect">
-            <a:avLst/>
-          </a:prstGeom>
-          <a:noFill/>
-        </p:spPr>
-        <p:txBody>
-          <a:bodyPr wrap="square" rtlCol="0">
-            <a:spAutoFit/>
-          </a:bodyPr>
-          <a:lstStyle/>
-          <a:p>
-            <a:r>
-              <a:rPr lang="en-US" altLang="zh-CN" sz="5400" dirty="0">
-                <a:effectLst>
-                  <a:outerShdw blurRad="38100" dist="38100" dir="2700000" algn="tl">
-                    <a:srgbClr val="000000">
-                      <a:alpha val="43137"/>
-                    </a:srgbClr>
-                  </a:outerShdw>
-                </a:effectLst>
-                <a:cs typeface="Arial" panose="020B0604020202020204" pitchFamily="34" charset="0"/>
-              </a:rPr>
-              <a:t>Marketing (Coupons)</a:t>
-            </a:r>
-          </a:p>
-          <a:p>
-            <a:endParaRPr lang="zh-CN" altLang="en-US" sz="4800" b="1" dirty="0">
-              <a:latin typeface="Arial" panose="020B0604020202020204" pitchFamily="34" charset="0"/>
-              <a:cs typeface="Arial" panose="020B0604020202020204" pitchFamily="34" charset="0"/>
-            </a:endParaRPr>
-          </a:p>
-        </p:txBody>
-      </p:sp>
       <p:pic>
         <p:nvPicPr>
           <p:cNvPr id="6" name="图片 5">
@@ -4798,10 +4782,63 @@
           <a:lstStyle/>
           <a:p>
             <a:fld id="{91E15A72-4311-4D48-8139-6724A1CBFEF9}" type="slidenum">
-              <a:rPr lang="en-US" smtClean="0"/>
+              <a:rPr lang="en-US" smtClean="0">
+                <a:solidFill>
+                  <a:schemeClr val="tx1"/>
+                </a:solidFill>
+              </a:rPr>
               <a:t>12</a:t>
             </a:fld>
-            <a:endParaRPr lang="en-US"/>
+            <a:endParaRPr lang="en-US" dirty="0">
+              <a:solidFill>
+                <a:schemeClr val="tx1"/>
+              </a:solidFill>
+            </a:endParaRPr>
+          </a:p>
+        </p:txBody>
+      </p:sp>
+      <p:sp>
+        <p:nvSpPr>
+          <p:cNvPr id="3" name="矩形 2">
+            <a:extLst>
+              <a:ext uri="{FF2B5EF4-FFF2-40B4-BE49-F238E27FC236}">
+                <a16:creationId xmlns:a16="http://schemas.microsoft.com/office/drawing/2014/main" id="{C1E4B1DD-EB6D-5B2F-444C-11E7A9C052B4}"/>
+              </a:ext>
+            </a:extLst>
+          </p:cNvPr>
+          <p:cNvSpPr/>
+          <p:nvPr/>
+        </p:nvSpPr>
+        <p:spPr>
+          <a:xfrm>
+            <a:off x="337912" y="291947"/>
+            <a:ext cx="4932761" cy="769441"/>
+          </a:xfrm>
+          <a:prstGeom prst="rect">
+            <a:avLst/>
+          </a:prstGeom>
+          <a:noFill/>
+        </p:spPr>
+        <p:txBody>
+          <a:bodyPr wrap="none" lIns="91440" tIns="45720" rIns="91440" bIns="45720">
+            <a:spAutoFit/>
+          </a:bodyPr>
+          <a:lstStyle/>
+          <a:p>
+            <a:r>
+              <a:rPr lang="en-US" altLang="zh-CN" sz="4400" b="1" dirty="0">
+                <a:latin typeface="Arial" panose="020B0604020202020204" pitchFamily="34" charset="0"/>
+                <a:cs typeface="Arial" panose="020B0604020202020204" pitchFamily="34" charset="0"/>
+              </a:rPr>
+              <a:t>Marketing </a:t>
+            </a:r>
+            <a:r>
+              <a:rPr lang="en-US" altLang="zh-CN" sz="3000" b="1" dirty="0">
+                <a:latin typeface="Arial" panose="020B0604020202020204" pitchFamily="34" charset="0"/>
+                <a:cs typeface="Arial" panose="020B0604020202020204" pitchFamily="34" charset="0"/>
+              </a:rPr>
+              <a:t>(Coupons)</a:t>
+            </a:r>
           </a:p>
         </p:txBody>
       </p:sp>
@@ -4874,10 +4911,10 @@
       </p:sp>
       <p:sp>
         <p:nvSpPr>
-          <p:cNvPr id="3" name="矩形 2">
-            <a:extLst>
-              <a:ext uri="{FF2B5EF4-FFF2-40B4-BE49-F238E27FC236}">
-                <a16:creationId xmlns:a16="http://schemas.microsoft.com/office/drawing/2014/main" id="{3D7B5D06-13EF-0688-E998-76967349F968}"/>
+          <p:cNvPr id="4" name="矩形 3">
+            <a:extLst>
+              <a:ext uri="{FF2B5EF4-FFF2-40B4-BE49-F238E27FC236}">
+                <a16:creationId xmlns:a16="http://schemas.microsoft.com/office/drawing/2014/main" id="{8E549278-5C60-94A8-B08B-FCE5DA0F5835}"/>
               </a:ext>
             </a:extLst>
           </p:cNvPr>
@@ -4886,8 +4923,8 @@
         </p:nvSpPr>
         <p:spPr>
           <a:xfrm>
-            <a:off x="619848" y="337005"/>
-            <a:ext cx="3257623" cy="923330"/>
+            <a:off x="337912" y="291947"/>
+            <a:ext cx="3257623" cy="769441"/>
           </a:xfrm>
           <a:prstGeom prst="rect">
             <a:avLst/>
@@ -4901,34 +4938,12 @@
           <a:lstStyle/>
           <a:p>
             <a:r>
-              <a:rPr lang="en-US" altLang="zh-CN" sz="5400" b="0" cap="none" spc="0" dirty="0">
-                <a:ln w="0"/>
-                <a:solidFill>
-                  <a:schemeClr val="tx1"/>
-                </a:solidFill>
-                <a:effectLst>
-                  <a:outerShdw blurRad="38100" dist="19050" dir="2700000" algn="tl" rotWithShape="0">
-                    <a:schemeClr val="dk1">
-                      <a:alpha val="40000"/>
-                    </a:schemeClr>
-                  </a:outerShdw>
-                </a:effectLst>
+              <a:rPr lang="en-US" altLang="zh-CN" sz="4400" b="1" dirty="0">
+                <a:latin typeface="Arial" panose="020B0604020202020204" pitchFamily="34" charset="0"/>
+                <a:cs typeface="Arial" panose="020B0604020202020204" pitchFamily="34" charset="0"/>
               </a:rPr>
               <a:t>Conclusion</a:t>
             </a:r>
-            <a:endParaRPr lang="zh-CN" altLang="en-US" sz="5400" b="0" cap="none" spc="0" dirty="0">
-              <a:ln w="0"/>
-              <a:solidFill>
-                <a:schemeClr val="tx1"/>
-              </a:solidFill>
-              <a:effectLst>
-                <a:outerShdw blurRad="38100" dist="19050" dir="2700000" algn="tl" rotWithShape="0">
-                  <a:schemeClr val="dk1">
-                    <a:alpha val="40000"/>
-                  </a:schemeClr>
-                </a:outerShdw>
-              </a:effectLst>
-            </a:endParaRPr>
           </a:p>
         </p:txBody>
       </p:sp>
@@ -5275,10 +5290,18 @@
           <a:lstStyle/>
           <a:p>
             <a:fld id="{91E15A72-4311-4D48-8139-6724A1CBFEF9}" type="slidenum">
-              <a:rPr lang="en-US" smtClean="0"/>
+              <a:rPr lang="en-US" smtClean="0">
+                <a:solidFill>
+                  <a:schemeClr val="tx1"/>
+                </a:solidFill>
+              </a:rPr>
               <a:t>2</a:t>
             </a:fld>
-            <a:endParaRPr lang="en-US"/>
+            <a:endParaRPr lang="en-US" dirty="0">
+              <a:solidFill>
+                <a:schemeClr val="tx1"/>
+              </a:solidFill>
+            </a:endParaRPr>
           </a:p>
         </p:txBody>
       </p:sp>
@@ -5571,52 +5594,6 @@
       </p:pic>
       <p:sp>
         <p:nvSpPr>
-          <p:cNvPr id="2" name="Title 1">
-            <a:extLst>
-              <a:ext uri="{FF2B5EF4-FFF2-40B4-BE49-F238E27FC236}">
-                <a16:creationId xmlns:a16="http://schemas.microsoft.com/office/drawing/2014/main" id="{F45BAF2C-CED9-9EBB-057B-F1744698A108}"/>
-              </a:ext>
-            </a:extLst>
-          </p:cNvPr>
-          <p:cNvSpPr>
-            <a:spLocks noGrp="1"/>
-          </p:cNvSpPr>
-          <p:nvPr>
-            <p:ph type="title"/>
-          </p:nvPr>
-        </p:nvSpPr>
-        <p:spPr/>
-        <p:txBody>
-          <a:bodyPr/>
-          <a:lstStyle/>
-          <a:p>
-            <a:r>
-              <a:rPr lang="en-US" altLang="zh-CN" b="1" dirty="0">
-                <a:latin typeface="Arial" panose="020B0604020202020204" pitchFamily="34" charset="0"/>
-                <a:cs typeface="Arial" panose="020B0604020202020204" pitchFamily="34" charset="0"/>
-              </a:rPr>
-              <a:t>Business</a:t>
-            </a:r>
-            <a:r>
-              <a:rPr lang="en-US" altLang="zh-CN" b="1" dirty="0"/>
-              <a:t> </a:t>
-            </a:r>
-            <a:r>
-              <a:rPr lang="en-US" altLang="zh-CN" b="1" dirty="0">
-                <a:latin typeface="Arial" panose="020B0604020202020204" pitchFamily="34" charset="0"/>
-                <a:cs typeface="Arial" panose="020B0604020202020204" pitchFamily="34" charset="0"/>
-              </a:rPr>
-              <a:t>Model</a:t>
-            </a:r>
-            <a:endParaRPr lang="zh-CN" altLang="en-US" b="1" dirty="0">
-              <a:latin typeface="Arial" panose="020B0604020202020204" pitchFamily="34" charset="0"/>
-              <a:cs typeface="Arial" panose="020B0604020202020204" pitchFamily="34" charset="0"/>
-            </a:endParaRPr>
-          </a:p>
-        </p:txBody>
-      </p:sp>
-      <p:sp>
-        <p:nvSpPr>
           <p:cNvPr id="4" name="Slide Number Placeholder 3">
             <a:extLst>
               <a:ext uri="{FF2B5EF4-FFF2-40B4-BE49-F238E27FC236}">
@@ -5637,10 +5614,18 @@
           <a:lstStyle/>
           <a:p>
             <a:fld id="{91E15A72-4311-4D48-8139-6724A1CBFEF9}" type="slidenum">
-              <a:rPr lang="en-US" smtClean="0"/>
+              <a:rPr lang="en-US" smtClean="0">
+                <a:solidFill>
+                  <a:schemeClr val="tx1"/>
+                </a:solidFill>
+              </a:rPr>
               <a:t>3</a:t>
             </a:fld>
-            <a:endParaRPr lang="en-US"/>
+            <a:endParaRPr lang="en-US" dirty="0">
+              <a:solidFill>
+                <a:schemeClr val="tx1"/>
+              </a:solidFill>
+            </a:endParaRPr>
           </a:p>
         </p:txBody>
       </p:sp>
@@ -5673,8 +5658,12 @@
           <a:lstStyle/>
           <a:p>
             <a:r>
+              <a:rPr lang="en-US" altLang="zh-CN" b="1" dirty="0"/>
+              <a:t>B2C</a:t>
+            </a:r>
+            <a:r>
               <a:rPr lang="en-US" altLang="zh-CN" dirty="0"/>
-              <a:t>B2B (Business to Customer)</a:t>
+              <a:t> (Business to Customer)</a:t>
             </a:r>
             <a:endParaRPr lang="zh-CN" altLang="en-US" dirty="0"/>
           </a:p>
@@ -5709,8 +5698,12 @@
           <a:lstStyle/>
           <a:p>
             <a:r>
+              <a:rPr lang="en-US" altLang="zh-CN" b="1" dirty="0"/>
+              <a:t>C2C</a:t>
+            </a:r>
+            <a:r>
               <a:rPr lang="en-US" altLang="zh-CN" dirty="0"/>
-              <a:t>C2C (Customer to Customer)</a:t>
+              <a:t> (Customer to Customer)</a:t>
             </a:r>
             <a:endParaRPr lang="zh-CN" altLang="en-US" dirty="0"/>
           </a:p>
@@ -6087,6 +6080,77 @@
               <a:latin typeface="Arial" panose="020B0604020202020204" pitchFamily="34" charset="0"/>
               <a:cs typeface="Arial" panose="020B0604020202020204" pitchFamily="34" charset="0"/>
             </a:endParaRPr>
+          </a:p>
+        </p:txBody>
+      </p:sp>
+      <p:sp>
+        <p:nvSpPr>
+          <p:cNvPr id="15" name="矩形 14">
+            <a:extLst>
+              <a:ext uri="{FF2B5EF4-FFF2-40B4-BE49-F238E27FC236}">
+                <a16:creationId xmlns:a16="http://schemas.microsoft.com/office/drawing/2014/main" id="{E758A9B9-77ED-0A41-FC37-BEBEE93163EB}"/>
+              </a:ext>
+            </a:extLst>
+          </p:cNvPr>
+          <p:cNvSpPr/>
+          <p:nvPr/>
+        </p:nvSpPr>
+        <p:spPr>
+          <a:xfrm>
+            <a:off x="337912" y="291947"/>
+            <a:ext cx="4482317" cy="769441"/>
+          </a:xfrm>
+          <a:prstGeom prst="rect">
+            <a:avLst/>
+          </a:prstGeom>
+          <a:noFill/>
+        </p:spPr>
+        <p:txBody>
+          <a:bodyPr wrap="none" lIns="91440" tIns="45720" rIns="91440" bIns="45720">
+            <a:spAutoFit/>
+          </a:bodyPr>
+          <a:lstStyle/>
+          <a:p>
+            <a:r>
+              <a:rPr lang="en-US" altLang="zh-CN" sz="4400" b="1" dirty="0">
+                <a:latin typeface="Arial" panose="020B0604020202020204" pitchFamily="34" charset="0"/>
+                <a:cs typeface="Arial" panose="020B0604020202020204" pitchFamily="34" charset="0"/>
+              </a:rPr>
+              <a:t>Business Model</a:t>
+            </a:r>
+            <a:endParaRPr lang="zh-CN" altLang="en-US" sz="4400" b="1" cap="none" spc="0" dirty="0">
+              <a:ln w="0"/>
+              <a:solidFill>
+                <a:schemeClr val="tx1"/>
+              </a:solidFill>
+              <a:latin typeface="Arial" panose="020B0604020202020204" pitchFamily="34" charset="0"/>
+              <a:cs typeface="Arial" panose="020B0604020202020204" pitchFamily="34" charset="0"/>
+            </a:endParaRPr>
+          </a:p>
+        </p:txBody>
+      </p:sp>
+      <p:sp>
+        <p:nvSpPr>
+          <p:cNvPr id="20" name="标题 19">
+            <a:extLst>
+              <a:ext uri="{FF2B5EF4-FFF2-40B4-BE49-F238E27FC236}">
+                <a16:creationId xmlns:a16="http://schemas.microsoft.com/office/drawing/2014/main" id="{9BDA0CD7-455A-F965-CA91-9D8B2DF6047D}"/>
+              </a:ext>
+            </a:extLst>
+          </p:cNvPr>
+          <p:cNvSpPr>
+            <a:spLocks noGrp="1"/>
+          </p:cNvSpPr>
+          <p:nvPr>
+            <p:ph type="title"/>
+          </p:nvPr>
+        </p:nvSpPr>
+        <p:spPr/>
+        <p:txBody>
+          <a:bodyPr/>
+          <a:lstStyle/>
+          <a:p>
+            <a:endParaRPr lang="en-US" dirty="0"/>
           </a:p>
         </p:txBody>
       </p:sp>
@@ -6406,41 +6470,6 @@
           <a:chExt cx="0" cy="0"/>
         </a:xfrm>
       </p:grpSpPr>
-      <p:sp>
-        <p:nvSpPr>
-          <p:cNvPr id="2" name="Title 1">
-            <a:extLst>
-              <a:ext uri="{FF2B5EF4-FFF2-40B4-BE49-F238E27FC236}">
-                <a16:creationId xmlns:a16="http://schemas.microsoft.com/office/drawing/2014/main" id="{F45BAF2C-CED9-9EBB-057B-F1744698A108}"/>
-              </a:ext>
-            </a:extLst>
-          </p:cNvPr>
-          <p:cNvSpPr>
-            <a:spLocks noGrp="1"/>
-          </p:cNvSpPr>
-          <p:nvPr>
-            <p:ph type="title"/>
-          </p:nvPr>
-        </p:nvSpPr>
-        <p:spPr/>
-        <p:txBody>
-          <a:bodyPr/>
-          <a:lstStyle/>
-          <a:p>
-            <a:r>
-              <a:rPr lang="en-US" altLang="zh-CN" b="1" dirty="0">
-                <a:latin typeface="Arial" panose="020B0604020202020204" pitchFamily="34" charset="0"/>
-                <a:cs typeface="Arial" panose="020B0604020202020204" pitchFamily="34" charset="0"/>
-              </a:rPr>
-              <a:t>Seller Center</a:t>
-            </a:r>
-            <a:endParaRPr lang="zh-CN" altLang="en-US" b="1" dirty="0">
-              <a:latin typeface="Arial" panose="020B0604020202020204" pitchFamily="34" charset="0"/>
-              <a:cs typeface="Arial" panose="020B0604020202020204" pitchFamily="34" charset="0"/>
-            </a:endParaRPr>
-          </a:p>
-        </p:txBody>
-      </p:sp>
       <p:pic>
         <p:nvPicPr>
           <p:cNvPr id="6" name="Content Placeholder 5">
@@ -6498,10 +6527,18 @@
           <a:lstStyle/>
           <a:p>
             <a:fld id="{91E15A72-4311-4D48-8139-6724A1CBFEF9}" type="slidenum">
-              <a:rPr lang="en-US" smtClean="0"/>
+              <a:rPr lang="en-US" smtClean="0">
+                <a:solidFill>
+                  <a:schemeClr val="tx1"/>
+                </a:solidFill>
+              </a:rPr>
               <a:t>4</a:t>
             </a:fld>
-            <a:endParaRPr lang="en-US"/>
+            <a:endParaRPr lang="en-US" dirty="0">
+              <a:solidFill>
+                <a:schemeClr val="tx1"/>
+              </a:solidFill>
+            </a:endParaRPr>
           </a:p>
         </p:txBody>
       </p:sp>
@@ -6534,13 +6571,27 @@
           <a:lstStyle/>
           <a:p>
             <a:r>
+              <a:rPr lang="en-US" altLang="zh-CN" dirty="0">
+                <a:latin typeface="Arial" panose="020B0604020202020204" pitchFamily="34" charset="0"/>
+                <a:cs typeface="Arial" panose="020B0604020202020204" pitchFamily="34" charset="0"/>
+              </a:rPr>
+              <a:t>Provide a user-friendly interface especially for sellers in </a:t>
+            </a:r>
+            <a:r>
               <a:rPr lang="en-US" altLang="zh-CN" b="1" dirty="0">
                 <a:latin typeface="Arial" panose="020B0604020202020204" pitchFamily="34" charset="0"/>
                 <a:cs typeface="Arial" panose="020B0604020202020204" pitchFamily="34" charset="0"/>
               </a:rPr>
-              <a:t>Provide a user-friendly interface especially for sellers in C2C business model</a:t>
-            </a:r>
-            <a:endParaRPr lang="zh-CN" altLang="en-US" b="1" dirty="0">
+              <a:t>C2C</a:t>
+            </a:r>
+            <a:r>
+              <a:rPr lang="en-US" altLang="zh-CN" dirty="0">
+                <a:latin typeface="Arial" panose="020B0604020202020204" pitchFamily="34" charset="0"/>
+                <a:cs typeface="Arial" panose="020B0604020202020204" pitchFamily="34" charset="0"/>
+              </a:rPr>
+              <a:t> business model</a:t>
+            </a:r>
+            <a:endParaRPr lang="zh-CN" altLang="en-US" dirty="0">
               <a:latin typeface="Arial" panose="020B0604020202020204" pitchFamily="34" charset="0"/>
               <a:cs typeface="Arial" panose="020B0604020202020204" pitchFamily="34" charset="0"/>
             </a:endParaRPr>
@@ -6587,6 +6638,84 @@
               <a:latin typeface="Arial" panose="020B0604020202020204" pitchFamily="34" charset="0"/>
               <a:cs typeface="Arial" panose="020B0604020202020204" pitchFamily="34" charset="0"/>
             </a:endParaRPr>
+          </a:p>
+        </p:txBody>
+      </p:sp>
+      <p:sp>
+        <p:nvSpPr>
+          <p:cNvPr id="11" name="矩形 10">
+            <a:extLst>
+              <a:ext uri="{FF2B5EF4-FFF2-40B4-BE49-F238E27FC236}">
+                <a16:creationId xmlns:a16="http://schemas.microsoft.com/office/drawing/2014/main" id="{538C7DDB-43D1-B63A-BE63-BDBDD8D88348}"/>
+              </a:ext>
+            </a:extLst>
+          </p:cNvPr>
+          <p:cNvSpPr/>
+          <p:nvPr/>
+        </p:nvSpPr>
+        <p:spPr>
+          <a:xfrm>
+            <a:off x="337912" y="291947"/>
+            <a:ext cx="7266733" cy="769441"/>
+          </a:xfrm>
+          <a:prstGeom prst="rect">
+            <a:avLst/>
+          </a:prstGeom>
+          <a:noFill/>
+        </p:spPr>
+        <p:txBody>
+          <a:bodyPr wrap="none" lIns="91440" tIns="45720" rIns="91440" bIns="45720">
+            <a:spAutoFit/>
+          </a:bodyPr>
+          <a:lstStyle/>
+          <a:p>
+            <a:r>
+              <a:rPr lang="en-US" altLang="zh-CN" sz="4400" b="1" dirty="0">
+                <a:latin typeface="Arial" panose="020B0604020202020204" pitchFamily="34" charset="0"/>
+                <a:cs typeface="Arial" panose="020B0604020202020204" pitchFamily="34" charset="0"/>
+              </a:rPr>
+              <a:t>Business Model </a:t>
+            </a:r>
+            <a:r>
+              <a:rPr lang="en-US" altLang="zh-CN" sz="3000" b="1" dirty="0">
+                <a:latin typeface="Arial" panose="020B0604020202020204" pitchFamily="34" charset="0"/>
+                <a:cs typeface="Arial" panose="020B0604020202020204" pitchFamily="34" charset="0"/>
+              </a:rPr>
+              <a:t>(Seller Center)</a:t>
+            </a:r>
+            <a:endParaRPr lang="zh-CN" altLang="en-US" sz="3000" b="1" cap="none" spc="0" dirty="0">
+              <a:ln w="0"/>
+              <a:solidFill>
+                <a:schemeClr val="tx1"/>
+              </a:solidFill>
+              <a:latin typeface="Arial" panose="020B0604020202020204" pitchFamily="34" charset="0"/>
+              <a:cs typeface="Arial" panose="020B0604020202020204" pitchFamily="34" charset="0"/>
+            </a:endParaRPr>
+          </a:p>
+        </p:txBody>
+      </p:sp>
+      <p:sp>
+        <p:nvSpPr>
+          <p:cNvPr id="13" name="标题 12">
+            <a:extLst>
+              <a:ext uri="{FF2B5EF4-FFF2-40B4-BE49-F238E27FC236}">
+                <a16:creationId xmlns:a16="http://schemas.microsoft.com/office/drawing/2014/main" id="{A350CFF1-9524-A2EE-75DD-ED5E2E8BA39A}"/>
+              </a:ext>
+            </a:extLst>
+          </p:cNvPr>
+          <p:cNvSpPr>
+            <a:spLocks noGrp="1"/>
+          </p:cNvSpPr>
+          <p:nvPr>
+            <p:ph type="title"/>
+          </p:nvPr>
+        </p:nvSpPr>
+        <p:spPr/>
+        <p:txBody>
+          <a:bodyPr/>
+          <a:lstStyle/>
+          <a:p>
+            <a:endParaRPr lang="en-US" dirty="0"/>
           </a:p>
         </p:txBody>
       </p:sp>
@@ -6653,81 +6782,6 @@
               <a:solidFill>
                 <a:schemeClr val="tx1"/>
               </a:solidFill>
-            </a:endParaRPr>
-          </a:p>
-        </p:txBody>
-      </p:sp>
-      <p:sp>
-        <p:nvSpPr>
-          <p:cNvPr id="5" name="矩形 4">
-            <a:extLst>
-              <a:ext uri="{FF2B5EF4-FFF2-40B4-BE49-F238E27FC236}">
-                <a16:creationId xmlns:a16="http://schemas.microsoft.com/office/drawing/2014/main" id="{683C93D4-EEFB-321F-7E75-AB5796263341}"/>
-              </a:ext>
-            </a:extLst>
-          </p:cNvPr>
-          <p:cNvSpPr/>
-          <p:nvPr/>
-        </p:nvSpPr>
-        <p:spPr>
-          <a:xfrm>
-            <a:off x="70820" y="337005"/>
-            <a:ext cx="7814896" cy="923330"/>
-          </a:xfrm>
-          <a:prstGeom prst="rect">
-            <a:avLst/>
-          </a:prstGeom>
-          <a:noFill/>
-        </p:spPr>
-        <p:txBody>
-          <a:bodyPr wrap="none" lIns="91440" tIns="45720" rIns="91440" bIns="45720">
-            <a:spAutoFit/>
-          </a:bodyPr>
-          <a:lstStyle/>
-          <a:p>
-            <a:pPr algn="ctr"/>
-            <a:r>
-              <a:rPr lang="en-US" altLang="zh-CN" sz="5400" b="1" cap="none" spc="0" dirty="0">
-                <a:ln w="0"/>
-                <a:solidFill>
-                  <a:schemeClr val="tx1"/>
-                </a:solidFill>
-                <a:latin typeface="Arial" panose="020B0604020202020204" pitchFamily="34" charset="0"/>
-                <a:cs typeface="Arial" panose="020B0604020202020204" pitchFamily="34" charset="0"/>
-              </a:rPr>
-              <a:t>Customer Q</a:t>
-            </a:r>
-            <a:r>
-              <a:rPr lang="en-US" altLang="zh-CN" sz="5400" b="1" dirty="0">
-                <a:ln w="0"/>
-                <a:latin typeface="Arial" panose="020B0604020202020204" pitchFamily="34" charset="0"/>
-                <a:cs typeface="Arial" panose="020B0604020202020204" pitchFamily="34" charset="0"/>
-              </a:rPr>
-              <a:t>&amp;A</a:t>
-            </a:r>
-            <a:r>
-              <a:rPr lang="zh-CN" altLang="en-US" sz="5400" b="1" dirty="0">
-                <a:ln w="0"/>
-                <a:latin typeface="Arial" panose="020B0604020202020204" pitchFamily="34" charset="0"/>
-                <a:cs typeface="Arial" panose="020B0604020202020204" pitchFamily="34" charset="0"/>
-              </a:rPr>
-              <a:t> </a:t>
-            </a:r>
-            <a:r>
-              <a:rPr lang="en-US" altLang="zh-CN" sz="5400" b="1" dirty="0">
-                <a:ln w="0"/>
-                <a:latin typeface="Arial" panose="020B0604020202020204" pitchFamily="34" charset="0"/>
-                <a:cs typeface="Arial" panose="020B0604020202020204" pitchFamily="34" charset="0"/>
-              </a:rPr>
-              <a:t>Feature</a:t>
-            </a:r>
-            <a:endParaRPr lang="zh-CN" altLang="en-US" sz="5400" b="1" cap="none" spc="0" dirty="0">
-              <a:ln w="0"/>
-              <a:solidFill>
-                <a:schemeClr val="tx1"/>
-              </a:solidFill>
-              <a:latin typeface="Arial" panose="020B0604020202020204" pitchFamily="34" charset="0"/>
-              <a:cs typeface="Arial" panose="020B0604020202020204" pitchFamily="34" charset="0"/>
             </a:endParaRPr>
           </a:p>
         </p:txBody>
@@ -6958,6 +7012,78 @@
           </a:effectLst>
         </p:spPr>
       </p:pic>
+      <p:sp>
+        <p:nvSpPr>
+          <p:cNvPr id="2" name="矩形 1">
+            <a:extLst>
+              <a:ext uri="{FF2B5EF4-FFF2-40B4-BE49-F238E27FC236}">
+                <a16:creationId xmlns:a16="http://schemas.microsoft.com/office/drawing/2014/main" id="{CDE4C4C4-9A71-D89E-8972-BB84A3E74426}"/>
+              </a:ext>
+            </a:extLst>
+          </p:cNvPr>
+          <p:cNvSpPr/>
+          <p:nvPr/>
+        </p:nvSpPr>
+        <p:spPr>
+          <a:xfrm>
+            <a:off x="337912" y="291947"/>
+            <a:ext cx="8874545" cy="769441"/>
+          </a:xfrm>
+          <a:prstGeom prst="rect">
+            <a:avLst/>
+          </a:prstGeom>
+          <a:noFill/>
+        </p:spPr>
+        <p:txBody>
+          <a:bodyPr wrap="none" lIns="91440" tIns="45720" rIns="91440" bIns="45720">
+            <a:spAutoFit/>
+          </a:bodyPr>
+          <a:lstStyle/>
+          <a:p>
+            <a:r>
+              <a:rPr lang="en-US" altLang="zh-CN" sz="4400" b="1" dirty="0">
+                <a:latin typeface="Arial" panose="020B0604020202020204" pitchFamily="34" charset="0"/>
+                <a:cs typeface="Arial" panose="020B0604020202020204" pitchFamily="34" charset="0"/>
+              </a:rPr>
+              <a:t>User-friendly Design </a:t>
+            </a:r>
+            <a:r>
+              <a:rPr lang="en-US" altLang="zh-CN" sz="3000" b="1" dirty="0">
+                <a:latin typeface="Arial" panose="020B0604020202020204" pitchFamily="34" charset="0"/>
+                <a:cs typeface="Arial" panose="020B0604020202020204" pitchFamily="34" charset="0"/>
+              </a:rPr>
+              <a:t>(</a:t>
+            </a:r>
+            <a:r>
+              <a:rPr lang="en-US" altLang="zh-CN" sz="3000" b="1" cap="none" spc="0" dirty="0">
+                <a:ln w="0"/>
+                <a:solidFill>
+                  <a:schemeClr val="tx1"/>
+                </a:solidFill>
+                <a:latin typeface="Arial" panose="020B0604020202020204" pitchFamily="34" charset="0"/>
+                <a:cs typeface="Arial" panose="020B0604020202020204" pitchFamily="34" charset="0"/>
+              </a:rPr>
+              <a:t>Customer Q</a:t>
+            </a:r>
+            <a:r>
+              <a:rPr lang="en-US" altLang="zh-CN" sz="3000" b="1" dirty="0">
+                <a:ln w="0"/>
+                <a:latin typeface="Arial" panose="020B0604020202020204" pitchFamily="34" charset="0"/>
+                <a:cs typeface="Arial" panose="020B0604020202020204" pitchFamily="34" charset="0"/>
+              </a:rPr>
+              <a:t>&amp;A)</a:t>
+            </a:r>
+            <a:endParaRPr lang="zh-CN" altLang="en-US" sz="3000" b="1" cap="none" spc="0" dirty="0">
+              <a:ln w="0"/>
+              <a:solidFill>
+                <a:schemeClr val="tx1"/>
+              </a:solidFill>
+              <a:latin typeface="Arial" panose="020B0604020202020204" pitchFamily="34" charset="0"/>
+              <a:cs typeface="Arial" panose="020B0604020202020204" pitchFamily="34" charset="0"/>
+            </a:endParaRPr>
+          </a:p>
+        </p:txBody>
+      </p:sp>
     </p:spTree>
     <p:extLst>
       <p:ext uri="{BB962C8B-B14F-4D97-AF65-F5344CB8AC3E}">
@@ -6988,118 +7114,6 @@
           <a:chExt cx="0" cy="0"/>
         </a:xfrm>
       </p:grpSpPr>
-      <p:sp>
-        <p:nvSpPr>
-          <p:cNvPr id="2" name="灯片编号占位符 1">
-            <a:extLst>
-              <a:ext uri="{FF2B5EF4-FFF2-40B4-BE49-F238E27FC236}">
-                <a16:creationId xmlns:a16="http://schemas.microsoft.com/office/drawing/2014/main" id="{D955D8A6-0329-C847-B9EA-91F90389563E}"/>
-              </a:ext>
-            </a:extLst>
-          </p:cNvPr>
-          <p:cNvSpPr>
-            <a:spLocks noGrp="1"/>
-          </p:cNvSpPr>
-          <p:nvPr>
-            <p:ph type="sldNum" sz="quarter" idx="12"/>
-          </p:nvPr>
-        </p:nvSpPr>
-        <p:spPr/>
-        <p:txBody>
-          <a:bodyPr/>
-          <a:lstStyle/>
-          <a:p>
-            <a:fld id="{91E15A72-4311-4D48-8139-6724A1CBFEF9}" type="slidenum">
-              <a:rPr lang="en-US" smtClean="0">
-                <a:solidFill>
-                  <a:schemeClr val="tx1"/>
-                </a:solidFill>
-              </a:rPr>
-              <a:t>6</a:t>
-            </a:fld>
-            <a:endParaRPr lang="en-US" dirty="0">
-              <a:solidFill>
-                <a:schemeClr val="tx1"/>
-              </a:solidFill>
-            </a:endParaRPr>
-          </a:p>
-        </p:txBody>
-      </p:sp>
-      <p:sp>
-        <p:nvSpPr>
-          <p:cNvPr id="6" name="矩形 5">
-            <a:extLst>
-              <a:ext uri="{FF2B5EF4-FFF2-40B4-BE49-F238E27FC236}">
-                <a16:creationId xmlns:a16="http://schemas.microsoft.com/office/drawing/2014/main" id="{7497DA5D-3695-6754-D3DB-B8098BF28B6E}"/>
-              </a:ext>
-            </a:extLst>
-          </p:cNvPr>
-          <p:cNvSpPr/>
-          <p:nvPr/>
-        </p:nvSpPr>
-        <p:spPr>
-          <a:xfrm>
-            <a:off x="70820" y="337005"/>
-            <a:ext cx="7814896" cy="923330"/>
-          </a:xfrm>
-          <a:prstGeom prst="rect">
-            <a:avLst/>
-          </a:prstGeom>
-          <a:noFill/>
-        </p:spPr>
-        <p:txBody>
-          <a:bodyPr wrap="none" lIns="91440" tIns="45720" rIns="91440" bIns="45720">
-            <a:spAutoFit/>
-          </a:bodyPr>
-          <a:lstStyle/>
-          <a:p>
-            <a:pPr algn="ctr"/>
-            <a:r>
-              <a:rPr lang="en-US" altLang="zh-CN" sz="5400" b="1" cap="none" spc="0" dirty="0">
-                <a:ln w="0"/>
-                <a:solidFill>
-                  <a:schemeClr val="tx1"/>
-                </a:solidFill>
-                <a:latin typeface="Arial" panose="020B0604020202020204" pitchFamily="34" charset="0"/>
-                <a:cs typeface="Arial" panose="020B0604020202020204" pitchFamily="34" charset="0"/>
-              </a:rPr>
-              <a:t>Customer Q</a:t>
-            </a:r>
-            <a:r>
-              <a:rPr lang="en-US" altLang="zh-CN" sz="5400" b="1" dirty="0">
-                <a:ln w="0"/>
-                <a:latin typeface="Arial" panose="020B0604020202020204" pitchFamily="34" charset="0"/>
-                <a:cs typeface="Arial" panose="020B0604020202020204" pitchFamily="34" charset="0"/>
-              </a:rPr>
-              <a:t>&amp;A</a:t>
-            </a:r>
-            <a:r>
-              <a:rPr lang="zh-CN" altLang="en-US" sz="5400" b="1" dirty="0">
-                <a:ln w="0"/>
-                <a:latin typeface="Arial" panose="020B0604020202020204" pitchFamily="34" charset="0"/>
-                <a:cs typeface="Arial" panose="020B0604020202020204" pitchFamily="34" charset="0"/>
-              </a:rPr>
-              <a:t> </a:t>
-            </a:r>
-            <a:r>
-              <a:rPr lang="en-US" altLang="zh-CN" sz="5400" b="1" dirty="0">
-                <a:ln w="0"/>
-                <a:latin typeface="Arial" panose="020B0604020202020204" pitchFamily="34" charset="0"/>
-                <a:cs typeface="Arial" panose="020B0604020202020204" pitchFamily="34" charset="0"/>
-              </a:rPr>
-              <a:t>Feature</a:t>
-            </a:r>
-            <a:endParaRPr lang="zh-CN" altLang="en-US" sz="5400" b="1" cap="none" spc="0" dirty="0">
-              <a:ln w="0"/>
-              <a:solidFill>
-                <a:schemeClr val="tx1"/>
-              </a:solidFill>
-              <a:latin typeface="Arial" panose="020B0604020202020204" pitchFamily="34" charset="0"/>
-              <a:cs typeface="Arial" panose="020B0604020202020204" pitchFamily="34" charset="0"/>
-            </a:endParaRPr>
-          </a:p>
-        </p:txBody>
-      </p:sp>
       <p:pic>
         <p:nvPicPr>
           <p:cNvPr id="7" name="图片 6">
@@ -7128,7 +7142,7 @@
         </p:blipFill>
         <p:spPr>
           <a:xfrm>
-            <a:off x="7336687" y="3347825"/>
+            <a:off x="7397072" y="2501587"/>
             <a:ext cx="4077269" cy="2219635"/>
           </a:xfrm>
           <a:prstGeom prst="rect">
@@ -7158,7 +7172,7 @@
         </p:blipFill>
         <p:spPr>
           <a:xfrm>
-            <a:off x="619848" y="2376374"/>
+            <a:off x="680233" y="1530136"/>
             <a:ext cx="5833416" cy="4162538"/>
           </a:xfrm>
           <a:prstGeom prst="rect">
@@ -7183,7 +7197,7 @@
         </p:nvCxnSpPr>
         <p:spPr>
           <a:xfrm>
-            <a:off x="4939432" y="2976879"/>
+            <a:off x="4999817" y="2130641"/>
             <a:ext cx="2332636" cy="1008525"/>
           </a:xfrm>
           <a:prstGeom prst="straightConnector1">
@@ -7226,7 +7240,7 @@
         </p:nvSpPr>
         <p:spPr>
           <a:xfrm>
-            <a:off x="4284116" y="2667628"/>
+            <a:off x="4344501" y="1821390"/>
             <a:ext cx="767751" cy="362310"/>
           </a:xfrm>
           <a:prstGeom prst="ellipse">
@@ -7266,10 +7280,10 @@
       </p:sp>
       <p:sp>
         <p:nvSpPr>
-          <p:cNvPr id="22" name="矩形 21">
-            <a:extLst>
-              <a:ext uri="{FF2B5EF4-FFF2-40B4-BE49-F238E27FC236}">
-                <a16:creationId xmlns:a16="http://schemas.microsoft.com/office/drawing/2014/main" id="{A167FC5D-5E7E-1FA2-B022-8AF2A909882E}"/>
+          <p:cNvPr id="4" name="矩形 3">
+            <a:extLst>
+              <a:ext uri="{FF2B5EF4-FFF2-40B4-BE49-F238E27FC236}">
+                <a16:creationId xmlns:a16="http://schemas.microsoft.com/office/drawing/2014/main" id="{9C442B6A-EC61-30D5-49EB-8A73FC3CD334}"/>
               </a:ext>
             </a:extLst>
           </p:cNvPr>
@@ -7278,8 +7292,8 @@
         </p:nvSpPr>
         <p:spPr>
           <a:xfrm>
-            <a:off x="337912" y="1578234"/>
-            <a:ext cx="5782289" cy="477054"/>
+            <a:off x="337912" y="291947"/>
+            <a:ext cx="8874545" cy="769441"/>
           </a:xfrm>
           <a:prstGeom prst="rect">
             <a:avLst/>
@@ -7292,9 +7306,22 @@
           </a:bodyPr>
           <a:lstStyle/>
           <a:p>
-            <a:pPr algn="ctr"/>
-            <a:r>
-              <a:rPr lang="en-US" altLang="zh-CN" sz="2500" b="0" cap="none" spc="0" dirty="0">
+            <a:r>
+              <a:rPr lang="en-US" altLang="zh-CN" sz="4400" b="1" dirty="0">
+                <a:latin typeface="Arial" panose="020B0604020202020204" pitchFamily="34" charset="0"/>
+                <a:cs typeface="Arial" panose="020B0604020202020204" pitchFamily="34" charset="0"/>
+              </a:rPr>
+              <a:t>User-friendly Design </a:t>
+            </a:r>
+            <a:r>
+              <a:rPr lang="en-US" altLang="zh-CN" sz="3000" b="1" dirty="0">
+                <a:latin typeface="Arial" panose="020B0604020202020204" pitchFamily="34" charset="0"/>
+                <a:cs typeface="Arial" panose="020B0604020202020204" pitchFamily="34" charset="0"/>
+              </a:rPr>
+              <a:t>(</a:t>
+            </a:r>
+            <a:r>
+              <a:rPr lang="en-US" altLang="zh-CN" sz="3000" b="1" cap="none" spc="0" dirty="0">
                 <a:ln w="0"/>
                 <a:solidFill>
                   <a:schemeClr val="tx1"/>
@@ -7302,15 +7329,137 @@
                 <a:latin typeface="Arial" panose="020B0604020202020204" pitchFamily="34" charset="0"/>
                 <a:cs typeface="Arial" panose="020B0604020202020204" pitchFamily="34" charset="0"/>
               </a:rPr>
-              <a:t>This is the Customer Q&amp;A from JD.com</a:t>
-            </a:r>
-            <a:endParaRPr lang="zh-CN" altLang="en-US" sz="2500" b="0" cap="none" spc="0" dirty="0">
+              <a:t>Customer Q</a:t>
+            </a:r>
+            <a:r>
+              <a:rPr lang="en-US" altLang="zh-CN" sz="3000" b="1" dirty="0">
+                <a:ln w="0"/>
+                <a:latin typeface="Arial" panose="020B0604020202020204" pitchFamily="34" charset="0"/>
+                <a:cs typeface="Arial" panose="020B0604020202020204" pitchFamily="34" charset="0"/>
+              </a:rPr>
+              <a:t>&amp;A)</a:t>
+            </a:r>
+            <a:endParaRPr lang="zh-CN" altLang="en-US" sz="3000" b="1" cap="none" spc="0" dirty="0">
               <a:ln w="0"/>
               <a:solidFill>
                 <a:schemeClr val="tx1"/>
               </a:solidFill>
               <a:latin typeface="Arial" panose="020B0604020202020204" pitchFamily="34" charset="0"/>
               <a:cs typeface="Arial" panose="020B0604020202020204" pitchFamily="34" charset="0"/>
+            </a:endParaRPr>
+          </a:p>
+        </p:txBody>
+      </p:sp>
+      <p:sp>
+        <p:nvSpPr>
+          <p:cNvPr id="5" name="TextBox 7">
+            <a:extLst>
+              <a:ext uri="{FF2B5EF4-FFF2-40B4-BE49-F238E27FC236}">
+                <a16:creationId xmlns:a16="http://schemas.microsoft.com/office/drawing/2014/main" id="{68ED9939-64E9-8D18-17B5-A805ECB7FFDF}"/>
+              </a:ext>
+            </a:extLst>
+          </p:cNvPr>
+          <p:cNvSpPr txBox="1"/>
+          <p:nvPr/>
+        </p:nvSpPr>
+        <p:spPr>
+          <a:xfrm>
+            <a:off x="2052533" y="5692674"/>
+            <a:ext cx="3320660" cy="307777"/>
+          </a:xfrm>
+          <a:prstGeom prst="rect">
+            <a:avLst/>
+          </a:prstGeom>
+          <a:noFill/>
+        </p:spPr>
+        <p:txBody>
+          <a:bodyPr wrap="square" rtlCol="0">
+            <a:spAutoFit/>
+          </a:bodyPr>
+          <a:lstStyle/>
+          <a:p>
+            <a:pPr algn="just"/>
+            <a:r>
+              <a:rPr lang="en-US" altLang="zh-CN" sz="1400" i="1" dirty="0">
+                <a:latin typeface="Arial" panose="020B0604020202020204" pitchFamily="34" charset="0"/>
+                <a:cs typeface="Arial" panose="020B0604020202020204" pitchFamily="34" charset="0"/>
+              </a:rPr>
+              <a:t>The </a:t>
+            </a:r>
+            <a:r>
+              <a:rPr lang="en-US" altLang="zh-CN" sz="1400" b="1" i="1" cap="none" spc="0" dirty="0">
+                <a:ln w="0"/>
+                <a:solidFill>
+                  <a:schemeClr val="tx1"/>
+                </a:solidFill>
+                <a:latin typeface="Arial" panose="020B0604020202020204" pitchFamily="34" charset="0"/>
+                <a:cs typeface="Arial" panose="020B0604020202020204" pitchFamily="34" charset="0"/>
+              </a:rPr>
+              <a:t>Customer Q&amp;A</a:t>
+            </a:r>
+            <a:r>
+              <a:rPr lang="en-US" altLang="zh-CN" sz="1400" b="0" i="1" cap="none" spc="0" dirty="0">
+                <a:ln w="0"/>
+                <a:solidFill>
+                  <a:schemeClr val="tx1"/>
+                </a:solidFill>
+                <a:latin typeface="Arial" panose="020B0604020202020204" pitchFamily="34" charset="0"/>
+                <a:cs typeface="Arial" panose="020B0604020202020204" pitchFamily="34" charset="0"/>
+              </a:rPr>
+              <a:t> of JD.com</a:t>
+            </a:r>
+            <a:r>
+              <a:rPr lang="en-US" altLang="zh-CN" sz="1400" i="1" dirty="0">
+                <a:latin typeface="Arial" panose="020B0604020202020204" pitchFamily="34" charset="0"/>
+                <a:cs typeface="Arial" panose="020B0604020202020204" pitchFamily="34" charset="0"/>
+              </a:rPr>
+              <a:t> </a:t>
+            </a:r>
+            <a:endParaRPr lang="zh-CN" altLang="en-US" sz="1400" i="1" dirty="0">
+              <a:latin typeface="Arial" panose="020B0604020202020204" pitchFamily="34" charset="0"/>
+              <a:cs typeface="Arial" panose="020B0604020202020204" pitchFamily="34" charset="0"/>
+            </a:endParaRPr>
+          </a:p>
+        </p:txBody>
+      </p:sp>
+      <p:sp>
+        <p:nvSpPr>
+          <p:cNvPr id="8" name="灯片编号占位符 1">
+            <a:extLst>
+              <a:ext uri="{FF2B5EF4-FFF2-40B4-BE49-F238E27FC236}">
+                <a16:creationId xmlns:a16="http://schemas.microsoft.com/office/drawing/2014/main" id="{D26B2C00-AC2B-FD4A-2164-894B4401DCCF}"/>
+              </a:ext>
+            </a:extLst>
+          </p:cNvPr>
+          <p:cNvSpPr>
+            <a:spLocks noGrp="1"/>
+          </p:cNvSpPr>
+          <p:nvPr>
+            <p:ph type="sldNum" sz="quarter" idx="12"/>
+          </p:nvPr>
+        </p:nvSpPr>
+        <p:spPr>
+          <a:xfrm>
+            <a:off x="8610600" y="6356350"/>
+            <a:ext cx="2743200" cy="365125"/>
+          </a:xfrm>
+        </p:spPr>
+        <p:txBody>
+          <a:bodyPr/>
+          <a:lstStyle/>
+          <a:p>
+            <a:fld id="{91E15A72-4311-4D48-8139-6724A1CBFEF9}" type="slidenum">
+              <a:rPr lang="en-US" smtClean="0">
+                <a:solidFill>
+                  <a:schemeClr val="tx1"/>
+                </a:solidFill>
+              </a:rPr>
+              <a:t>6</a:t>
+            </a:fld>
+            <a:endParaRPr lang="en-US" dirty="0">
+              <a:solidFill>
+                <a:schemeClr val="tx1"/>
+              </a:solidFill>
             </a:endParaRPr>
           </a:p>
         </p:txBody>
@@ -7382,167 +7531,6 @@
           </a:p>
         </p:txBody>
       </p:sp>
-      <p:sp>
-        <p:nvSpPr>
-          <p:cNvPr id="4" name="矩形 3">
-            <a:extLst>
-              <a:ext uri="{FF2B5EF4-FFF2-40B4-BE49-F238E27FC236}">
-                <a16:creationId xmlns:a16="http://schemas.microsoft.com/office/drawing/2014/main" id="{7B75586C-B2D8-D1C4-7848-FEF4C198A429}"/>
-              </a:ext>
-            </a:extLst>
-          </p:cNvPr>
-          <p:cNvSpPr/>
-          <p:nvPr/>
-        </p:nvSpPr>
-        <p:spPr>
-          <a:xfrm>
-            <a:off x="619848" y="337005"/>
-            <a:ext cx="6716839" cy="923330"/>
-          </a:xfrm>
-          <a:prstGeom prst="rect">
-            <a:avLst/>
-          </a:prstGeom>
-          <a:noFill/>
-        </p:spPr>
-        <p:txBody>
-          <a:bodyPr wrap="none" lIns="91440" tIns="45720" rIns="91440" bIns="45720">
-            <a:spAutoFit/>
-          </a:bodyPr>
-          <a:lstStyle/>
-          <a:p>
-            <a:pPr algn="ctr"/>
-            <a:r>
-              <a:rPr lang="en-US" altLang="zh-CN" sz="5400" b="0" cap="none" spc="0" dirty="0">
-                <a:ln w="0"/>
-                <a:solidFill>
-                  <a:schemeClr val="tx1"/>
-                </a:solidFill>
-                <a:effectLst>
-                  <a:outerShdw blurRad="38100" dist="19050" dir="2700000" algn="tl" rotWithShape="0">
-                    <a:schemeClr val="dk1">
-                      <a:alpha val="40000"/>
-                    </a:schemeClr>
-                  </a:outerShdw>
-                </a:effectLst>
-              </a:rPr>
-              <a:t>Customer Q</a:t>
-            </a:r>
-            <a:r>
-              <a:rPr lang="en-US" altLang="zh-CN" sz="5400" dirty="0">
-                <a:ln w="0"/>
-                <a:effectLst>
-                  <a:outerShdw blurRad="38100" dist="19050" dir="2700000" algn="tl" rotWithShape="0">
-                    <a:schemeClr val="dk1">
-                      <a:alpha val="40000"/>
-                    </a:schemeClr>
-                  </a:outerShdw>
-                </a:effectLst>
-              </a:rPr>
-              <a:t>&amp;A</a:t>
-            </a:r>
-            <a:r>
-              <a:rPr lang="zh-CN" altLang="en-US" sz="5400" dirty="0">
-                <a:ln w="0"/>
-                <a:effectLst>
-                  <a:outerShdw blurRad="38100" dist="19050" dir="2700000" algn="tl" rotWithShape="0">
-                    <a:schemeClr val="dk1">
-                      <a:alpha val="40000"/>
-                    </a:schemeClr>
-                  </a:outerShdw>
-                </a:effectLst>
-              </a:rPr>
-              <a:t> </a:t>
-            </a:r>
-            <a:r>
-              <a:rPr lang="en-US" altLang="zh-CN" sz="5400" dirty="0">
-                <a:ln w="0"/>
-                <a:effectLst>
-                  <a:outerShdw blurRad="38100" dist="19050" dir="2700000" algn="tl" rotWithShape="0">
-                    <a:schemeClr val="dk1">
-                      <a:alpha val="40000"/>
-                    </a:schemeClr>
-                  </a:outerShdw>
-                </a:effectLst>
-              </a:rPr>
-              <a:t>Feature</a:t>
-            </a:r>
-            <a:endParaRPr lang="zh-CN" altLang="en-US" sz="5400" b="0" cap="none" spc="0" dirty="0">
-              <a:ln w="0"/>
-              <a:solidFill>
-                <a:schemeClr val="tx1"/>
-              </a:solidFill>
-              <a:effectLst>
-                <a:outerShdw blurRad="38100" dist="19050" dir="2700000" algn="tl" rotWithShape="0">
-                  <a:schemeClr val="dk1">
-                    <a:alpha val="40000"/>
-                  </a:schemeClr>
-                </a:outerShdw>
-              </a:effectLst>
-            </a:endParaRPr>
-          </a:p>
-        </p:txBody>
-      </p:sp>
-      <p:sp>
-        <p:nvSpPr>
-          <p:cNvPr id="3" name="矩形 2">
-            <a:extLst>
-              <a:ext uri="{FF2B5EF4-FFF2-40B4-BE49-F238E27FC236}">
-                <a16:creationId xmlns:a16="http://schemas.microsoft.com/office/drawing/2014/main" id="{99596B22-3656-C2CC-08F3-8B786F3CD835}"/>
-              </a:ext>
-            </a:extLst>
-          </p:cNvPr>
-          <p:cNvSpPr/>
-          <p:nvPr/>
-        </p:nvSpPr>
-        <p:spPr>
-          <a:xfrm>
-            <a:off x="558967" y="1578234"/>
-            <a:ext cx="5340181" cy="477054"/>
-          </a:xfrm>
-          <a:prstGeom prst="rect">
-            <a:avLst/>
-          </a:prstGeom>
-          <a:noFill/>
-        </p:spPr>
-        <p:txBody>
-          <a:bodyPr wrap="none" lIns="91440" tIns="45720" rIns="91440" bIns="45720">
-            <a:spAutoFit/>
-          </a:bodyPr>
-          <a:lstStyle/>
-          <a:p>
-            <a:pPr algn="ctr"/>
-            <a:r>
-              <a:rPr lang="en-US" altLang="zh-CN" sz="2500" b="0" cap="none" spc="0" dirty="0">
-                <a:ln w="0"/>
-                <a:solidFill>
-                  <a:schemeClr val="tx1"/>
-                </a:solidFill>
-                <a:effectLst>
-                  <a:outerShdw blurRad="38100" dist="19050" dir="2700000" algn="tl" rotWithShape="0">
-                    <a:schemeClr val="dk1">
-                      <a:alpha val="40000"/>
-                    </a:schemeClr>
-                  </a:outerShdw>
-                </a:effectLst>
-              </a:rPr>
-              <a:t>This is the Customer Q&amp;A from Amazon</a:t>
-            </a:r>
-            <a:endParaRPr lang="zh-CN" altLang="en-US" sz="2500" b="0" cap="none" spc="0" dirty="0">
-              <a:ln w="0"/>
-              <a:solidFill>
-                <a:schemeClr val="tx1"/>
-              </a:solidFill>
-              <a:effectLst>
-                <a:outerShdw blurRad="38100" dist="19050" dir="2700000" algn="tl" rotWithShape="0">
-                  <a:schemeClr val="dk1">
-                    <a:alpha val="40000"/>
-                  </a:schemeClr>
-                </a:outerShdw>
-              </a:effectLst>
-            </a:endParaRPr>
-          </a:p>
-        </p:txBody>
-      </p:sp>
       <p:pic>
         <p:nvPicPr>
           <p:cNvPr id="8" name="图片 7">
@@ -7571,7 +7559,7 @@
         </p:blipFill>
         <p:spPr>
           <a:xfrm>
-            <a:off x="558967" y="2207298"/>
+            <a:off x="593473" y="1605161"/>
             <a:ext cx="7469346" cy="4258541"/>
           </a:xfrm>
           <a:prstGeom prst="rect">
@@ -7601,7 +7589,7 @@
         </p:blipFill>
         <p:spPr>
           <a:xfrm>
-            <a:off x="6622833" y="2501656"/>
+            <a:off x="6657339" y="1899519"/>
             <a:ext cx="5010200" cy="3669823"/>
           </a:xfrm>
           <a:prstGeom prst="rect">
@@ -7623,7 +7611,7 @@
         </p:nvSpPr>
         <p:spPr>
           <a:xfrm>
-            <a:off x="1519823" y="3176586"/>
+            <a:off x="1554329" y="2574449"/>
             <a:ext cx="2996579" cy="362310"/>
           </a:xfrm>
           <a:prstGeom prst="ellipse">
@@ -7678,7 +7666,7 @@
         </p:nvCxnSpPr>
         <p:spPr>
           <a:xfrm>
-            <a:off x="4516402" y="3357741"/>
+            <a:off x="4550908" y="2755604"/>
             <a:ext cx="1953409" cy="248101"/>
           </a:xfrm>
           <a:prstGeom prst="straightConnector1">
@@ -7707,6 +7695,143 @@
           </a:fontRef>
         </p:style>
       </p:cxnSp>
+      <p:sp>
+        <p:nvSpPr>
+          <p:cNvPr id="7" name="矩形 6">
+            <a:extLst>
+              <a:ext uri="{FF2B5EF4-FFF2-40B4-BE49-F238E27FC236}">
+                <a16:creationId xmlns:a16="http://schemas.microsoft.com/office/drawing/2014/main" id="{459E1951-0464-407D-BE0C-7F310C7FA7EB}"/>
+              </a:ext>
+            </a:extLst>
+          </p:cNvPr>
+          <p:cNvSpPr/>
+          <p:nvPr/>
+        </p:nvSpPr>
+        <p:spPr>
+          <a:xfrm>
+            <a:off x="337912" y="291947"/>
+            <a:ext cx="8874545" cy="769441"/>
+          </a:xfrm>
+          <a:prstGeom prst="rect">
+            <a:avLst/>
+          </a:prstGeom>
+          <a:noFill/>
+        </p:spPr>
+        <p:txBody>
+          <a:bodyPr wrap="none" lIns="91440" tIns="45720" rIns="91440" bIns="45720">
+            <a:spAutoFit/>
+          </a:bodyPr>
+          <a:lstStyle/>
+          <a:p>
+            <a:r>
+              <a:rPr lang="en-US" altLang="zh-CN" sz="4400" b="1" dirty="0">
+                <a:latin typeface="Arial" panose="020B0604020202020204" pitchFamily="34" charset="0"/>
+                <a:cs typeface="Arial" panose="020B0604020202020204" pitchFamily="34" charset="0"/>
+              </a:rPr>
+              <a:t>User-friendly Design </a:t>
+            </a:r>
+            <a:r>
+              <a:rPr lang="en-US" altLang="zh-CN" sz="3000" b="1" dirty="0">
+                <a:latin typeface="Arial" panose="020B0604020202020204" pitchFamily="34" charset="0"/>
+                <a:cs typeface="Arial" panose="020B0604020202020204" pitchFamily="34" charset="0"/>
+              </a:rPr>
+              <a:t>(</a:t>
+            </a:r>
+            <a:r>
+              <a:rPr lang="en-US" altLang="zh-CN" sz="3000" b="1" cap="none" spc="0" dirty="0">
+                <a:ln w="0"/>
+                <a:solidFill>
+                  <a:schemeClr val="tx1"/>
+                </a:solidFill>
+                <a:latin typeface="Arial" panose="020B0604020202020204" pitchFamily="34" charset="0"/>
+                <a:cs typeface="Arial" panose="020B0604020202020204" pitchFamily="34" charset="0"/>
+              </a:rPr>
+              <a:t>Customer Q</a:t>
+            </a:r>
+            <a:r>
+              <a:rPr lang="en-US" altLang="zh-CN" sz="3000" b="1" dirty="0">
+                <a:ln w="0"/>
+                <a:latin typeface="Arial" panose="020B0604020202020204" pitchFamily="34" charset="0"/>
+                <a:cs typeface="Arial" panose="020B0604020202020204" pitchFamily="34" charset="0"/>
+              </a:rPr>
+              <a:t>&amp;A)</a:t>
+            </a:r>
+            <a:endParaRPr lang="zh-CN" altLang="en-US" sz="3000" b="1" cap="none" spc="0" dirty="0">
+              <a:ln w="0"/>
+              <a:solidFill>
+                <a:schemeClr val="tx1"/>
+              </a:solidFill>
+              <a:latin typeface="Arial" panose="020B0604020202020204" pitchFamily="34" charset="0"/>
+              <a:cs typeface="Arial" panose="020B0604020202020204" pitchFamily="34" charset="0"/>
+            </a:endParaRPr>
+          </a:p>
+        </p:txBody>
+      </p:sp>
+      <p:sp>
+        <p:nvSpPr>
+          <p:cNvPr id="11" name="TextBox 7">
+            <a:extLst>
+              <a:ext uri="{FF2B5EF4-FFF2-40B4-BE49-F238E27FC236}">
+                <a16:creationId xmlns:a16="http://schemas.microsoft.com/office/drawing/2014/main" id="{00531043-40CC-2F8B-D61A-526D6FAE3E8D}"/>
+              </a:ext>
+            </a:extLst>
+          </p:cNvPr>
+          <p:cNvSpPr txBox="1"/>
+          <p:nvPr/>
+        </p:nvSpPr>
+        <p:spPr>
+          <a:xfrm>
+            <a:off x="1702788" y="5890968"/>
+            <a:ext cx="3320660" cy="307777"/>
+          </a:xfrm>
+          <a:prstGeom prst="rect">
+            <a:avLst/>
+          </a:prstGeom>
+          <a:noFill/>
+        </p:spPr>
+        <p:txBody>
+          <a:bodyPr wrap="square" rtlCol="0">
+            <a:spAutoFit/>
+          </a:bodyPr>
+          <a:lstStyle/>
+          <a:p>
+            <a:pPr algn="just"/>
+            <a:r>
+              <a:rPr lang="en-US" altLang="zh-CN" sz="1400" i="1" dirty="0">
+                <a:latin typeface="Arial" panose="020B0604020202020204" pitchFamily="34" charset="0"/>
+                <a:cs typeface="Arial" panose="020B0604020202020204" pitchFamily="34" charset="0"/>
+              </a:rPr>
+              <a:t>The </a:t>
+            </a:r>
+            <a:r>
+              <a:rPr lang="en-US" altLang="zh-CN" sz="1400" b="1" i="1" cap="none" spc="0" dirty="0">
+                <a:ln w="0"/>
+                <a:solidFill>
+                  <a:schemeClr val="tx1"/>
+                </a:solidFill>
+                <a:latin typeface="Arial" panose="020B0604020202020204" pitchFamily="34" charset="0"/>
+                <a:cs typeface="Arial" panose="020B0604020202020204" pitchFamily="34" charset="0"/>
+              </a:rPr>
+              <a:t>Customer Q&amp;A</a:t>
+            </a:r>
+            <a:r>
+              <a:rPr lang="en-US" altLang="zh-CN" sz="1400" b="0" i="1" cap="none" spc="0" dirty="0">
+                <a:ln w="0"/>
+                <a:solidFill>
+                  <a:schemeClr val="tx1"/>
+                </a:solidFill>
+                <a:latin typeface="Arial" panose="020B0604020202020204" pitchFamily="34" charset="0"/>
+                <a:cs typeface="Arial" panose="020B0604020202020204" pitchFamily="34" charset="0"/>
+              </a:rPr>
+              <a:t> of Amazon</a:t>
+            </a:r>
+            <a:endParaRPr lang="zh-CN" altLang="en-US" sz="1400" i="1" dirty="0">
+              <a:latin typeface="Arial" panose="020B0604020202020204" pitchFamily="34" charset="0"/>
+              <a:cs typeface="Arial" panose="020B0604020202020204" pitchFamily="34" charset="0"/>
+            </a:endParaRPr>
+          </a:p>
+        </p:txBody>
+      </p:sp>
     </p:spTree>
     <p:extLst>
       <p:ext uri="{BB962C8B-B14F-4D97-AF65-F5344CB8AC3E}">
@@ -7770,79 +7895,6 @@
               <a:solidFill>
                 <a:schemeClr val="tx1"/>
               </a:solidFill>
-            </a:endParaRPr>
-          </a:p>
-        </p:txBody>
-      </p:sp>
-      <p:sp>
-        <p:nvSpPr>
-          <p:cNvPr id="4" name="矩形 3">
-            <a:extLst>
-              <a:ext uri="{FF2B5EF4-FFF2-40B4-BE49-F238E27FC236}">
-                <a16:creationId xmlns:a16="http://schemas.microsoft.com/office/drawing/2014/main" id="{7310F7BA-1430-E97E-720B-AE953FB840A9}"/>
-              </a:ext>
-            </a:extLst>
-          </p:cNvPr>
-          <p:cNvSpPr/>
-          <p:nvPr/>
-        </p:nvSpPr>
-        <p:spPr>
-          <a:xfrm>
-            <a:off x="619848" y="337005"/>
-            <a:ext cx="6418745" cy="923330"/>
-          </a:xfrm>
-          <a:prstGeom prst="rect">
-            <a:avLst/>
-          </a:prstGeom>
-          <a:noFill/>
-        </p:spPr>
-        <p:txBody>
-          <a:bodyPr wrap="none" lIns="91440" tIns="45720" rIns="91440" bIns="45720">
-            <a:spAutoFit/>
-          </a:bodyPr>
-          <a:lstStyle/>
-          <a:p>
-            <a:r>
-              <a:rPr lang="en-US" altLang="zh-CN" sz="5400" b="0" cap="none" spc="0" dirty="0">
-                <a:ln w="0"/>
-                <a:solidFill>
-                  <a:schemeClr val="tx1"/>
-                </a:solidFill>
-                <a:effectLst>
-                  <a:outerShdw blurRad="38100" dist="19050" dir="2700000" algn="tl" rotWithShape="0">
-                    <a:schemeClr val="dk1">
-                      <a:alpha val="40000"/>
-                    </a:schemeClr>
-                  </a:outerShdw>
-                </a:effectLst>
-              </a:rPr>
-              <a:t>Sidebar Shopping </a:t>
-            </a:r>
-            <a:r>
-              <a:rPr lang="en-US" altLang="zh-CN" sz="5400" dirty="0">
-                <a:ln w="0"/>
-                <a:effectLst>
-                  <a:outerShdw blurRad="38100" dist="19050" dir="2700000" algn="tl" rotWithShape="0">
-                    <a:schemeClr val="dk1">
-                      <a:alpha val="40000"/>
-                    </a:schemeClr>
-                  </a:outerShdw>
-                </a:effectLst>
-              </a:rPr>
-              <a:t>Cart</a:t>
-            </a:r>
-            <a:endParaRPr lang="zh-CN" altLang="en-US" sz="5400" b="0" cap="none" spc="0" dirty="0">
-              <a:ln w="0"/>
-              <a:solidFill>
-                <a:schemeClr val="tx1"/>
-              </a:solidFill>
-              <a:effectLst>
-                <a:outerShdw blurRad="38100" dist="19050" dir="2700000" algn="tl" rotWithShape="0">
-                  <a:schemeClr val="dk1">
-                    <a:alpha val="40000"/>
-                  </a:schemeClr>
-                </a:outerShdw>
-              </a:effectLst>
             </a:endParaRPr>
           </a:p>
         </p:txBody>
@@ -8142,6 +8194,78 @@
           </a:extLst>
         </p:spPr>
       </p:pic>
+      <p:sp>
+        <p:nvSpPr>
+          <p:cNvPr id="3" name="矩形 2">
+            <a:extLst>
+              <a:ext uri="{FF2B5EF4-FFF2-40B4-BE49-F238E27FC236}">
+                <a16:creationId xmlns:a16="http://schemas.microsoft.com/office/drawing/2014/main" id="{B8359975-C4F2-978F-6FA2-42E0E1F41173}"/>
+              </a:ext>
+            </a:extLst>
+          </p:cNvPr>
+          <p:cNvSpPr/>
+          <p:nvPr/>
+        </p:nvSpPr>
+        <p:spPr>
+          <a:xfrm>
+            <a:off x="337912" y="291947"/>
+            <a:ext cx="10289996" cy="769441"/>
+          </a:xfrm>
+          <a:prstGeom prst="rect">
+            <a:avLst/>
+          </a:prstGeom>
+          <a:noFill/>
+        </p:spPr>
+        <p:txBody>
+          <a:bodyPr wrap="none" lIns="91440" tIns="45720" rIns="91440" bIns="45720">
+            <a:spAutoFit/>
+          </a:bodyPr>
+          <a:lstStyle/>
+          <a:p>
+            <a:r>
+              <a:rPr lang="en-US" altLang="zh-CN" sz="4400" b="1" dirty="0">
+                <a:latin typeface="Arial" panose="020B0604020202020204" pitchFamily="34" charset="0"/>
+                <a:cs typeface="Arial" panose="020B0604020202020204" pitchFamily="34" charset="0"/>
+              </a:rPr>
+              <a:t>User-friendly Design </a:t>
+            </a:r>
+            <a:r>
+              <a:rPr lang="en-US" altLang="zh-CN" sz="3000" b="1" dirty="0">
+                <a:latin typeface="Arial" panose="020B0604020202020204" pitchFamily="34" charset="0"/>
+                <a:cs typeface="Arial" panose="020B0604020202020204" pitchFamily="34" charset="0"/>
+              </a:rPr>
+              <a:t>(</a:t>
+            </a:r>
+            <a:r>
+              <a:rPr lang="en-US" altLang="zh-CN" sz="3000" b="1" cap="none" spc="0" dirty="0">
+                <a:ln w="0"/>
+                <a:solidFill>
+                  <a:schemeClr val="tx1"/>
+                </a:solidFill>
+                <a:latin typeface="Arial" panose="020B0604020202020204" pitchFamily="34" charset="0"/>
+                <a:cs typeface="Arial" panose="020B0604020202020204" pitchFamily="34" charset="0"/>
+              </a:rPr>
+              <a:t>Sidebar Shopping Cart</a:t>
+            </a:r>
+            <a:r>
+              <a:rPr lang="en-US" altLang="zh-CN" sz="3000" b="1" dirty="0">
+                <a:ln w="0"/>
+                <a:latin typeface="Arial" panose="020B0604020202020204" pitchFamily="34" charset="0"/>
+                <a:cs typeface="Arial" panose="020B0604020202020204" pitchFamily="34" charset="0"/>
+              </a:rPr>
+              <a:t>)</a:t>
+            </a:r>
+            <a:endParaRPr lang="zh-CN" altLang="en-US" sz="3000" b="1" cap="none" spc="0" dirty="0">
+              <a:ln w="0"/>
+              <a:solidFill>
+                <a:schemeClr val="tx1"/>
+              </a:solidFill>
+              <a:latin typeface="Arial" panose="020B0604020202020204" pitchFamily="34" charset="0"/>
+              <a:cs typeface="Arial" panose="020B0604020202020204" pitchFamily="34" charset="0"/>
+            </a:endParaRPr>
+          </a:p>
+        </p:txBody>
+      </p:sp>
     </p:spTree>
     <p:extLst>
       <p:ext uri="{BB962C8B-B14F-4D97-AF65-F5344CB8AC3E}">
@@ -8231,7 +8355,7 @@
         </p:blipFill>
         <p:spPr>
           <a:xfrm>
-            <a:off x="6042091" y="2674187"/>
+            <a:off x="6050718" y="1765105"/>
             <a:ext cx="5522472" cy="3441520"/>
           </a:xfrm>
           <a:prstGeom prst="rect">
@@ -8261,7 +8385,7 @@
         </p:blipFill>
         <p:spPr>
           <a:xfrm>
-            <a:off x="619848" y="2674187"/>
+            <a:off x="628475" y="1765105"/>
             <a:ext cx="4927542" cy="3441520"/>
           </a:xfrm>
           <a:prstGeom prst="rect">
@@ -8283,7 +8407,7 @@
         </p:nvSpPr>
         <p:spPr>
           <a:xfrm>
-            <a:off x="4365001" y="2605071"/>
+            <a:off x="4373628" y="1695989"/>
             <a:ext cx="1276141" cy="3579751"/>
           </a:xfrm>
           <a:prstGeom prst="roundRect">
@@ -8335,7 +8459,7 @@
         </p:nvSpPr>
         <p:spPr>
           <a:xfrm>
-            <a:off x="10545528" y="2605071"/>
+            <a:off x="10554155" y="1695989"/>
             <a:ext cx="1105299" cy="3579751"/>
           </a:xfrm>
           <a:prstGeom prst="roundRect">
@@ -8375,10 +8499,10 @@
       </p:sp>
       <p:sp>
         <p:nvSpPr>
-          <p:cNvPr id="13" name="矩形 12">
-            <a:extLst>
-              <a:ext uri="{FF2B5EF4-FFF2-40B4-BE49-F238E27FC236}">
-                <a16:creationId xmlns:a16="http://schemas.microsoft.com/office/drawing/2014/main" id="{441F39FC-3989-B43D-5E6C-E9DBBA02C6BA}"/>
+          <p:cNvPr id="3" name="矩形 2">
+            <a:extLst>
+              <a:ext uri="{FF2B5EF4-FFF2-40B4-BE49-F238E27FC236}">
+                <a16:creationId xmlns:a16="http://schemas.microsoft.com/office/drawing/2014/main" id="{C4E7DD7E-9921-E7ED-B77B-A86F3A289D22}"/>
               </a:ext>
             </a:extLst>
           </p:cNvPr>
@@ -8387,8 +8511,8 @@
         </p:nvSpPr>
         <p:spPr>
           <a:xfrm>
-            <a:off x="619848" y="337005"/>
-            <a:ext cx="6418745" cy="923330"/>
+            <a:off x="337912" y="291947"/>
+            <a:ext cx="10289996" cy="769441"/>
           </a:xfrm>
           <a:prstGeom prst="rect">
             <a:avLst/>
@@ -8402,7 +8526,87 @@
           <a:lstStyle/>
           <a:p>
             <a:r>
-              <a:rPr lang="en-US" altLang="zh-CN" sz="5400" b="0" cap="none" spc="0" dirty="0">
+              <a:rPr lang="en-US" altLang="zh-CN" sz="4400" b="1" dirty="0">
+                <a:latin typeface="Arial" panose="020B0604020202020204" pitchFamily="34" charset="0"/>
+                <a:cs typeface="Arial" panose="020B0604020202020204" pitchFamily="34" charset="0"/>
+              </a:rPr>
+              <a:t>User-friendly Design </a:t>
+            </a:r>
+            <a:r>
+              <a:rPr lang="en-US" altLang="zh-CN" sz="3000" b="1" dirty="0">
+                <a:latin typeface="Arial" panose="020B0604020202020204" pitchFamily="34" charset="0"/>
+                <a:cs typeface="Arial" panose="020B0604020202020204" pitchFamily="34" charset="0"/>
+              </a:rPr>
+              <a:t>(</a:t>
+            </a:r>
+            <a:r>
+              <a:rPr lang="en-US" altLang="zh-CN" sz="3000" b="1" cap="none" spc="0" dirty="0">
+                <a:ln w="0"/>
+                <a:solidFill>
+                  <a:schemeClr val="tx1"/>
+                </a:solidFill>
+                <a:latin typeface="Arial" panose="020B0604020202020204" pitchFamily="34" charset="0"/>
+                <a:cs typeface="Arial" panose="020B0604020202020204" pitchFamily="34" charset="0"/>
+              </a:rPr>
+              <a:t>Sidebar Shopping Cart</a:t>
+            </a:r>
+            <a:r>
+              <a:rPr lang="en-US" altLang="zh-CN" sz="3000" b="1" dirty="0">
+                <a:ln w="0"/>
+                <a:latin typeface="Arial" panose="020B0604020202020204" pitchFamily="34" charset="0"/>
+                <a:cs typeface="Arial" panose="020B0604020202020204" pitchFamily="34" charset="0"/>
+              </a:rPr>
+              <a:t>)</a:t>
+            </a:r>
+            <a:endParaRPr lang="zh-CN" altLang="en-US" sz="3000" b="1" cap="none" spc="0" dirty="0">
+              <a:ln w="0"/>
+              <a:solidFill>
+                <a:schemeClr val="tx1"/>
+              </a:solidFill>
+              <a:latin typeface="Arial" panose="020B0604020202020204" pitchFamily="34" charset="0"/>
+              <a:cs typeface="Arial" panose="020B0604020202020204" pitchFamily="34" charset="0"/>
+            </a:endParaRPr>
+          </a:p>
+        </p:txBody>
+      </p:sp>
+      <p:sp>
+        <p:nvSpPr>
+          <p:cNvPr id="4" name="TextBox 7">
+            <a:extLst>
+              <a:ext uri="{FF2B5EF4-FFF2-40B4-BE49-F238E27FC236}">
+                <a16:creationId xmlns:a16="http://schemas.microsoft.com/office/drawing/2014/main" id="{A7AC9B38-4752-0936-F043-E24D6BD27B54}"/>
+              </a:ext>
+            </a:extLst>
+          </p:cNvPr>
+          <p:cNvSpPr txBox="1"/>
+          <p:nvPr/>
+        </p:nvSpPr>
+        <p:spPr>
+          <a:xfrm>
+            <a:off x="1190375" y="5379430"/>
+            <a:ext cx="3320660" cy="307777"/>
+          </a:xfrm>
+          <a:prstGeom prst="rect">
+            <a:avLst/>
+          </a:prstGeom>
+          <a:noFill/>
+        </p:spPr>
+        <p:txBody>
+          <a:bodyPr wrap="square" rtlCol="0">
+            <a:spAutoFit/>
+          </a:bodyPr>
+          <a:lstStyle/>
+          <a:p>
+            <a:pPr algn="just"/>
+            <a:r>
+              <a:rPr lang="en-US" altLang="zh-CN" sz="1400" i="1" dirty="0">
+                <a:latin typeface="Arial" panose="020B0604020202020204" pitchFamily="34" charset="0"/>
+                <a:cs typeface="Arial" panose="020B0604020202020204" pitchFamily="34" charset="0"/>
+              </a:rPr>
+              <a:t>The </a:t>
+            </a:r>
+            <a:r>
+              <a:rPr lang="en-US" altLang="zh-CN" sz="1400" b="1" i="1" cap="none" spc="0" dirty="0">
                 <a:ln w="0"/>
                 <a:solidFill>
                   <a:schemeClr val="tx1"/>
@@ -8414,54 +8618,52 @@
                     </a:schemeClr>
                   </a:outerShdw>
                 </a:effectLst>
+                <a:latin typeface="Arial" panose="020B0604020202020204" pitchFamily="34" charset="0"/>
+                <a:cs typeface="Arial" panose="020B0604020202020204" pitchFamily="34" charset="0"/>
               </a:rPr>
-              <a:t>Sidebar Shopping </a:t>
-            </a:r>
-            <a:r>
-              <a:rPr lang="en-US" altLang="zh-CN" sz="5400" dirty="0">
+              <a:t>sidebar shopping cart</a:t>
+            </a:r>
+            <a:r>
+              <a:rPr lang="en-US" altLang="zh-CN" sz="1400" b="0" i="1" cap="none" spc="0" dirty="0">
                 <a:ln w="0"/>
-                <a:effectLst>
-                  <a:outerShdw blurRad="38100" dist="19050" dir="2700000" algn="tl" rotWithShape="0">
-                    <a:schemeClr val="dk1">
-                      <a:alpha val="40000"/>
-                    </a:schemeClr>
-                  </a:outerShdw>
-                </a:effectLst>
+                <a:solidFill>
+                  <a:schemeClr val="tx1"/>
+                </a:solidFill>
+                <a:latin typeface="Arial" panose="020B0604020202020204" pitchFamily="34" charset="0"/>
+                <a:cs typeface="Arial" panose="020B0604020202020204" pitchFamily="34" charset="0"/>
               </a:rPr>
-              <a:t>Cart</a:t>
-            </a:r>
-            <a:endParaRPr lang="zh-CN" altLang="en-US" sz="5400" b="0" cap="none" spc="0" dirty="0">
-              <a:ln w="0"/>
-              <a:solidFill>
-                <a:schemeClr val="tx1"/>
-              </a:solidFill>
-              <a:effectLst>
-                <a:outerShdw blurRad="38100" dist="19050" dir="2700000" algn="tl" rotWithShape="0">
-                  <a:schemeClr val="dk1">
-                    <a:alpha val="40000"/>
-                  </a:schemeClr>
-                </a:outerShdw>
-              </a:effectLst>
+              <a:t> of JD.com</a:t>
+            </a:r>
+            <a:r>
+              <a:rPr lang="en-US" altLang="zh-CN" sz="1400" i="1" dirty="0">
+                <a:latin typeface="Arial" panose="020B0604020202020204" pitchFamily="34" charset="0"/>
+                <a:cs typeface="Arial" panose="020B0604020202020204" pitchFamily="34" charset="0"/>
+              </a:rPr>
+              <a:t> </a:t>
+            </a:r>
+            <a:endParaRPr lang="zh-CN" altLang="en-US" sz="1400" i="1" dirty="0">
+              <a:latin typeface="Arial" panose="020B0604020202020204" pitchFamily="34" charset="0"/>
+              <a:cs typeface="Arial" panose="020B0604020202020204" pitchFamily="34" charset="0"/>
             </a:endParaRPr>
           </a:p>
         </p:txBody>
       </p:sp>
       <p:sp>
         <p:nvSpPr>
-          <p:cNvPr id="14" name="矩形 13">
-            <a:extLst>
-              <a:ext uri="{FF2B5EF4-FFF2-40B4-BE49-F238E27FC236}">
-                <a16:creationId xmlns:a16="http://schemas.microsoft.com/office/drawing/2014/main" id="{90D15ABD-F0D7-D541-0414-C6CF6FD5CA31}"/>
-              </a:ext>
-            </a:extLst>
-          </p:cNvPr>
-          <p:cNvSpPr/>
+          <p:cNvPr id="5" name="TextBox 7">
+            <a:extLst>
+              <a:ext uri="{FF2B5EF4-FFF2-40B4-BE49-F238E27FC236}">
+                <a16:creationId xmlns:a16="http://schemas.microsoft.com/office/drawing/2014/main" id="{12E80FB6-258E-9134-08EC-E247FB0A1066}"/>
+              </a:ext>
+            </a:extLst>
+          </p:cNvPr>
+          <p:cNvSpPr txBox="1"/>
           <p:nvPr/>
         </p:nvSpPr>
         <p:spPr>
           <a:xfrm>
-            <a:off x="619848" y="1728734"/>
-            <a:ext cx="6573531" cy="477054"/>
+            <a:off x="7151624" y="5379430"/>
+            <a:ext cx="3320660" cy="307777"/>
           </a:xfrm>
           <a:prstGeom prst="rect">
             <a:avLst/>
@@ -8469,14 +8671,21 @@
           <a:noFill/>
         </p:spPr>
         <p:txBody>
-          <a:bodyPr wrap="none" lIns="91440" tIns="45720" rIns="91440" bIns="45720">
+          <a:bodyPr wrap="square" rtlCol="0">
             <a:spAutoFit/>
           </a:bodyPr>
           <a:lstStyle/>
           <a:p>
-            <a:pPr algn="ctr"/>
-            <a:r>
-              <a:rPr lang="en-US" altLang="zh-CN" sz="2500" b="0" cap="none" spc="0" dirty="0">
+            <a:pPr algn="just"/>
+            <a:r>
+              <a:rPr lang="en-US" altLang="zh-CN" sz="1400" i="1" dirty="0">
+                <a:latin typeface="Arial" panose="020B0604020202020204" pitchFamily="34" charset="0"/>
+                <a:cs typeface="Arial" panose="020B0604020202020204" pitchFamily="34" charset="0"/>
+              </a:rPr>
+              <a:t>The </a:t>
+            </a:r>
+            <a:r>
+              <a:rPr lang="en-US" altLang="zh-CN" sz="1400" b="1" i="1" cap="none" spc="0" dirty="0">
                 <a:ln w="0"/>
                 <a:solidFill>
                   <a:schemeClr val="tx1"/>
@@ -8488,21 +8697,25 @@
                     </a:schemeClr>
                   </a:outerShdw>
                 </a:effectLst>
+                <a:latin typeface="Arial" panose="020B0604020202020204" pitchFamily="34" charset="0"/>
+                <a:cs typeface="Arial" panose="020B0604020202020204" pitchFamily="34" charset="0"/>
               </a:rPr>
-              <a:t>The sidebar shopping cart of JD.com and Amazon</a:t>
-            </a:r>
-            <a:endParaRPr lang="en-US" sz="2500" b="0" cap="none" spc="0" dirty="0">
-              <a:ln w="0"/>
-              <a:solidFill>
-                <a:schemeClr val="tx1"/>
-              </a:solidFill>
-              <a:effectLst>
-                <a:outerShdw blurRad="38100" dist="19050" dir="2700000" algn="tl" rotWithShape="0">
-                  <a:schemeClr val="dk1">
-                    <a:alpha val="40000"/>
-                  </a:schemeClr>
-                </a:outerShdw>
-              </a:effectLst>
+              <a:t>sidebar shopping cart</a:t>
+            </a:r>
+            <a:r>
+              <a:rPr lang="en-US" altLang="zh-CN" sz="1400" b="0" i="1" cap="none" spc="0" dirty="0">
+                <a:ln w="0"/>
+                <a:solidFill>
+                  <a:schemeClr val="tx1"/>
+                </a:solidFill>
+                <a:latin typeface="Arial" panose="020B0604020202020204" pitchFamily="34" charset="0"/>
+                <a:cs typeface="Arial" panose="020B0604020202020204" pitchFamily="34" charset="0"/>
+              </a:rPr>
+              <a:t> of Amazon</a:t>
+            </a:r>
+            <a:endParaRPr lang="zh-CN" altLang="en-US" sz="1400" i="1" dirty="0">
+              <a:latin typeface="Arial" panose="020B0604020202020204" pitchFamily="34" charset="0"/>
+              <a:cs typeface="Arial" panose="020B0604020202020204" pitchFamily="34" charset="0"/>
             </a:endParaRPr>
           </a:p>
         </p:txBody>

--- a/Technical Writing.pptx
+++ b/Technical Writing.pptx
@@ -5,10 +5,10 @@
     <p:sldMasterId id="2147483648" r:id="rId1"/>
   </p:sldMasterIdLst>
   <p:notesMasterIdLst>
-    <p:notesMasterId r:id="rId16"/>
+    <p:notesMasterId r:id="rId17"/>
   </p:notesMasterIdLst>
   <p:handoutMasterIdLst>
-    <p:handoutMasterId r:id="rId17"/>
+    <p:handoutMasterId r:id="rId18"/>
   </p:handoutMasterIdLst>
   <p:sldIdLst>
     <p:sldId id="271" r:id="rId2"/>
@@ -25,6 +25,7 @@
     <p:sldId id="265" r:id="rId13"/>
     <p:sldId id="262" r:id="rId14"/>
     <p:sldId id="263" r:id="rId15"/>
+    <p:sldId id="272" r:id="rId16"/>
   </p:sldIdLst>
   <p:sldSz cx="12192000" cy="6858000"/>
   <p:notesSz cx="6858000" cy="9144000"/>
@@ -3951,36 +3952,202 @@
       </p:sp>
       <p:sp>
         <p:nvSpPr>
-          <p:cNvPr id="3" name="Content Placeholder 2">
-            <a:extLst>
-              <a:ext uri="{FF2B5EF4-FFF2-40B4-BE49-F238E27FC236}">
-                <a16:creationId xmlns:a16="http://schemas.microsoft.com/office/drawing/2014/main" id="{614C7564-363A-3EF3-F066-DDC190A44ECF}"/>
-              </a:ext>
-            </a:extLst>
-          </p:cNvPr>
-          <p:cNvSpPr>
-            <a:spLocks noGrp="1"/>
+          <p:cNvPr id="8" name="Content Placeholder 2">
+            <a:extLst>
+              <a:ext uri="{FF2B5EF4-FFF2-40B4-BE49-F238E27FC236}">
+                <a16:creationId xmlns:a16="http://schemas.microsoft.com/office/drawing/2014/main" id="{34C2C247-2FF9-CB1B-4157-260C7EAB46CE}"/>
+              </a:ext>
+            </a:extLst>
+          </p:cNvPr>
+          <p:cNvSpPr txBox="1">
+            <a:spLocks/>
           </p:cNvSpPr>
-          <p:nvPr>
-            <p:ph idx="1"/>
-          </p:nvPr>
+          <p:nvPr/>
         </p:nvSpPr>
         <p:spPr>
           <a:xfrm>
             <a:off x="3190314" y="3493060"/>
             <a:ext cx="5811371" cy="1325563"/>
           </a:xfrm>
-        </p:spPr>
-        <p:txBody>
-          <a:bodyPr/>
-          <a:lstStyle/>
+          <a:prstGeom prst="rect">
+            <a:avLst/>
+          </a:prstGeom>
+        </p:spPr>
+        <p:txBody>
+          <a:bodyPr vert="horz" lIns="91440" tIns="45720" rIns="91440" bIns="45720" rtlCol="0">
+            <a:normAutofit/>
+          </a:bodyPr>
+          <a:lstStyle>
+            <a:lvl1pPr marL="228600" indent="-228600" algn="l" defTabSz="914400" rtl="0" eaLnBrk="1" latinLnBrk="0" hangingPunct="1">
+              <a:lnSpc>
+                <a:spcPct val="90000"/>
+              </a:lnSpc>
+              <a:spcBef>
+                <a:spcPts val="1000"/>
+              </a:spcBef>
+              <a:buFont typeface="Arial" panose="020B0604020202020204" pitchFamily="34" charset="0"/>
+              <a:buChar char="•"/>
+              <a:defRPr sz="2800" kern="1200">
+                <a:solidFill>
+                  <a:schemeClr val="tx1"/>
+                </a:solidFill>
+                <a:latin typeface="+mn-lt"/>
+                <a:ea typeface="+mn-ea"/>
+                <a:cs typeface="+mn-cs"/>
+              </a:defRPr>
+            </a:lvl1pPr>
+            <a:lvl2pPr marL="685800" indent="-228600" algn="l" defTabSz="914400" rtl="0" eaLnBrk="1" latinLnBrk="0" hangingPunct="1">
+              <a:lnSpc>
+                <a:spcPct val="90000"/>
+              </a:lnSpc>
+              <a:spcBef>
+                <a:spcPts val="500"/>
+              </a:spcBef>
+              <a:buFont typeface="Arial" panose="020B0604020202020204" pitchFamily="34" charset="0"/>
+              <a:buChar char="•"/>
+              <a:defRPr sz="2400" kern="1200">
+                <a:solidFill>
+                  <a:schemeClr val="tx1"/>
+                </a:solidFill>
+                <a:latin typeface="+mn-lt"/>
+                <a:ea typeface="+mn-ea"/>
+                <a:cs typeface="+mn-cs"/>
+              </a:defRPr>
+            </a:lvl2pPr>
+            <a:lvl3pPr marL="1143000" indent="-228600" algn="l" defTabSz="914400" rtl="0" eaLnBrk="1" latinLnBrk="0" hangingPunct="1">
+              <a:lnSpc>
+                <a:spcPct val="90000"/>
+              </a:lnSpc>
+              <a:spcBef>
+                <a:spcPts val="500"/>
+              </a:spcBef>
+              <a:buFont typeface="Arial" panose="020B0604020202020204" pitchFamily="34" charset="0"/>
+              <a:buChar char="•"/>
+              <a:defRPr sz="2000" kern="1200">
+                <a:solidFill>
+                  <a:schemeClr val="tx1"/>
+                </a:solidFill>
+                <a:latin typeface="+mn-lt"/>
+                <a:ea typeface="+mn-ea"/>
+                <a:cs typeface="+mn-cs"/>
+              </a:defRPr>
+            </a:lvl3pPr>
+            <a:lvl4pPr marL="1600200" indent="-228600" algn="l" defTabSz="914400" rtl="0" eaLnBrk="1" latinLnBrk="0" hangingPunct="1">
+              <a:lnSpc>
+                <a:spcPct val="90000"/>
+              </a:lnSpc>
+              <a:spcBef>
+                <a:spcPts val="500"/>
+              </a:spcBef>
+              <a:buFont typeface="Arial" panose="020B0604020202020204" pitchFamily="34" charset="0"/>
+              <a:buChar char="•"/>
+              <a:defRPr sz="1800" kern="1200">
+                <a:solidFill>
+                  <a:schemeClr val="tx1"/>
+                </a:solidFill>
+                <a:latin typeface="+mn-lt"/>
+                <a:ea typeface="+mn-ea"/>
+                <a:cs typeface="+mn-cs"/>
+              </a:defRPr>
+            </a:lvl4pPr>
+            <a:lvl5pPr marL="2057400" indent="-228600" algn="l" defTabSz="914400" rtl="0" eaLnBrk="1" latinLnBrk="0" hangingPunct="1">
+              <a:lnSpc>
+                <a:spcPct val="90000"/>
+              </a:lnSpc>
+              <a:spcBef>
+                <a:spcPts val="500"/>
+              </a:spcBef>
+              <a:buFont typeface="Arial" panose="020B0604020202020204" pitchFamily="34" charset="0"/>
+              <a:buChar char="•"/>
+              <a:defRPr sz="1800" kern="1200">
+                <a:solidFill>
+                  <a:schemeClr val="tx1"/>
+                </a:solidFill>
+                <a:latin typeface="+mn-lt"/>
+                <a:ea typeface="+mn-ea"/>
+                <a:cs typeface="+mn-cs"/>
+              </a:defRPr>
+            </a:lvl5pPr>
+            <a:lvl6pPr marL="2514600" indent="-228600" algn="l" defTabSz="914400" rtl="0" eaLnBrk="1" latinLnBrk="0" hangingPunct="1">
+              <a:lnSpc>
+                <a:spcPct val="90000"/>
+              </a:lnSpc>
+              <a:spcBef>
+                <a:spcPts val="500"/>
+              </a:spcBef>
+              <a:buFont typeface="Arial" panose="020B0604020202020204" pitchFamily="34" charset="0"/>
+              <a:buChar char="•"/>
+              <a:defRPr sz="1800" kern="1200">
+                <a:solidFill>
+                  <a:schemeClr val="tx1"/>
+                </a:solidFill>
+                <a:latin typeface="+mn-lt"/>
+                <a:ea typeface="+mn-ea"/>
+                <a:cs typeface="+mn-cs"/>
+              </a:defRPr>
+            </a:lvl6pPr>
+            <a:lvl7pPr marL="2971800" indent="-228600" algn="l" defTabSz="914400" rtl="0" eaLnBrk="1" latinLnBrk="0" hangingPunct="1">
+              <a:lnSpc>
+                <a:spcPct val="90000"/>
+              </a:lnSpc>
+              <a:spcBef>
+                <a:spcPts val="500"/>
+              </a:spcBef>
+              <a:buFont typeface="Arial" panose="020B0604020202020204" pitchFamily="34" charset="0"/>
+              <a:buChar char="•"/>
+              <a:defRPr sz="1800" kern="1200">
+                <a:solidFill>
+                  <a:schemeClr val="tx1"/>
+                </a:solidFill>
+                <a:latin typeface="+mn-lt"/>
+                <a:ea typeface="+mn-ea"/>
+                <a:cs typeface="+mn-cs"/>
+              </a:defRPr>
+            </a:lvl7pPr>
+            <a:lvl8pPr marL="3429000" indent="-228600" algn="l" defTabSz="914400" rtl="0" eaLnBrk="1" latinLnBrk="0" hangingPunct="1">
+              <a:lnSpc>
+                <a:spcPct val="90000"/>
+              </a:lnSpc>
+              <a:spcBef>
+                <a:spcPts val="500"/>
+              </a:spcBef>
+              <a:buFont typeface="Arial" panose="020B0604020202020204" pitchFamily="34" charset="0"/>
+              <a:buChar char="•"/>
+              <a:defRPr sz="1800" kern="1200">
+                <a:solidFill>
+                  <a:schemeClr val="tx1"/>
+                </a:solidFill>
+                <a:latin typeface="+mn-lt"/>
+                <a:ea typeface="+mn-ea"/>
+                <a:cs typeface="+mn-cs"/>
+              </a:defRPr>
+            </a:lvl8pPr>
+            <a:lvl9pPr marL="3886200" indent="-228600" algn="l" defTabSz="914400" rtl="0" eaLnBrk="1" latinLnBrk="0" hangingPunct="1">
+              <a:lnSpc>
+                <a:spcPct val="90000"/>
+              </a:lnSpc>
+              <a:spcBef>
+                <a:spcPts val="500"/>
+              </a:spcBef>
+              <a:buFont typeface="Arial" panose="020B0604020202020204" pitchFamily="34" charset="0"/>
+              <a:buChar char="•"/>
+              <a:defRPr sz="1800" kern="1200">
+                <a:solidFill>
+                  <a:schemeClr val="tx1"/>
+                </a:solidFill>
+                <a:latin typeface="+mn-lt"/>
+                <a:ea typeface="+mn-ea"/>
+                <a:cs typeface="+mn-cs"/>
+              </a:defRPr>
+            </a:lvl9pPr>
+          </a:lstStyle>
           <a:p>
             <a:pPr indent="0" algn="ctr">
+              <a:buFont typeface="Arial" panose="020B0604020202020204" pitchFamily="34" charset="0"/>
               <a:buNone/>
             </a:pPr>
             <a:r>
               <a:rPr lang="en-US" altLang="zh-CN" sz="1800" kern="100" dirty="0">
-                <a:effectLst/>
                 <a:latin typeface="Times New Roman" panose="02020603050405020304" pitchFamily="18" charset="0"/>
                 <a:ea typeface="等线" panose="02010600030101010101" pitchFamily="2" charset="-122"/>
                 <a:cs typeface="Times New Roman" panose="02020603050405020304" pitchFamily="18" charset="0"/>
@@ -3988,7 +4155,6 @@
               <a:t>P2010411	Grant Jing</a:t>
             </a:r>
             <a:endParaRPr lang="zh-CN" altLang="zh-CN" sz="1800" kern="100" dirty="0">
-              <a:effectLst/>
               <a:latin typeface="等线" panose="02010600030101010101" pitchFamily="2" charset="-122"/>
               <a:ea typeface="等线" panose="02010600030101010101" pitchFamily="2" charset="-122"/>
               <a:cs typeface="Times New Roman" panose="02020603050405020304" pitchFamily="18" charset="0"/>
@@ -3996,11 +4162,11 @@
           </a:p>
           <a:p>
             <a:pPr indent="0" algn="ctr">
+              <a:buFont typeface="Arial" panose="020B0604020202020204" pitchFamily="34" charset="0"/>
               <a:buNone/>
             </a:pPr>
             <a:r>
               <a:rPr lang="en-US" altLang="zh-CN" sz="1800" kern="100" dirty="0">
-                <a:effectLst/>
                 <a:latin typeface="Times New Roman" panose="02020603050405020304" pitchFamily="18" charset="0"/>
                 <a:ea typeface="等线" panose="02010600030101010101" pitchFamily="2" charset="-122"/>
                 <a:cs typeface="Times New Roman" panose="02020603050405020304" pitchFamily="18" charset="0"/>
@@ -4008,7 +4174,6 @@
               <a:t>P2010556	Polo Liu</a:t>
             </a:r>
             <a:endParaRPr lang="zh-CN" altLang="zh-CN" sz="1800" kern="100" dirty="0">
-              <a:effectLst/>
               <a:latin typeface="等线" panose="02010600030101010101" pitchFamily="2" charset="-122"/>
               <a:ea typeface="等线" panose="02010600030101010101" pitchFamily="2" charset="-122"/>
               <a:cs typeface="Times New Roman" panose="02020603050405020304" pitchFamily="18" charset="0"/>
@@ -4016,11 +4181,11 @@
           </a:p>
           <a:p>
             <a:pPr indent="0" algn="ctr">
+              <a:buFont typeface="Arial" panose="020B0604020202020204" pitchFamily="34" charset="0"/>
               <a:buNone/>
             </a:pPr>
             <a:r>
               <a:rPr lang="en-US" altLang="zh-CN" sz="1800" kern="100" dirty="0">
-                <a:effectLst/>
                 <a:latin typeface="Times New Roman" panose="02020603050405020304" pitchFamily="18" charset="0"/>
                 <a:ea typeface="等线" panose="02010600030101010101" pitchFamily="2" charset="-122"/>
                 <a:cs typeface="Times New Roman" panose="02020603050405020304" pitchFamily="18" charset="0"/>
@@ -4028,7 +4193,6 @@
               <a:t>P2010562	Veronica Chen</a:t>
             </a:r>
             <a:endParaRPr lang="zh-CN" altLang="zh-CN" sz="1800" kern="100" dirty="0">
-              <a:effectLst/>
               <a:latin typeface="等线" panose="02010600030101010101" pitchFamily="2" charset="-122"/>
               <a:ea typeface="等线" panose="02010600030101010101" pitchFamily="2" charset="-122"/>
               <a:cs typeface="Times New Roman" panose="02020603050405020304" pitchFamily="18" charset="0"/>
@@ -4036,6 +4200,48 @@
           </a:p>
           <a:p>
             <a:endParaRPr lang="zh-CN" altLang="en-US" dirty="0"/>
+          </a:p>
+        </p:txBody>
+      </p:sp>
+      <p:sp>
+        <p:nvSpPr>
+          <p:cNvPr id="10" name="文本框 9">
+            <a:extLst>
+              <a:ext uri="{FF2B5EF4-FFF2-40B4-BE49-F238E27FC236}">
+                <a16:creationId xmlns:a16="http://schemas.microsoft.com/office/drawing/2014/main" id="{10F48074-78B0-7366-F320-0948D5F31B59}"/>
+              </a:ext>
+            </a:extLst>
+          </p:cNvPr>
+          <p:cNvSpPr txBox="1"/>
+          <p:nvPr/>
+        </p:nvSpPr>
+        <p:spPr>
+          <a:xfrm>
+            <a:off x="4422542" y="3436144"/>
+            <a:ext cx="470927" cy="369332"/>
+          </a:xfrm>
+          <a:prstGeom prst="rect">
+            <a:avLst/>
+          </a:prstGeom>
+          <a:noFill/>
+        </p:spPr>
+        <p:txBody>
+          <a:bodyPr wrap="square" rtlCol="0">
+            <a:spAutoFit/>
+          </a:bodyPr>
+          <a:lstStyle/>
+          <a:p>
+            <a:r>
+              <a:rPr lang="en-US" altLang="zh-CN" dirty="0">
+                <a:latin typeface="Times New Roman" panose="02020603050405020304" pitchFamily="18" charset="0"/>
+                <a:cs typeface="Times New Roman" panose="02020603050405020304" pitchFamily="18" charset="0"/>
+              </a:rPr>
+              <a:t>B1:</a:t>
+            </a:r>
+            <a:endParaRPr lang="zh-CN" altLang="en-US" dirty="0">
+              <a:latin typeface="Times New Roman" panose="02020603050405020304" pitchFamily="18" charset="0"/>
+              <a:cs typeface="Times New Roman" panose="02020603050405020304" pitchFamily="18" charset="0"/>
+            </a:endParaRPr>
           </a:p>
         </p:txBody>
       </p:sp>
@@ -4410,7 +4616,7 @@
         </p:blipFill>
         <p:spPr>
           <a:xfrm>
-            <a:off x="7876785" y="1489770"/>
+            <a:off x="7585808" y="1191647"/>
             <a:ext cx="1890674" cy="1645587"/>
           </a:xfrm>
           <a:prstGeom prst="rect">
@@ -4445,7 +4651,7 @@
         </p:blipFill>
         <p:spPr>
           <a:xfrm>
-            <a:off x="5031332" y="3265064"/>
+            <a:off x="5103903" y="2951707"/>
             <a:ext cx="7088097" cy="3175698"/>
           </a:xfrm>
           <a:prstGeom prst="rect">
@@ -4568,6 +4774,106 @@
               </a:rPr>
               <a:t>(Shopping Festivals)</a:t>
             </a:r>
+          </a:p>
+        </p:txBody>
+      </p:sp>
+      <p:sp>
+        <p:nvSpPr>
+          <p:cNvPr id="4" name="TextBox 7">
+            <a:extLst>
+              <a:ext uri="{FF2B5EF4-FFF2-40B4-BE49-F238E27FC236}">
+                <a16:creationId xmlns:a16="http://schemas.microsoft.com/office/drawing/2014/main" id="{B972D6A1-7099-EB20-BED2-5416B305C49A}"/>
+              </a:ext>
+            </a:extLst>
+          </p:cNvPr>
+          <p:cNvSpPr txBox="1"/>
+          <p:nvPr/>
+        </p:nvSpPr>
+        <p:spPr>
+          <a:xfrm>
+            <a:off x="764210" y="5015099"/>
+            <a:ext cx="3320660" cy="307777"/>
+          </a:xfrm>
+          <a:prstGeom prst="rect">
+            <a:avLst/>
+          </a:prstGeom>
+          <a:noFill/>
+        </p:spPr>
+        <p:txBody>
+          <a:bodyPr wrap="square" rtlCol="0">
+            <a:spAutoFit/>
+          </a:bodyPr>
+          <a:lstStyle/>
+          <a:p>
+            <a:pPr algn="ctr"/>
+            <a:r>
+              <a:rPr lang="en-US" altLang="zh-CN" sz="1400" b="1" i="1" dirty="0">
+                <a:latin typeface="Arial" panose="020B0604020202020204" pitchFamily="34" charset="0"/>
+                <a:cs typeface="Arial" panose="020B0604020202020204" pitchFamily="34" charset="0"/>
+              </a:rPr>
+              <a:t>Black Friday </a:t>
+            </a:r>
+            <a:r>
+              <a:rPr lang="en-US" altLang="zh-CN" sz="1400" i="1" dirty="0">
+                <a:latin typeface="Arial" panose="020B0604020202020204" pitchFamily="34" charset="0"/>
+                <a:cs typeface="Arial" panose="020B0604020202020204" pitchFamily="34" charset="0"/>
+              </a:rPr>
+              <a:t>of Amazon</a:t>
+            </a:r>
+            <a:endParaRPr lang="zh-CN" altLang="en-US" sz="1400" i="1" dirty="0">
+              <a:latin typeface="Arial" panose="020B0604020202020204" pitchFamily="34" charset="0"/>
+              <a:cs typeface="Arial" panose="020B0604020202020204" pitchFamily="34" charset="0"/>
+            </a:endParaRPr>
+          </a:p>
+        </p:txBody>
+      </p:sp>
+      <p:sp>
+        <p:nvSpPr>
+          <p:cNvPr id="5" name="TextBox 7">
+            <a:extLst>
+              <a:ext uri="{FF2B5EF4-FFF2-40B4-BE49-F238E27FC236}">
+                <a16:creationId xmlns:a16="http://schemas.microsoft.com/office/drawing/2014/main" id="{864C8E9A-1BE5-B4CD-5C87-6BB8BA89C925}"/>
+              </a:ext>
+            </a:extLst>
+          </p:cNvPr>
+          <p:cNvSpPr txBox="1"/>
+          <p:nvPr/>
+        </p:nvSpPr>
+        <p:spPr>
+          <a:xfrm>
+            <a:off x="6950270" y="6202461"/>
+            <a:ext cx="3320660" cy="307777"/>
+          </a:xfrm>
+          <a:prstGeom prst="rect">
+            <a:avLst/>
+          </a:prstGeom>
+          <a:noFill/>
+        </p:spPr>
+        <p:txBody>
+          <a:bodyPr wrap="square" rtlCol="0">
+            <a:spAutoFit/>
+          </a:bodyPr>
+          <a:lstStyle/>
+          <a:p>
+            <a:pPr algn="ctr"/>
+            <a:r>
+              <a:rPr lang="en-US" altLang="zh-CN" sz="1400" b="1" i="1" dirty="0">
+                <a:latin typeface="Arial" panose="020B0604020202020204" pitchFamily="34" charset="0"/>
+                <a:cs typeface="Arial" panose="020B0604020202020204" pitchFamily="34" charset="0"/>
+              </a:rPr>
+              <a:t>Double Eleven </a:t>
+            </a:r>
+            <a:r>
+              <a:rPr lang="en-US" altLang="zh-CN" sz="1400" i="1" dirty="0">
+                <a:latin typeface="Arial" panose="020B0604020202020204" pitchFamily="34" charset="0"/>
+                <a:cs typeface="Arial" panose="020B0604020202020204" pitchFamily="34" charset="0"/>
+              </a:rPr>
+              <a:t>of JD.com</a:t>
+            </a:r>
+            <a:endParaRPr lang="zh-CN" altLang="en-US" sz="1400" i="1" dirty="0">
+              <a:latin typeface="Arial" panose="020B0604020202020204" pitchFamily="34" charset="0"/>
+              <a:cs typeface="Arial" panose="020B0604020202020204" pitchFamily="34" charset="0"/>
+            </a:endParaRPr>
           </a:p>
         </p:txBody>
       </p:sp>
@@ -4842,6 +5148,106 @@
           </a:p>
         </p:txBody>
       </p:sp>
+      <p:sp>
+        <p:nvSpPr>
+          <p:cNvPr id="4" name="TextBox 7">
+            <a:extLst>
+              <a:ext uri="{FF2B5EF4-FFF2-40B4-BE49-F238E27FC236}">
+                <a16:creationId xmlns:a16="http://schemas.microsoft.com/office/drawing/2014/main" id="{5535A1EA-599D-93D2-64AC-78DF90597081}"/>
+              </a:ext>
+            </a:extLst>
+          </p:cNvPr>
+          <p:cNvSpPr txBox="1"/>
+          <p:nvPr/>
+        </p:nvSpPr>
+        <p:spPr>
+          <a:xfrm>
+            <a:off x="485604" y="5939455"/>
+            <a:ext cx="3320660" cy="307777"/>
+          </a:xfrm>
+          <a:prstGeom prst="rect">
+            <a:avLst/>
+          </a:prstGeom>
+          <a:noFill/>
+        </p:spPr>
+        <p:txBody>
+          <a:bodyPr wrap="square" rtlCol="0">
+            <a:spAutoFit/>
+          </a:bodyPr>
+          <a:lstStyle/>
+          <a:p>
+            <a:pPr algn="ctr"/>
+            <a:r>
+              <a:rPr lang="en-US" altLang="zh-CN" sz="1400" b="1" i="1" dirty="0">
+                <a:latin typeface="Arial" panose="020B0604020202020204" pitchFamily="34" charset="0"/>
+                <a:cs typeface="Arial" panose="020B0604020202020204" pitchFamily="34" charset="0"/>
+              </a:rPr>
+              <a:t>Discounts </a:t>
+            </a:r>
+            <a:r>
+              <a:rPr lang="en-US" altLang="zh-CN" sz="1400" i="1" dirty="0">
+                <a:latin typeface="Arial" panose="020B0604020202020204" pitchFamily="34" charset="0"/>
+                <a:cs typeface="Arial" panose="020B0604020202020204" pitchFamily="34" charset="0"/>
+              </a:rPr>
+              <a:t>on Amazon</a:t>
+            </a:r>
+            <a:endParaRPr lang="zh-CN" altLang="en-US" sz="1400" i="1" dirty="0">
+              <a:latin typeface="Arial" panose="020B0604020202020204" pitchFamily="34" charset="0"/>
+              <a:cs typeface="Arial" panose="020B0604020202020204" pitchFamily="34" charset="0"/>
+            </a:endParaRPr>
+          </a:p>
+        </p:txBody>
+      </p:sp>
+      <p:sp>
+        <p:nvSpPr>
+          <p:cNvPr id="5" name="TextBox 7">
+            <a:extLst>
+              <a:ext uri="{FF2B5EF4-FFF2-40B4-BE49-F238E27FC236}">
+                <a16:creationId xmlns:a16="http://schemas.microsoft.com/office/drawing/2014/main" id="{D6BBC3AA-7907-3D91-2B75-1F0DF5999513}"/>
+              </a:ext>
+            </a:extLst>
+          </p:cNvPr>
+          <p:cNvSpPr txBox="1"/>
+          <p:nvPr/>
+        </p:nvSpPr>
+        <p:spPr>
+          <a:xfrm>
+            <a:off x="6920703" y="5939454"/>
+            <a:ext cx="3320660" cy="307777"/>
+          </a:xfrm>
+          <a:prstGeom prst="rect">
+            <a:avLst/>
+          </a:prstGeom>
+          <a:noFill/>
+        </p:spPr>
+        <p:txBody>
+          <a:bodyPr wrap="square" rtlCol="0">
+            <a:spAutoFit/>
+          </a:bodyPr>
+          <a:lstStyle/>
+          <a:p>
+            <a:pPr algn="ctr"/>
+            <a:r>
+              <a:rPr lang="en-US" altLang="zh-CN" sz="1400" b="1" i="1" dirty="0">
+                <a:latin typeface="Arial" panose="020B0604020202020204" pitchFamily="34" charset="0"/>
+                <a:cs typeface="Arial" panose="020B0604020202020204" pitchFamily="34" charset="0"/>
+              </a:rPr>
+              <a:t>Coupons </a:t>
+            </a:r>
+            <a:r>
+              <a:rPr lang="en-US" altLang="zh-CN" sz="1400" i="1" dirty="0">
+                <a:latin typeface="Arial" panose="020B0604020202020204" pitchFamily="34" charset="0"/>
+                <a:cs typeface="Arial" panose="020B0604020202020204" pitchFamily="34" charset="0"/>
+              </a:rPr>
+              <a:t>on JD.com</a:t>
+            </a:r>
+            <a:endParaRPr lang="zh-CN" altLang="en-US" sz="1400" i="1" dirty="0">
+              <a:latin typeface="Arial" panose="020B0604020202020204" pitchFamily="34" charset="0"/>
+              <a:cs typeface="Arial" panose="020B0604020202020204" pitchFamily="34" charset="0"/>
+            </a:endParaRPr>
+          </a:p>
+        </p:txBody>
+      </p:sp>
     </p:spTree>
     <p:extLst>
       <p:ext uri="{BB962C8B-B14F-4D97-AF65-F5344CB8AC3E}">
@@ -4947,6 +5353,501 @@
           </a:p>
         </p:txBody>
       </p:sp>
+      <p:sp>
+        <p:nvSpPr>
+          <p:cNvPr id="3" name="椭圆 2">
+            <a:extLst>
+              <a:ext uri="{FF2B5EF4-FFF2-40B4-BE49-F238E27FC236}">
+                <a16:creationId xmlns:a16="http://schemas.microsoft.com/office/drawing/2014/main" id="{AA1FA91E-5DC6-8948-7BD1-03BDD4CDED3E}"/>
+              </a:ext>
+            </a:extLst>
+          </p:cNvPr>
+          <p:cNvSpPr/>
+          <p:nvPr/>
+        </p:nvSpPr>
+        <p:spPr>
+          <a:xfrm>
+            <a:off x="4413646" y="2578893"/>
+            <a:ext cx="3364707" cy="1285875"/>
+          </a:xfrm>
+          <a:prstGeom prst="ellipse">
+            <a:avLst/>
+          </a:prstGeom>
+          <a:noFill/>
+          <a:ln>
+            <a:solidFill>
+              <a:schemeClr val="tx1"/>
+            </a:solidFill>
+          </a:ln>
+        </p:spPr>
+        <p:style>
+          <a:lnRef idx="2">
+            <a:schemeClr val="accent1">
+              <a:shade val="50000"/>
+            </a:schemeClr>
+          </a:lnRef>
+          <a:fillRef idx="1">
+            <a:schemeClr val="accent1"/>
+          </a:fillRef>
+          <a:effectRef idx="0">
+            <a:schemeClr val="accent1"/>
+          </a:effectRef>
+          <a:fontRef idx="minor">
+            <a:schemeClr val="lt1"/>
+          </a:fontRef>
+        </p:style>
+        <p:txBody>
+          <a:bodyPr rtlCol="0" anchor="ctr"/>
+          <a:lstStyle/>
+          <a:p>
+            <a:pPr algn="ctr"/>
+            <a:endParaRPr lang="zh-CN" altLang="en-US" dirty="0"/>
+          </a:p>
+        </p:txBody>
+      </p:sp>
+      <p:sp>
+        <p:nvSpPr>
+          <p:cNvPr id="5" name="文本框 4">
+            <a:extLst>
+              <a:ext uri="{FF2B5EF4-FFF2-40B4-BE49-F238E27FC236}">
+                <a16:creationId xmlns:a16="http://schemas.microsoft.com/office/drawing/2014/main" id="{A17FCBB3-3F33-A782-36EF-C24229B03CCC}"/>
+              </a:ext>
+            </a:extLst>
+          </p:cNvPr>
+          <p:cNvSpPr txBox="1"/>
+          <p:nvPr/>
+        </p:nvSpPr>
+        <p:spPr>
+          <a:xfrm>
+            <a:off x="4492228" y="3007859"/>
+            <a:ext cx="3964781" cy="461665"/>
+          </a:xfrm>
+          <a:prstGeom prst="rect">
+            <a:avLst/>
+          </a:prstGeom>
+          <a:noFill/>
+        </p:spPr>
+        <p:txBody>
+          <a:bodyPr wrap="square" rtlCol="0">
+            <a:spAutoFit/>
+          </a:bodyPr>
+          <a:lstStyle/>
+          <a:p>
+            <a:r>
+              <a:rPr lang="en-US" altLang="zh-CN" sz="2400" b="1" dirty="0">
+                <a:latin typeface="Arial" panose="020B0604020202020204" pitchFamily="34" charset="0"/>
+                <a:cs typeface="Arial" panose="020B0604020202020204" pitchFamily="34" charset="0"/>
+              </a:rPr>
+              <a:t>Online Shopping Mall</a:t>
+            </a:r>
+            <a:endParaRPr lang="zh-CN" altLang="en-US" sz="2400" b="1" dirty="0">
+              <a:latin typeface="Arial" panose="020B0604020202020204" pitchFamily="34" charset="0"/>
+              <a:cs typeface="Arial" panose="020B0604020202020204" pitchFamily="34" charset="0"/>
+            </a:endParaRPr>
+          </a:p>
+        </p:txBody>
+      </p:sp>
+      <p:cxnSp>
+        <p:nvCxnSpPr>
+          <p:cNvPr id="7" name="直接连接符 6">
+            <a:extLst>
+              <a:ext uri="{FF2B5EF4-FFF2-40B4-BE49-F238E27FC236}">
+                <a16:creationId xmlns:a16="http://schemas.microsoft.com/office/drawing/2014/main" id="{2B3F88A0-7CCB-58BB-0F30-B40C98C0467D}"/>
+              </a:ext>
+            </a:extLst>
+          </p:cNvPr>
+          <p:cNvCxnSpPr>
+            <a:cxnSpLocks/>
+            <a:endCxn id="3" idx="1"/>
+          </p:cNvCxnSpPr>
+          <p:nvPr/>
+        </p:nvCxnSpPr>
+        <p:spPr>
+          <a:xfrm>
+            <a:off x="3542110" y="2107406"/>
+            <a:ext cx="1364286" cy="659799"/>
+          </a:xfrm>
+          <a:prstGeom prst="line">
+            <a:avLst/>
+          </a:prstGeom>
+          <a:ln w="12700"/>
+        </p:spPr>
+        <p:style>
+          <a:lnRef idx="1">
+            <a:schemeClr val="dk1"/>
+          </a:lnRef>
+          <a:fillRef idx="0">
+            <a:schemeClr val="dk1"/>
+          </a:fillRef>
+          <a:effectRef idx="0">
+            <a:schemeClr val="dk1"/>
+          </a:effectRef>
+          <a:fontRef idx="minor">
+            <a:schemeClr val="tx1"/>
+          </a:fontRef>
+        </p:style>
+      </p:cxnSp>
+      <p:sp>
+        <p:nvSpPr>
+          <p:cNvPr id="9" name="椭圆 8">
+            <a:extLst>
+              <a:ext uri="{FF2B5EF4-FFF2-40B4-BE49-F238E27FC236}">
+                <a16:creationId xmlns:a16="http://schemas.microsoft.com/office/drawing/2014/main" id="{7054BD1E-DB57-73C5-E3F8-02FA6CE5E109}"/>
+              </a:ext>
+            </a:extLst>
+          </p:cNvPr>
+          <p:cNvSpPr/>
+          <p:nvPr/>
+        </p:nvSpPr>
+        <p:spPr>
+          <a:xfrm>
+            <a:off x="670153" y="1009843"/>
+            <a:ext cx="3364707" cy="1285875"/>
+          </a:xfrm>
+          <a:prstGeom prst="ellipse">
+            <a:avLst/>
+          </a:prstGeom>
+          <a:noFill/>
+          <a:ln>
+            <a:solidFill>
+              <a:schemeClr val="tx1"/>
+            </a:solidFill>
+          </a:ln>
+        </p:spPr>
+        <p:style>
+          <a:lnRef idx="2">
+            <a:schemeClr val="accent1">
+              <a:shade val="50000"/>
+            </a:schemeClr>
+          </a:lnRef>
+          <a:fillRef idx="1">
+            <a:schemeClr val="accent1"/>
+          </a:fillRef>
+          <a:effectRef idx="0">
+            <a:schemeClr val="accent1"/>
+          </a:effectRef>
+          <a:fontRef idx="minor">
+            <a:schemeClr val="lt1"/>
+          </a:fontRef>
+        </p:style>
+        <p:txBody>
+          <a:bodyPr rtlCol="0" anchor="ctr"/>
+          <a:lstStyle/>
+          <a:p>
+            <a:pPr algn="ctr"/>
+            <a:endParaRPr lang="zh-CN" altLang="en-US" dirty="0"/>
+          </a:p>
+        </p:txBody>
+      </p:sp>
+      <p:sp>
+        <p:nvSpPr>
+          <p:cNvPr id="13" name="TextBox 4">
+            <a:extLst>
+              <a:ext uri="{FF2B5EF4-FFF2-40B4-BE49-F238E27FC236}">
+                <a16:creationId xmlns:a16="http://schemas.microsoft.com/office/drawing/2014/main" id="{40DBFC7F-845D-30D2-5272-A36ABB0902DD}"/>
+              </a:ext>
+            </a:extLst>
+          </p:cNvPr>
+          <p:cNvSpPr txBox="1"/>
+          <p:nvPr/>
+        </p:nvSpPr>
+        <p:spPr>
+          <a:xfrm>
+            <a:off x="1046197" y="1391170"/>
+            <a:ext cx="3113762" cy="523220"/>
+          </a:xfrm>
+          <a:prstGeom prst="rect">
+            <a:avLst/>
+          </a:prstGeom>
+          <a:noFill/>
+        </p:spPr>
+        <p:txBody>
+          <a:bodyPr wrap="square" rtlCol="0">
+            <a:spAutoFit/>
+          </a:bodyPr>
+          <a:lstStyle/>
+          <a:p>
+            <a:r>
+              <a:rPr lang="en-US" altLang="zh-CN" sz="2800" dirty="0">
+                <a:latin typeface="Arial" panose="020B0604020202020204" pitchFamily="34" charset="0"/>
+                <a:cs typeface="Arial" panose="020B0604020202020204" pitchFamily="34" charset="0"/>
+              </a:rPr>
+              <a:t>Business</a:t>
+            </a:r>
+            <a:r>
+              <a:rPr lang="en-US" altLang="zh-CN" sz="2800" dirty="0"/>
+              <a:t> Model</a:t>
+            </a:r>
+            <a:endParaRPr lang="zh-CN" altLang="en-US" sz="2800" dirty="0"/>
+          </a:p>
+        </p:txBody>
+      </p:sp>
+      <p:cxnSp>
+        <p:nvCxnSpPr>
+          <p:cNvPr id="17" name="直接连接符 16">
+            <a:extLst>
+              <a:ext uri="{FF2B5EF4-FFF2-40B4-BE49-F238E27FC236}">
+                <a16:creationId xmlns:a16="http://schemas.microsoft.com/office/drawing/2014/main" id="{4E640196-BFE6-9E00-6853-933EFDB2999A}"/>
+              </a:ext>
+            </a:extLst>
+          </p:cNvPr>
+          <p:cNvCxnSpPr>
+            <a:cxnSpLocks/>
+          </p:cNvCxnSpPr>
+          <p:nvPr/>
+        </p:nvCxnSpPr>
+        <p:spPr>
+          <a:xfrm flipH="1">
+            <a:off x="7285606" y="2035969"/>
+            <a:ext cx="1444057" cy="705116"/>
+          </a:xfrm>
+          <a:prstGeom prst="line">
+            <a:avLst/>
+          </a:prstGeom>
+          <a:ln w="12700"/>
+        </p:spPr>
+        <p:style>
+          <a:lnRef idx="1">
+            <a:schemeClr val="dk1"/>
+          </a:lnRef>
+          <a:fillRef idx="0">
+            <a:schemeClr val="dk1"/>
+          </a:fillRef>
+          <a:effectRef idx="0">
+            <a:schemeClr val="dk1"/>
+          </a:effectRef>
+          <a:fontRef idx="minor">
+            <a:schemeClr val="tx1"/>
+          </a:fontRef>
+        </p:style>
+      </p:cxnSp>
+      <p:sp>
+        <p:nvSpPr>
+          <p:cNvPr id="19" name="椭圆 18">
+            <a:extLst>
+              <a:ext uri="{FF2B5EF4-FFF2-40B4-BE49-F238E27FC236}">
+                <a16:creationId xmlns:a16="http://schemas.microsoft.com/office/drawing/2014/main" id="{E5563883-6B47-C3EB-BA46-8786B83A67BB}"/>
+              </a:ext>
+            </a:extLst>
+          </p:cNvPr>
+          <p:cNvSpPr/>
+          <p:nvPr/>
+        </p:nvSpPr>
+        <p:spPr>
+          <a:xfrm>
+            <a:off x="7718963" y="803903"/>
+            <a:ext cx="3488970" cy="1285875"/>
+          </a:xfrm>
+          <a:prstGeom prst="ellipse">
+            <a:avLst/>
+          </a:prstGeom>
+          <a:noFill/>
+          <a:ln>
+            <a:solidFill>
+              <a:schemeClr val="tx1"/>
+            </a:solidFill>
+          </a:ln>
+        </p:spPr>
+        <p:style>
+          <a:lnRef idx="2">
+            <a:schemeClr val="accent1">
+              <a:shade val="50000"/>
+            </a:schemeClr>
+          </a:lnRef>
+          <a:fillRef idx="1">
+            <a:schemeClr val="accent1"/>
+          </a:fillRef>
+          <a:effectRef idx="0">
+            <a:schemeClr val="accent1"/>
+          </a:effectRef>
+          <a:fontRef idx="minor">
+            <a:schemeClr val="lt1"/>
+          </a:fontRef>
+        </p:style>
+        <p:txBody>
+          <a:bodyPr rtlCol="0" anchor="ctr"/>
+          <a:lstStyle/>
+          <a:p>
+            <a:pPr algn="ctr"/>
+            <a:endParaRPr lang="zh-CN" altLang="en-US" dirty="0"/>
+          </a:p>
+        </p:txBody>
+      </p:sp>
+      <p:sp>
+        <p:nvSpPr>
+          <p:cNvPr id="23" name="TextBox 7">
+            <a:extLst>
+              <a:ext uri="{FF2B5EF4-FFF2-40B4-BE49-F238E27FC236}">
+                <a16:creationId xmlns:a16="http://schemas.microsoft.com/office/drawing/2014/main" id="{06BC2AFC-D710-B44A-86B4-99E3F926D11F}"/>
+              </a:ext>
+            </a:extLst>
+          </p:cNvPr>
+          <p:cNvSpPr txBox="1"/>
+          <p:nvPr/>
+        </p:nvSpPr>
+        <p:spPr>
+          <a:xfrm>
+            <a:off x="7656831" y="1185231"/>
+            <a:ext cx="3613235" cy="523220"/>
+          </a:xfrm>
+          <a:prstGeom prst="rect">
+            <a:avLst/>
+          </a:prstGeom>
+          <a:noFill/>
+        </p:spPr>
+        <p:txBody>
+          <a:bodyPr wrap="square" rtlCol="0">
+            <a:spAutoFit/>
+          </a:bodyPr>
+          <a:lstStyle/>
+          <a:p>
+            <a:r>
+              <a:rPr lang="en-US" altLang="zh-CN" sz="2800" dirty="0">
+                <a:latin typeface="Arial" panose="020B0604020202020204" pitchFamily="34" charset="0"/>
+                <a:cs typeface="Arial" panose="020B0604020202020204" pitchFamily="34" charset="0"/>
+              </a:rPr>
+              <a:t> User-friendly Design</a:t>
+            </a:r>
+            <a:endParaRPr lang="zh-CN" altLang="en-US" sz="2800" dirty="0">
+              <a:latin typeface="Arial" panose="020B0604020202020204" pitchFamily="34" charset="0"/>
+              <a:cs typeface="Arial" panose="020B0604020202020204" pitchFamily="34" charset="0"/>
+            </a:endParaRPr>
+          </a:p>
+        </p:txBody>
+      </p:sp>
+      <p:cxnSp>
+        <p:nvCxnSpPr>
+          <p:cNvPr id="25" name="直接连接符 24">
+            <a:extLst>
+              <a:ext uri="{FF2B5EF4-FFF2-40B4-BE49-F238E27FC236}">
+                <a16:creationId xmlns:a16="http://schemas.microsoft.com/office/drawing/2014/main" id="{99EB1F11-9FAA-FE6A-F662-13A95DFF7793}"/>
+              </a:ext>
+            </a:extLst>
+          </p:cNvPr>
+          <p:cNvCxnSpPr>
+            <a:stCxn id="3" idx="4"/>
+          </p:cNvCxnSpPr>
+          <p:nvPr/>
+        </p:nvCxnSpPr>
+        <p:spPr>
+          <a:xfrm flipH="1">
+            <a:off x="6095999" y="3864768"/>
+            <a:ext cx="1" cy="950120"/>
+          </a:xfrm>
+          <a:prstGeom prst="line">
+            <a:avLst/>
+          </a:prstGeom>
+          <a:ln w="12700"/>
+        </p:spPr>
+        <p:style>
+          <a:lnRef idx="1">
+            <a:schemeClr val="dk1"/>
+          </a:lnRef>
+          <a:fillRef idx="0">
+            <a:schemeClr val="dk1"/>
+          </a:fillRef>
+          <a:effectRef idx="0">
+            <a:schemeClr val="dk1"/>
+          </a:effectRef>
+          <a:fontRef idx="minor">
+            <a:schemeClr val="tx1"/>
+          </a:fontRef>
+        </p:style>
+      </p:cxnSp>
+      <p:sp>
+        <p:nvSpPr>
+          <p:cNvPr id="26" name="椭圆 25">
+            <a:extLst>
+              <a:ext uri="{FF2B5EF4-FFF2-40B4-BE49-F238E27FC236}">
+                <a16:creationId xmlns:a16="http://schemas.microsoft.com/office/drawing/2014/main" id="{45E0CA37-99E3-ED46-4127-E5823CF7F38D}"/>
+              </a:ext>
+            </a:extLst>
+          </p:cNvPr>
+          <p:cNvSpPr/>
+          <p:nvPr/>
+        </p:nvSpPr>
+        <p:spPr>
+          <a:xfrm>
+            <a:off x="4413645" y="4814888"/>
+            <a:ext cx="3364707" cy="1285875"/>
+          </a:xfrm>
+          <a:prstGeom prst="ellipse">
+            <a:avLst/>
+          </a:prstGeom>
+          <a:noFill/>
+          <a:ln>
+            <a:solidFill>
+              <a:schemeClr val="tx1"/>
+            </a:solidFill>
+          </a:ln>
+        </p:spPr>
+        <p:style>
+          <a:lnRef idx="2">
+            <a:schemeClr val="accent1">
+              <a:shade val="50000"/>
+            </a:schemeClr>
+          </a:lnRef>
+          <a:fillRef idx="1">
+            <a:schemeClr val="accent1"/>
+          </a:fillRef>
+          <a:effectRef idx="0">
+            <a:schemeClr val="accent1"/>
+          </a:effectRef>
+          <a:fontRef idx="minor">
+            <a:schemeClr val="lt1"/>
+          </a:fontRef>
+        </p:style>
+        <p:txBody>
+          <a:bodyPr rtlCol="0" anchor="ctr"/>
+          <a:lstStyle/>
+          <a:p>
+            <a:pPr algn="ctr"/>
+            <a:endParaRPr lang="zh-CN" altLang="en-US" dirty="0"/>
+          </a:p>
+        </p:txBody>
+      </p:sp>
+      <p:sp>
+        <p:nvSpPr>
+          <p:cNvPr id="27" name="TextBox 8">
+            <a:extLst>
+              <a:ext uri="{FF2B5EF4-FFF2-40B4-BE49-F238E27FC236}">
+                <a16:creationId xmlns:a16="http://schemas.microsoft.com/office/drawing/2014/main" id="{07A01C2F-F3CE-07FD-E5FD-A7D29100701A}"/>
+              </a:ext>
+            </a:extLst>
+          </p:cNvPr>
+          <p:cNvSpPr txBox="1"/>
+          <p:nvPr/>
+        </p:nvSpPr>
+        <p:spPr>
+          <a:xfrm>
+            <a:off x="5116428" y="5196215"/>
+            <a:ext cx="3613235" cy="523220"/>
+          </a:xfrm>
+          <a:prstGeom prst="rect">
+            <a:avLst/>
+          </a:prstGeom>
+          <a:noFill/>
+        </p:spPr>
+        <p:txBody>
+          <a:bodyPr wrap="square" rtlCol="0">
+            <a:spAutoFit/>
+          </a:bodyPr>
+          <a:lstStyle/>
+          <a:p>
+            <a:r>
+              <a:rPr lang="en-US" altLang="zh-CN" sz="2800" dirty="0">
+                <a:latin typeface="Arial" panose="020B0604020202020204" pitchFamily="34" charset="0"/>
+                <a:cs typeface="Arial" panose="020B0604020202020204" pitchFamily="34" charset="0"/>
+              </a:rPr>
+              <a:t> Marketing</a:t>
+            </a:r>
+            <a:endParaRPr lang="zh-CN" altLang="en-US" sz="2800" dirty="0">
+              <a:latin typeface="Arial" panose="020B0604020202020204" pitchFamily="34" charset="0"/>
+              <a:cs typeface="Arial" panose="020B0604020202020204" pitchFamily="34" charset="0"/>
+            </a:endParaRPr>
+          </a:p>
+        </p:txBody>
+      </p:sp>
     </p:spTree>
     <p:extLst>
       <p:ext uri="{BB962C8B-B14F-4D97-AF65-F5344CB8AC3E}">
@@ -5125,6 +6026,209 @@
     <p:extLst>
       <p:ext uri="{BB962C8B-B14F-4D97-AF65-F5344CB8AC3E}">
         <p14:creationId xmlns:p14="http://schemas.microsoft.com/office/powerpoint/2010/main" val="4078837619"/>
+      </p:ext>
+    </p:extLst>
+  </p:cSld>
+  <p:clrMapOvr>
+    <a:masterClrMapping/>
+  </p:clrMapOvr>
+</p:sld>
+</file>
+
+<file path=ppt/slides/slide15.xml><?xml version="1.0" encoding="utf-8"?>
+<p:sld xmlns:a="http://schemas.openxmlformats.org/drawingml/2006/main" xmlns:r="http://schemas.openxmlformats.org/officeDocument/2006/relationships" xmlns:p="http://schemas.openxmlformats.org/presentationml/2006/main">
+  <p:cSld>
+    <p:spTree>
+      <p:nvGrpSpPr>
+        <p:cNvPr id="1" name=""/>
+        <p:cNvGrpSpPr/>
+        <p:nvPr/>
+      </p:nvGrpSpPr>
+      <p:grpSpPr>
+        <a:xfrm>
+          <a:off x="0" y="0"/>
+          <a:ext cx="0" cy="0"/>
+          <a:chOff x="0" y="0"/>
+          <a:chExt cx="0" cy="0"/>
+        </a:xfrm>
+      </p:grpSpPr>
+      <p:sp>
+        <p:nvSpPr>
+          <p:cNvPr id="2" name="灯片编号占位符 1">
+            <a:extLst>
+              <a:ext uri="{FF2B5EF4-FFF2-40B4-BE49-F238E27FC236}">
+                <a16:creationId xmlns:a16="http://schemas.microsoft.com/office/drawing/2014/main" id="{9D1D8A5C-449F-48B0-B8CE-CE361029D0C8}"/>
+              </a:ext>
+            </a:extLst>
+          </p:cNvPr>
+          <p:cNvSpPr>
+            <a:spLocks noGrp="1"/>
+          </p:cNvSpPr>
+          <p:nvPr>
+            <p:ph type="sldNum" sz="quarter" idx="12"/>
+          </p:nvPr>
+        </p:nvSpPr>
+        <p:spPr/>
+        <p:txBody>
+          <a:bodyPr/>
+          <a:lstStyle/>
+          <a:p>
+            <a:fld id="{91E15A72-4311-4D48-8139-6724A1CBFEF9}" type="slidenum">
+              <a:rPr lang="en-US" smtClean="0"/>
+              <a:t>15</a:t>
+            </a:fld>
+            <a:endParaRPr lang="en-US"/>
+          </a:p>
+        </p:txBody>
+      </p:sp>
+      <p:sp>
+        <p:nvSpPr>
+          <p:cNvPr id="3" name="矩形 2">
+            <a:extLst>
+              <a:ext uri="{FF2B5EF4-FFF2-40B4-BE49-F238E27FC236}">
+                <a16:creationId xmlns:a16="http://schemas.microsoft.com/office/drawing/2014/main" id="{3F4D4280-06BD-9FC3-A557-62CB26B37AFA}"/>
+              </a:ext>
+            </a:extLst>
+          </p:cNvPr>
+          <p:cNvSpPr/>
+          <p:nvPr/>
+        </p:nvSpPr>
+        <p:spPr>
+          <a:xfrm>
+            <a:off x="337912" y="291947"/>
+            <a:ext cx="3228769" cy="769441"/>
+          </a:xfrm>
+          <a:prstGeom prst="rect">
+            <a:avLst/>
+          </a:prstGeom>
+          <a:noFill/>
+        </p:spPr>
+        <p:txBody>
+          <a:bodyPr wrap="none" lIns="91440" tIns="45720" rIns="91440" bIns="45720">
+            <a:spAutoFit/>
+          </a:bodyPr>
+          <a:lstStyle/>
+          <a:p>
+            <a:r>
+              <a:rPr lang="en-US" altLang="zh-CN" sz="4400" b="1" dirty="0">
+                <a:latin typeface="Arial" panose="020B0604020202020204" pitchFamily="34" charset="0"/>
+                <a:cs typeface="Arial" panose="020B0604020202020204" pitchFamily="34" charset="0"/>
+              </a:rPr>
+              <a:t>References</a:t>
+            </a:r>
+          </a:p>
+        </p:txBody>
+      </p:sp>
+      <p:sp>
+        <p:nvSpPr>
+          <p:cNvPr id="7" name="文本框 6">
+            <a:extLst>
+              <a:ext uri="{FF2B5EF4-FFF2-40B4-BE49-F238E27FC236}">
+                <a16:creationId xmlns:a16="http://schemas.microsoft.com/office/drawing/2014/main" id="{38B22C80-1550-537B-F48C-2AF6CF298916}"/>
+              </a:ext>
+            </a:extLst>
+          </p:cNvPr>
+          <p:cNvSpPr txBox="1"/>
+          <p:nvPr/>
+        </p:nvSpPr>
+        <p:spPr>
+          <a:xfrm>
+            <a:off x="684012" y="1179522"/>
+            <a:ext cx="9903025" cy="4649778"/>
+          </a:xfrm>
+          <a:prstGeom prst="rect">
+            <a:avLst/>
+          </a:prstGeom>
+          <a:noFill/>
+        </p:spPr>
+        <p:txBody>
+          <a:bodyPr wrap="square">
+            <a:spAutoFit/>
+          </a:bodyPr>
+          <a:lstStyle/>
+          <a:p>
+            <a:endParaRPr lang="en-US" altLang="zh-CN" sz="2400" dirty="0">
+              <a:latin typeface="Arial" panose="020B0604020202020204" pitchFamily="34" charset="0"/>
+              <a:cs typeface="Arial" panose="020B0604020202020204" pitchFamily="34" charset="0"/>
+            </a:endParaRPr>
+          </a:p>
+          <a:p>
+            <a:r>
+              <a:rPr lang="en-US" altLang="zh-CN" sz="2400" dirty="0">
+                <a:latin typeface="Arial" panose="020B0604020202020204" pitchFamily="34" charset="0"/>
+                <a:cs typeface="Arial" panose="020B0604020202020204" pitchFamily="34" charset="0"/>
+              </a:rPr>
+              <a:t>[1] 	[Online]. Available: https://www.techtarget.com/searchcio/definition/e-commerce.</a:t>
+            </a:r>
+          </a:p>
+          <a:p>
+            <a:r>
+              <a:rPr lang="en-US" altLang="zh-CN" sz="2400" dirty="0">
+                <a:latin typeface="Arial" panose="020B0604020202020204" pitchFamily="34" charset="0"/>
+                <a:cs typeface="Arial" panose="020B0604020202020204" pitchFamily="34" charset="0"/>
+              </a:rPr>
+              <a:t>[2] 	JD.com. [Online]. Available: https://www.jd.com/.</a:t>
+            </a:r>
+          </a:p>
+          <a:p>
+            <a:r>
+              <a:rPr lang="en-US" altLang="zh-CN" sz="2400" dirty="0">
+                <a:latin typeface="Arial" panose="020B0604020202020204" pitchFamily="34" charset="0"/>
+                <a:cs typeface="Arial" panose="020B0604020202020204" pitchFamily="34" charset="0"/>
+              </a:rPr>
+              <a:t>[3] 	"Amazon," [Online]. Available: https://www.amazon.com/.</a:t>
+            </a:r>
+          </a:p>
+          <a:p>
+            <a:r>
+              <a:rPr lang="en-US" altLang="zh-CN" sz="2400" dirty="0">
+                <a:latin typeface="Arial" panose="020B0604020202020204" pitchFamily="34" charset="0"/>
+                <a:cs typeface="Arial" panose="020B0604020202020204" pitchFamily="34" charset="0"/>
+              </a:rPr>
+              <a:t>[4] 	"Business Model of Amazon," [Online]. Available: https://fourweekmba.com/amazon-business-model/.</a:t>
+            </a:r>
+          </a:p>
+          <a:p>
+            <a:r>
+              <a:rPr lang="en-US" altLang="zh-CN" sz="2400" dirty="0">
+                <a:latin typeface="Arial" panose="020B0604020202020204" pitchFamily="34" charset="0"/>
+                <a:cs typeface="Arial" panose="020B0604020202020204" pitchFamily="34" charset="0"/>
+              </a:rPr>
+              <a:t>[5] 	"</a:t>
+            </a:r>
+            <a:r>
+              <a:rPr lang="en-US" altLang="zh-CN" sz="2400" dirty="0" err="1">
+                <a:latin typeface="Arial" panose="020B0604020202020204" pitchFamily="34" charset="0"/>
+                <a:cs typeface="Arial" panose="020B0604020202020204" pitchFamily="34" charset="0"/>
+              </a:rPr>
+              <a:t>Comparsison</a:t>
+            </a:r>
+            <a:r>
+              <a:rPr lang="en-US" altLang="zh-CN" sz="2400" dirty="0">
+                <a:latin typeface="Arial" panose="020B0604020202020204" pitchFamily="34" charset="0"/>
+                <a:cs typeface="Arial" panose="020B0604020202020204" pitchFamily="34" charset="0"/>
+              </a:rPr>
+              <a:t> of Business Models," [Online]. Available: https://medium.com/@a.ruzainirashid/alibaba-vs-amazon-how-does-their-business-models-differ-f0aa66364c60.</a:t>
+            </a:r>
+          </a:p>
+          <a:p>
+            <a:endParaRPr lang="en-US" altLang="zh-CN" sz="2400" dirty="0">
+              <a:latin typeface="Arial" panose="020B0604020202020204" pitchFamily="34" charset="0"/>
+              <a:cs typeface="Arial" panose="020B0604020202020204" pitchFamily="34" charset="0"/>
+            </a:endParaRPr>
+          </a:p>
+          <a:p>
+            <a:endParaRPr lang="en-US" altLang="zh-CN" sz="2400" dirty="0">
+              <a:latin typeface="Arial" panose="020B0604020202020204" pitchFamily="34" charset="0"/>
+              <a:cs typeface="Arial" panose="020B0604020202020204" pitchFamily="34" charset="0"/>
+            </a:endParaRPr>
+          </a:p>
+        </p:txBody>
+      </p:sp>
+    </p:spTree>
+    <p:extLst>
+      <p:ext uri="{BB962C8B-B14F-4D97-AF65-F5344CB8AC3E}">
+        <p14:creationId xmlns:p14="http://schemas.microsoft.com/office/powerpoint/2010/main" val="3232429684"/>
       </p:ext>
     </p:extLst>
   </p:cSld>

--- a/Technical Writing.pptx
+++ b/Technical Writing.pptx
@@ -3927,7 +3927,7 @@
         </p:nvSpPr>
         <p:spPr>
           <a:xfrm>
-            <a:off x="757517" y="2039377"/>
+            <a:off x="745456" y="2103437"/>
             <a:ext cx="10515600" cy="1325563"/>
           </a:xfrm>
         </p:spPr>
@@ -3966,8 +3966,8 @@
         </p:nvSpPr>
         <p:spPr>
           <a:xfrm>
-            <a:off x="3190314" y="3493060"/>
-            <a:ext cx="5811371" cy="1325563"/>
+            <a:off x="4268617" y="4257136"/>
+            <a:ext cx="3469278" cy="1035807"/>
           </a:xfrm>
           <a:prstGeom prst="rect">
             <a:avLst/>
@@ -3975,7 +3975,7 @@
         </p:spPr>
         <p:txBody>
           <a:bodyPr vert="horz" lIns="91440" tIns="45720" rIns="91440" bIns="45720" rtlCol="0">
-            <a:normAutofit/>
+            <a:normAutofit lnSpcReduction="10000"/>
           </a:bodyPr>
           <a:lstStyle>
             <a:lvl1pPr marL="228600" indent="-228600" algn="l" defTabSz="914400" rtl="0" eaLnBrk="1" latinLnBrk="0" hangingPunct="1">
@@ -4142,7 +4142,7 @@
             </a:lvl9pPr>
           </a:lstStyle>
           <a:p>
-            <a:pPr indent="0" algn="ctr">
+            <a:pPr indent="0" algn="just">
               <a:buFont typeface="Arial" panose="020B0604020202020204" pitchFamily="34" charset="0"/>
               <a:buNone/>
             </a:pPr>
@@ -4153,6 +4153,25 @@
                 <a:cs typeface="Times New Roman" panose="02020603050405020304" pitchFamily="18" charset="0"/>
               </a:rPr>
               <a:t>P2010411	Grant Jing</a:t>
+            </a:r>
+            <a:endParaRPr lang="en-US" altLang="zh-CN" sz="1800" kern="100" dirty="0">
+              <a:latin typeface="等线" panose="02010600030101010101" pitchFamily="2" charset="-122"/>
+              <a:ea typeface="等线" panose="02010600030101010101" pitchFamily="2" charset="-122"/>
+              <a:cs typeface="Times New Roman" panose="02020603050405020304" pitchFamily="18" charset="0"/>
+            </a:endParaRPr>
+          </a:p>
+          <a:p>
+            <a:pPr indent="0" algn="just">
+              <a:buFont typeface="Arial" panose="020B0604020202020204" pitchFamily="34" charset="0"/>
+              <a:buNone/>
+            </a:pPr>
+            <a:r>
+              <a:rPr lang="en-US" altLang="zh-CN" sz="1800" kern="100" dirty="0">
+                <a:latin typeface="Times New Roman" panose="02020603050405020304" pitchFamily="18" charset="0"/>
+                <a:ea typeface="等线" panose="02010600030101010101" pitchFamily="2" charset="-122"/>
+                <a:cs typeface="Times New Roman" panose="02020603050405020304" pitchFamily="18" charset="0"/>
+              </a:rPr>
+              <a:t>P2010556	Polo Liu</a:t>
             </a:r>
             <a:endParaRPr lang="zh-CN" altLang="zh-CN" sz="1800" kern="100" dirty="0">
               <a:latin typeface="等线" panose="02010600030101010101" pitchFamily="2" charset="-122"/>
@@ -4161,7 +4180,7 @@
             </a:endParaRPr>
           </a:p>
           <a:p>
-            <a:pPr indent="0" algn="ctr">
+            <a:pPr indent="0" algn="just">
               <a:buFont typeface="Arial" panose="020B0604020202020204" pitchFamily="34" charset="0"/>
               <a:buNone/>
             </a:pPr>
@@ -4171,7 +4190,7 @@
                 <a:ea typeface="等线" panose="02010600030101010101" pitchFamily="2" charset="-122"/>
                 <a:cs typeface="Times New Roman" panose="02020603050405020304" pitchFamily="18" charset="0"/>
               </a:rPr>
-              <a:t>P2010556	Polo Liu</a:t>
+              <a:t>P2010562	Veronica Chen</a:t>
             </a:r>
             <a:endParaRPr lang="zh-CN" altLang="zh-CN" sz="1800" kern="100" dirty="0">
               <a:latin typeface="等线" panose="02010600030101010101" pitchFamily="2" charset="-122"/>
@@ -4180,35 +4199,16 @@
             </a:endParaRPr>
           </a:p>
           <a:p>
-            <a:pPr indent="0" algn="ctr">
-              <a:buFont typeface="Arial" panose="020B0604020202020204" pitchFamily="34" charset="0"/>
-              <a:buNone/>
-            </a:pPr>
-            <a:r>
-              <a:rPr lang="en-US" altLang="zh-CN" sz="1800" kern="100" dirty="0">
-                <a:latin typeface="Times New Roman" panose="02020603050405020304" pitchFamily="18" charset="0"/>
-                <a:ea typeface="等线" panose="02010600030101010101" pitchFamily="2" charset="-122"/>
-                <a:cs typeface="Times New Roman" panose="02020603050405020304" pitchFamily="18" charset="0"/>
-              </a:rPr>
-              <a:t>P2010562	Veronica Chen</a:t>
-            </a:r>
-            <a:endParaRPr lang="zh-CN" altLang="zh-CN" sz="1800" kern="100" dirty="0">
-              <a:latin typeface="等线" panose="02010600030101010101" pitchFamily="2" charset="-122"/>
-              <a:ea typeface="等线" panose="02010600030101010101" pitchFamily="2" charset="-122"/>
-              <a:cs typeface="Times New Roman" panose="02020603050405020304" pitchFamily="18" charset="0"/>
-            </a:endParaRPr>
-          </a:p>
-          <a:p>
             <a:endParaRPr lang="zh-CN" altLang="en-US" dirty="0"/>
           </a:p>
         </p:txBody>
       </p:sp>
       <p:sp>
         <p:nvSpPr>
-          <p:cNvPr id="10" name="文本框 9">
-            <a:extLst>
-              <a:ext uri="{FF2B5EF4-FFF2-40B4-BE49-F238E27FC236}">
-                <a16:creationId xmlns:a16="http://schemas.microsoft.com/office/drawing/2014/main" id="{10F48074-78B0-7366-F320-0948D5F31B59}"/>
+          <p:cNvPr id="4" name="文本框 3">
+            <a:extLst>
+              <a:ext uri="{FF2B5EF4-FFF2-40B4-BE49-F238E27FC236}">
+                <a16:creationId xmlns:a16="http://schemas.microsoft.com/office/drawing/2014/main" id="{84386E05-7693-DFFB-563F-9E21E4864072}"/>
               </a:ext>
             </a:extLst>
           </p:cNvPr>
@@ -4217,8 +4217,8 @@
         </p:nvSpPr>
         <p:spPr>
           <a:xfrm>
-            <a:off x="4422542" y="3436144"/>
-            <a:ext cx="470927" cy="369332"/>
+            <a:off x="4774885" y="3509304"/>
+            <a:ext cx="2456742" cy="400110"/>
           </a:xfrm>
           <a:prstGeom prst="rect">
             <a:avLst/>
@@ -4226,19 +4226,33 @@
           <a:noFill/>
         </p:spPr>
         <p:txBody>
-          <a:bodyPr wrap="square" rtlCol="0">
+          <a:bodyPr wrap="square">
             <a:spAutoFit/>
           </a:bodyPr>
           <a:lstStyle/>
           <a:p>
             <a:r>
-              <a:rPr lang="en-US" altLang="zh-CN" dirty="0">
+              <a:rPr lang="en-US" sz="2000" b="1" dirty="0">
                 <a:latin typeface="Times New Roman" panose="02020603050405020304" pitchFamily="18" charset="0"/>
                 <a:cs typeface="Times New Roman" panose="02020603050405020304" pitchFamily="18" charset="0"/>
               </a:rPr>
-              <a:t>B1:</a:t>
-            </a:r>
-            <a:endParaRPr lang="zh-CN" altLang="en-US" dirty="0">
+              <a:t>Group number:</a:t>
+            </a:r>
+            <a:r>
+              <a:rPr lang="zh-CN" altLang="en-US" sz="2000" b="1" dirty="0">
+                <a:latin typeface="Times New Roman" panose="02020603050405020304" pitchFamily="18" charset="0"/>
+                <a:cs typeface="Times New Roman" panose="02020603050405020304" pitchFamily="18" charset="0"/>
+              </a:rPr>
+              <a:t> </a:t>
+            </a:r>
+            <a:r>
+              <a:rPr lang="en-US" altLang="zh-CN" sz="2000" b="1" dirty="0">
+                <a:latin typeface="Times New Roman" panose="02020603050405020304" pitchFamily="18" charset="0"/>
+                <a:cs typeface="Times New Roman" panose="02020603050405020304" pitchFamily="18" charset="0"/>
+              </a:rPr>
+              <a:t>B1</a:t>
+            </a:r>
+            <a:endParaRPr lang="en-US" sz="2000" b="1" dirty="0">
               <a:latin typeface="Times New Roman" panose="02020603050405020304" pitchFamily="18" charset="0"/>
               <a:cs typeface="Times New Roman" panose="02020603050405020304" pitchFamily="18" charset="0"/>
             </a:endParaRPr>
@@ -7230,31 +7244,6 @@
               <a:latin typeface="Arial" panose="020B0604020202020204" pitchFamily="34" charset="0"/>
               <a:cs typeface="Arial" panose="020B0604020202020204" pitchFamily="34" charset="0"/>
             </a:endParaRPr>
-          </a:p>
-        </p:txBody>
-      </p:sp>
-      <p:sp>
-        <p:nvSpPr>
-          <p:cNvPr id="20" name="标题 19">
-            <a:extLst>
-              <a:ext uri="{FF2B5EF4-FFF2-40B4-BE49-F238E27FC236}">
-                <a16:creationId xmlns:a16="http://schemas.microsoft.com/office/drawing/2014/main" id="{9BDA0CD7-455A-F965-CA91-9D8B2DF6047D}"/>
-              </a:ext>
-            </a:extLst>
-          </p:cNvPr>
-          <p:cNvSpPr>
-            <a:spLocks noGrp="1"/>
-          </p:cNvSpPr>
-          <p:nvPr>
-            <p:ph type="title"/>
-          </p:nvPr>
-        </p:nvSpPr>
-        <p:spPr/>
-        <p:txBody>
-          <a:bodyPr/>
-          <a:lstStyle/>
-          <a:p>
-            <a:endParaRPr lang="en-US" dirty="0"/>
           </a:p>
         </p:txBody>
       </p:sp>
@@ -7795,31 +7784,6 @@
               <a:latin typeface="Arial" panose="020B0604020202020204" pitchFamily="34" charset="0"/>
               <a:cs typeface="Arial" panose="020B0604020202020204" pitchFamily="34" charset="0"/>
             </a:endParaRPr>
-          </a:p>
-        </p:txBody>
-      </p:sp>
-      <p:sp>
-        <p:nvSpPr>
-          <p:cNvPr id="13" name="标题 12">
-            <a:extLst>
-              <a:ext uri="{FF2B5EF4-FFF2-40B4-BE49-F238E27FC236}">
-                <a16:creationId xmlns:a16="http://schemas.microsoft.com/office/drawing/2014/main" id="{A350CFF1-9524-A2EE-75DD-ED5E2E8BA39A}"/>
-              </a:ext>
-            </a:extLst>
-          </p:cNvPr>
-          <p:cNvSpPr>
-            <a:spLocks noGrp="1"/>
-          </p:cNvSpPr>
-          <p:nvPr>
-            <p:ph type="title"/>
-          </p:nvPr>
-        </p:nvSpPr>
-        <p:spPr/>
-        <p:txBody>
-          <a:bodyPr/>
-          <a:lstStyle/>
-          <a:p>
-            <a:endParaRPr lang="en-US" dirty="0"/>
           </a:p>
         </p:txBody>
       </p:sp>

--- a/Technical Writing.pptx
+++ b/Technical Writing.pptx
@@ -4148,16 +4148,16 @@
             </a:pPr>
             <a:r>
               <a:rPr lang="en-US" altLang="zh-CN" sz="1800" kern="100" dirty="0">
-                <a:latin typeface="Times New Roman" panose="02020603050405020304" pitchFamily="18" charset="0"/>
+                <a:latin typeface="Arial" panose="020B0604020202020204" pitchFamily="34" charset="0"/>
                 <a:ea typeface="等线" panose="02010600030101010101" pitchFamily="2" charset="-122"/>
-                <a:cs typeface="Times New Roman" panose="02020603050405020304" pitchFamily="18" charset="0"/>
+                <a:cs typeface="Arial" panose="020B0604020202020204" pitchFamily="34" charset="0"/>
               </a:rPr>
               <a:t>P2010411	Grant Jing</a:t>
             </a:r>
             <a:endParaRPr lang="zh-CN" altLang="zh-CN" sz="1800" kern="100" dirty="0">
-              <a:latin typeface="等线" panose="02010600030101010101" pitchFamily="2" charset="-122"/>
+              <a:latin typeface="Arial" panose="020B0604020202020204" pitchFamily="34" charset="0"/>
               <a:ea typeface="等线" panose="02010600030101010101" pitchFamily="2" charset="-122"/>
-              <a:cs typeface="Times New Roman" panose="02020603050405020304" pitchFamily="18" charset="0"/>
+              <a:cs typeface="Arial" panose="020B0604020202020204" pitchFamily="34" charset="0"/>
             </a:endParaRPr>
           </a:p>
           <a:p>
@@ -4167,16 +4167,16 @@
             </a:pPr>
             <a:r>
               <a:rPr lang="en-US" altLang="zh-CN" sz="1800" kern="100" dirty="0">
-                <a:latin typeface="Times New Roman" panose="02020603050405020304" pitchFamily="18" charset="0"/>
+                <a:latin typeface="Arial" panose="020B0604020202020204" pitchFamily="34" charset="0"/>
                 <a:ea typeface="等线" panose="02010600030101010101" pitchFamily="2" charset="-122"/>
-                <a:cs typeface="Times New Roman" panose="02020603050405020304" pitchFamily="18" charset="0"/>
+                <a:cs typeface="Arial" panose="020B0604020202020204" pitchFamily="34" charset="0"/>
               </a:rPr>
               <a:t>P2010556	Polo Liu</a:t>
             </a:r>
             <a:endParaRPr lang="zh-CN" altLang="zh-CN" sz="1800" kern="100" dirty="0">
-              <a:latin typeface="等线" panose="02010600030101010101" pitchFamily="2" charset="-122"/>
+              <a:latin typeface="Arial" panose="020B0604020202020204" pitchFamily="34" charset="0"/>
               <a:ea typeface="等线" panose="02010600030101010101" pitchFamily="2" charset="-122"/>
-              <a:cs typeface="Times New Roman" panose="02020603050405020304" pitchFamily="18" charset="0"/>
+              <a:cs typeface="Arial" panose="020B0604020202020204" pitchFamily="34" charset="0"/>
             </a:endParaRPr>
           </a:p>
           <a:p>
@@ -4186,20 +4186,23 @@
             </a:pPr>
             <a:r>
               <a:rPr lang="en-US" altLang="zh-CN" sz="1800" kern="100" dirty="0">
-                <a:latin typeface="Times New Roman" panose="02020603050405020304" pitchFamily="18" charset="0"/>
+                <a:latin typeface="Arial" panose="020B0604020202020204" pitchFamily="34" charset="0"/>
                 <a:ea typeface="等线" panose="02010600030101010101" pitchFamily="2" charset="-122"/>
-                <a:cs typeface="Times New Roman" panose="02020603050405020304" pitchFamily="18" charset="0"/>
+                <a:cs typeface="Arial" panose="020B0604020202020204" pitchFamily="34" charset="0"/>
               </a:rPr>
               <a:t>P2010562	Veronica Chen</a:t>
             </a:r>
             <a:endParaRPr lang="zh-CN" altLang="zh-CN" sz="1800" kern="100" dirty="0">
-              <a:latin typeface="等线" panose="02010600030101010101" pitchFamily="2" charset="-122"/>
+              <a:latin typeface="Arial" panose="020B0604020202020204" pitchFamily="34" charset="0"/>
               <a:ea typeface="等线" panose="02010600030101010101" pitchFamily="2" charset="-122"/>
-              <a:cs typeface="Times New Roman" panose="02020603050405020304" pitchFamily="18" charset="0"/>
+              <a:cs typeface="Arial" panose="020B0604020202020204" pitchFamily="34" charset="0"/>
             </a:endParaRPr>
           </a:p>
           <a:p>
-            <a:endParaRPr lang="zh-CN" altLang="en-US" dirty="0"/>
+            <a:endParaRPr lang="zh-CN" altLang="en-US" dirty="0">
+              <a:latin typeface="Arial" panose="020B0604020202020204" pitchFamily="34" charset="0"/>
+              <a:cs typeface="Arial" panose="020B0604020202020204" pitchFamily="34" charset="0"/>
+            </a:endParaRPr>
           </a:p>
         </p:txBody>
       </p:sp>
@@ -4217,8 +4220,8 @@
         </p:nvSpPr>
         <p:spPr>
           <a:xfrm>
-            <a:off x="4422542" y="3436144"/>
-            <a:ext cx="470927" cy="369332"/>
+            <a:off x="3526615" y="3180274"/>
+            <a:ext cx="1276294" cy="369332"/>
           </a:xfrm>
           <a:prstGeom prst="rect">
             <a:avLst/>
@@ -4232,15 +4235,15 @@
           <a:lstStyle/>
           <a:p>
             <a:r>
-              <a:rPr lang="en-US" altLang="zh-CN" dirty="0">
-                <a:latin typeface="Times New Roman" panose="02020603050405020304" pitchFamily="18" charset="0"/>
-                <a:cs typeface="Times New Roman" panose="02020603050405020304" pitchFamily="18" charset="0"/>
-              </a:rPr>
-              <a:t>B1:</a:t>
-            </a:r>
-            <a:endParaRPr lang="zh-CN" altLang="en-US" dirty="0">
-              <a:latin typeface="Times New Roman" panose="02020603050405020304" pitchFamily="18" charset="0"/>
-              <a:cs typeface="Times New Roman" panose="02020603050405020304" pitchFamily="18" charset="0"/>
+              <a:rPr lang="en-US" altLang="zh-CN" i="1" dirty="0">
+                <a:latin typeface="Arial" panose="020B0604020202020204" pitchFamily="34" charset="0"/>
+                <a:cs typeface="Arial" panose="020B0604020202020204" pitchFamily="34" charset="0"/>
+              </a:rPr>
+              <a:t>Group B1</a:t>
+            </a:r>
+            <a:endParaRPr lang="zh-CN" altLang="en-US" i="1" dirty="0">
+              <a:latin typeface="Arial" panose="020B0604020202020204" pitchFamily="34" charset="0"/>
+              <a:cs typeface="Arial" panose="020B0604020202020204" pitchFamily="34" charset="0"/>
             </a:endParaRPr>
           </a:p>
         </p:txBody>
@@ -7189,10 +7192,10 @@
       </p:sp>
       <p:sp>
         <p:nvSpPr>
-          <p:cNvPr id="15" name="矩形 14">
-            <a:extLst>
-              <a:ext uri="{FF2B5EF4-FFF2-40B4-BE49-F238E27FC236}">
-                <a16:creationId xmlns:a16="http://schemas.microsoft.com/office/drawing/2014/main" id="{E758A9B9-77ED-0A41-FC37-BEBEE93163EB}"/>
+          <p:cNvPr id="2" name="矩形 10">
+            <a:extLst>
+              <a:ext uri="{FF2B5EF4-FFF2-40B4-BE49-F238E27FC236}">
+                <a16:creationId xmlns:a16="http://schemas.microsoft.com/office/drawing/2014/main" id="{2F20B40C-08C6-9813-DBB7-E3AC1EDBE03B}"/>
               </a:ext>
             </a:extLst>
           </p:cNvPr>
@@ -7202,7 +7205,7 @@
         <p:spPr>
           <a:xfrm>
             <a:off x="337912" y="291947"/>
-            <a:ext cx="4482317" cy="769441"/>
+            <a:ext cx="7143302" cy="769441"/>
           </a:xfrm>
           <a:prstGeom prst="rect">
             <a:avLst/>
@@ -7220,9 +7223,16 @@
                 <a:latin typeface="Arial" panose="020B0604020202020204" pitchFamily="34" charset="0"/>
                 <a:cs typeface="Arial" panose="020B0604020202020204" pitchFamily="34" charset="0"/>
               </a:rPr>
-              <a:t>Business Model</a:t>
-            </a:r>
-            <a:endParaRPr lang="zh-CN" altLang="en-US" sz="4400" b="1" cap="none" spc="0" dirty="0">
+              <a:t>Business Model </a:t>
+            </a:r>
+            <a:r>
+              <a:rPr lang="en-US" altLang="zh-CN" sz="3000" b="1" dirty="0">
+                <a:latin typeface="Arial" panose="020B0604020202020204" pitchFamily="34" charset="0"/>
+                <a:cs typeface="Arial" panose="020B0604020202020204" pitchFamily="34" charset="0"/>
+              </a:rPr>
+              <a:t>(Introduction)</a:t>
+            </a:r>
+            <a:endParaRPr lang="zh-CN" altLang="en-US" sz="3000" b="1" cap="none" spc="0" dirty="0">
               <a:ln w="0"/>
               <a:solidFill>
                 <a:schemeClr val="tx1"/>
@@ -7230,31 +7240,6 @@
               <a:latin typeface="Arial" panose="020B0604020202020204" pitchFamily="34" charset="0"/>
               <a:cs typeface="Arial" panose="020B0604020202020204" pitchFamily="34" charset="0"/>
             </a:endParaRPr>
-          </a:p>
-        </p:txBody>
-      </p:sp>
-      <p:sp>
-        <p:nvSpPr>
-          <p:cNvPr id="20" name="标题 19">
-            <a:extLst>
-              <a:ext uri="{FF2B5EF4-FFF2-40B4-BE49-F238E27FC236}">
-                <a16:creationId xmlns:a16="http://schemas.microsoft.com/office/drawing/2014/main" id="{9BDA0CD7-455A-F965-CA91-9D8B2DF6047D}"/>
-              </a:ext>
-            </a:extLst>
-          </p:cNvPr>
-          <p:cNvSpPr>
-            <a:spLocks noGrp="1"/>
-          </p:cNvSpPr>
-          <p:nvPr>
-            <p:ph type="title"/>
-          </p:nvPr>
-        </p:nvSpPr>
-        <p:spPr/>
-        <p:txBody>
-          <a:bodyPr/>
-          <a:lstStyle/>
-          <a:p>
-            <a:endParaRPr lang="en-US" dirty="0"/>
           </a:p>
         </p:txBody>
       </p:sp>
@@ -7795,31 +7780,6 @@
               <a:latin typeface="Arial" panose="020B0604020202020204" pitchFamily="34" charset="0"/>
               <a:cs typeface="Arial" panose="020B0604020202020204" pitchFamily="34" charset="0"/>
             </a:endParaRPr>
-          </a:p>
-        </p:txBody>
-      </p:sp>
-      <p:sp>
-        <p:nvSpPr>
-          <p:cNvPr id="13" name="标题 12">
-            <a:extLst>
-              <a:ext uri="{FF2B5EF4-FFF2-40B4-BE49-F238E27FC236}">
-                <a16:creationId xmlns:a16="http://schemas.microsoft.com/office/drawing/2014/main" id="{A350CFF1-9524-A2EE-75DD-ED5E2E8BA39A}"/>
-              </a:ext>
-            </a:extLst>
-          </p:cNvPr>
-          <p:cNvSpPr>
-            <a:spLocks noGrp="1"/>
-          </p:cNvSpPr>
-          <p:nvPr>
-            <p:ph type="title"/>
-          </p:nvPr>
-        </p:nvSpPr>
-        <p:spPr/>
-        <p:txBody>
-          <a:bodyPr/>
-          <a:lstStyle/>
-          <a:p>
-            <a:endParaRPr lang="en-US" dirty="0"/>
           </a:p>
         </p:txBody>
       </p:sp>
